--- a/회의록/olist프로젝트 .pptx
+++ b/회의록/olist프로젝트 .pptx
@@ -5,11 +5,12 @@
     <p:sldMasterId id="2147483660" r:id="rId1"/>
   </p:sldMasterIdLst>
   <p:notesMasterIdLst>
-    <p:notesMasterId r:id="rId4"/>
+    <p:notesMasterId r:id="rId5"/>
   </p:notesMasterIdLst>
   <p:sldIdLst>
     <p:sldId id="332" r:id="rId2"/>
-    <p:sldId id="321" r:id="rId3"/>
+    <p:sldId id="333" r:id="rId3"/>
+    <p:sldId id="321" r:id="rId4"/>
   </p:sldIdLst>
   <p:sldSz cx="9906000" cy="6858000" type="A4"/>
   <p:notesSz cx="6858000" cy="9144000"/>
@@ -114,6 +115,7 @@
         <p14:section name="기본 구역" id="{F54A3DD4-4055-4763-95F4-3469A8B9F1E8}">
           <p14:sldIdLst>
             <p14:sldId id="332"/>
+            <p14:sldId id="333"/>
             <p14:sldId id="321"/>
           </p14:sldIdLst>
         </p14:section>
@@ -15989,6 +15991,7732 @@
           <a:chExt cx="0" cy="0"/>
         </a:xfrm>
       </p:grpSpPr>
+      <p:sp>
+        <p:nvSpPr>
+          <p:cNvPr id="10" name="직사각형 9"/>
+          <p:cNvSpPr/>
+          <p:nvPr/>
+        </p:nvSpPr>
+        <p:spPr>
+          <a:xfrm>
+            <a:off x="0" y="-4763"/>
+            <a:ext cx="9906000" cy="1331119"/>
+          </a:xfrm>
+          <a:prstGeom prst="rect">
+            <a:avLst/>
+          </a:prstGeom>
+          <a:solidFill>
+            <a:schemeClr val="bg2"/>
+          </a:solidFill>
+          <a:ln>
+            <a:noFill/>
+          </a:ln>
+        </p:spPr>
+        <p:style>
+          <a:lnRef idx="2">
+            <a:schemeClr val="accent1">
+              <a:shade val="50000"/>
+            </a:schemeClr>
+          </a:lnRef>
+          <a:fillRef idx="1">
+            <a:schemeClr val="accent1"/>
+          </a:fillRef>
+          <a:effectRef idx="0">
+            <a:schemeClr val="accent1"/>
+          </a:effectRef>
+          <a:fontRef idx="minor">
+            <a:schemeClr val="lt1"/>
+          </a:fontRef>
+        </p:style>
+        <p:txBody>
+          <a:bodyPr rtlCol="0" anchor="ctr"/>
+          <a:lstStyle/>
+          <a:p>
+            <a:pPr algn="ctr"/>
+            <a:endParaRPr lang="ko-KR" altLang="en-US" sz="1463"/>
+          </a:p>
+        </p:txBody>
+      </p:sp>
+      <p:cxnSp>
+        <p:nvCxnSpPr>
+          <p:cNvPr id="11" name="직선 연결선 10"/>
+          <p:cNvCxnSpPr/>
+          <p:nvPr/>
+        </p:nvCxnSpPr>
+        <p:spPr>
+          <a:xfrm>
+            <a:off x="-13494" y="330916"/>
+            <a:ext cx="1620044" cy="0"/>
+          </a:xfrm>
+          <a:prstGeom prst="line">
+            <a:avLst/>
+          </a:prstGeom>
+          <a:ln>
+            <a:solidFill>
+              <a:schemeClr val="accent4"/>
+            </a:solidFill>
+          </a:ln>
+        </p:spPr>
+        <p:style>
+          <a:lnRef idx="1">
+            <a:schemeClr val="accent1"/>
+          </a:lnRef>
+          <a:fillRef idx="0">
+            <a:schemeClr val="accent1"/>
+          </a:fillRef>
+          <a:effectRef idx="0">
+            <a:schemeClr val="accent1"/>
+          </a:effectRef>
+          <a:fontRef idx="minor">
+            <a:schemeClr val="tx1"/>
+          </a:fontRef>
+        </p:style>
+      </p:cxnSp>
+      <p:sp>
+        <p:nvSpPr>
+          <p:cNvPr id="12" name="TextBox 11"/>
+          <p:cNvSpPr txBox="1"/>
+          <p:nvPr/>
+        </p:nvSpPr>
+        <p:spPr>
+          <a:xfrm>
+            <a:off x="6350" y="47509"/>
+            <a:ext cx="1048429" cy="276999"/>
+          </a:xfrm>
+          <a:prstGeom prst="rect">
+            <a:avLst/>
+          </a:prstGeom>
+          <a:noFill/>
+        </p:spPr>
+        <p:txBody>
+          <a:bodyPr wrap="none" rtlCol="0">
+            <a:spAutoFit/>
+          </a:bodyPr>
+          <a:lstStyle/>
+          <a:p>
+            <a:r>
+              <a:rPr lang="en-US" altLang="ko-KR" sz="1200" spc="-122" dirty="0">
+                <a:solidFill>
+                  <a:schemeClr val="accent4"/>
+                </a:solidFill>
+              </a:rPr>
+              <a:t>Machine Learning</a:t>
+            </a:r>
+            <a:endParaRPr lang="ko-KR" altLang="en-US" sz="1200" spc="-122" dirty="0">
+              <a:solidFill>
+                <a:schemeClr val="accent4"/>
+              </a:solidFill>
+            </a:endParaRPr>
+          </a:p>
+        </p:txBody>
+      </p:sp>
+      <p:sp>
+        <p:nvSpPr>
+          <p:cNvPr id="13" name="TextBox 12"/>
+          <p:cNvSpPr txBox="1"/>
+          <p:nvPr/>
+        </p:nvSpPr>
+        <p:spPr>
+          <a:xfrm>
+            <a:off x="748174" y="525309"/>
+            <a:ext cx="611066" cy="492443"/>
+          </a:xfrm>
+          <a:prstGeom prst="rect">
+            <a:avLst/>
+          </a:prstGeom>
+          <a:noFill/>
+        </p:spPr>
+        <p:txBody>
+          <a:bodyPr wrap="none" rtlCol="0">
+            <a:spAutoFit/>
+          </a:bodyPr>
+          <a:lstStyle/>
+          <a:p>
+            <a:pPr algn="r"/>
+            <a:r>
+              <a:rPr lang="en-US" altLang="ko-KR" sz="2600" b="1" dirty="0">
+                <a:solidFill>
+                  <a:schemeClr val="accent4"/>
+                </a:solidFill>
+              </a:rPr>
+              <a:t>2.4</a:t>
+            </a:r>
+            <a:endParaRPr lang="ko-KR" altLang="en-US" sz="2600" b="1" dirty="0">
+              <a:solidFill>
+                <a:schemeClr val="accent4"/>
+              </a:solidFill>
+            </a:endParaRPr>
+          </a:p>
+        </p:txBody>
+      </p:sp>
+      <p:sp>
+        <p:nvSpPr>
+          <p:cNvPr id="14" name="TextBox 13"/>
+          <p:cNvSpPr txBox="1"/>
+          <p:nvPr/>
+        </p:nvSpPr>
+        <p:spPr>
+          <a:xfrm>
+            <a:off x="1369480" y="519358"/>
+            <a:ext cx="2061270" cy="467500"/>
+          </a:xfrm>
+          <a:prstGeom prst="rect">
+            <a:avLst/>
+          </a:prstGeom>
+          <a:noFill/>
+        </p:spPr>
+        <p:txBody>
+          <a:bodyPr wrap="none" rtlCol="0">
+            <a:spAutoFit/>
+          </a:bodyPr>
+          <a:lstStyle/>
+          <a:p>
+            <a:r>
+              <a:rPr lang="ko-KR" altLang="en-US" sz="2438" spc="-122" dirty="0">
+                <a:solidFill>
+                  <a:schemeClr val="accent4"/>
+                </a:solidFill>
+                <a:latin typeface="+mj-ea"/>
+                <a:ea typeface="+mj-ea"/>
+              </a:rPr>
+              <a:t>파생변수 추가</a:t>
+            </a:r>
+          </a:p>
+        </p:txBody>
+      </p:sp>
+      <p:sp>
+        <p:nvSpPr>
+          <p:cNvPr id="15" name="TextBox 14"/>
+          <p:cNvSpPr txBox="1"/>
+          <p:nvPr/>
+        </p:nvSpPr>
+        <p:spPr>
+          <a:xfrm>
+            <a:off x="1377417" y="954793"/>
+            <a:ext cx="1683025" cy="276999"/>
+          </a:xfrm>
+          <a:prstGeom prst="rect">
+            <a:avLst/>
+          </a:prstGeom>
+          <a:noFill/>
+        </p:spPr>
+        <p:txBody>
+          <a:bodyPr wrap="none" rtlCol="0">
+            <a:spAutoFit/>
+          </a:bodyPr>
+          <a:lstStyle/>
+          <a:p>
+            <a:r>
+              <a:rPr lang="en-US" altLang="ko-KR" sz="1200" dirty="0">
+                <a:solidFill>
+                  <a:schemeClr val="accent4"/>
+                </a:solidFill>
+              </a:rPr>
+              <a:t>Adding Derived Variable</a:t>
+            </a:r>
+            <a:endParaRPr lang="ko-KR" altLang="en-US" sz="1200" dirty="0">
+              <a:solidFill>
+                <a:schemeClr val="accent4"/>
+              </a:solidFill>
+            </a:endParaRPr>
+          </a:p>
+        </p:txBody>
+      </p:sp>
+      <p:sp>
+        <p:nvSpPr>
+          <p:cNvPr id="9" name="직사각형 8"/>
+          <p:cNvSpPr/>
+          <p:nvPr/>
+        </p:nvSpPr>
+        <p:spPr>
+          <a:xfrm>
+            <a:off x="1354968" y="1993900"/>
+            <a:ext cx="7200000" cy="4329912"/>
+          </a:xfrm>
+          <a:prstGeom prst="rect">
+            <a:avLst/>
+          </a:prstGeom>
+          <a:solidFill>
+            <a:srgbClr val="44546A"/>
+          </a:solidFill>
+          <a:ln>
+            <a:noFill/>
+          </a:ln>
+        </p:spPr>
+        <p:style>
+          <a:lnRef idx="2">
+            <a:schemeClr val="accent1">
+              <a:shade val="50000"/>
+            </a:schemeClr>
+          </a:lnRef>
+          <a:fillRef idx="1">
+            <a:schemeClr val="accent1"/>
+          </a:fillRef>
+          <a:effectRef idx="0">
+            <a:schemeClr val="accent1"/>
+          </a:effectRef>
+          <a:fontRef idx="minor">
+            <a:schemeClr val="lt1"/>
+          </a:fontRef>
+        </p:style>
+        <p:txBody>
+          <a:bodyPr rtlCol="0" anchor="ctr"/>
+          <a:lstStyle/>
+          <a:p>
+            <a:endParaRPr lang="ko-KR" altLang="en-US" dirty="0"/>
+          </a:p>
+        </p:txBody>
+      </p:sp>
+      <p:sp>
+        <p:nvSpPr>
+          <p:cNvPr id="16" name="직사각형 15">
+            <a:extLst>
+              <a:ext uri="{FF2B5EF4-FFF2-40B4-BE49-F238E27FC236}">
+                <a16:creationId xmlns:a16="http://schemas.microsoft.com/office/drawing/2014/main" id="{884BA6CE-525D-4FB9-ADFB-7A979DA44F52}"/>
+              </a:ext>
+            </a:extLst>
+          </p:cNvPr>
+          <p:cNvSpPr/>
+          <p:nvPr/>
+        </p:nvSpPr>
+        <p:spPr>
+          <a:xfrm>
+            <a:off x="1354968" y="1459120"/>
+            <a:ext cx="2862982" cy="452352"/>
+          </a:xfrm>
+          <a:prstGeom prst="rect">
+            <a:avLst/>
+          </a:prstGeom>
+          <a:noFill/>
+          <a:ln w="19050">
+            <a:noFill/>
+          </a:ln>
+        </p:spPr>
+        <p:style>
+          <a:lnRef idx="2">
+            <a:schemeClr val="accent1">
+              <a:shade val="50000"/>
+            </a:schemeClr>
+          </a:lnRef>
+          <a:fillRef idx="1">
+            <a:schemeClr val="accent1"/>
+          </a:fillRef>
+          <a:effectRef idx="0">
+            <a:schemeClr val="accent1"/>
+          </a:effectRef>
+          <a:fontRef idx="minor">
+            <a:schemeClr val="lt1"/>
+          </a:fontRef>
+        </p:style>
+        <p:txBody>
+          <a:bodyPr rtlCol="0" anchor="ctr"/>
+          <a:lstStyle/>
+          <a:p>
+            <a:pPr fontAlgn="ctr"/>
+            <a:r>
+              <a:rPr lang="ko-KR" altLang="en-US" dirty="0">
+                <a:solidFill>
+                  <a:schemeClr val="tx1"/>
+                </a:solidFill>
+                <a:latin typeface="맑은 고딕" panose="020B0503020000020004" pitchFamily="50" charset="-127"/>
+                <a:ea typeface="맑은 고딕" panose="020B0503020000020004" pitchFamily="50" charset="-127"/>
+              </a:rPr>
+              <a:t>데이터처리</a:t>
+            </a:r>
+            <a:endParaRPr lang="en-US" altLang="ko-KR" dirty="0">
+              <a:solidFill>
+                <a:schemeClr val="tx1"/>
+              </a:solidFill>
+              <a:latin typeface="맑은 고딕" panose="020B0503020000020004" pitchFamily="50" charset="-127"/>
+              <a:ea typeface="맑은 고딕" panose="020B0503020000020004" pitchFamily="50" charset="-127"/>
+            </a:endParaRPr>
+          </a:p>
+        </p:txBody>
+      </p:sp>
+      <p:graphicFrame>
+        <p:nvGraphicFramePr>
+          <p:cNvPr id="2" name="표 1">
+            <a:extLst>
+              <a:ext uri="{FF2B5EF4-FFF2-40B4-BE49-F238E27FC236}">
+                <a16:creationId xmlns:a16="http://schemas.microsoft.com/office/drawing/2014/main" id="{24885DD2-A532-4BEE-BEBA-27ADD8291AFB}"/>
+              </a:ext>
+            </a:extLst>
+          </p:cNvPr>
+          <p:cNvGraphicFramePr>
+            <a:graphicFrameLocks noGrp="1"/>
+          </p:cNvGraphicFramePr>
+          <p:nvPr/>
+        </p:nvGraphicFramePr>
+        <p:xfrm>
+          <a:off x="1496826" y="6991356"/>
+          <a:ext cx="8543924" cy="873027"/>
+        </p:xfrm>
+        <a:graphic>
+          <a:graphicData uri="http://schemas.openxmlformats.org/drawingml/2006/table">
+            <a:tbl>
+              <a:tblPr/>
+              <a:tblGrid>
+                <a:gridCol w="358386">
+                  <a:extLst>
+                    <a:ext uri="{9D8B030D-6E8A-4147-A177-3AD203B41FA5}">
+                      <a16:colId xmlns:a16="http://schemas.microsoft.com/office/drawing/2014/main" val="2423004402"/>
+                    </a:ext>
+                  </a:extLst>
+                </a:gridCol>
+                <a:gridCol w="508908">
+                  <a:extLst>
+                    <a:ext uri="{9D8B030D-6E8A-4147-A177-3AD203B41FA5}">
+                      <a16:colId xmlns:a16="http://schemas.microsoft.com/office/drawing/2014/main" val="18138452"/>
+                    </a:ext>
+                  </a:extLst>
+                </a:gridCol>
+                <a:gridCol w="494573">
+                  <a:extLst>
+                    <a:ext uri="{9D8B030D-6E8A-4147-A177-3AD203B41FA5}">
+                      <a16:colId xmlns:a16="http://schemas.microsoft.com/office/drawing/2014/main" val="3813063325"/>
+                    </a:ext>
+                  </a:extLst>
+                </a:gridCol>
+                <a:gridCol w="723940">
+                  <a:extLst>
+                    <a:ext uri="{9D8B030D-6E8A-4147-A177-3AD203B41FA5}">
+                      <a16:colId xmlns:a16="http://schemas.microsoft.com/office/drawing/2014/main" val="1495366466"/>
+                    </a:ext>
+                  </a:extLst>
+                </a:gridCol>
+                <a:gridCol w="867294">
+                  <a:extLst>
+                    <a:ext uri="{9D8B030D-6E8A-4147-A177-3AD203B41FA5}">
+                      <a16:colId xmlns:a16="http://schemas.microsoft.com/office/drawing/2014/main" val="2591108072"/>
+                    </a:ext>
+                  </a:extLst>
+                </a:gridCol>
+                <a:gridCol w="602089">
+                  <a:extLst>
+                    <a:ext uri="{9D8B030D-6E8A-4147-A177-3AD203B41FA5}">
+                      <a16:colId xmlns:a16="http://schemas.microsoft.com/office/drawing/2014/main" val="106533295"/>
+                    </a:ext>
+                  </a:extLst>
+                </a:gridCol>
+                <a:gridCol w="444399">
+                  <a:extLst>
+                    <a:ext uri="{9D8B030D-6E8A-4147-A177-3AD203B41FA5}">
+                      <a16:colId xmlns:a16="http://schemas.microsoft.com/office/drawing/2014/main" val="221808463"/>
+                    </a:ext>
+                  </a:extLst>
+                </a:gridCol>
+                <a:gridCol w="688101">
+                  <a:extLst>
+                    <a:ext uri="{9D8B030D-6E8A-4147-A177-3AD203B41FA5}">
+                      <a16:colId xmlns:a16="http://schemas.microsoft.com/office/drawing/2014/main" val="3006859871"/>
+                    </a:ext>
+                  </a:extLst>
+                </a:gridCol>
+                <a:gridCol w="602089">
+                  <a:extLst>
+                    <a:ext uri="{9D8B030D-6E8A-4147-A177-3AD203B41FA5}">
+                      <a16:colId xmlns:a16="http://schemas.microsoft.com/office/drawing/2014/main" val="2087914812"/>
+                    </a:ext>
+                  </a:extLst>
+                </a:gridCol>
+                <a:gridCol w="695269">
+                  <a:extLst>
+                    <a:ext uri="{9D8B030D-6E8A-4147-A177-3AD203B41FA5}">
+                      <a16:colId xmlns:a16="http://schemas.microsoft.com/office/drawing/2014/main" val="3590358741"/>
+                    </a:ext>
+                  </a:extLst>
+                </a:gridCol>
+                <a:gridCol w="788449">
+                  <a:extLst>
+                    <a:ext uri="{9D8B030D-6E8A-4147-A177-3AD203B41FA5}">
+                      <a16:colId xmlns:a16="http://schemas.microsoft.com/office/drawing/2014/main" val="4058171390"/>
+                    </a:ext>
+                  </a:extLst>
+                </a:gridCol>
+                <a:gridCol w="609256">
+                  <a:extLst>
+                    <a:ext uri="{9D8B030D-6E8A-4147-A177-3AD203B41FA5}">
+                      <a16:colId xmlns:a16="http://schemas.microsoft.com/office/drawing/2014/main" val="3656486666"/>
+                    </a:ext>
+                  </a:extLst>
+                </a:gridCol>
+                <a:gridCol w="616424">
+                  <a:extLst>
+                    <a:ext uri="{9D8B030D-6E8A-4147-A177-3AD203B41FA5}">
+                      <a16:colId xmlns:a16="http://schemas.microsoft.com/office/drawing/2014/main" val="4133880920"/>
+                    </a:ext>
+                  </a:extLst>
+                </a:gridCol>
+                <a:gridCol w="544747">
+                  <a:extLst>
+                    <a:ext uri="{9D8B030D-6E8A-4147-A177-3AD203B41FA5}">
+                      <a16:colId xmlns:a16="http://schemas.microsoft.com/office/drawing/2014/main" val="1331435746"/>
+                    </a:ext>
+                  </a:extLst>
+                </a:gridCol>
+              </a:tblGrid>
+              <a:tr h="249437">
+                <a:tc>
+                  <a:txBody>
+                    <a:bodyPr/>
+                    <a:lstStyle/>
+                    <a:p>
+                      <a:pPr algn="l" fontAlgn="ctr"/>
+                      <a:r>
+                        <a:rPr lang="en-US" sz="600" b="0" i="0" u="none" strike="noStrike">
+                          <a:solidFill>
+                            <a:srgbClr val="000000"/>
+                          </a:solidFill>
+                          <a:effectLst/>
+                          <a:latin typeface="맑은 고딕" panose="020B0503020000020004" pitchFamily="50" charset="-127"/>
+                          <a:ea typeface="맑은 고딕" panose="020B0503020000020004" pitchFamily="50" charset="-127"/>
+                        </a:rPr>
+                        <a:t>price</a:t>
+                      </a:r>
+                    </a:p>
+                  </a:txBody>
+                  <a:tcPr marL="4301" marR="4301" marT="4301" marB="0" anchor="ctr">
+                    <a:lnL w="6350" cap="flat" cmpd="sng" algn="ctr">
+                      <a:solidFill>
+                        <a:srgbClr val="000000"/>
+                      </a:solidFill>
+                      <a:prstDash val="solid"/>
+                      <a:round/>
+                      <a:headEnd type="none" w="med" len="med"/>
+                      <a:tailEnd type="none" w="med" len="med"/>
+                    </a:lnL>
+                    <a:lnR w="6350" cap="flat" cmpd="sng" algn="ctr">
+                      <a:solidFill>
+                        <a:srgbClr val="000000"/>
+                      </a:solidFill>
+                      <a:prstDash val="solid"/>
+                      <a:round/>
+                      <a:headEnd type="none" w="med" len="med"/>
+                      <a:tailEnd type="none" w="med" len="med"/>
+                    </a:lnR>
+                    <a:lnT w="6350" cap="flat" cmpd="sng" algn="ctr">
+                      <a:solidFill>
+                        <a:srgbClr val="000000"/>
+                      </a:solidFill>
+                      <a:prstDash val="solid"/>
+                      <a:round/>
+                      <a:headEnd type="none" w="med" len="med"/>
+                      <a:tailEnd type="none" w="med" len="med"/>
+                    </a:lnT>
+                    <a:lnB w="6350" cap="flat" cmpd="sng" algn="ctr">
+                      <a:solidFill>
+                        <a:srgbClr val="000000"/>
+                      </a:solidFill>
+                      <a:prstDash val="solid"/>
+                      <a:round/>
+                      <a:headEnd type="none" w="med" len="med"/>
+                      <a:tailEnd type="none" w="med" len="med"/>
+                    </a:lnB>
+                    <a:solidFill>
+                      <a:srgbClr val="C6E0B4"/>
+                    </a:solidFill>
+                  </a:tcPr>
+                </a:tc>
+                <a:tc>
+                  <a:txBody>
+                    <a:bodyPr/>
+                    <a:lstStyle/>
+                    <a:p>
+                      <a:pPr algn="l" fontAlgn="ctr"/>
+                      <a:r>
+                        <a:rPr lang="en-US" sz="600" b="0" i="0" u="none" strike="noStrike">
+                          <a:solidFill>
+                            <a:srgbClr val="000000"/>
+                          </a:solidFill>
+                          <a:effectLst/>
+                          <a:latin typeface="맑은 고딕" panose="020B0503020000020004" pitchFamily="50" charset="-127"/>
+                          <a:ea typeface="맑은 고딕" panose="020B0503020000020004" pitchFamily="50" charset="-127"/>
+                        </a:rPr>
+                        <a:t>freight_value</a:t>
+                      </a:r>
+                    </a:p>
+                  </a:txBody>
+                  <a:tcPr marL="4301" marR="4301" marT="4301" marB="0" anchor="ctr">
+                    <a:lnL w="6350" cap="flat" cmpd="sng" algn="ctr">
+                      <a:solidFill>
+                        <a:srgbClr val="000000"/>
+                      </a:solidFill>
+                      <a:prstDash val="solid"/>
+                      <a:round/>
+                      <a:headEnd type="none" w="med" len="med"/>
+                      <a:tailEnd type="none" w="med" len="med"/>
+                    </a:lnL>
+                    <a:lnR w="6350" cap="flat" cmpd="sng" algn="ctr">
+                      <a:solidFill>
+                        <a:srgbClr val="000000"/>
+                      </a:solidFill>
+                      <a:prstDash val="solid"/>
+                      <a:round/>
+                      <a:headEnd type="none" w="med" len="med"/>
+                      <a:tailEnd type="none" w="med" len="med"/>
+                    </a:lnR>
+                    <a:lnT w="6350" cap="flat" cmpd="sng" algn="ctr">
+                      <a:solidFill>
+                        <a:srgbClr val="000000"/>
+                      </a:solidFill>
+                      <a:prstDash val="solid"/>
+                      <a:round/>
+                      <a:headEnd type="none" w="med" len="med"/>
+                      <a:tailEnd type="none" w="med" len="med"/>
+                    </a:lnT>
+                    <a:lnB w="6350" cap="flat" cmpd="sng" algn="ctr">
+                      <a:solidFill>
+                        <a:srgbClr val="000000"/>
+                      </a:solidFill>
+                      <a:prstDash val="solid"/>
+                      <a:round/>
+                      <a:headEnd type="none" w="med" len="med"/>
+                      <a:tailEnd type="none" w="med" len="med"/>
+                    </a:lnB>
+                    <a:solidFill>
+                      <a:srgbClr val="C6E0B4"/>
+                    </a:solidFill>
+                  </a:tcPr>
+                </a:tc>
+                <a:tc>
+                  <a:txBody>
+                    <a:bodyPr/>
+                    <a:lstStyle/>
+                    <a:p>
+                      <a:pPr algn="l" fontAlgn="ctr"/>
+                      <a:r>
+                        <a:rPr lang="en-US" sz="600" b="0" i="0" u="none" strike="noStrike">
+                          <a:solidFill>
+                            <a:srgbClr val="000000"/>
+                          </a:solidFill>
+                          <a:effectLst/>
+                          <a:latin typeface="맑은 고딕" panose="020B0503020000020004" pitchFamily="50" charset="-127"/>
+                          <a:ea typeface="맑은 고딕" panose="020B0503020000020004" pitchFamily="50" charset="-127"/>
+                        </a:rPr>
+                        <a:t>product</a:t>
+                      </a:r>
+                      <a:br>
+                        <a:rPr lang="en-US" sz="600" b="0" i="0" u="none" strike="noStrike">
+                          <a:solidFill>
+                            <a:srgbClr val="000000"/>
+                          </a:solidFill>
+                          <a:effectLst/>
+                          <a:latin typeface="맑은 고딕" panose="020B0503020000020004" pitchFamily="50" charset="-127"/>
+                          <a:ea typeface="맑은 고딕" panose="020B0503020000020004" pitchFamily="50" charset="-127"/>
+                        </a:rPr>
+                      </a:br>
+                      <a:r>
+                        <a:rPr lang="en-US" sz="600" b="0" i="0" u="none" strike="noStrike">
+                          <a:solidFill>
+                            <a:srgbClr val="000000"/>
+                          </a:solidFill>
+                          <a:effectLst/>
+                          <a:latin typeface="맑은 고딕" panose="020B0503020000020004" pitchFamily="50" charset="-127"/>
+                          <a:ea typeface="맑은 고딕" panose="020B0503020000020004" pitchFamily="50" charset="-127"/>
+                        </a:rPr>
+                        <a:t>_weight_g</a:t>
+                      </a:r>
+                    </a:p>
+                  </a:txBody>
+                  <a:tcPr marL="4301" marR="4301" marT="4301" marB="0" anchor="ctr">
+                    <a:lnL w="6350" cap="flat" cmpd="sng" algn="ctr">
+                      <a:solidFill>
+                        <a:srgbClr val="000000"/>
+                      </a:solidFill>
+                      <a:prstDash val="solid"/>
+                      <a:round/>
+                      <a:headEnd type="none" w="med" len="med"/>
+                      <a:tailEnd type="none" w="med" len="med"/>
+                    </a:lnL>
+                    <a:lnR w="6350" cap="flat" cmpd="sng" algn="ctr">
+                      <a:solidFill>
+                        <a:srgbClr val="000000"/>
+                      </a:solidFill>
+                      <a:prstDash val="solid"/>
+                      <a:round/>
+                      <a:headEnd type="none" w="med" len="med"/>
+                      <a:tailEnd type="none" w="med" len="med"/>
+                    </a:lnR>
+                    <a:lnT w="6350" cap="flat" cmpd="sng" algn="ctr">
+                      <a:solidFill>
+                        <a:srgbClr val="000000"/>
+                      </a:solidFill>
+                      <a:prstDash val="solid"/>
+                      <a:round/>
+                      <a:headEnd type="none" w="med" len="med"/>
+                      <a:tailEnd type="none" w="med" len="med"/>
+                    </a:lnT>
+                    <a:lnB w="6350" cap="flat" cmpd="sng" algn="ctr">
+                      <a:solidFill>
+                        <a:srgbClr val="000000"/>
+                      </a:solidFill>
+                      <a:prstDash val="solid"/>
+                      <a:round/>
+                      <a:headEnd type="none" w="med" len="med"/>
+                      <a:tailEnd type="none" w="med" len="med"/>
+                    </a:lnB>
+                    <a:solidFill>
+                      <a:srgbClr val="C6E0B4"/>
+                    </a:solidFill>
+                  </a:tcPr>
+                </a:tc>
+                <a:tc>
+                  <a:txBody>
+                    <a:bodyPr/>
+                    <a:lstStyle/>
+                    <a:p>
+                      <a:pPr algn="l" fontAlgn="ctr"/>
+                      <a:r>
+                        <a:rPr lang="en-US" sz="600" b="0" i="0" u="none" strike="noStrike">
+                          <a:solidFill>
+                            <a:srgbClr val="000000"/>
+                          </a:solidFill>
+                          <a:effectLst/>
+                          <a:latin typeface="맑은 고딕" panose="020B0503020000020004" pitchFamily="50" charset="-127"/>
+                          <a:ea typeface="맑은 고딕" panose="020B0503020000020004" pitchFamily="50" charset="-127"/>
+                        </a:rPr>
+                        <a:t>product_category</a:t>
+                      </a:r>
+                      <a:br>
+                        <a:rPr lang="en-US" sz="600" b="0" i="0" u="none" strike="noStrike">
+                          <a:solidFill>
+                            <a:srgbClr val="000000"/>
+                          </a:solidFill>
+                          <a:effectLst/>
+                          <a:latin typeface="맑은 고딕" panose="020B0503020000020004" pitchFamily="50" charset="-127"/>
+                          <a:ea typeface="맑은 고딕" panose="020B0503020000020004" pitchFamily="50" charset="-127"/>
+                        </a:rPr>
+                      </a:br>
+                      <a:r>
+                        <a:rPr lang="en-US" sz="600" b="0" i="0" u="none" strike="noStrike">
+                          <a:solidFill>
+                            <a:srgbClr val="000000"/>
+                          </a:solidFill>
+                          <a:effectLst/>
+                          <a:latin typeface="맑은 고딕" panose="020B0503020000020004" pitchFamily="50" charset="-127"/>
+                          <a:ea typeface="맑은 고딕" panose="020B0503020000020004" pitchFamily="50" charset="-127"/>
+                        </a:rPr>
+                        <a:t>_name_english</a:t>
+                      </a:r>
+                    </a:p>
+                  </a:txBody>
+                  <a:tcPr marL="4301" marR="4301" marT="4301" marB="0" anchor="ctr">
+                    <a:lnL w="6350" cap="flat" cmpd="sng" algn="ctr">
+                      <a:solidFill>
+                        <a:srgbClr val="000000"/>
+                      </a:solidFill>
+                      <a:prstDash val="solid"/>
+                      <a:round/>
+                      <a:headEnd type="none" w="med" len="med"/>
+                      <a:tailEnd type="none" w="med" len="med"/>
+                    </a:lnL>
+                    <a:lnR w="6350" cap="flat" cmpd="sng" algn="ctr">
+                      <a:solidFill>
+                        <a:srgbClr val="000000"/>
+                      </a:solidFill>
+                      <a:prstDash val="solid"/>
+                      <a:round/>
+                      <a:headEnd type="none" w="med" len="med"/>
+                      <a:tailEnd type="none" w="med" len="med"/>
+                    </a:lnR>
+                    <a:lnT w="6350" cap="flat" cmpd="sng" algn="ctr">
+                      <a:solidFill>
+                        <a:srgbClr val="000000"/>
+                      </a:solidFill>
+                      <a:prstDash val="solid"/>
+                      <a:round/>
+                      <a:headEnd type="none" w="med" len="med"/>
+                      <a:tailEnd type="none" w="med" len="med"/>
+                    </a:lnT>
+                    <a:lnB w="6350" cap="flat" cmpd="sng" algn="ctr">
+                      <a:solidFill>
+                        <a:srgbClr val="000000"/>
+                      </a:solidFill>
+                      <a:prstDash val="solid"/>
+                      <a:round/>
+                      <a:headEnd type="none" w="med" len="med"/>
+                      <a:tailEnd type="none" w="med" len="med"/>
+                    </a:lnB>
+                    <a:solidFill>
+                      <a:srgbClr val="C6E0B4"/>
+                    </a:solidFill>
+                  </a:tcPr>
+                </a:tc>
+                <a:tc>
+                  <a:txBody>
+                    <a:bodyPr/>
+                    <a:lstStyle/>
+                    <a:p>
+                      <a:pPr algn="l" fontAlgn="ctr"/>
+                      <a:r>
+                        <a:rPr lang="en-US" sz="600" b="0" i="0" u="none" strike="noStrike">
+                          <a:solidFill>
+                            <a:srgbClr val="000000"/>
+                          </a:solidFill>
+                          <a:effectLst/>
+                          <a:latin typeface="맑은 고딕" panose="020B0503020000020004" pitchFamily="50" charset="-127"/>
+                          <a:ea typeface="맑은 고딕" panose="020B0503020000020004" pitchFamily="50" charset="-127"/>
+                        </a:rPr>
+                        <a:t>order_delivered</a:t>
+                      </a:r>
+                      <a:br>
+                        <a:rPr lang="en-US" sz="600" b="0" i="0" u="none" strike="noStrike">
+                          <a:solidFill>
+                            <a:srgbClr val="000000"/>
+                          </a:solidFill>
+                          <a:effectLst/>
+                          <a:latin typeface="맑은 고딕" panose="020B0503020000020004" pitchFamily="50" charset="-127"/>
+                          <a:ea typeface="맑은 고딕" panose="020B0503020000020004" pitchFamily="50" charset="-127"/>
+                        </a:rPr>
+                      </a:br>
+                      <a:r>
+                        <a:rPr lang="en-US" sz="600" b="0" i="0" u="none" strike="noStrike">
+                          <a:solidFill>
+                            <a:srgbClr val="000000"/>
+                          </a:solidFill>
+                          <a:effectLst/>
+                          <a:latin typeface="맑은 고딕" panose="020B0503020000020004" pitchFamily="50" charset="-127"/>
+                          <a:ea typeface="맑은 고딕" panose="020B0503020000020004" pitchFamily="50" charset="-127"/>
+                        </a:rPr>
+                        <a:t>_customer_date_delay</a:t>
+                      </a:r>
+                    </a:p>
+                  </a:txBody>
+                  <a:tcPr marL="4301" marR="4301" marT="4301" marB="0" anchor="ctr">
+                    <a:lnL w="6350" cap="flat" cmpd="sng" algn="ctr">
+                      <a:solidFill>
+                        <a:srgbClr val="000000"/>
+                      </a:solidFill>
+                      <a:prstDash val="solid"/>
+                      <a:round/>
+                      <a:headEnd type="none" w="med" len="med"/>
+                      <a:tailEnd type="none" w="med" len="med"/>
+                    </a:lnL>
+                    <a:lnR w="6350" cap="flat" cmpd="sng" algn="ctr">
+                      <a:solidFill>
+                        <a:srgbClr val="000000"/>
+                      </a:solidFill>
+                      <a:prstDash val="solid"/>
+                      <a:round/>
+                      <a:headEnd type="none" w="med" len="med"/>
+                      <a:tailEnd type="none" w="med" len="med"/>
+                    </a:lnR>
+                    <a:lnT w="6350" cap="flat" cmpd="sng" algn="ctr">
+                      <a:solidFill>
+                        <a:srgbClr val="000000"/>
+                      </a:solidFill>
+                      <a:prstDash val="solid"/>
+                      <a:round/>
+                      <a:headEnd type="none" w="med" len="med"/>
+                      <a:tailEnd type="none" w="med" len="med"/>
+                    </a:lnT>
+                    <a:lnB w="6350" cap="flat" cmpd="sng" algn="ctr">
+                      <a:solidFill>
+                        <a:srgbClr val="000000"/>
+                      </a:solidFill>
+                      <a:prstDash val="solid"/>
+                      <a:round/>
+                      <a:headEnd type="none" w="med" len="med"/>
+                      <a:tailEnd type="none" w="med" len="med"/>
+                    </a:lnB>
+                    <a:solidFill>
+                      <a:srgbClr val="C6E0B4"/>
+                    </a:solidFill>
+                  </a:tcPr>
+                </a:tc>
+                <a:tc>
+                  <a:txBody>
+                    <a:bodyPr/>
+                    <a:lstStyle/>
+                    <a:p>
+                      <a:pPr algn="l" fontAlgn="ctr"/>
+                      <a:r>
+                        <a:rPr lang="en-US" sz="600" b="0" i="0" u="none" strike="noStrike">
+                          <a:solidFill>
+                            <a:srgbClr val="000000"/>
+                          </a:solidFill>
+                          <a:effectLst/>
+                          <a:latin typeface="맑은 고딕" panose="020B0503020000020004" pitchFamily="50" charset="-127"/>
+                          <a:ea typeface="맑은 고딕" panose="020B0503020000020004" pitchFamily="50" charset="-127"/>
+                        </a:rPr>
+                        <a:t>customer_state</a:t>
+                      </a:r>
+                    </a:p>
+                  </a:txBody>
+                  <a:tcPr marL="4301" marR="4301" marT="4301" marB="0" anchor="ctr">
+                    <a:lnL w="6350" cap="flat" cmpd="sng" algn="ctr">
+                      <a:solidFill>
+                        <a:srgbClr val="000000"/>
+                      </a:solidFill>
+                      <a:prstDash val="solid"/>
+                      <a:round/>
+                      <a:headEnd type="none" w="med" len="med"/>
+                      <a:tailEnd type="none" w="med" len="med"/>
+                    </a:lnL>
+                    <a:lnR w="6350" cap="flat" cmpd="sng" algn="ctr">
+                      <a:solidFill>
+                        <a:srgbClr val="000000"/>
+                      </a:solidFill>
+                      <a:prstDash val="solid"/>
+                      <a:round/>
+                      <a:headEnd type="none" w="med" len="med"/>
+                      <a:tailEnd type="none" w="med" len="med"/>
+                    </a:lnR>
+                    <a:lnT w="6350" cap="flat" cmpd="sng" algn="ctr">
+                      <a:solidFill>
+                        <a:srgbClr val="000000"/>
+                      </a:solidFill>
+                      <a:prstDash val="solid"/>
+                      <a:round/>
+                      <a:headEnd type="none" w="med" len="med"/>
+                      <a:tailEnd type="none" w="med" len="med"/>
+                    </a:lnT>
+                    <a:lnB w="6350" cap="flat" cmpd="sng" algn="ctr">
+                      <a:solidFill>
+                        <a:srgbClr val="000000"/>
+                      </a:solidFill>
+                      <a:prstDash val="solid"/>
+                      <a:round/>
+                      <a:headEnd type="none" w="med" len="med"/>
+                      <a:tailEnd type="none" w="med" len="med"/>
+                    </a:lnB>
+                    <a:solidFill>
+                      <a:srgbClr val="C6E0B4"/>
+                    </a:solidFill>
+                  </a:tcPr>
+                </a:tc>
+                <a:tc>
+                  <a:txBody>
+                    <a:bodyPr/>
+                    <a:lstStyle/>
+                    <a:p>
+                      <a:pPr algn="l" fontAlgn="ctr"/>
+                      <a:r>
+                        <a:rPr lang="en-US" sz="600" b="0" i="0" u="none" strike="noStrike">
+                          <a:solidFill>
+                            <a:srgbClr val="000000"/>
+                          </a:solidFill>
+                          <a:effectLst/>
+                          <a:latin typeface="맑은 고딕" panose="020B0503020000020004" pitchFamily="50" charset="-127"/>
+                          <a:ea typeface="맑은 고딕" panose="020B0503020000020004" pitchFamily="50" charset="-127"/>
+                        </a:rPr>
+                        <a:t>seller_state</a:t>
+                      </a:r>
+                    </a:p>
+                  </a:txBody>
+                  <a:tcPr marL="4301" marR="4301" marT="4301" marB="0" anchor="ctr">
+                    <a:lnL w="6350" cap="flat" cmpd="sng" algn="ctr">
+                      <a:solidFill>
+                        <a:srgbClr val="000000"/>
+                      </a:solidFill>
+                      <a:prstDash val="solid"/>
+                      <a:round/>
+                      <a:headEnd type="none" w="med" len="med"/>
+                      <a:tailEnd type="none" w="med" len="med"/>
+                    </a:lnL>
+                    <a:lnR w="6350" cap="flat" cmpd="sng" algn="ctr">
+                      <a:solidFill>
+                        <a:srgbClr val="000000"/>
+                      </a:solidFill>
+                      <a:prstDash val="solid"/>
+                      <a:round/>
+                      <a:headEnd type="none" w="med" len="med"/>
+                      <a:tailEnd type="none" w="med" len="med"/>
+                    </a:lnR>
+                    <a:lnT w="6350" cap="flat" cmpd="sng" algn="ctr">
+                      <a:solidFill>
+                        <a:srgbClr val="000000"/>
+                      </a:solidFill>
+                      <a:prstDash val="solid"/>
+                      <a:round/>
+                      <a:headEnd type="none" w="med" len="med"/>
+                      <a:tailEnd type="none" w="med" len="med"/>
+                    </a:lnT>
+                    <a:lnB w="6350" cap="flat" cmpd="sng" algn="ctr">
+                      <a:solidFill>
+                        <a:srgbClr val="000000"/>
+                      </a:solidFill>
+                      <a:prstDash val="solid"/>
+                      <a:round/>
+                      <a:headEnd type="none" w="med" len="med"/>
+                      <a:tailEnd type="none" w="med" len="med"/>
+                    </a:lnB>
+                    <a:solidFill>
+                      <a:srgbClr val="C6E0B4"/>
+                    </a:solidFill>
+                  </a:tcPr>
+                </a:tc>
+                <a:tc>
+                  <a:txBody>
+                    <a:bodyPr/>
+                    <a:lstStyle/>
+                    <a:p>
+                      <a:pPr algn="l" fontAlgn="ctr"/>
+                      <a:r>
+                        <a:rPr lang="en-US" sz="600" b="0" i="0" u="none" strike="noStrike">
+                          <a:solidFill>
+                            <a:srgbClr val="000000"/>
+                          </a:solidFill>
+                          <a:effectLst/>
+                          <a:latin typeface="맑은 고딕" panose="020B0503020000020004" pitchFamily="50" charset="-127"/>
+                          <a:ea typeface="맑은 고딕" panose="020B0503020000020004" pitchFamily="50" charset="-127"/>
+                        </a:rPr>
+                        <a:t>distance_crawling</a:t>
+                      </a:r>
+                    </a:p>
+                  </a:txBody>
+                  <a:tcPr marL="4301" marR="4301" marT="4301" marB="0" anchor="ctr">
+                    <a:lnL w="6350" cap="flat" cmpd="sng" algn="ctr">
+                      <a:solidFill>
+                        <a:srgbClr val="000000"/>
+                      </a:solidFill>
+                      <a:prstDash val="solid"/>
+                      <a:round/>
+                      <a:headEnd type="none" w="med" len="med"/>
+                      <a:tailEnd type="none" w="med" len="med"/>
+                    </a:lnL>
+                    <a:lnR w="6350" cap="flat" cmpd="sng" algn="ctr">
+                      <a:solidFill>
+                        <a:srgbClr val="000000"/>
+                      </a:solidFill>
+                      <a:prstDash val="solid"/>
+                      <a:round/>
+                      <a:headEnd type="none" w="med" len="med"/>
+                      <a:tailEnd type="none" w="med" len="med"/>
+                    </a:lnR>
+                    <a:lnT w="6350" cap="flat" cmpd="sng" algn="ctr">
+                      <a:solidFill>
+                        <a:srgbClr val="000000"/>
+                      </a:solidFill>
+                      <a:prstDash val="solid"/>
+                      <a:round/>
+                      <a:headEnd type="none" w="med" len="med"/>
+                      <a:tailEnd type="none" w="med" len="med"/>
+                    </a:lnT>
+                    <a:lnB w="6350" cap="flat" cmpd="sng" algn="ctr">
+                      <a:solidFill>
+                        <a:srgbClr val="000000"/>
+                      </a:solidFill>
+                      <a:prstDash val="solid"/>
+                      <a:round/>
+                      <a:headEnd type="none" w="med" len="med"/>
+                      <a:tailEnd type="none" w="med" len="med"/>
+                    </a:lnB>
+                    <a:solidFill>
+                      <a:srgbClr val="C6E0B4"/>
+                    </a:solidFill>
+                  </a:tcPr>
+                </a:tc>
+                <a:tc>
+                  <a:txBody>
+                    <a:bodyPr/>
+                    <a:lstStyle/>
+                    <a:p>
+                      <a:pPr algn="l" fontAlgn="ctr"/>
+                      <a:r>
+                        <a:rPr lang="en-US" sz="600" b="0" i="0" u="none" strike="noStrike">
+                          <a:solidFill>
+                            <a:srgbClr val="000000"/>
+                          </a:solidFill>
+                          <a:effectLst/>
+                          <a:latin typeface="맑은 고딕" panose="020B0503020000020004" pitchFamily="50" charset="-127"/>
+                          <a:ea typeface="맑은 고딕" panose="020B0503020000020004" pitchFamily="50" charset="-127"/>
+                        </a:rPr>
+                        <a:t>order</a:t>
+                      </a:r>
+                      <a:br>
+                        <a:rPr lang="en-US" sz="600" b="0" i="0" u="none" strike="noStrike">
+                          <a:solidFill>
+                            <a:srgbClr val="000000"/>
+                          </a:solidFill>
+                          <a:effectLst/>
+                          <a:latin typeface="맑은 고딕" panose="020B0503020000020004" pitchFamily="50" charset="-127"/>
+                          <a:ea typeface="맑은 고딕" panose="020B0503020000020004" pitchFamily="50" charset="-127"/>
+                        </a:rPr>
+                      </a:br>
+                      <a:r>
+                        <a:rPr lang="en-US" sz="600" b="0" i="0" u="none" strike="noStrike">
+                          <a:solidFill>
+                            <a:srgbClr val="000000"/>
+                          </a:solidFill>
+                          <a:effectLst/>
+                          <a:latin typeface="맑은 고딕" panose="020B0503020000020004" pitchFamily="50" charset="-127"/>
+                          <a:ea typeface="맑은 고딕" panose="020B0503020000020004" pitchFamily="50" charset="-127"/>
+                        </a:rPr>
+                        <a:t>_purchase_year</a:t>
+                      </a:r>
+                    </a:p>
+                  </a:txBody>
+                  <a:tcPr marL="4301" marR="4301" marT="4301" marB="0" anchor="ctr">
+                    <a:lnL w="6350" cap="flat" cmpd="sng" algn="ctr">
+                      <a:solidFill>
+                        <a:srgbClr val="000000"/>
+                      </a:solidFill>
+                      <a:prstDash val="solid"/>
+                      <a:round/>
+                      <a:headEnd type="none" w="med" len="med"/>
+                      <a:tailEnd type="none" w="med" len="med"/>
+                    </a:lnL>
+                    <a:lnR w="6350" cap="flat" cmpd="sng" algn="ctr">
+                      <a:solidFill>
+                        <a:srgbClr val="000000"/>
+                      </a:solidFill>
+                      <a:prstDash val="solid"/>
+                      <a:round/>
+                      <a:headEnd type="none" w="med" len="med"/>
+                      <a:tailEnd type="none" w="med" len="med"/>
+                    </a:lnR>
+                    <a:lnT w="6350" cap="flat" cmpd="sng" algn="ctr">
+                      <a:solidFill>
+                        <a:srgbClr val="000000"/>
+                      </a:solidFill>
+                      <a:prstDash val="solid"/>
+                      <a:round/>
+                      <a:headEnd type="none" w="med" len="med"/>
+                      <a:tailEnd type="none" w="med" len="med"/>
+                    </a:lnT>
+                    <a:lnB w="6350" cap="flat" cmpd="sng" algn="ctr">
+                      <a:solidFill>
+                        <a:srgbClr val="000000"/>
+                      </a:solidFill>
+                      <a:prstDash val="solid"/>
+                      <a:round/>
+                      <a:headEnd type="none" w="med" len="med"/>
+                      <a:tailEnd type="none" w="med" len="med"/>
+                    </a:lnB>
+                    <a:solidFill>
+                      <a:srgbClr val="C6E0B4"/>
+                    </a:solidFill>
+                  </a:tcPr>
+                </a:tc>
+                <a:tc>
+                  <a:txBody>
+                    <a:bodyPr/>
+                    <a:lstStyle/>
+                    <a:p>
+                      <a:pPr algn="l" fontAlgn="ctr"/>
+                      <a:r>
+                        <a:rPr lang="en-US" sz="600" b="0" i="0" u="none" strike="noStrike">
+                          <a:solidFill>
+                            <a:srgbClr val="000000"/>
+                          </a:solidFill>
+                          <a:effectLst/>
+                          <a:latin typeface="맑은 고딕" panose="020B0503020000020004" pitchFamily="50" charset="-127"/>
+                          <a:ea typeface="맑은 고딕" panose="020B0503020000020004" pitchFamily="50" charset="-127"/>
+                        </a:rPr>
+                        <a:t>order</a:t>
+                      </a:r>
+                      <a:br>
+                        <a:rPr lang="en-US" sz="600" b="0" i="0" u="none" strike="noStrike">
+                          <a:solidFill>
+                            <a:srgbClr val="000000"/>
+                          </a:solidFill>
+                          <a:effectLst/>
+                          <a:latin typeface="맑은 고딕" panose="020B0503020000020004" pitchFamily="50" charset="-127"/>
+                          <a:ea typeface="맑은 고딕" panose="020B0503020000020004" pitchFamily="50" charset="-127"/>
+                        </a:rPr>
+                      </a:br>
+                      <a:r>
+                        <a:rPr lang="en-US" sz="600" b="0" i="0" u="none" strike="noStrike">
+                          <a:solidFill>
+                            <a:srgbClr val="000000"/>
+                          </a:solidFill>
+                          <a:effectLst/>
+                          <a:latin typeface="맑은 고딕" panose="020B0503020000020004" pitchFamily="50" charset="-127"/>
+                          <a:ea typeface="맑은 고딕" panose="020B0503020000020004" pitchFamily="50" charset="-127"/>
+                        </a:rPr>
+                        <a:t>_purchase_month</a:t>
+                      </a:r>
+                    </a:p>
+                  </a:txBody>
+                  <a:tcPr marL="4301" marR="4301" marT="4301" marB="0" anchor="ctr">
+                    <a:lnL w="6350" cap="flat" cmpd="sng" algn="ctr">
+                      <a:solidFill>
+                        <a:srgbClr val="000000"/>
+                      </a:solidFill>
+                      <a:prstDash val="solid"/>
+                      <a:round/>
+                      <a:headEnd type="none" w="med" len="med"/>
+                      <a:tailEnd type="none" w="med" len="med"/>
+                    </a:lnL>
+                    <a:lnR w="6350" cap="flat" cmpd="sng" algn="ctr">
+                      <a:solidFill>
+                        <a:srgbClr val="000000"/>
+                      </a:solidFill>
+                      <a:prstDash val="solid"/>
+                      <a:round/>
+                      <a:headEnd type="none" w="med" len="med"/>
+                      <a:tailEnd type="none" w="med" len="med"/>
+                    </a:lnR>
+                    <a:lnT w="6350" cap="flat" cmpd="sng" algn="ctr">
+                      <a:solidFill>
+                        <a:srgbClr val="000000"/>
+                      </a:solidFill>
+                      <a:prstDash val="solid"/>
+                      <a:round/>
+                      <a:headEnd type="none" w="med" len="med"/>
+                      <a:tailEnd type="none" w="med" len="med"/>
+                    </a:lnT>
+                    <a:lnB w="6350" cap="flat" cmpd="sng" algn="ctr">
+                      <a:solidFill>
+                        <a:srgbClr val="000000"/>
+                      </a:solidFill>
+                      <a:prstDash val="solid"/>
+                      <a:round/>
+                      <a:headEnd type="none" w="med" len="med"/>
+                      <a:tailEnd type="none" w="med" len="med"/>
+                    </a:lnB>
+                    <a:solidFill>
+                      <a:srgbClr val="C6E0B4"/>
+                    </a:solidFill>
+                  </a:tcPr>
+                </a:tc>
+                <a:tc>
+                  <a:txBody>
+                    <a:bodyPr/>
+                    <a:lstStyle/>
+                    <a:p>
+                      <a:pPr algn="l" fontAlgn="ctr"/>
+                      <a:r>
+                        <a:rPr lang="en-US" sz="600" b="0" i="0" u="none" strike="noStrike" dirty="0" err="1">
+                          <a:solidFill>
+                            <a:srgbClr val="000000"/>
+                          </a:solidFill>
+                          <a:effectLst/>
+                          <a:latin typeface="맑은 고딕" panose="020B0503020000020004" pitchFamily="50" charset="-127"/>
+                          <a:ea typeface="맑은 고딕" panose="020B0503020000020004" pitchFamily="50" charset="-127"/>
+                        </a:rPr>
+                        <a:t>order_purchase_day</a:t>
+                      </a:r>
+                      <a:endParaRPr lang="en-US" sz="600" b="0" i="0" u="none" strike="noStrike" dirty="0">
+                        <a:solidFill>
+                          <a:srgbClr val="000000"/>
+                        </a:solidFill>
+                        <a:effectLst/>
+                        <a:latin typeface="맑은 고딕" panose="020B0503020000020004" pitchFamily="50" charset="-127"/>
+                        <a:ea typeface="맑은 고딕" panose="020B0503020000020004" pitchFamily="50" charset="-127"/>
+                      </a:endParaRPr>
+                    </a:p>
+                  </a:txBody>
+                  <a:tcPr marL="4301" marR="4301" marT="4301" marB="0" anchor="ctr">
+                    <a:lnL w="6350" cap="flat" cmpd="sng" algn="ctr">
+                      <a:solidFill>
+                        <a:srgbClr val="000000"/>
+                      </a:solidFill>
+                      <a:prstDash val="solid"/>
+                      <a:round/>
+                      <a:headEnd type="none" w="med" len="med"/>
+                      <a:tailEnd type="none" w="med" len="med"/>
+                    </a:lnL>
+                    <a:lnR w="6350" cap="flat" cmpd="sng" algn="ctr">
+                      <a:solidFill>
+                        <a:srgbClr val="000000"/>
+                      </a:solidFill>
+                      <a:prstDash val="solid"/>
+                      <a:round/>
+                      <a:headEnd type="none" w="med" len="med"/>
+                      <a:tailEnd type="none" w="med" len="med"/>
+                    </a:lnR>
+                    <a:lnT w="6350" cap="flat" cmpd="sng" algn="ctr">
+                      <a:solidFill>
+                        <a:srgbClr val="000000"/>
+                      </a:solidFill>
+                      <a:prstDash val="solid"/>
+                      <a:round/>
+                      <a:headEnd type="none" w="med" len="med"/>
+                      <a:tailEnd type="none" w="med" len="med"/>
+                    </a:lnT>
+                    <a:lnB w="6350" cap="flat" cmpd="sng" algn="ctr">
+                      <a:solidFill>
+                        <a:srgbClr val="000000"/>
+                      </a:solidFill>
+                      <a:prstDash val="solid"/>
+                      <a:round/>
+                      <a:headEnd type="none" w="med" len="med"/>
+                      <a:tailEnd type="none" w="med" len="med"/>
+                    </a:lnB>
+                    <a:solidFill>
+                      <a:srgbClr val="C6E0B4"/>
+                    </a:solidFill>
+                  </a:tcPr>
+                </a:tc>
+                <a:tc>
+                  <a:txBody>
+                    <a:bodyPr/>
+                    <a:lstStyle/>
+                    <a:p>
+                      <a:pPr algn="l" fontAlgn="ctr"/>
+                      <a:r>
+                        <a:rPr lang="en-US" sz="600" b="0" i="0" u="none" strike="noStrike">
+                          <a:solidFill>
+                            <a:srgbClr val="000000"/>
+                          </a:solidFill>
+                          <a:effectLst/>
+                          <a:latin typeface="맑은 고딕" panose="020B0503020000020004" pitchFamily="50" charset="-127"/>
+                          <a:ea typeface="맑은 고딕" panose="020B0503020000020004" pitchFamily="50" charset="-127"/>
+                        </a:rPr>
+                        <a:t>order_purchase</a:t>
+                      </a:r>
+                      <a:br>
+                        <a:rPr lang="en-US" sz="600" b="0" i="0" u="none" strike="noStrike">
+                          <a:solidFill>
+                            <a:srgbClr val="000000"/>
+                          </a:solidFill>
+                          <a:effectLst/>
+                          <a:latin typeface="맑은 고딕" panose="020B0503020000020004" pitchFamily="50" charset="-127"/>
+                          <a:ea typeface="맑은 고딕" panose="020B0503020000020004" pitchFamily="50" charset="-127"/>
+                        </a:rPr>
+                      </a:br>
+                      <a:r>
+                        <a:rPr lang="en-US" sz="600" b="0" i="0" u="none" strike="noStrike">
+                          <a:solidFill>
+                            <a:srgbClr val="000000"/>
+                          </a:solidFill>
+                          <a:effectLst/>
+                          <a:latin typeface="맑은 고딕" panose="020B0503020000020004" pitchFamily="50" charset="-127"/>
+                          <a:ea typeface="맑은 고딕" panose="020B0503020000020004" pitchFamily="50" charset="-127"/>
+                        </a:rPr>
+                        <a:t>_dayofweek</a:t>
+                      </a:r>
+                    </a:p>
+                  </a:txBody>
+                  <a:tcPr marL="4301" marR="4301" marT="4301" marB="0" anchor="ctr">
+                    <a:lnL w="6350" cap="flat" cmpd="sng" algn="ctr">
+                      <a:solidFill>
+                        <a:srgbClr val="000000"/>
+                      </a:solidFill>
+                      <a:prstDash val="solid"/>
+                      <a:round/>
+                      <a:headEnd type="none" w="med" len="med"/>
+                      <a:tailEnd type="none" w="med" len="med"/>
+                    </a:lnL>
+                    <a:lnR w="6350" cap="flat" cmpd="sng" algn="ctr">
+                      <a:solidFill>
+                        <a:srgbClr val="000000"/>
+                      </a:solidFill>
+                      <a:prstDash val="solid"/>
+                      <a:round/>
+                      <a:headEnd type="none" w="med" len="med"/>
+                      <a:tailEnd type="none" w="med" len="med"/>
+                    </a:lnR>
+                    <a:lnT w="6350" cap="flat" cmpd="sng" algn="ctr">
+                      <a:solidFill>
+                        <a:srgbClr val="000000"/>
+                      </a:solidFill>
+                      <a:prstDash val="solid"/>
+                      <a:round/>
+                      <a:headEnd type="none" w="med" len="med"/>
+                      <a:tailEnd type="none" w="med" len="med"/>
+                    </a:lnT>
+                    <a:lnB w="6350" cap="flat" cmpd="sng" algn="ctr">
+                      <a:solidFill>
+                        <a:srgbClr val="000000"/>
+                      </a:solidFill>
+                      <a:prstDash val="solid"/>
+                      <a:round/>
+                      <a:headEnd type="none" w="med" len="med"/>
+                      <a:tailEnd type="none" w="med" len="med"/>
+                    </a:lnB>
+                    <a:solidFill>
+                      <a:srgbClr val="C6E0B4"/>
+                    </a:solidFill>
+                  </a:tcPr>
+                </a:tc>
+                <a:tc>
+                  <a:txBody>
+                    <a:bodyPr/>
+                    <a:lstStyle/>
+                    <a:p>
+                      <a:pPr algn="l" fontAlgn="ctr"/>
+                      <a:r>
+                        <a:rPr lang="en-US" sz="600" b="0" i="0" u="none" strike="noStrike">
+                          <a:solidFill>
+                            <a:srgbClr val="000000"/>
+                          </a:solidFill>
+                          <a:effectLst/>
+                          <a:latin typeface="맑은 고딕" panose="020B0503020000020004" pitchFamily="50" charset="-127"/>
+                          <a:ea typeface="맑은 고딕" panose="020B0503020000020004" pitchFamily="50" charset="-127"/>
+                        </a:rPr>
+                        <a:t>order</a:t>
+                      </a:r>
+                      <a:br>
+                        <a:rPr lang="en-US" sz="600" b="0" i="0" u="none" strike="noStrike">
+                          <a:solidFill>
+                            <a:srgbClr val="000000"/>
+                          </a:solidFill>
+                          <a:effectLst/>
+                          <a:latin typeface="맑은 고딕" panose="020B0503020000020004" pitchFamily="50" charset="-127"/>
+                          <a:ea typeface="맑은 고딕" panose="020B0503020000020004" pitchFamily="50" charset="-127"/>
+                        </a:rPr>
+                      </a:br>
+                      <a:r>
+                        <a:rPr lang="en-US" sz="600" b="0" i="0" u="none" strike="noStrike">
+                          <a:solidFill>
+                            <a:srgbClr val="000000"/>
+                          </a:solidFill>
+                          <a:effectLst/>
+                          <a:latin typeface="맑은 고딕" panose="020B0503020000020004" pitchFamily="50" charset="-127"/>
+                          <a:ea typeface="맑은 고딕" panose="020B0503020000020004" pitchFamily="50" charset="-127"/>
+                        </a:rPr>
+                        <a:t>_purchase_hour</a:t>
+                      </a:r>
+                    </a:p>
+                  </a:txBody>
+                  <a:tcPr marL="4301" marR="4301" marT="4301" marB="0" anchor="ctr">
+                    <a:lnL w="6350" cap="flat" cmpd="sng" algn="ctr">
+                      <a:solidFill>
+                        <a:srgbClr val="000000"/>
+                      </a:solidFill>
+                      <a:prstDash val="solid"/>
+                      <a:round/>
+                      <a:headEnd type="none" w="med" len="med"/>
+                      <a:tailEnd type="none" w="med" len="med"/>
+                    </a:lnL>
+                    <a:lnR w="6350" cap="flat" cmpd="sng" algn="ctr">
+                      <a:solidFill>
+                        <a:srgbClr val="000000"/>
+                      </a:solidFill>
+                      <a:prstDash val="solid"/>
+                      <a:round/>
+                      <a:headEnd type="none" w="med" len="med"/>
+                      <a:tailEnd type="none" w="med" len="med"/>
+                    </a:lnR>
+                    <a:lnT w="6350" cap="flat" cmpd="sng" algn="ctr">
+                      <a:solidFill>
+                        <a:srgbClr val="000000"/>
+                      </a:solidFill>
+                      <a:prstDash val="solid"/>
+                      <a:round/>
+                      <a:headEnd type="none" w="med" len="med"/>
+                      <a:tailEnd type="none" w="med" len="med"/>
+                    </a:lnT>
+                    <a:lnB w="6350" cap="flat" cmpd="sng" algn="ctr">
+                      <a:solidFill>
+                        <a:srgbClr val="000000"/>
+                      </a:solidFill>
+                      <a:prstDash val="solid"/>
+                      <a:round/>
+                      <a:headEnd type="none" w="med" len="med"/>
+                      <a:tailEnd type="none" w="med" len="med"/>
+                    </a:lnB>
+                    <a:solidFill>
+                      <a:srgbClr val="C6E0B4"/>
+                    </a:solidFill>
+                  </a:tcPr>
+                </a:tc>
+                <a:tc>
+                  <a:txBody>
+                    <a:bodyPr/>
+                    <a:lstStyle/>
+                    <a:p>
+                      <a:pPr algn="l" fontAlgn="ctr"/>
+                      <a:r>
+                        <a:rPr lang="en-US" sz="600" b="0" i="0" u="none" strike="noStrike">
+                          <a:solidFill>
+                            <a:srgbClr val="000000"/>
+                          </a:solidFill>
+                          <a:effectLst/>
+                          <a:latin typeface="맑은 고딕" panose="020B0503020000020004" pitchFamily="50" charset="-127"/>
+                          <a:ea typeface="맑은 고딕" panose="020B0503020000020004" pitchFamily="50" charset="-127"/>
+                        </a:rPr>
+                        <a:t>volume_cm</a:t>
+                      </a:r>
+                    </a:p>
+                  </a:txBody>
+                  <a:tcPr marL="4301" marR="4301" marT="4301" marB="0" anchor="ctr">
+                    <a:lnL w="6350" cap="flat" cmpd="sng" algn="ctr">
+                      <a:solidFill>
+                        <a:srgbClr val="000000"/>
+                      </a:solidFill>
+                      <a:prstDash val="solid"/>
+                      <a:round/>
+                      <a:headEnd type="none" w="med" len="med"/>
+                      <a:tailEnd type="none" w="med" len="med"/>
+                    </a:lnL>
+                    <a:lnR w="6350" cap="flat" cmpd="sng" algn="ctr">
+                      <a:solidFill>
+                        <a:srgbClr val="000000"/>
+                      </a:solidFill>
+                      <a:prstDash val="solid"/>
+                      <a:round/>
+                      <a:headEnd type="none" w="med" len="med"/>
+                      <a:tailEnd type="none" w="med" len="med"/>
+                    </a:lnR>
+                    <a:lnT w="6350" cap="flat" cmpd="sng" algn="ctr">
+                      <a:solidFill>
+                        <a:srgbClr val="000000"/>
+                      </a:solidFill>
+                      <a:prstDash val="solid"/>
+                      <a:round/>
+                      <a:headEnd type="none" w="med" len="med"/>
+                      <a:tailEnd type="none" w="med" len="med"/>
+                    </a:lnT>
+                    <a:lnB w="6350" cap="flat" cmpd="sng" algn="ctr">
+                      <a:solidFill>
+                        <a:srgbClr val="000000"/>
+                      </a:solidFill>
+                      <a:prstDash val="solid"/>
+                      <a:round/>
+                      <a:headEnd type="none" w="med" len="med"/>
+                      <a:tailEnd type="none" w="med" len="med"/>
+                    </a:lnB>
+                    <a:solidFill>
+                      <a:srgbClr val="C6E0B4"/>
+                    </a:solidFill>
+                  </a:tcPr>
+                </a:tc>
+                <a:extLst>
+                  <a:ext uri="{0D108BD9-81ED-4DB2-BD59-A6C34878D82A}">
+                    <a16:rowId xmlns:a16="http://schemas.microsoft.com/office/drawing/2014/main" val="1812124701"/>
+                  </a:ext>
+                </a:extLst>
+              </a:tr>
+              <a:tr h="124718">
+                <a:tc>
+                  <a:txBody>
+                    <a:bodyPr/>
+                    <a:lstStyle/>
+                    <a:p>
+                      <a:pPr algn="r" fontAlgn="ctr"/>
+                      <a:r>
+                        <a:rPr lang="en-US" altLang="ko-KR" sz="600" b="0" i="0" u="none" strike="noStrike">
+                          <a:solidFill>
+                            <a:srgbClr val="000000"/>
+                          </a:solidFill>
+                          <a:effectLst/>
+                          <a:latin typeface="맑은 고딕" panose="020B0503020000020004" pitchFamily="50" charset="-127"/>
+                          <a:ea typeface="맑은 고딕" panose="020B0503020000020004" pitchFamily="50" charset="-127"/>
+                        </a:rPr>
+                        <a:t>58.9</a:t>
+                      </a:r>
+                    </a:p>
+                  </a:txBody>
+                  <a:tcPr marL="4301" marR="4301" marT="4301" marB="0" anchor="ctr">
+                    <a:lnL w="6350" cap="flat" cmpd="sng" algn="ctr">
+                      <a:solidFill>
+                        <a:srgbClr val="000000"/>
+                      </a:solidFill>
+                      <a:prstDash val="solid"/>
+                      <a:round/>
+                      <a:headEnd type="none" w="med" len="med"/>
+                      <a:tailEnd type="none" w="med" len="med"/>
+                    </a:lnL>
+                    <a:lnR w="6350" cap="flat" cmpd="sng" algn="ctr">
+                      <a:solidFill>
+                        <a:srgbClr val="000000"/>
+                      </a:solidFill>
+                      <a:prstDash val="solid"/>
+                      <a:round/>
+                      <a:headEnd type="none" w="med" len="med"/>
+                      <a:tailEnd type="none" w="med" len="med"/>
+                    </a:lnR>
+                    <a:lnT w="6350" cap="flat" cmpd="sng" algn="ctr">
+                      <a:solidFill>
+                        <a:srgbClr val="000000"/>
+                      </a:solidFill>
+                      <a:prstDash val="solid"/>
+                      <a:round/>
+                      <a:headEnd type="none" w="med" len="med"/>
+                      <a:tailEnd type="none" w="med" len="med"/>
+                    </a:lnT>
+                    <a:lnB w="6350" cap="flat" cmpd="sng" algn="ctr">
+                      <a:solidFill>
+                        <a:srgbClr val="000000"/>
+                      </a:solidFill>
+                      <a:prstDash val="solid"/>
+                      <a:round/>
+                      <a:headEnd type="none" w="med" len="med"/>
+                      <a:tailEnd type="none" w="med" len="med"/>
+                    </a:lnB>
+                    <a:solidFill>
+                      <a:srgbClr val="FFFFFF"/>
+                    </a:solidFill>
+                  </a:tcPr>
+                </a:tc>
+                <a:tc>
+                  <a:txBody>
+                    <a:bodyPr/>
+                    <a:lstStyle/>
+                    <a:p>
+                      <a:pPr algn="r" fontAlgn="ctr"/>
+                      <a:r>
+                        <a:rPr lang="en-US" altLang="ko-KR" sz="600" b="0" i="0" u="none" strike="noStrike">
+                          <a:solidFill>
+                            <a:srgbClr val="000000"/>
+                          </a:solidFill>
+                          <a:effectLst/>
+                          <a:latin typeface="맑은 고딕" panose="020B0503020000020004" pitchFamily="50" charset="-127"/>
+                          <a:ea typeface="맑은 고딕" panose="020B0503020000020004" pitchFamily="50" charset="-127"/>
+                        </a:rPr>
+                        <a:t>13.29</a:t>
+                      </a:r>
+                    </a:p>
+                  </a:txBody>
+                  <a:tcPr marL="4301" marR="4301" marT="4301" marB="0" anchor="ctr">
+                    <a:lnL w="6350" cap="flat" cmpd="sng" algn="ctr">
+                      <a:solidFill>
+                        <a:srgbClr val="000000"/>
+                      </a:solidFill>
+                      <a:prstDash val="solid"/>
+                      <a:round/>
+                      <a:headEnd type="none" w="med" len="med"/>
+                      <a:tailEnd type="none" w="med" len="med"/>
+                    </a:lnL>
+                    <a:lnR w="6350" cap="flat" cmpd="sng" algn="ctr">
+                      <a:solidFill>
+                        <a:srgbClr val="000000"/>
+                      </a:solidFill>
+                      <a:prstDash val="solid"/>
+                      <a:round/>
+                      <a:headEnd type="none" w="med" len="med"/>
+                      <a:tailEnd type="none" w="med" len="med"/>
+                    </a:lnR>
+                    <a:lnT w="6350" cap="flat" cmpd="sng" algn="ctr">
+                      <a:solidFill>
+                        <a:srgbClr val="000000"/>
+                      </a:solidFill>
+                      <a:prstDash val="solid"/>
+                      <a:round/>
+                      <a:headEnd type="none" w="med" len="med"/>
+                      <a:tailEnd type="none" w="med" len="med"/>
+                    </a:lnT>
+                    <a:lnB w="6350" cap="flat" cmpd="sng" algn="ctr">
+                      <a:solidFill>
+                        <a:srgbClr val="000000"/>
+                      </a:solidFill>
+                      <a:prstDash val="solid"/>
+                      <a:round/>
+                      <a:headEnd type="none" w="med" len="med"/>
+                      <a:tailEnd type="none" w="med" len="med"/>
+                    </a:lnB>
+                    <a:solidFill>
+                      <a:srgbClr val="FFFFFF"/>
+                    </a:solidFill>
+                  </a:tcPr>
+                </a:tc>
+                <a:tc>
+                  <a:txBody>
+                    <a:bodyPr/>
+                    <a:lstStyle/>
+                    <a:p>
+                      <a:pPr algn="r" fontAlgn="ctr"/>
+                      <a:r>
+                        <a:rPr lang="en-US" altLang="ko-KR" sz="600" b="0" i="0" u="none" strike="noStrike">
+                          <a:solidFill>
+                            <a:srgbClr val="000000"/>
+                          </a:solidFill>
+                          <a:effectLst/>
+                          <a:latin typeface="맑은 고딕" panose="020B0503020000020004" pitchFamily="50" charset="-127"/>
+                          <a:ea typeface="맑은 고딕" panose="020B0503020000020004" pitchFamily="50" charset="-127"/>
+                        </a:rPr>
+                        <a:t>650</a:t>
+                      </a:r>
+                    </a:p>
+                  </a:txBody>
+                  <a:tcPr marL="4301" marR="4301" marT="4301" marB="0" anchor="ctr">
+                    <a:lnL w="6350" cap="flat" cmpd="sng" algn="ctr">
+                      <a:solidFill>
+                        <a:srgbClr val="000000"/>
+                      </a:solidFill>
+                      <a:prstDash val="solid"/>
+                      <a:round/>
+                      <a:headEnd type="none" w="med" len="med"/>
+                      <a:tailEnd type="none" w="med" len="med"/>
+                    </a:lnL>
+                    <a:lnR w="6350" cap="flat" cmpd="sng" algn="ctr">
+                      <a:solidFill>
+                        <a:srgbClr val="000000"/>
+                      </a:solidFill>
+                      <a:prstDash val="solid"/>
+                      <a:round/>
+                      <a:headEnd type="none" w="med" len="med"/>
+                      <a:tailEnd type="none" w="med" len="med"/>
+                    </a:lnR>
+                    <a:lnT w="6350" cap="flat" cmpd="sng" algn="ctr">
+                      <a:solidFill>
+                        <a:srgbClr val="000000"/>
+                      </a:solidFill>
+                      <a:prstDash val="solid"/>
+                      <a:round/>
+                      <a:headEnd type="none" w="med" len="med"/>
+                      <a:tailEnd type="none" w="med" len="med"/>
+                    </a:lnT>
+                    <a:lnB w="6350" cap="flat" cmpd="sng" algn="ctr">
+                      <a:solidFill>
+                        <a:srgbClr val="000000"/>
+                      </a:solidFill>
+                      <a:prstDash val="solid"/>
+                      <a:round/>
+                      <a:headEnd type="none" w="med" len="med"/>
+                      <a:tailEnd type="none" w="med" len="med"/>
+                    </a:lnB>
+                    <a:solidFill>
+                      <a:srgbClr val="FFFFFF"/>
+                    </a:solidFill>
+                  </a:tcPr>
+                </a:tc>
+                <a:tc>
+                  <a:txBody>
+                    <a:bodyPr/>
+                    <a:lstStyle/>
+                    <a:p>
+                      <a:pPr algn="l" fontAlgn="ctr"/>
+                      <a:r>
+                        <a:rPr lang="en-US" sz="600" b="0" i="0" u="none" strike="noStrike">
+                          <a:solidFill>
+                            <a:srgbClr val="000000"/>
+                          </a:solidFill>
+                          <a:effectLst/>
+                          <a:latin typeface="맑은 고딕" panose="020B0503020000020004" pitchFamily="50" charset="-127"/>
+                          <a:ea typeface="맑은 고딕" panose="020B0503020000020004" pitchFamily="50" charset="-127"/>
+                        </a:rPr>
+                        <a:t>cool_stuff</a:t>
+                      </a:r>
+                    </a:p>
+                  </a:txBody>
+                  <a:tcPr marL="4301" marR="4301" marT="4301" marB="0" anchor="ctr">
+                    <a:lnL w="6350" cap="flat" cmpd="sng" algn="ctr">
+                      <a:solidFill>
+                        <a:srgbClr val="000000"/>
+                      </a:solidFill>
+                      <a:prstDash val="solid"/>
+                      <a:round/>
+                      <a:headEnd type="none" w="med" len="med"/>
+                      <a:tailEnd type="none" w="med" len="med"/>
+                    </a:lnL>
+                    <a:lnR w="6350" cap="flat" cmpd="sng" algn="ctr">
+                      <a:solidFill>
+                        <a:srgbClr val="000000"/>
+                      </a:solidFill>
+                      <a:prstDash val="solid"/>
+                      <a:round/>
+                      <a:headEnd type="none" w="med" len="med"/>
+                      <a:tailEnd type="none" w="med" len="med"/>
+                    </a:lnR>
+                    <a:lnT w="6350" cap="flat" cmpd="sng" algn="ctr">
+                      <a:solidFill>
+                        <a:srgbClr val="000000"/>
+                      </a:solidFill>
+                      <a:prstDash val="solid"/>
+                      <a:round/>
+                      <a:headEnd type="none" w="med" len="med"/>
+                      <a:tailEnd type="none" w="med" len="med"/>
+                    </a:lnT>
+                    <a:lnB w="6350" cap="flat" cmpd="sng" algn="ctr">
+                      <a:solidFill>
+                        <a:srgbClr val="000000"/>
+                      </a:solidFill>
+                      <a:prstDash val="solid"/>
+                      <a:round/>
+                      <a:headEnd type="none" w="med" len="med"/>
+                      <a:tailEnd type="none" w="med" len="med"/>
+                    </a:lnB>
+                    <a:solidFill>
+                      <a:srgbClr val="FFFFFF"/>
+                    </a:solidFill>
+                  </a:tcPr>
+                </a:tc>
+                <a:tc>
+                  <a:txBody>
+                    <a:bodyPr/>
+                    <a:lstStyle/>
+                    <a:p>
+                      <a:pPr algn="r" fontAlgn="ctr"/>
+                      <a:r>
+                        <a:rPr lang="en-US" altLang="ko-KR" sz="600" b="0" i="0" u="none" strike="noStrike">
+                          <a:solidFill>
+                            <a:srgbClr val="000000"/>
+                          </a:solidFill>
+                          <a:effectLst/>
+                          <a:latin typeface="맑은 고딕" panose="020B0503020000020004" pitchFamily="50" charset="-127"/>
+                          <a:ea typeface="맑은 고딕" panose="020B0503020000020004" pitchFamily="50" charset="-127"/>
+                        </a:rPr>
+                        <a:t>7.614421296</a:t>
+                      </a:r>
+                    </a:p>
+                  </a:txBody>
+                  <a:tcPr marL="4301" marR="4301" marT="4301" marB="0" anchor="ctr">
+                    <a:lnL w="6350" cap="flat" cmpd="sng" algn="ctr">
+                      <a:solidFill>
+                        <a:srgbClr val="000000"/>
+                      </a:solidFill>
+                      <a:prstDash val="solid"/>
+                      <a:round/>
+                      <a:headEnd type="none" w="med" len="med"/>
+                      <a:tailEnd type="none" w="med" len="med"/>
+                    </a:lnL>
+                    <a:lnR w="6350" cap="flat" cmpd="sng" algn="ctr">
+                      <a:solidFill>
+                        <a:srgbClr val="000000"/>
+                      </a:solidFill>
+                      <a:prstDash val="solid"/>
+                      <a:round/>
+                      <a:headEnd type="none" w="med" len="med"/>
+                      <a:tailEnd type="none" w="med" len="med"/>
+                    </a:lnR>
+                    <a:lnT w="6350" cap="flat" cmpd="sng" algn="ctr">
+                      <a:solidFill>
+                        <a:srgbClr val="000000"/>
+                      </a:solidFill>
+                      <a:prstDash val="solid"/>
+                      <a:round/>
+                      <a:headEnd type="none" w="med" len="med"/>
+                      <a:tailEnd type="none" w="med" len="med"/>
+                    </a:lnT>
+                    <a:lnB w="6350" cap="flat" cmpd="sng" algn="ctr">
+                      <a:solidFill>
+                        <a:srgbClr val="000000"/>
+                      </a:solidFill>
+                      <a:prstDash val="solid"/>
+                      <a:round/>
+                      <a:headEnd type="none" w="med" len="med"/>
+                      <a:tailEnd type="none" w="med" len="med"/>
+                    </a:lnB>
+                    <a:solidFill>
+                      <a:srgbClr val="FFFFFF"/>
+                    </a:solidFill>
+                  </a:tcPr>
+                </a:tc>
+                <a:tc>
+                  <a:txBody>
+                    <a:bodyPr/>
+                    <a:lstStyle/>
+                    <a:p>
+                      <a:pPr algn="l" fontAlgn="ctr"/>
+                      <a:r>
+                        <a:rPr lang="en-US" sz="600" b="0" i="0" u="none" strike="noStrike">
+                          <a:solidFill>
+                            <a:srgbClr val="000000"/>
+                          </a:solidFill>
+                          <a:effectLst/>
+                          <a:latin typeface="맑은 고딕" panose="020B0503020000020004" pitchFamily="50" charset="-127"/>
+                          <a:ea typeface="맑은 고딕" panose="020B0503020000020004" pitchFamily="50" charset="-127"/>
+                        </a:rPr>
+                        <a:t>RJ</a:t>
+                      </a:r>
+                    </a:p>
+                  </a:txBody>
+                  <a:tcPr marL="4301" marR="4301" marT="4301" marB="0" anchor="ctr">
+                    <a:lnL w="6350" cap="flat" cmpd="sng" algn="ctr">
+                      <a:solidFill>
+                        <a:srgbClr val="000000"/>
+                      </a:solidFill>
+                      <a:prstDash val="solid"/>
+                      <a:round/>
+                      <a:headEnd type="none" w="med" len="med"/>
+                      <a:tailEnd type="none" w="med" len="med"/>
+                    </a:lnL>
+                    <a:lnR w="6350" cap="flat" cmpd="sng" algn="ctr">
+                      <a:solidFill>
+                        <a:srgbClr val="000000"/>
+                      </a:solidFill>
+                      <a:prstDash val="solid"/>
+                      <a:round/>
+                      <a:headEnd type="none" w="med" len="med"/>
+                      <a:tailEnd type="none" w="med" len="med"/>
+                    </a:lnR>
+                    <a:lnT w="6350" cap="flat" cmpd="sng" algn="ctr">
+                      <a:solidFill>
+                        <a:srgbClr val="000000"/>
+                      </a:solidFill>
+                      <a:prstDash val="solid"/>
+                      <a:round/>
+                      <a:headEnd type="none" w="med" len="med"/>
+                      <a:tailEnd type="none" w="med" len="med"/>
+                    </a:lnT>
+                    <a:lnB w="6350" cap="flat" cmpd="sng" algn="ctr">
+                      <a:solidFill>
+                        <a:srgbClr val="000000"/>
+                      </a:solidFill>
+                      <a:prstDash val="solid"/>
+                      <a:round/>
+                      <a:headEnd type="none" w="med" len="med"/>
+                      <a:tailEnd type="none" w="med" len="med"/>
+                    </a:lnB>
+                    <a:solidFill>
+                      <a:srgbClr val="FFFFFF"/>
+                    </a:solidFill>
+                  </a:tcPr>
+                </a:tc>
+                <a:tc>
+                  <a:txBody>
+                    <a:bodyPr/>
+                    <a:lstStyle/>
+                    <a:p>
+                      <a:pPr algn="l" fontAlgn="ctr"/>
+                      <a:r>
+                        <a:rPr lang="en-US" sz="600" b="0" i="0" u="none" strike="noStrike">
+                          <a:solidFill>
+                            <a:srgbClr val="000000"/>
+                          </a:solidFill>
+                          <a:effectLst/>
+                          <a:latin typeface="맑은 고딕" panose="020B0503020000020004" pitchFamily="50" charset="-127"/>
+                          <a:ea typeface="맑은 고딕" panose="020B0503020000020004" pitchFamily="50" charset="-127"/>
+                        </a:rPr>
+                        <a:t>SP</a:t>
+                      </a:r>
+                    </a:p>
+                  </a:txBody>
+                  <a:tcPr marL="4301" marR="4301" marT="4301" marB="0" anchor="ctr">
+                    <a:lnL w="6350" cap="flat" cmpd="sng" algn="ctr">
+                      <a:solidFill>
+                        <a:srgbClr val="000000"/>
+                      </a:solidFill>
+                      <a:prstDash val="solid"/>
+                      <a:round/>
+                      <a:headEnd type="none" w="med" len="med"/>
+                      <a:tailEnd type="none" w="med" len="med"/>
+                    </a:lnL>
+                    <a:lnR w="6350" cap="flat" cmpd="sng" algn="ctr">
+                      <a:solidFill>
+                        <a:srgbClr val="000000"/>
+                      </a:solidFill>
+                      <a:prstDash val="solid"/>
+                      <a:round/>
+                      <a:headEnd type="none" w="med" len="med"/>
+                      <a:tailEnd type="none" w="med" len="med"/>
+                    </a:lnR>
+                    <a:lnT w="6350" cap="flat" cmpd="sng" algn="ctr">
+                      <a:solidFill>
+                        <a:srgbClr val="000000"/>
+                      </a:solidFill>
+                      <a:prstDash val="solid"/>
+                      <a:round/>
+                      <a:headEnd type="none" w="med" len="med"/>
+                      <a:tailEnd type="none" w="med" len="med"/>
+                    </a:lnT>
+                    <a:lnB w="6350" cap="flat" cmpd="sng" algn="ctr">
+                      <a:solidFill>
+                        <a:srgbClr val="000000"/>
+                      </a:solidFill>
+                      <a:prstDash val="solid"/>
+                      <a:round/>
+                      <a:headEnd type="none" w="med" len="med"/>
+                      <a:tailEnd type="none" w="med" len="med"/>
+                    </a:lnB>
+                    <a:solidFill>
+                      <a:srgbClr val="FFFFFF"/>
+                    </a:solidFill>
+                  </a:tcPr>
+                </a:tc>
+                <a:tc>
+                  <a:txBody>
+                    <a:bodyPr/>
+                    <a:lstStyle/>
+                    <a:p>
+                      <a:pPr algn="r" fontAlgn="ctr"/>
+                      <a:r>
+                        <a:rPr lang="en-US" altLang="ko-KR" sz="600" b="0" i="0" u="none" strike="noStrike">
+                          <a:solidFill>
+                            <a:srgbClr val="000000"/>
+                          </a:solidFill>
+                          <a:effectLst/>
+                          <a:latin typeface="맑은 고딕" panose="020B0503020000020004" pitchFamily="50" charset="-127"/>
+                          <a:ea typeface="맑은 고딕" panose="020B0503020000020004" pitchFamily="50" charset="-127"/>
+                        </a:rPr>
+                        <a:t>408</a:t>
+                      </a:r>
+                    </a:p>
+                  </a:txBody>
+                  <a:tcPr marL="4301" marR="4301" marT="4301" marB="0" anchor="ctr">
+                    <a:lnL w="6350" cap="flat" cmpd="sng" algn="ctr">
+                      <a:solidFill>
+                        <a:srgbClr val="000000"/>
+                      </a:solidFill>
+                      <a:prstDash val="solid"/>
+                      <a:round/>
+                      <a:headEnd type="none" w="med" len="med"/>
+                      <a:tailEnd type="none" w="med" len="med"/>
+                    </a:lnL>
+                    <a:lnR w="6350" cap="flat" cmpd="sng" algn="ctr">
+                      <a:solidFill>
+                        <a:srgbClr val="000000"/>
+                      </a:solidFill>
+                      <a:prstDash val="solid"/>
+                      <a:round/>
+                      <a:headEnd type="none" w="med" len="med"/>
+                      <a:tailEnd type="none" w="med" len="med"/>
+                    </a:lnR>
+                    <a:lnT w="6350" cap="flat" cmpd="sng" algn="ctr">
+                      <a:solidFill>
+                        <a:srgbClr val="000000"/>
+                      </a:solidFill>
+                      <a:prstDash val="solid"/>
+                      <a:round/>
+                      <a:headEnd type="none" w="med" len="med"/>
+                      <a:tailEnd type="none" w="med" len="med"/>
+                    </a:lnT>
+                    <a:lnB w="6350" cap="flat" cmpd="sng" algn="ctr">
+                      <a:solidFill>
+                        <a:srgbClr val="000000"/>
+                      </a:solidFill>
+                      <a:prstDash val="solid"/>
+                      <a:round/>
+                      <a:headEnd type="none" w="med" len="med"/>
+                      <a:tailEnd type="none" w="med" len="med"/>
+                    </a:lnB>
+                    <a:solidFill>
+                      <a:srgbClr val="FFFFFF"/>
+                    </a:solidFill>
+                  </a:tcPr>
+                </a:tc>
+                <a:tc>
+                  <a:txBody>
+                    <a:bodyPr/>
+                    <a:lstStyle/>
+                    <a:p>
+                      <a:pPr algn="r" fontAlgn="ctr"/>
+                      <a:r>
+                        <a:rPr lang="en-US" altLang="ko-KR" sz="600" b="0" i="0" u="none" strike="noStrike">
+                          <a:solidFill>
+                            <a:srgbClr val="000000"/>
+                          </a:solidFill>
+                          <a:effectLst/>
+                          <a:latin typeface="맑은 고딕" panose="020B0503020000020004" pitchFamily="50" charset="-127"/>
+                          <a:ea typeface="맑은 고딕" panose="020B0503020000020004" pitchFamily="50" charset="-127"/>
+                        </a:rPr>
+                        <a:t>2017</a:t>
+                      </a:r>
+                    </a:p>
+                  </a:txBody>
+                  <a:tcPr marL="4301" marR="4301" marT="4301" marB="0" anchor="ctr">
+                    <a:lnL w="6350" cap="flat" cmpd="sng" algn="ctr">
+                      <a:solidFill>
+                        <a:srgbClr val="000000"/>
+                      </a:solidFill>
+                      <a:prstDash val="solid"/>
+                      <a:round/>
+                      <a:headEnd type="none" w="med" len="med"/>
+                      <a:tailEnd type="none" w="med" len="med"/>
+                    </a:lnL>
+                    <a:lnR w="6350" cap="flat" cmpd="sng" algn="ctr">
+                      <a:solidFill>
+                        <a:srgbClr val="000000"/>
+                      </a:solidFill>
+                      <a:prstDash val="solid"/>
+                      <a:round/>
+                      <a:headEnd type="none" w="med" len="med"/>
+                      <a:tailEnd type="none" w="med" len="med"/>
+                    </a:lnR>
+                    <a:lnT w="6350" cap="flat" cmpd="sng" algn="ctr">
+                      <a:solidFill>
+                        <a:srgbClr val="000000"/>
+                      </a:solidFill>
+                      <a:prstDash val="solid"/>
+                      <a:round/>
+                      <a:headEnd type="none" w="med" len="med"/>
+                      <a:tailEnd type="none" w="med" len="med"/>
+                    </a:lnT>
+                    <a:lnB w="6350" cap="flat" cmpd="sng" algn="ctr">
+                      <a:solidFill>
+                        <a:srgbClr val="000000"/>
+                      </a:solidFill>
+                      <a:prstDash val="solid"/>
+                      <a:round/>
+                      <a:headEnd type="none" w="med" len="med"/>
+                      <a:tailEnd type="none" w="med" len="med"/>
+                    </a:lnB>
+                    <a:solidFill>
+                      <a:srgbClr val="FFFFFF"/>
+                    </a:solidFill>
+                  </a:tcPr>
+                </a:tc>
+                <a:tc>
+                  <a:txBody>
+                    <a:bodyPr/>
+                    <a:lstStyle/>
+                    <a:p>
+                      <a:pPr algn="r" fontAlgn="ctr"/>
+                      <a:r>
+                        <a:rPr lang="en-US" altLang="ko-KR" sz="600" b="0" i="0" u="none" strike="noStrike">
+                          <a:solidFill>
+                            <a:srgbClr val="000000"/>
+                          </a:solidFill>
+                          <a:effectLst/>
+                          <a:latin typeface="맑은 고딕" panose="020B0503020000020004" pitchFamily="50" charset="-127"/>
+                          <a:ea typeface="맑은 고딕" panose="020B0503020000020004" pitchFamily="50" charset="-127"/>
+                        </a:rPr>
+                        <a:t>9</a:t>
+                      </a:r>
+                    </a:p>
+                  </a:txBody>
+                  <a:tcPr marL="4301" marR="4301" marT="4301" marB="0" anchor="ctr">
+                    <a:lnL w="6350" cap="flat" cmpd="sng" algn="ctr">
+                      <a:solidFill>
+                        <a:srgbClr val="000000"/>
+                      </a:solidFill>
+                      <a:prstDash val="solid"/>
+                      <a:round/>
+                      <a:headEnd type="none" w="med" len="med"/>
+                      <a:tailEnd type="none" w="med" len="med"/>
+                    </a:lnL>
+                    <a:lnR w="6350" cap="flat" cmpd="sng" algn="ctr">
+                      <a:solidFill>
+                        <a:srgbClr val="000000"/>
+                      </a:solidFill>
+                      <a:prstDash val="solid"/>
+                      <a:round/>
+                      <a:headEnd type="none" w="med" len="med"/>
+                      <a:tailEnd type="none" w="med" len="med"/>
+                    </a:lnR>
+                    <a:lnT w="6350" cap="flat" cmpd="sng" algn="ctr">
+                      <a:solidFill>
+                        <a:srgbClr val="000000"/>
+                      </a:solidFill>
+                      <a:prstDash val="solid"/>
+                      <a:round/>
+                      <a:headEnd type="none" w="med" len="med"/>
+                      <a:tailEnd type="none" w="med" len="med"/>
+                    </a:lnT>
+                    <a:lnB w="6350" cap="flat" cmpd="sng" algn="ctr">
+                      <a:solidFill>
+                        <a:srgbClr val="000000"/>
+                      </a:solidFill>
+                      <a:prstDash val="solid"/>
+                      <a:round/>
+                      <a:headEnd type="none" w="med" len="med"/>
+                      <a:tailEnd type="none" w="med" len="med"/>
+                    </a:lnB>
+                    <a:solidFill>
+                      <a:srgbClr val="FFFFFF"/>
+                    </a:solidFill>
+                  </a:tcPr>
+                </a:tc>
+                <a:tc>
+                  <a:txBody>
+                    <a:bodyPr/>
+                    <a:lstStyle/>
+                    <a:p>
+                      <a:pPr algn="r" fontAlgn="ctr"/>
+                      <a:r>
+                        <a:rPr lang="en-US" altLang="ko-KR" sz="600" b="0" i="0" u="none" strike="noStrike">
+                          <a:solidFill>
+                            <a:srgbClr val="000000"/>
+                          </a:solidFill>
+                          <a:effectLst/>
+                          <a:latin typeface="맑은 고딕" panose="020B0503020000020004" pitchFamily="50" charset="-127"/>
+                          <a:ea typeface="맑은 고딕" panose="020B0503020000020004" pitchFamily="50" charset="-127"/>
+                        </a:rPr>
+                        <a:t>13</a:t>
+                      </a:r>
+                    </a:p>
+                  </a:txBody>
+                  <a:tcPr marL="4301" marR="4301" marT="4301" marB="0" anchor="ctr">
+                    <a:lnL w="6350" cap="flat" cmpd="sng" algn="ctr">
+                      <a:solidFill>
+                        <a:srgbClr val="000000"/>
+                      </a:solidFill>
+                      <a:prstDash val="solid"/>
+                      <a:round/>
+                      <a:headEnd type="none" w="med" len="med"/>
+                      <a:tailEnd type="none" w="med" len="med"/>
+                    </a:lnL>
+                    <a:lnR w="6350" cap="flat" cmpd="sng" algn="ctr">
+                      <a:solidFill>
+                        <a:srgbClr val="000000"/>
+                      </a:solidFill>
+                      <a:prstDash val="solid"/>
+                      <a:round/>
+                      <a:headEnd type="none" w="med" len="med"/>
+                      <a:tailEnd type="none" w="med" len="med"/>
+                    </a:lnR>
+                    <a:lnT w="6350" cap="flat" cmpd="sng" algn="ctr">
+                      <a:solidFill>
+                        <a:srgbClr val="000000"/>
+                      </a:solidFill>
+                      <a:prstDash val="solid"/>
+                      <a:round/>
+                      <a:headEnd type="none" w="med" len="med"/>
+                      <a:tailEnd type="none" w="med" len="med"/>
+                    </a:lnT>
+                    <a:lnB w="6350" cap="flat" cmpd="sng" algn="ctr">
+                      <a:solidFill>
+                        <a:srgbClr val="000000"/>
+                      </a:solidFill>
+                      <a:prstDash val="solid"/>
+                      <a:round/>
+                      <a:headEnd type="none" w="med" len="med"/>
+                      <a:tailEnd type="none" w="med" len="med"/>
+                    </a:lnB>
+                    <a:solidFill>
+                      <a:srgbClr val="FFFFFF"/>
+                    </a:solidFill>
+                  </a:tcPr>
+                </a:tc>
+                <a:tc>
+                  <a:txBody>
+                    <a:bodyPr/>
+                    <a:lstStyle/>
+                    <a:p>
+                      <a:pPr algn="r" fontAlgn="ctr"/>
+                      <a:r>
+                        <a:rPr lang="en-US" altLang="ko-KR" sz="600" b="0" i="0" u="none" strike="noStrike">
+                          <a:solidFill>
+                            <a:srgbClr val="000000"/>
+                          </a:solidFill>
+                          <a:effectLst/>
+                          <a:latin typeface="맑은 고딕" panose="020B0503020000020004" pitchFamily="50" charset="-127"/>
+                          <a:ea typeface="맑은 고딕" panose="020B0503020000020004" pitchFamily="50" charset="-127"/>
+                        </a:rPr>
+                        <a:t>2</a:t>
+                      </a:r>
+                    </a:p>
+                  </a:txBody>
+                  <a:tcPr marL="4301" marR="4301" marT="4301" marB="0" anchor="ctr">
+                    <a:lnL w="6350" cap="flat" cmpd="sng" algn="ctr">
+                      <a:solidFill>
+                        <a:srgbClr val="000000"/>
+                      </a:solidFill>
+                      <a:prstDash val="solid"/>
+                      <a:round/>
+                      <a:headEnd type="none" w="med" len="med"/>
+                      <a:tailEnd type="none" w="med" len="med"/>
+                    </a:lnL>
+                    <a:lnR w="6350" cap="flat" cmpd="sng" algn="ctr">
+                      <a:solidFill>
+                        <a:srgbClr val="000000"/>
+                      </a:solidFill>
+                      <a:prstDash val="solid"/>
+                      <a:round/>
+                      <a:headEnd type="none" w="med" len="med"/>
+                      <a:tailEnd type="none" w="med" len="med"/>
+                    </a:lnR>
+                    <a:lnT w="6350" cap="flat" cmpd="sng" algn="ctr">
+                      <a:solidFill>
+                        <a:srgbClr val="000000"/>
+                      </a:solidFill>
+                      <a:prstDash val="solid"/>
+                      <a:round/>
+                      <a:headEnd type="none" w="med" len="med"/>
+                      <a:tailEnd type="none" w="med" len="med"/>
+                    </a:lnT>
+                    <a:lnB w="6350" cap="flat" cmpd="sng" algn="ctr">
+                      <a:solidFill>
+                        <a:srgbClr val="000000"/>
+                      </a:solidFill>
+                      <a:prstDash val="solid"/>
+                      <a:round/>
+                      <a:headEnd type="none" w="med" len="med"/>
+                      <a:tailEnd type="none" w="med" len="med"/>
+                    </a:lnB>
+                    <a:solidFill>
+                      <a:srgbClr val="FFFFFF"/>
+                    </a:solidFill>
+                  </a:tcPr>
+                </a:tc>
+                <a:tc>
+                  <a:txBody>
+                    <a:bodyPr/>
+                    <a:lstStyle/>
+                    <a:p>
+                      <a:pPr algn="r" fontAlgn="ctr"/>
+                      <a:r>
+                        <a:rPr lang="en-US" altLang="ko-KR" sz="600" b="0" i="0" u="none" strike="noStrike">
+                          <a:solidFill>
+                            <a:srgbClr val="000000"/>
+                          </a:solidFill>
+                          <a:effectLst/>
+                          <a:latin typeface="맑은 고딕" panose="020B0503020000020004" pitchFamily="50" charset="-127"/>
+                          <a:ea typeface="맑은 고딕" panose="020B0503020000020004" pitchFamily="50" charset="-127"/>
+                        </a:rPr>
+                        <a:t>8</a:t>
+                      </a:r>
+                    </a:p>
+                  </a:txBody>
+                  <a:tcPr marL="4301" marR="4301" marT="4301" marB="0" anchor="ctr">
+                    <a:lnL w="6350" cap="flat" cmpd="sng" algn="ctr">
+                      <a:solidFill>
+                        <a:srgbClr val="000000"/>
+                      </a:solidFill>
+                      <a:prstDash val="solid"/>
+                      <a:round/>
+                      <a:headEnd type="none" w="med" len="med"/>
+                      <a:tailEnd type="none" w="med" len="med"/>
+                    </a:lnL>
+                    <a:lnR w="6350" cap="flat" cmpd="sng" algn="ctr">
+                      <a:solidFill>
+                        <a:srgbClr val="000000"/>
+                      </a:solidFill>
+                      <a:prstDash val="solid"/>
+                      <a:round/>
+                      <a:headEnd type="none" w="med" len="med"/>
+                      <a:tailEnd type="none" w="med" len="med"/>
+                    </a:lnR>
+                    <a:lnT w="6350" cap="flat" cmpd="sng" algn="ctr">
+                      <a:solidFill>
+                        <a:srgbClr val="000000"/>
+                      </a:solidFill>
+                      <a:prstDash val="solid"/>
+                      <a:round/>
+                      <a:headEnd type="none" w="med" len="med"/>
+                      <a:tailEnd type="none" w="med" len="med"/>
+                    </a:lnT>
+                    <a:lnB w="6350" cap="flat" cmpd="sng" algn="ctr">
+                      <a:solidFill>
+                        <a:srgbClr val="000000"/>
+                      </a:solidFill>
+                      <a:prstDash val="solid"/>
+                      <a:round/>
+                      <a:headEnd type="none" w="med" len="med"/>
+                      <a:tailEnd type="none" w="med" len="med"/>
+                    </a:lnB>
+                    <a:solidFill>
+                      <a:srgbClr val="FFFFFF"/>
+                    </a:solidFill>
+                  </a:tcPr>
+                </a:tc>
+                <a:tc>
+                  <a:txBody>
+                    <a:bodyPr/>
+                    <a:lstStyle/>
+                    <a:p>
+                      <a:pPr algn="r" fontAlgn="ctr"/>
+                      <a:r>
+                        <a:rPr lang="en-US" altLang="ko-KR" sz="600" b="0" i="0" u="none" strike="noStrike">
+                          <a:solidFill>
+                            <a:srgbClr val="000000"/>
+                          </a:solidFill>
+                          <a:effectLst/>
+                          <a:latin typeface="맑은 고딕" panose="020B0503020000020004" pitchFamily="50" charset="-127"/>
+                          <a:ea typeface="맑은 고딕" panose="020B0503020000020004" pitchFamily="50" charset="-127"/>
+                        </a:rPr>
+                        <a:t>3528</a:t>
+                      </a:r>
+                    </a:p>
+                  </a:txBody>
+                  <a:tcPr marL="4301" marR="4301" marT="4301" marB="0" anchor="ctr">
+                    <a:lnL w="6350" cap="flat" cmpd="sng" algn="ctr">
+                      <a:solidFill>
+                        <a:srgbClr val="000000"/>
+                      </a:solidFill>
+                      <a:prstDash val="solid"/>
+                      <a:round/>
+                      <a:headEnd type="none" w="med" len="med"/>
+                      <a:tailEnd type="none" w="med" len="med"/>
+                    </a:lnL>
+                    <a:lnR w="6350" cap="flat" cmpd="sng" algn="ctr">
+                      <a:solidFill>
+                        <a:srgbClr val="000000"/>
+                      </a:solidFill>
+                      <a:prstDash val="solid"/>
+                      <a:round/>
+                      <a:headEnd type="none" w="med" len="med"/>
+                      <a:tailEnd type="none" w="med" len="med"/>
+                    </a:lnR>
+                    <a:lnT w="6350" cap="flat" cmpd="sng" algn="ctr">
+                      <a:solidFill>
+                        <a:srgbClr val="000000"/>
+                      </a:solidFill>
+                      <a:prstDash val="solid"/>
+                      <a:round/>
+                      <a:headEnd type="none" w="med" len="med"/>
+                      <a:tailEnd type="none" w="med" len="med"/>
+                    </a:lnT>
+                    <a:lnB w="6350" cap="flat" cmpd="sng" algn="ctr">
+                      <a:solidFill>
+                        <a:srgbClr val="000000"/>
+                      </a:solidFill>
+                      <a:prstDash val="solid"/>
+                      <a:round/>
+                      <a:headEnd type="none" w="med" len="med"/>
+                      <a:tailEnd type="none" w="med" len="med"/>
+                    </a:lnB>
+                    <a:solidFill>
+                      <a:srgbClr val="FFFFFF"/>
+                    </a:solidFill>
+                  </a:tcPr>
+                </a:tc>
+                <a:extLst>
+                  <a:ext uri="{0D108BD9-81ED-4DB2-BD59-A6C34878D82A}">
+                    <a16:rowId xmlns:a16="http://schemas.microsoft.com/office/drawing/2014/main" val="66350817"/>
+                  </a:ext>
+                </a:extLst>
+              </a:tr>
+              <a:tr h="124718">
+                <a:tc>
+                  <a:txBody>
+                    <a:bodyPr/>
+                    <a:lstStyle/>
+                    <a:p>
+                      <a:pPr algn="r" fontAlgn="ctr"/>
+                      <a:r>
+                        <a:rPr lang="en-US" altLang="ko-KR" sz="600" b="0" i="0" u="none" strike="noStrike">
+                          <a:solidFill>
+                            <a:srgbClr val="000000"/>
+                          </a:solidFill>
+                          <a:effectLst/>
+                          <a:latin typeface="맑은 고딕" panose="020B0503020000020004" pitchFamily="50" charset="-127"/>
+                          <a:ea typeface="맑은 고딕" panose="020B0503020000020004" pitchFamily="50" charset="-127"/>
+                        </a:rPr>
+                        <a:t>239.9</a:t>
+                      </a:r>
+                    </a:p>
+                  </a:txBody>
+                  <a:tcPr marL="4301" marR="4301" marT="4301" marB="0" anchor="ctr">
+                    <a:lnL w="6350" cap="flat" cmpd="sng" algn="ctr">
+                      <a:solidFill>
+                        <a:srgbClr val="000000"/>
+                      </a:solidFill>
+                      <a:prstDash val="solid"/>
+                      <a:round/>
+                      <a:headEnd type="none" w="med" len="med"/>
+                      <a:tailEnd type="none" w="med" len="med"/>
+                    </a:lnL>
+                    <a:lnR w="6350" cap="flat" cmpd="sng" algn="ctr">
+                      <a:solidFill>
+                        <a:srgbClr val="000000"/>
+                      </a:solidFill>
+                      <a:prstDash val="solid"/>
+                      <a:round/>
+                      <a:headEnd type="none" w="med" len="med"/>
+                      <a:tailEnd type="none" w="med" len="med"/>
+                    </a:lnR>
+                    <a:lnT w="6350" cap="flat" cmpd="sng" algn="ctr">
+                      <a:solidFill>
+                        <a:srgbClr val="000000"/>
+                      </a:solidFill>
+                      <a:prstDash val="solid"/>
+                      <a:round/>
+                      <a:headEnd type="none" w="med" len="med"/>
+                      <a:tailEnd type="none" w="med" len="med"/>
+                    </a:lnT>
+                    <a:lnB w="6350" cap="flat" cmpd="sng" algn="ctr">
+                      <a:solidFill>
+                        <a:srgbClr val="000000"/>
+                      </a:solidFill>
+                      <a:prstDash val="solid"/>
+                      <a:round/>
+                      <a:headEnd type="none" w="med" len="med"/>
+                      <a:tailEnd type="none" w="med" len="med"/>
+                    </a:lnB>
+                    <a:solidFill>
+                      <a:srgbClr val="FFFFFF"/>
+                    </a:solidFill>
+                  </a:tcPr>
+                </a:tc>
+                <a:tc>
+                  <a:txBody>
+                    <a:bodyPr/>
+                    <a:lstStyle/>
+                    <a:p>
+                      <a:pPr algn="r" fontAlgn="ctr"/>
+                      <a:r>
+                        <a:rPr lang="en-US" altLang="ko-KR" sz="600" b="0" i="0" u="none" strike="noStrike">
+                          <a:solidFill>
+                            <a:srgbClr val="000000"/>
+                          </a:solidFill>
+                          <a:effectLst/>
+                          <a:latin typeface="맑은 고딕" panose="020B0503020000020004" pitchFamily="50" charset="-127"/>
+                          <a:ea typeface="맑은 고딕" panose="020B0503020000020004" pitchFamily="50" charset="-127"/>
+                        </a:rPr>
+                        <a:t>19.93</a:t>
+                      </a:r>
+                    </a:p>
+                  </a:txBody>
+                  <a:tcPr marL="4301" marR="4301" marT="4301" marB="0" anchor="ctr">
+                    <a:lnL w="6350" cap="flat" cmpd="sng" algn="ctr">
+                      <a:solidFill>
+                        <a:srgbClr val="000000"/>
+                      </a:solidFill>
+                      <a:prstDash val="solid"/>
+                      <a:round/>
+                      <a:headEnd type="none" w="med" len="med"/>
+                      <a:tailEnd type="none" w="med" len="med"/>
+                    </a:lnL>
+                    <a:lnR w="6350" cap="flat" cmpd="sng" algn="ctr">
+                      <a:solidFill>
+                        <a:srgbClr val="000000"/>
+                      </a:solidFill>
+                      <a:prstDash val="solid"/>
+                      <a:round/>
+                      <a:headEnd type="none" w="med" len="med"/>
+                      <a:tailEnd type="none" w="med" len="med"/>
+                    </a:lnR>
+                    <a:lnT w="6350" cap="flat" cmpd="sng" algn="ctr">
+                      <a:solidFill>
+                        <a:srgbClr val="000000"/>
+                      </a:solidFill>
+                      <a:prstDash val="solid"/>
+                      <a:round/>
+                      <a:headEnd type="none" w="med" len="med"/>
+                      <a:tailEnd type="none" w="med" len="med"/>
+                    </a:lnT>
+                    <a:lnB w="6350" cap="flat" cmpd="sng" algn="ctr">
+                      <a:solidFill>
+                        <a:srgbClr val="000000"/>
+                      </a:solidFill>
+                      <a:prstDash val="solid"/>
+                      <a:round/>
+                      <a:headEnd type="none" w="med" len="med"/>
+                      <a:tailEnd type="none" w="med" len="med"/>
+                    </a:lnB>
+                    <a:solidFill>
+                      <a:srgbClr val="FFFFFF"/>
+                    </a:solidFill>
+                  </a:tcPr>
+                </a:tc>
+                <a:tc>
+                  <a:txBody>
+                    <a:bodyPr/>
+                    <a:lstStyle/>
+                    <a:p>
+                      <a:pPr algn="r" fontAlgn="ctr"/>
+                      <a:r>
+                        <a:rPr lang="en-US" altLang="ko-KR" sz="600" b="0" i="0" u="none" strike="noStrike">
+                          <a:solidFill>
+                            <a:srgbClr val="000000"/>
+                          </a:solidFill>
+                          <a:effectLst/>
+                          <a:latin typeface="맑은 고딕" panose="020B0503020000020004" pitchFamily="50" charset="-127"/>
+                          <a:ea typeface="맑은 고딕" panose="020B0503020000020004" pitchFamily="50" charset="-127"/>
+                        </a:rPr>
+                        <a:t>30000</a:t>
+                      </a:r>
+                    </a:p>
+                  </a:txBody>
+                  <a:tcPr marL="4301" marR="4301" marT="4301" marB="0" anchor="ctr">
+                    <a:lnL w="6350" cap="flat" cmpd="sng" algn="ctr">
+                      <a:solidFill>
+                        <a:srgbClr val="000000"/>
+                      </a:solidFill>
+                      <a:prstDash val="solid"/>
+                      <a:round/>
+                      <a:headEnd type="none" w="med" len="med"/>
+                      <a:tailEnd type="none" w="med" len="med"/>
+                    </a:lnL>
+                    <a:lnR w="6350" cap="flat" cmpd="sng" algn="ctr">
+                      <a:solidFill>
+                        <a:srgbClr val="000000"/>
+                      </a:solidFill>
+                      <a:prstDash val="solid"/>
+                      <a:round/>
+                      <a:headEnd type="none" w="med" len="med"/>
+                      <a:tailEnd type="none" w="med" len="med"/>
+                    </a:lnR>
+                    <a:lnT w="6350" cap="flat" cmpd="sng" algn="ctr">
+                      <a:solidFill>
+                        <a:srgbClr val="000000"/>
+                      </a:solidFill>
+                      <a:prstDash val="solid"/>
+                      <a:round/>
+                      <a:headEnd type="none" w="med" len="med"/>
+                      <a:tailEnd type="none" w="med" len="med"/>
+                    </a:lnT>
+                    <a:lnB w="6350" cap="flat" cmpd="sng" algn="ctr">
+                      <a:solidFill>
+                        <a:srgbClr val="000000"/>
+                      </a:solidFill>
+                      <a:prstDash val="solid"/>
+                      <a:round/>
+                      <a:headEnd type="none" w="med" len="med"/>
+                      <a:tailEnd type="none" w="med" len="med"/>
+                    </a:lnB>
+                    <a:solidFill>
+                      <a:srgbClr val="FFFFFF"/>
+                    </a:solidFill>
+                  </a:tcPr>
+                </a:tc>
+                <a:tc>
+                  <a:txBody>
+                    <a:bodyPr/>
+                    <a:lstStyle/>
+                    <a:p>
+                      <a:pPr algn="l" fontAlgn="ctr"/>
+                      <a:r>
+                        <a:rPr lang="en-US" sz="600" b="0" i="0" u="none" strike="noStrike">
+                          <a:solidFill>
+                            <a:srgbClr val="000000"/>
+                          </a:solidFill>
+                          <a:effectLst/>
+                          <a:latin typeface="맑은 고딕" panose="020B0503020000020004" pitchFamily="50" charset="-127"/>
+                          <a:ea typeface="맑은 고딕" panose="020B0503020000020004" pitchFamily="50" charset="-127"/>
+                        </a:rPr>
+                        <a:t>pet_shop</a:t>
+                      </a:r>
+                    </a:p>
+                  </a:txBody>
+                  <a:tcPr marL="4301" marR="4301" marT="4301" marB="0" anchor="ctr">
+                    <a:lnL w="6350" cap="flat" cmpd="sng" algn="ctr">
+                      <a:solidFill>
+                        <a:srgbClr val="000000"/>
+                      </a:solidFill>
+                      <a:prstDash val="solid"/>
+                      <a:round/>
+                      <a:headEnd type="none" w="med" len="med"/>
+                      <a:tailEnd type="none" w="med" len="med"/>
+                    </a:lnL>
+                    <a:lnR w="6350" cap="flat" cmpd="sng" algn="ctr">
+                      <a:solidFill>
+                        <a:srgbClr val="000000"/>
+                      </a:solidFill>
+                      <a:prstDash val="solid"/>
+                      <a:round/>
+                      <a:headEnd type="none" w="med" len="med"/>
+                      <a:tailEnd type="none" w="med" len="med"/>
+                    </a:lnR>
+                    <a:lnT w="6350" cap="flat" cmpd="sng" algn="ctr">
+                      <a:solidFill>
+                        <a:srgbClr val="000000"/>
+                      </a:solidFill>
+                      <a:prstDash val="solid"/>
+                      <a:round/>
+                      <a:headEnd type="none" w="med" len="med"/>
+                      <a:tailEnd type="none" w="med" len="med"/>
+                    </a:lnT>
+                    <a:lnB w="6350" cap="flat" cmpd="sng" algn="ctr">
+                      <a:solidFill>
+                        <a:srgbClr val="000000"/>
+                      </a:solidFill>
+                      <a:prstDash val="solid"/>
+                      <a:round/>
+                      <a:headEnd type="none" w="med" len="med"/>
+                      <a:tailEnd type="none" w="med" len="med"/>
+                    </a:lnB>
+                    <a:solidFill>
+                      <a:srgbClr val="FFFFFF"/>
+                    </a:solidFill>
+                  </a:tcPr>
+                </a:tc>
+                <a:tc>
+                  <a:txBody>
+                    <a:bodyPr/>
+                    <a:lstStyle/>
+                    <a:p>
+                      <a:pPr algn="r" fontAlgn="ctr"/>
+                      <a:r>
+                        <a:rPr lang="en-US" altLang="ko-KR" sz="600" b="0" i="0" u="none" strike="noStrike">
+                          <a:solidFill>
+                            <a:srgbClr val="000000"/>
+                          </a:solidFill>
+                          <a:effectLst/>
+                          <a:latin typeface="맑은 고딕" panose="020B0503020000020004" pitchFamily="50" charset="-127"/>
+                          <a:ea typeface="맑은 고딕" panose="020B0503020000020004" pitchFamily="50" charset="-127"/>
+                        </a:rPr>
+                        <a:t>16.21618056</a:t>
+                      </a:r>
+                    </a:p>
+                  </a:txBody>
+                  <a:tcPr marL="4301" marR="4301" marT="4301" marB="0" anchor="ctr">
+                    <a:lnL w="6350" cap="flat" cmpd="sng" algn="ctr">
+                      <a:solidFill>
+                        <a:srgbClr val="000000"/>
+                      </a:solidFill>
+                      <a:prstDash val="solid"/>
+                      <a:round/>
+                      <a:headEnd type="none" w="med" len="med"/>
+                      <a:tailEnd type="none" w="med" len="med"/>
+                    </a:lnL>
+                    <a:lnR w="6350" cap="flat" cmpd="sng" algn="ctr">
+                      <a:solidFill>
+                        <a:srgbClr val="000000"/>
+                      </a:solidFill>
+                      <a:prstDash val="solid"/>
+                      <a:round/>
+                      <a:headEnd type="none" w="med" len="med"/>
+                      <a:tailEnd type="none" w="med" len="med"/>
+                    </a:lnR>
+                    <a:lnT w="6350" cap="flat" cmpd="sng" algn="ctr">
+                      <a:solidFill>
+                        <a:srgbClr val="000000"/>
+                      </a:solidFill>
+                      <a:prstDash val="solid"/>
+                      <a:round/>
+                      <a:headEnd type="none" w="med" len="med"/>
+                      <a:tailEnd type="none" w="med" len="med"/>
+                    </a:lnT>
+                    <a:lnB w="6350" cap="flat" cmpd="sng" algn="ctr">
+                      <a:solidFill>
+                        <a:srgbClr val="000000"/>
+                      </a:solidFill>
+                      <a:prstDash val="solid"/>
+                      <a:round/>
+                      <a:headEnd type="none" w="med" len="med"/>
+                      <a:tailEnd type="none" w="med" len="med"/>
+                    </a:lnB>
+                    <a:solidFill>
+                      <a:srgbClr val="FFFFFF"/>
+                    </a:solidFill>
+                  </a:tcPr>
+                </a:tc>
+                <a:tc>
+                  <a:txBody>
+                    <a:bodyPr/>
+                    <a:lstStyle/>
+                    <a:p>
+                      <a:pPr algn="l" fontAlgn="ctr"/>
+                      <a:r>
+                        <a:rPr lang="en-US" sz="600" b="0" i="0" u="none" strike="noStrike">
+                          <a:solidFill>
+                            <a:srgbClr val="000000"/>
+                          </a:solidFill>
+                          <a:effectLst/>
+                          <a:latin typeface="맑은 고딕" panose="020B0503020000020004" pitchFamily="50" charset="-127"/>
+                          <a:ea typeface="맑은 고딕" panose="020B0503020000020004" pitchFamily="50" charset="-127"/>
+                        </a:rPr>
+                        <a:t>SP</a:t>
+                      </a:r>
+                    </a:p>
+                  </a:txBody>
+                  <a:tcPr marL="4301" marR="4301" marT="4301" marB="0" anchor="ctr">
+                    <a:lnL w="6350" cap="flat" cmpd="sng" algn="ctr">
+                      <a:solidFill>
+                        <a:srgbClr val="000000"/>
+                      </a:solidFill>
+                      <a:prstDash val="solid"/>
+                      <a:round/>
+                      <a:headEnd type="none" w="med" len="med"/>
+                      <a:tailEnd type="none" w="med" len="med"/>
+                    </a:lnL>
+                    <a:lnR w="6350" cap="flat" cmpd="sng" algn="ctr">
+                      <a:solidFill>
+                        <a:srgbClr val="000000"/>
+                      </a:solidFill>
+                      <a:prstDash val="solid"/>
+                      <a:round/>
+                      <a:headEnd type="none" w="med" len="med"/>
+                      <a:tailEnd type="none" w="med" len="med"/>
+                    </a:lnR>
+                    <a:lnT w="6350" cap="flat" cmpd="sng" algn="ctr">
+                      <a:solidFill>
+                        <a:srgbClr val="000000"/>
+                      </a:solidFill>
+                      <a:prstDash val="solid"/>
+                      <a:round/>
+                      <a:headEnd type="none" w="med" len="med"/>
+                      <a:tailEnd type="none" w="med" len="med"/>
+                    </a:lnT>
+                    <a:lnB w="6350" cap="flat" cmpd="sng" algn="ctr">
+                      <a:solidFill>
+                        <a:srgbClr val="000000"/>
+                      </a:solidFill>
+                      <a:prstDash val="solid"/>
+                      <a:round/>
+                      <a:headEnd type="none" w="med" len="med"/>
+                      <a:tailEnd type="none" w="med" len="med"/>
+                    </a:lnB>
+                    <a:solidFill>
+                      <a:srgbClr val="FFFFFF"/>
+                    </a:solidFill>
+                  </a:tcPr>
+                </a:tc>
+                <a:tc>
+                  <a:txBody>
+                    <a:bodyPr/>
+                    <a:lstStyle/>
+                    <a:p>
+                      <a:pPr algn="l" fontAlgn="ctr"/>
+                      <a:r>
+                        <a:rPr lang="en-US" sz="600" b="0" i="0" u="none" strike="noStrike">
+                          <a:solidFill>
+                            <a:srgbClr val="000000"/>
+                          </a:solidFill>
+                          <a:effectLst/>
+                          <a:latin typeface="맑은 고딕" panose="020B0503020000020004" pitchFamily="50" charset="-127"/>
+                          <a:ea typeface="맑은 고딕" panose="020B0503020000020004" pitchFamily="50" charset="-127"/>
+                        </a:rPr>
+                        <a:t>SP</a:t>
+                      </a:r>
+                    </a:p>
+                  </a:txBody>
+                  <a:tcPr marL="4301" marR="4301" marT="4301" marB="0" anchor="ctr">
+                    <a:lnL w="6350" cap="flat" cmpd="sng" algn="ctr">
+                      <a:solidFill>
+                        <a:srgbClr val="000000"/>
+                      </a:solidFill>
+                      <a:prstDash val="solid"/>
+                      <a:round/>
+                      <a:headEnd type="none" w="med" len="med"/>
+                      <a:tailEnd type="none" w="med" len="med"/>
+                    </a:lnL>
+                    <a:lnR w="6350" cap="flat" cmpd="sng" algn="ctr">
+                      <a:solidFill>
+                        <a:srgbClr val="000000"/>
+                      </a:solidFill>
+                      <a:prstDash val="solid"/>
+                      <a:round/>
+                      <a:headEnd type="none" w="med" len="med"/>
+                      <a:tailEnd type="none" w="med" len="med"/>
+                    </a:lnR>
+                    <a:lnT w="6350" cap="flat" cmpd="sng" algn="ctr">
+                      <a:solidFill>
+                        <a:srgbClr val="000000"/>
+                      </a:solidFill>
+                      <a:prstDash val="solid"/>
+                      <a:round/>
+                      <a:headEnd type="none" w="med" len="med"/>
+                      <a:tailEnd type="none" w="med" len="med"/>
+                    </a:lnT>
+                    <a:lnB w="6350" cap="flat" cmpd="sng" algn="ctr">
+                      <a:solidFill>
+                        <a:srgbClr val="000000"/>
+                      </a:solidFill>
+                      <a:prstDash val="solid"/>
+                      <a:round/>
+                      <a:headEnd type="none" w="med" len="med"/>
+                      <a:tailEnd type="none" w="med" len="med"/>
+                    </a:lnB>
+                    <a:solidFill>
+                      <a:srgbClr val="FFFFFF"/>
+                    </a:solidFill>
+                  </a:tcPr>
+                </a:tc>
+                <a:tc>
+                  <a:txBody>
+                    <a:bodyPr/>
+                    <a:lstStyle/>
+                    <a:p>
+                      <a:pPr algn="r" fontAlgn="ctr"/>
+                      <a:r>
+                        <a:rPr lang="en-US" altLang="ko-KR" sz="600" b="0" i="0" u="none" strike="noStrike">
+                          <a:solidFill>
+                            <a:srgbClr val="000000"/>
+                          </a:solidFill>
+                          <a:effectLst/>
+                          <a:latin typeface="맑은 고딕" panose="020B0503020000020004" pitchFamily="50" charset="-127"/>
+                          <a:ea typeface="맑은 고딕" panose="020B0503020000020004" pitchFamily="50" charset="-127"/>
+                        </a:rPr>
+                        <a:t>637</a:t>
+                      </a:r>
+                    </a:p>
+                  </a:txBody>
+                  <a:tcPr marL="4301" marR="4301" marT="4301" marB="0" anchor="ctr">
+                    <a:lnL w="6350" cap="flat" cmpd="sng" algn="ctr">
+                      <a:solidFill>
+                        <a:srgbClr val="000000"/>
+                      </a:solidFill>
+                      <a:prstDash val="solid"/>
+                      <a:round/>
+                      <a:headEnd type="none" w="med" len="med"/>
+                      <a:tailEnd type="none" w="med" len="med"/>
+                    </a:lnL>
+                    <a:lnR w="6350" cap="flat" cmpd="sng" algn="ctr">
+                      <a:solidFill>
+                        <a:srgbClr val="000000"/>
+                      </a:solidFill>
+                      <a:prstDash val="solid"/>
+                      <a:round/>
+                      <a:headEnd type="none" w="med" len="med"/>
+                      <a:tailEnd type="none" w="med" len="med"/>
+                    </a:lnR>
+                    <a:lnT w="6350" cap="flat" cmpd="sng" algn="ctr">
+                      <a:solidFill>
+                        <a:srgbClr val="000000"/>
+                      </a:solidFill>
+                      <a:prstDash val="solid"/>
+                      <a:round/>
+                      <a:headEnd type="none" w="med" len="med"/>
+                      <a:tailEnd type="none" w="med" len="med"/>
+                    </a:lnT>
+                    <a:lnB w="6350" cap="flat" cmpd="sng" algn="ctr">
+                      <a:solidFill>
+                        <a:srgbClr val="000000"/>
+                      </a:solidFill>
+                      <a:prstDash val="solid"/>
+                      <a:round/>
+                      <a:headEnd type="none" w="med" len="med"/>
+                      <a:tailEnd type="none" w="med" len="med"/>
+                    </a:lnB>
+                    <a:solidFill>
+                      <a:srgbClr val="FFFFFF"/>
+                    </a:solidFill>
+                  </a:tcPr>
+                </a:tc>
+                <a:tc>
+                  <a:txBody>
+                    <a:bodyPr/>
+                    <a:lstStyle/>
+                    <a:p>
+                      <a:pPr algn="r" fontAlgn="ctr"/>
+                      <a:r>
+                        <a:rPr lang="en-US" altLang="ko-KR" sz="600" b="0" i="0" u="none" strike="noStrike">
+                          <a:solidFill>
+                            <a:srgbClr val="000000"/>
+                          </a:solidFill>
+                          <a:effectLst/>
+                          <a:latin typeface="맑은 고딕" panose="020B0503020000020004" pitchFamily="50" charset="-127"/>
+                          <a:ea typeface="맑은 고딕" panose="020B0503020000020004" pitchFamily="50" charset="-127"/>
+                        </a:rPr>
+                        <a:t>2017</a:t>
+                      </a:r>
+                    </a:p>
+                  </a:txBody>
+                  <a:tcPr marL="4301" marR="4301" marT="4301" marB="0" anchor="ctr">
+                    <a:lnL w="6350" cap="flat" cmpd="sng" algn="ctr">
+                      <a:solidFill>
+                        <a:srgbClr val="000000"/>
+                      </a:solidFill>
+                      <a:prstDash val="solid"/>
+                      <a:round/>
+                      <a:headEnd type="none" w="med" len="med"/>
+                      <a:tailEnd type="none" w="med" len="med"/>
+                    </a:lnL>
+                    <a:lnR w="6350" cap="flat" cmpd="sng" algn="ctr">
+                      <a:solidFill>
+                        <a:srgbClr val="000000"/>
+                      </a:solidFill>
+                      <a:prstDash val="solid"/>
+                      <a:round/>
+                      <a:headEnd type="none" w="med" len="med"/>
+                      <a:tailEnd type="none" w="med" len="med"/>
+                    </a:lnR>
+                    <a:lnT w="6350" cap="flat" cmpd="sng" algn="ctr">
+                      <a:solidFill>
+                        <a:srgbClr val="000000"/>
+                      </a:solidFill>
+                      <a:prstDash val="solid"/>
+                      <a:round/>
+                      <a:headEnd type="none" w="med" len="med"/>
+                      <a:tailEnd type="none" w="med" len="med"/>
+                    </a:lnT>
+                    <a:lnB w="6350" cap="flat" cmpd="sng" algn="ctr">
+                      <a:solidFill>
+                        <a:srgbClr val="000000"/>
+                      </a:solidFill>
+                      <a:prstDash val="solid"/>
+                      <a:round/>
+                      <a:headEnd type="none" w="med" len="med"/>
+                      <a:tailEnd type="none" w="med" len="med"/>
+                    </a:lnB>
+                    <a:solidFill>
+                      <a:srgbClr val="FFFFFF"/>
+                    </a:solidFill>
+                  </a:tcPr>
+                </a:tc>
+                <a:tc>
+                  <a:txBody>
+                    <a:bodyPr/>
+                    <a:lstStyle/>
+                    <a:p>
+                      <a:pPr algn="r" fontAlgn="ctr"/>
+                      <a:r>
+                        <a:rPr lang="en-US" altLang="ko-KR" sz="600" b="0" i="0" u="none" strike="noStrike">
+                          <a:solidFill>
+                            <a:srgbClr val="000000"/>
+                          </a:solidFill>
+                          <a:effectLst/>
+                          <a:latin typeface="맑은 고딕" panose="020B0503020000020004" pitchFamily="50" charset="-127"/>
+                          <a:ea typeface="맑은 고딕" panose="020B0503020000020004" pitchFamily="50" charset="-127"/>
+                        </a:rPr>
+                        <a:t>4</a:t>
+                      </a:r>
+                    </a:p>
+                  </a:txBody>
+                  <a:tcPr marL="4301" marR="4301" marT="4301" marB="0" anchor="ctr">
+                    <a:lnL w="6350" cap="flat" cmpd="sng" algn="ctr">
+                      <a:solidFill>
+                        <a:srgbClr val="000000"/>
+                      </a:solidFill>
+                      <a:prstDash val="solid"/>
+                      <a:round/>
+                      <a:headEnd type="none" w="med" len="med"/>
+                      <a:tailEnd type="none" w="med" len="med"/>
+                    </a:lnL>
+                    <a:lnR w="6350" cap="flat" cmpd="sng" algn="ctr">
+                      <a:solidFill>
+                        <a:srgbClr val="000000"/>
+                      </a:solidFill>
+                      <a:prstDash val="solid"/>
+                      <a:round/>
+                      <a:headEnd type="none" w="med" len="med"/>
+                      <a:tailEnd type="none" w="med" len="med"/>
+                    </a:lnR>
+                    <a:lnT w="6350" cap="flat" cmpd="sng" algn="ctr">
+                      <a:solidFill>
+                        <a:srgbClr val="000000"/>
+                      </a:solidFill>
+                      <a:prstDash val="solid"/>
+                      <a:round/>
+                      <a:headEnd type="none" w="med" len="med"/>
+                      <a:tailEnd type="none" w="med" len="med"/>
+                    </a:lnT>
+                    <a:lnB w="6350" cap="flat" cmpd="sng" algn="ctr">
+                      <a:solidFill>
+                        <a:srgbClr val="000000"/>
+                      </a:solidFill>
+                      <a:prstDash val="solid"/>
+                      <a:round/>
+                      <a:headEnd type="none" w="med" len="med"/>
+                      <a:tailEnd type="none" w="med" len="med"/>
+                    </a:lnB>
+                    <a:solidFill>
+                      <a:srgbClr val="FFFFFF"/>
+                    </a:solidFill>
+                  </a:tcPr>
+                </a:tc>
+                <a:tc>
+                  <a:txBody>
+                    <a:bodyPr/>
+                    <a:lstStyle/>
+                    <a:p>
+                      <a:pPr algn="r" fontAlgn="ctr"/>
+                      <a:r>
+                        <a:rPr lang="en-US" altLang="ko-KR" sz="600" b="0" i="0" u="none" strike="noStrike">
+                          <a:solidFill>
+                            <a:srgbClr val="000000"/>
+                          </a:solidFill>
+                          <a:effectLst/>
+                          <a:latin typeface="맑은 고딕" panose="020B0503020000020004" pitchFamily="50" charset="-127"/>
+                          <a:ea typeface="맑은 고딕" panose="020B0503020000020004" pitchFamily="50" charset="-127"/>
+                        </a:rPr>
+                        <a:t>26</a:t>
+                      </a:r>
+                    </a:p>
+                  </a:txBody>
+                  <a:tcPr marL="4301" marR="4301" marT="4301" marB="0" anchor="ctr">
+                    <a:lnL w="6350" cap="flat" cmpd="sng" algn="ctr">
+                      <a:solidFill>
+                        <a:srgbClr val="000000"/>
+                      </a:solidFill>
+                      <a:prstDash val="solid"/>
+                      <a:round/>
+                      <a:headEnd type="none" w="med" len="med"/>
+                      <a:tailEnd type="none" w="med" len="med"/>
+                    </a:lnL>
+                    <a:lnR w="6350" cap="flat" cmpd="sng" algn="ctr">
+                      <a:solidFill>
+                        <a:srgbClr val="000000"/>
+                      </a:solidFill>
+                      <a:prstDash val="solid"/>
+                      <a:round/>
+                      <a:headEnd type="none" w="med" len="med"/>
+                      <a:tailEnd type="none" w="med" len="med"/>
+                    </a:lnR>
+                    <a:lnT w="6350" cap="flat" cmpd="sng" algn="ctr">
+                      <a:solidFill>
+                        <a:srgbClr val="000000"/>
+                      </a:solidFill>
+                      <a:prstDash val="solid"/>
+                      <a:round/>
+                      <a:headEnd type="none" w="med" len="med"/>
+                      <a:tailEnd type="none" w="med" len="med"/>
+                    </a:lnT>
+                    <a:lnB w="6350" cap="flat" cmpd="sng" algn="ctr">
+                      <a:solidFill>
+                        <a:srgbClr val="000000"/>
+                      </a:solidFill>
+                      <a:prstDash val="solid"/>
+                      <a:round/>
+                      <a:headEnd type="none" w="med" len="med"/>
+                      <a:tailEnd type="none" w="med" len="med"/>
+                    </a:lnB>
+                    <a:solidFill>
+                      <a:srgbClr val="FFFFFF"/>
+                    </a:solidFill>
+                  </a:tcPr>
+                </a:tc>
+                <a:tc>
+                  <a:txBody>
+                    <a:bodyPr/>
+                    <a:lstStyle/>
+                    <a:p>
+                      <a:pPr algn="r" fontAlgn="ctr"/>
+                      <a:r>
+                        <a:rPr lang="en-US" altLang="ko-KR" sz="600" b="0" i="0" u="none" strike="noStrike">
+                          <a:solidFill>
+                            <a:srgbClr val="000000"/>
+                          </a:solidFill>
+                          <a:effectLst/>
+                          <a:latin typeface="맑은 고딕" panose="020B0503020000020004" pitchFamily="50" charset="-127"/>
+                          <a:ea typeface="맑은 고딕" panose="020B0503020000020004" pitchFamily="50" charset="-127"/>
+                        </a:rPr>
+                        <a:t>2</a:t>
+                      </a:r>
+                    </a:p>
+                  </a:txBody>
+                  <a:tcPr marL="4301" marR="4301" marT="4301" marB="0" anchor="ctr">
+                    <a:lnL w="6350" cap="flat" cmpd="sng" algn="ctr">
+                      <a:solidFill>
+                        <a:srgbClr val="000000"/>
+                      </a:solidFill>
+                      <a:prstDash val="solid"/>
+                      <a:round/>
+                      <a:headEnd type="none" w="med" len="med"/>
+                      <a:tailEnd type="none" w="med" len="med"/>
+                    </a:lnL>
+                    <a:lnR w="6350" cap="flat" cmpd="sng" algn="ctr">
+                      <a:solidFill>
+                        <a:srgbClr val="000000"/>
+                      </a:solidFill>
+                      <a:prstDash val="solid"/>
+                      <a:round/>
+                      <a:headEnd type="none" w="med" len="med"/>
+                      <a:tailEnd type="none" w="med" len="med"/>
+                    </a:lnR>
+                    <a:lnT w="6350" cap="flat" cmpd="sng" algn="ctr">
+                      <a:solidFill>
+                        <a:srgbClr val="000000"/>
+                      </a:solidFill>
+                      <a:prstDash val="solid"/>
+                      <a:round/>
+                      <a:headEnd type="none" w="med" len="med"/>
+                      <a:tailEnd type="none" w="med" len="med"/>
+                    </a:lnT>
+                    <a:lnB w="6350" cap="flat" cmpd="sng" algn="ctr">
+                      <a:solidFill>
+                        <a:srgbClr val="000000"/>
+                      </a:solidFill>
+                      <a:prstDash val="solid"/>
+                      <a:round/>
+                      <a:headEnd type="none" w="med" len="med"/>
+                      <a:tailEnd type="none" w="med" len="med"/>
+                    </a:lnB>
+                    <a:solidFill>
+                      <a:srgbClr val="FFFFFF"/>
+                    </a:solidFill>
+                  </a:tcPr>
+                </a:tc>
+                <a:tc>
+                  <a:txBody>
+                    <a:bodyPr/>
+                    <a:lstStyle/>
+                    <a:p>
+                      <a:pPr algn="r" fontAlgn="ctr"/>
+                      <a:r>
+                        <a:rPr lang="en-US" altLang="ko-KR" sz="600" b="0" i="0" u="none" strike="noStrike">
+                          <a:solidFill>
+                            <a:srgbClr val="000000"/>
+                          </a:solidFill>
+                          <a:effectLst/>
+                          <a:latin typeface="맑은 고딕" panose="020B0503020000020004" pitchFamily="50" charset="-127"/>
+                          <a:ea typeface="맑은 고딕" panose="020B0503020000020004" pitchFamily="50" charset="-127"/>
+                        </a:rPr>
+                        <a:t>10</a:t>
+                      </a:r>
+                    </a:p>
+                  </a:txBody>
+                  <a:tcPr marL="4301" marR="4301" marT="4301" marB="0" anchor="ctr">
+                    <a:lnL w="6350" cap="flat" cmpd="sng" algn="ctr">
+                      <a:solidFill>
+                        <a:srgbClr val="000000"/>
+                      </a:solidFill>
+                      <a:prstDash val="solid"/>
+                      <a:round/>
+                      <a:headEnd type="none" w="med" len="med"/>
+                      <a:tailEnd type="none" w="med" len="med"/>
+                    </a:lnL>
+                    <a:lnR w="6350" cap="flat" cmpd="sng" algn="ctr">
+                      <a:solidFill>
+                        <a:srgbClr val="000000"/>
+                      </a:solidFill>
+                      <a:prstDash val="solid"/>
+                      <a:round/>
+                      <a:headEnd type="none" w="med" len="med"/>
+                      <a:tailEnd type="none" w="med" len="med"/>
+                    </a:lnR>
+                    <a:lnT w="6350" cap="flat" cmpd="sng" algn="ctr">
+                      <a:solidFill>
+                        <a:srgbClr val="000000"/>
+                      </a:solidFill>
+                      <a:prstDash val="solid"/>
+                      <a:round/>
+                      <a:headEnd type="none" w="med" len="med"/>
+                      <a:tailEnd type="none" w="med" len="med"/>
+                    </a:lnT>
+                    <a:lnB w="6350" cap="flat" cmpd="sng" algn="ctr">
+                      <a:solidFill>
+                        <a:srgbClr val="000000"/>
+                      </a:solidFill>
+                      <a:prstDash val="solid"/>
+                      <a:round/>
+                      <a:headEnd type="none" w="med" len="med"/>
+                      <a:tailEnd type="none" w="med" len="med"/>
+                    </a:lnB>
+                    <a:solidFill>
+                      <a:srgbClr val="FFFFFF"/>
+                    </a:solidFill>
+                  </a:tcPr>
+                </a:tc>
+                <a:tc>
+                  <a:txBody>
+                    <a:bodyPr/>
+                    <a:lstStyle/>
+                    <a:p>
+                      <a:pPr algn="r" fontAlgn="ctr"/>
+                      <a:r>
+                        <a:rPr lang="en-US" altLang="ko-KR" sz="600" b="0" i="0" u="none" strike="noStrike">
+                          <a:solidFill>
+                            <a:srgbClr val="000000"/>
+                          </a:solidFill>
+                          <a:effectLst/>
+                          <a:latin typeface="맑은 고딕" panose="020B0503020000020004" pitchFamily="50" charset="-127"/>
+                          <a:ea typeface="맑은 고딕" panose="020B0503020000020004" pitchFamily="50" charset="-127"/>
+                        </a:rPr>
+                        <a:t>60000</a:t>
+                      </a:r>
+                    </a:p>
+                  </a:txBody>
+                  <a:tcPr marL="4301" marR="4301" marT="4301" marB="0" anchor="ctr">
+                    <a:lnL w="6350" cap="flat" cmpd="sng" algn="ctr">
+                      <a:solidFill>
+                        <a:srgbClr val="000000"/>
+                      </a:solidFill>
+                      <a:prstDash val="solid"/>
+                      <a:round/>
+                      <a:headEnd type="none" w="med" len="med"/>
+                      <a:tailEnd type="none" w="med" len="med"/>
+                    </a:lnL>
+                    <a:lnR w="6350" cap="flat" cmpd="sng" algn="ctr">
+                      <a:solidFill>
+                        <a:srgbClr val="000000"/>
+                      </a:solidFill>
+                      <a:prstDash val="solid"/>
+                      <a:round/>
+                      <a:headEnd type="none" w="med" len="med"/>
+                      <a:tailEnd type="none" w="med" len="med"/>
+                    </a:lnR>
+                    <a:lnT w="6350" cap="flat" cmpd="sng" algn="ctr">
+                      <a:solidFill>
+                        <a:srgbClr val="000000"/>
+                      </a:solidFill>
+                      <a:prstDash val="solid"/>
+                      <a:round/>
+                      <a:headEnd type="none" w="med" len="med"/>
+                      <a:tailEnd type="none" w="med" len="med"/>
+                    </a:lnT>
+                    <a:lnB w="6350" cap="flat" cmpd="sng" algn="ctr">
+                      <a:solidFill>
+                        <a:srgbClr val="000000"/>
+                      </a:solidFill>
+                      <a:prstDash val="solid"/>
+                      <a:round/>
+                      <a:headEnd type="none" w="med" len="med"/>
+                      <a:tailEnd type="none" w="med" len="med"/>
+                    </a:lnB>
+                    <a:solidFill>
+                      <a:srgbClr val="FFFFFF"/>
+                    </a:solidFill>
+                  </a:tcPr>
+                </a:tc>
+                <a:extLst>
+                  <a:ext uri="{0D108BD9-81ED-4DB2-BD59-A6C34878D82A}">
+                    <a16:rowId xmlns:a16="http://schemas.microsoft.com/office/drawing/2014/main" val="2309712976"/>
+                  </a:ext>
+                </a:extLst>
+              </a:tr>
+              <a:tr h="124718">
+                <a:tc>
+                  <a:txBody>
+                    <a:bodyPr/>
+                    <a:lstStyle/>
+                    <a:p>
+                      <a:pPr algn="r" fontAlgn="ctr"/>
+                      <a:r>
+                        <a:rPr lang="en-US" altLang="ko-KR" sz="600" b="0" i="0" u="none" strike="noStrike">
+                          <a:solidFill>
+                            <a:srgbClr val="000000"/>
+                          </a:solidFill>
+                          <a:effectLst/>
+                          <a:latin typeface="맑은 고딕" panose="020B0503020000020004" pitchFamily="50" charset="-127"/>
+                          <a:ea typeface="맑은 고딕" panose="020B0503020000020004" pitchFamily="50" charset="-127"/>
+                        </a:rPr>
+                        <a:t>199</a:t>
+                      </a:r>
+                    </a:p>
+                  </a:txBody>
+                  <a:tcPr marL="4301" marR="4301" marT="4301" marB="0" anchor="ctr">
+                    <a:lnL w="6350" cap="flat" cmpd="sng" algn="ctr">
+                      <a:solidFill>
+                        <a:srgbClr val="000000"/>
+                      </a:solidFill>
+                      <a:prstDash val="solid"/>
+                      <a:round/>
+                      <a:headEnd type="none" w="med" len="med"/>
+                      <a:tailEnd type="none" w="med" len="med"/>
+                    </a:lnL>
+                    <a:lnR w="6350" cap="flat" cmpd="sng" algn="ctr">
+                      <a:solidFill>
+                        <a:srgbClr val="000000"/>
+                      </a:solidFill>
+                      <a:prstDash val="solid"/>
+                      <a:round/>
+                      <a:headEnd type="none" w="med" len="med"/>
+                      <a:tailEnd type="none" w="med" len="med"/>
+                    </a:lnR>
+                    <a:lnT w="6350" cap="flat" cmpd="sng" algn="ctr">
+                      <a:solidFill>
+                        <a:srgbClr val="000000"/>
+                      </a:solidFill>
+                      <a:prstDash val="solid"/>
+                      <a:round/>
+                      <a:headEnd type="none" w="med" len="med"/>
+                      <a:tailEnd type="none" w="med" len="med"/>
+                    </a:lnT>
+                    <a:lnB w="6350" cap="flat" cmpd="sng" algn="ctr">
+                      <a:solidFill>
+                        <a:srgbClr val="000000"/>
+                      </a:solidFill>
+                      <a:prstDash val="solid"/>
+                      <a:round/>
+                      <a:headEnd type="none" w="med" len="med"/>
+                      <a:tailEnd type="none" w="med" len="med"/>
+                    </a:lnB>
+                    <a:solidFill>
+                      <a:srgbClr val="FFFFFF"/>
+                    </a:solidFill>
+                  </a:tcPr>
+                </a:tc>
+                <a:tc>
+                  <a:txBody>
+                    <a:bodyPr/>
+                    <a:lstStyle/>
+                    <a:p>
+                      <a:pPr algn="r" fontAlgn="ctr"/>
+                      <a:r>
+                        <a:rPr lang="en-US" altLang="ko-KR" sz="600" b="0" i="0" u="none" strike="noStrike">
+                          <a:solidFill>
+                            <a:srgbClr val="000000"/>
+                          </a:solidFill>
+                          <a:effectLst/>
+                          <a:latin typeface="맑은 고딕" panose="020B0503020000020004" pitchFamily="50" charset="-127"/>
+                          <a:ea typeface="맑은 고딕" panose="020B0503020000020004" pitchFamily="50" charset="-127"/>
+                        </a:rPr>
+                        <a:t>17.87</a:t>
+                      </a:r>
+                    </a:p>
+                  </a:txBody>
+                  <a:tcPr marL="4301" marR="4301" marT="4301" marB="0" anchor="ctr">
+                    <a:lnL w="6350" cap="flat" cmpd="sng" algn="ctr">
+                      <a:solidFill>
+                        <a:srgbClr val="000000"/>
+                      </a:solidFill>
+                      <a:prstDash val="solid"/>
+                      <a:round/>
+                      <a:headEnd type="none" w="med" len="med"/>
+                      <a:tailEnd type="none" w="med" len="med"/>
+                    </a:lnL>
+                    <a:lnR w="6350" cap="flat" cmpd="sng" algn="ctr">
+                      <a:solidFill>
+                        <a:srgbClr val="000000"/>
+                      </a:solidFill>
+                      <a:prstDash val="solid"/>
+                      <a:round/>
+                      <a:headEnd type="none" w="med" len="med"/>
+                      <a:tailEnd type="none" w="med" len="med"/>
+                    </a:lnR>
+                    <a:lnT w="6350" cap="flat" cmpd="sng" algn="ctr">
+                      <a:solidFill>
+                        <a:srgbClr val="000000"/>
+                      </a:solidFill>
+                      <a:prstDash val="solid"/>
+                      <a:round/>
+                      <a:headEnd type="none" w="med" len="med"/>
+                      <a:tailEnd type="none" w="med" len="med"/>
+                    </a:lnT>
+                    <a:lnB w="6350" cap="flat" cmpd="sng" algn="ctr">
+                      <a:solidFill>
+                        <a:srgbClr val="000000"/>
+                      </a:solidFill>
+                      <a:prstDash val="solid"/>
+                      <a:round/>
+                      <a:headEnd type="none" w="med" len="med"/>
+                      <a:tailEnd type="none" w="med" len="med"/>
+                    </a:lnB>
+                    <a:solidFill>
+                      <a:srgbClr val="FFFFFF"/>
+                    </a:solidFill>
+                  </a:tcPr>
+                </a:tc>
+                <a:tc>
+                  <a:txBody>
+                    <a:bodyPr/>
+                    <a:lstStyle/>
+                    <a:p>
+                      <a:pPr algn="r" fontAlgn="ctr"/>
+                      <a:r>
+                        <a:rPr lang="en-US" altLang="ko-KR" sz="600" b="0" i="0" u="none" strike="noStrike">
+                          <a:solidFill>
+                            <a:srgbClr val="000000"/>
+                          </a:solidFill>
+                          <a:effectLst/>
+                          <a:latin typeface="맑은 고딕" panose="020B0503020000020004" pitchFamily="50" charset="-127"/>
+                          <a:ea typeface="맑은 고딕" panose="020B0503020000020004" pitchFamily="50" charset="-127"/>
+                        </a:rPr>
+                        <a:t>3050</a:t>
+                      </a:r>
+                    </a:p>
+                  </a:txBody>
+                  <a:tcPr marL="4301" marR="4301" marT="4301" marB="0" anchor="ctr">
+                    <a:lnL w="6350" cap="flat" cmpd="sng" algn="ctr">
+                      <a:solidFill>
+                        <a:srgbClr val="000000"/>
+                      </a:solidFill>
+                      <a:prstDash val="solid"/>
+                      <a:round/>
+                      <a:headEnd type="none" w="med" len="med"/>
+                      <a:tailEnd type="none" w="med" len="med"/>
+                    </a:lnL>
+                    <a:lnR w="6350" cap="flat" cmpd="sng" algn="ctr">
+                      <a:solidFill>
+                        <a:srgbClr val="000000"/>
+                      </a:solidFill>
+                      <a:prstDash val="solid"/>
+                      <a:round/>
+                      <a:headEnd type="none" w="med" len="med"/>
+                      <a:tailEnd type="none" w="med" len="med"/>
+                    </a:lnR>
+                    <a:lnT w="6350" cap="flat" cmpd="sng" algn="ctr">
+                      <a:solidFill>
+                        <a:srgbClr val="000000"/>
+                      </a:solidFill>
+                      <a:prstDash val="solid"/>
+                      <a:round/>
+                      <a:headEnd type="none" w="med" len="med"/>
+                      <a:tailEnd type="none" w="med" len="med"/>
+                    </a:lnT>
+                    <a:lnB w="6350" cap="flat" cmpd="sng" algn="ctr">
+                      <a:solidFill>
+                        <a:srgbClr val="000000"/>
+                      </a:solidFill>
+                      <a:prstDash val="solid"/>
+                      <a:round/>
+                      <a:headEnd type="none" w="med" len="med"/>
+                      <a:tailEnd type="none" w="med" len="med"/>
+                    </a:lnB>
+                    <a:solidFill>
+                      <a:srgbClr val="FFFFFF"/>
+                    </a:solidFill>
+                  </a:tcPr>
+                </a:tc>
+                <a:tc>
+                  <a:txBody>
+                    <a:bodyPr/>
+                    <a:lstStyle/>
+                    <a:p>
+                      <a:pPr algn="l" fontAlgn="ctr"/>
+                      <a:r>
+                        <a:rPr lang="en-US" sz="600" b="0" i="0" u="none" strike="noStrike">
+                          <a:solidFill>
+                            <a:srgbClr val="000000"/>
+                          </a:solidFill>
+                          <a:effectLst/>
+                          <a:latin typeface="맑은 고딕" panose="020B0503020000020004" pitchFamily="50" charset="-127"/>
+                          <a:ea typeface="맑은 고딕" panose="020B0503020000020004" pitchFamily="50" charset="-127"/>
+                        </a:rPr>
+                        <a:t>furniture_decor</a:t>
+                      </a:r>
+                    </a:p>
+                  </a:txBody>
+                  <a:tcPr marL="4301" marR="4301" marT="4301" marB="0" anchor="ctr">
+                    <a:lnL w="6350" cap="flat" cmpd="sng" algn="ctr">
+                      <a:solidFill>
+                        <a:srgbClr val="000000"/>
+                      </a:solidFill>
+                      <a:prstDash val="solid"/>
+                      <a:round/>
+                      <a:headEnd type="none" w="med" len="med"/>
+                      <a:tailEnd type="none" w="med" len="med"/>
+                    </a:lnL>
+                    <a:lnR w="6350" cap="flat" cmpd="sng" algn="ctr">
+                      <a:solidFill>
+                        <a:srgbClr val="000000"/>
+                      </a:solidFill>
+                      <a:prstDash val="solid"/>
+                      <a:round/>
+                      <a:headEnd type="none" w="med" len="med"/>
+                      <a:tailEnd type="none" w="med" len="med"/>
+                    </a:lnR>
+                    <a:lnT w="6350" cap="flat" cmpd="sng" algn="ctr">
+                      <a:solidFill>
+                        <a:srgbClr val="000000"/>
+                      </a:solidFill>
+                      <a:prstDash val="solid"/>
+                      <a:round/>
+                      <a:headEnd type="none" w="med" len="med"/>
+                      <a:tailEnd type="none" w="med" len="med"/>
+                    </a:lnT>
+                    <a:lnB w="6350" cap="flat" cmpd="sng" algn="ctr">
+                      <a:solidFill>
+                        <a:srgbClr val="000000"/>
+                      </a:solidFill>
+                      <a:prstDash val="solid"/>
+                      <a:round/>
+                      <a:headEnd type="none" w="med" len="med"/>
+                      <a:tailEnd type="none" w="med" len="med"/>
+                    </a:lnB>
+                    <a:solidFill>
+                      <a:srgbClr val="FFFFFF"/>
+                    </a:solidFill>
+                  </a:tcPr>
+                </a:tc>
+                <a:tc>
+                  <a:txBody>
+                    <a:bodyPr/>
+                    <a:lstStyle/>
+                    <a:p>
+                      <a:pPr algn="r" fontAlgn="ctr"/>
+                      <a:r>
+                        <a:rPr lang="en-US" altLang="ko-KR" sz="600" b="0" i="0" u="none" strike="noStrike">
+                          <a:solidFill>
+                            <a:srgbClr val="000000"/>
+                          </a:solidFill>
+                          <a:effectLst/>
+                          <a:latin typeface="맑은 고딕" panose="020B0503020000020004" pitchFamily="50" charset="-127"/>
+                          <a:ea typeface="맑은 고딕" panose="020B0503020000020004" pitchFamily="50" charset="-127"/>
+                        </a:rPr>
+                        <a:t>7.9484375</a:t>
+                      </a:r>
+                    </a:p>
+                  </a:txBody>
+                  <a:tcPr marL="4301" marR="4301" marT="4301" marB="0" anchor="ctr">
+                    <a:lnL w="6350" cap="flat" cmpd="sng" algn="ctr">
+                      <a:solidFill>
+                        <a:srgbClr val="000000"/>
+                      </a:solidFill>
+                      <a:prstDash val="solid"/>
+                      <a:round/>
+                      <a:headEnd type="none" w="med" len="med"/>
+                      <a:tailEnd type="none" w="med" len="med"/>
+                    </a:lnL>
+                    <a:lnR w="6350" cap="flat" cmpd="sng" algn="ctr">
+                      <a:solidFill>
+                        <a:srgbClr val="000000"/>
+                      </a:solidFill>
+                      <a:prstDash val="solid"/>
+                      <a:round/>
+                      <a:headEnd type="none" w="med" len="med"/>
+                      <a:tailEnd type="none" w="med" len="med"/>
+                    </a:lnR>
+                    <a:lnT w="6350" cap="flat" cmpd="sng" algn="ctr">
+                      <a:solidFill>
+                        <a:srgbClr val="000000"/>
+                      </a:solidFill>
+                      <a:prstDash val="solid"/>
+                      <a:round/>
+                      <a:headEnd type="none" w="med" len="med"/>
+                      <a:tailEnd type="none" w="med" len="med"/>
+                    </a:lnT>
+                    <a:lnB w="6350" cap="flat" cmpd="sng" algn="ctr">
+                      <a:solidFill>
+                        <a:srgbClr val="000000"/>
+                      </a:solidFill>
+                      <a:prstDash val="solid"/>
+                      <a:round/>
+                      <a:headEnd type="none" w="med" len="med"/>
+                      <a:tailEnd type="none" w="med" len="med"/>
+                    </a:lnB>
+                    <a:solidFill>
+                      <a:srgbClr val="FFFFFF"/>
+                    </a:solidFill>
+                  </a:tcPr>
+                </a:tc>
+                <a:tc>
+                  <a:txBody>
+                    <a:bodyPr/>
+                    <a:lstStyle/>
+                    <a:p>
+                      <a:pPr algn="l" fontAlgn="ctr"/>
+                      <a:r>
+                        <a:rPr lang="en-US" sz="600" b="0" i="0" u="none" strike="noStrike">
+                          <a:solidFill>
+                            <a:srgbClr val="000000"/>
+                          </a:solidFill>
+                          <a:effectLst/>
+                          <a:latin typeface="맑은 고딕" panose="020B0503020000020004" pitchFamily="50" charset="-127"/>
+                          <a:ea typeface="맑은 고딕" panose="020B0503020000020004" pitchFamily="50" charset="-127"/>
+                        </a:rPr>
+                        <a:t>MG</a:t>
+                      </a:r>
+                    </a:p>
+                  </a:txBody>
+                  <a:tcPr marL="4301" marR="4301" marT="4301" marB="0" anchor="ctr">
+                    <a:lnL w="6350" cap="flat" cmpd="sng" algn="ctr">
+                      <a:solidFill>
+                        <a:srgbClr val="000000"/>
+                      </a:solidFill>
+                      <a:prstDash val="solid"/>
+                      <a:round/>
+                      <a:headEnd type="none" w="med" len="med"/>
+                      <a:tailEnd type="none" w="med" len="med"/>
+                    </a:lnL>
+                    <a:lnR w="6350" cap="flat" cmpd="sng" algn="ctr">
+                      <a:solidFill>
+                        <a:srgbClr val="000000"/>
+                      </a:solidFill>
+                      <a:prstDash val="solid"/>
+                      <a:round/>
+                      <a:headEnd type="none" w="med" len="med"/>
+                      <a:tailEnd type="none" w="med" len="med"/>
+                    </a:lnR>
+                    <a:lnT w="6350" cap="flat" cmpd="sng" algn="ctr">
+                      <a:solidFill>
+                        <a:srgbClr val="000000"/>
+                      </a:solidFill>
+                      <a:prstDash val="solid"/>
+                      <a:round/>
+                      <a:headEnd type="none" w="med" len="med"/>
+                      <a:tailEnd type="none" w="med" len="med"/>
+                    </a:lnT>
+                    <a:lnB w="6350" cap="flat" cmpd="sng" algn="ctr">
+                      <a:solidFill>
+                        <a:srgbClr val="000000"/>
+                      </a:solidFill>
+                      <a:prstDash val="solid"/>
+                      <a:round/>
+                      <a:headEnd type="none" w="med" len="med"/>
+                      <a:tailEnd type="none" w="med" len="med"/>
+                    </a:lnB>
+                    <a:solidFill>
+                      <a:srgbClr val="FFFFFF"/>
+                    </a:solidFill>
+                  </a:tcPr>
+                </a:tc>
+                <a:tc>
+                  <a:txBody>
+                    <a:bodyPr/>
+                    <a:lstStyle/>
+                    <a:p>
+                      <a:pPr algn="l" fontAlgn="ctr"/>
+                      <a:r>
+                        <a:rPr lang="en-US" sz="600" b="0" i="0" u="none" strike="noStrike">
+                          <a:solidFill>
+                            <a:srgbClr val="000000"/>
+                          </a:solidFill>
+                          <a:effectLst/>
+                          <a:latin typeface="맑은 고딕" panose="020B0503020000020004" pitchFamily="50" charset="-127"/>
+                          <a:ea typeface="맑은 고딕" panose="020B0503020000020004" pitchFamily="50" charset="-127"/>
+                        </a:rPr>
+                        <a:t>MG</a:t>
+                      </a:r>
+                    </a:p>
+                  </a:txBody>
+                  <a:tcPr marL="4301" marR="4301" marT="4301" marB="0" anchor="ctr">
+                    <a:lnL w="6350" cap="flat" cmpd="sng" algn="ctr">
+                      <a:solidFill>
+                        <a:srgbClr val="000000"/>
+                      </a:solidFill>
+                      <a:prstDash val="solid"/>
+                      <a:round/>
+                      <a:headEnd type="none" w="med" len="med"/>
+                      <a:tailEnd type="none" w="med" len="med"/>
+                    </a:lnL>
+                    <a:lnR w="6350" cap="flat" cmpd="sng" algn="ctr">
+                      <a:solidFill>
+                        <a:srgbClr val="000000"/>
+                      </a:solidFill>
+                      <a:prstDash val="solid"/>
+                      <a:round/>
+                      <a:headEnd type="none" w="med" len="med"/>
+                      <a:tailEnd type="none" w="med" len="med"/>
+                    </a:lnR>
+                    <a:lnT w="6350" cap="flat" cmpd="sng" algn="ctr">
+                      <a:solidFill>
+                        <a:srgbClr val="000000"/>
+                      </a:solidFill>
+                      <a:prstDash val="solid"/>
+                      <a:round/>
+                      <a:headEnd type="none" w="med" len="med"/>
+                      <a:tailEnd type="none" w="med" len="med"/>
+                    </a:lnT>
+                    <a:lnB w="6350" cap="flat" cmpd="sng" algn="ctr">
+                      <a:solidFill>
+                        <a:srgbClr val="000000"/>
+                      </a:solidFill>
+                      <a:prstDash val="solid"/>
+                      <a:round/>
+                      <a:headEnd type="none" w="med" len="med"/>
+                      <a:tailEnd type="none" w="med" len="med"/>
+                    </a:lnB>
+                    <a:solidFill>
+                      <a:srgbClr val="FFFFFF"/>
+                    </a:solidFill>
+                  </a:tcPr>
+                </a:tc>
+                <a:tc>
+                  <a:txBody>
+                    <a:bodyPr/>
+                    <a:lstStyle/>
+                    <a:p>
+                      <a:pPr algn="r" fontAlgn="ctr"/>
+                      <a:r>
+                        <a:rPr lang="en-US" altLang="ko-KR" sz="600" b="0" i="0" u="none" strike="noStrike">
+                          <a:solidFill>
+                            <a:srgbClr val="000000"/>
+                          </a:solidFill>
+                          <a:effectLst/>
+                          <a:latin typeface="맑은 고딕" panose="020B0503020000020004" pitchFamily="50" charset="-127"/>
+                          <a:ea typeface="맑은 고딕" panose="020B0503020000020004" pitchFamily="50" charset="-127"/>
+                        </a:rPr>
+                        <a:t>406</a:t>
+                      </a:r>
+                    </a:p>
+                  </a:txBody>
+                  <a:tcPr marL="4301" marR="4301" marT="4301" marB="0" anchor="ctr">
+                    <a:lnL w="6350" cap="flat" cmpd="sng" algn="ctr">
+                      <a:solidFill>
+                        <a:srgbClr val="000000"/>
+                      </a:solidFill>
+                      <a:prstDash val="solid"/>
+                      <a:round/>
+                      <a:headEnd type="none" w="med" len="med"/>
+                      <a:tailEnd type="none" w="med" len="med"/>
+                    </a:lnL>
+                    <a:lnR w="6350" cap="flat" cmpd="sng" algn="ctr">
+                      <a:solidFill>
+                        <a:srgbClr val="000000"/>
+                      </a:solidFill>
+                      <a:prstDash val="solid"/>
+                      <a:round/>
+                      <a:headEnd type="none" w="med" len="med"/>
+                      <a:tailEnd type="none" w="med" len="med"/>
+                    </a:lnR>
+                    <a:lnT w="6350" cap="flat" cmpd="sng" algn="ctr">
+                      <a:solidFill>
+                        <a:srgbClr val="000000"/>
+                      </a:solidFill>
+                      <a:prstDash val="solid"/>
+                      <a:round/>
+                      <a:headEnd type="none" w="med" len="med"/>
+                      <a:tailEnd type="none" w="med" len="med"/>
+                    </a:lnT>
+                    <a:lnB w="6350" cap="flat" cmpd="sng" algn="ctr">
+                      <a:solidFill>
+                        <a:srgbClr val="000000"/>
+                      </a:solidFill>
+                      <a:prstDash val="solid"/>
+                      <a:round/>
+                      <a:headEnd type="none" w="med" len="med"/>
+                      <a:tailEnd type="none" w="med" len="med"/>
+                    </a:lnB>
+                    <a:solidFill>
+                      <a:srgbClr val="FFFFFF"/>
+                    </a:solidFill>
+                  </a:tcPr>
+                </a:tc>
+                <a:tc>
+                  <a:txBody>
+                    <a:bodyPr/>
+                    <a:lstStyle/>
+                    <a:p>
+                      <a:pPr algn="r" fontAlgn="ctr"/>
+                      <a:r>
+                        <a:rPr lang="en-US" altLang="ko-KR" sz="600" b="0" i="0" u="none" strike="noStrike">
+                          <a:solidFill>
+                            <a:srgbClr val="000000"/>
+                          </a:solidFill>
+                          <a:effectLst/>
+                          <a:latin typeface="맑은 고딕" panose="020B0503020000020004" pitchFamily="50" charset="-127"/>
+                          <a:ea typeface="맑은 고딕" panose="020B0503020000020004" pitchFamily="50" charset="-127"/>
+                        </a:rPr>
+                        <a:t>2018</a:t>
+                      </a:r>
+                    </a:p>
+                  </a:txBody>
+                  <a:tcPr marL="4301" marR="4301" marT="4301" marB="0" anchor="ctr">
+                    <a:lnL w="6350" cap="flat" cmpd="sng" algn="ctr">
+                      <a:solidFill>
+                        <a:srgbClr val="000000"/>
+                      </a:solidFill>
+                      <a:prstDash val="solid"/>
+                      <a:round/>
+                      <a:headEnd type="none" w="med" len="med"/>
+                      <a:tailEnd type="none" w="med" len="med"/>
+                    </a:lnL>
+                    <a:lnR w="6350" cap="flat" cmpd="sng" algn="ctr">
+                      <a:solidFill>
+                        <a:srgbClr val="000000"/>
+                      </a:solidFill>
+                      <a:prstDash val="solid"/>
+                      <a:round/>
+                      <a:headEnd type="none" w="med" len="med"/>
+                      <a:tailEnd type="none" w="med" len="med"/>
+                    </a:lnR>
+                    <a:lnT w="6350" cap="flat" cmpd="sng" algn="ctr">
+                      <a:solidFill>
+                        <a:srgbClr val="000000"/>
+                      </a:solidFill>
+                      <a:prstDash val="solid"/>
+                      <a:round/>
+                      <a:headEnd type="none" w="med" len="med"/>
+                      <a:tailEnd type="none" w="med" len="med"/>
+                    </a:lnT>
+                    <a:lnB w="6350" cap="flat" cmpd="sng" algn="ctr">
+                      <a:solidFill>
+                        <a:srgbClr val="000000"/>
+                      </a:solidFill>
+                      <a:prstDash val="solid"/>
+                      <a:round/>
+                      <a:headEnd type="none" w="med" len="med"/>
+                      <a:tailEnd type="none" w="med" len="med"/>
+                    </a:lnB>
+                    <a:solidFill>
+                      <a:srgbClr val="FFFFFF"/>
+                    </a:solidFill>
+                  </a:tcPr>
+                </a:tc>
+                <a:tc>
+                  <a:txBody>
+                    <a:bodyPr/>
+                    <a:lstStyle/>
+                    <a:p>
+                      <a:pPr algn="r" fontAlgn="ctr"/>
+                      <a:r>
+                        <a:rPr lang="en-US" altLang="ko-KR" sz="600" b="0" i="0" u="none" strike="noStrike">
+                          <a:solidFill>
+                            <a:srgbClr val="000000"/>
+                          </a:solidFill>
+                          <a:effectLst/>
+                          <a:latin typeface="맑은 고딕" panose="020B0503020000020004" pitchFamily="50" charset="-127"/>
+                          <a:ea typeface="맑은 고딕" panose="020B0503020000020004" pitchFamily="50" charset="-127"/>
+                        </a:rPr>
+                        <a:t>1</a:t>
+                      </a:r>
+                    </a:p>
+                  </a:txBody>
+                  <a:tcPr marL="4301" marR="4301" marT="4301" marB="0" anchor="ctr">
+                    <a:lnL w="6350" cap="flat" cmpd="sng" algn="ctr">
+                      <a:solidFill>
+                        <a:srgbClr val="000000"/>
+                      </a:solidFill>
+                      <a:prstDash val="solid"/>
+                      <a:round/>
+                      <a:headEnd type="none" w="med" len="med"/>
+                      <a:tailEnd type="none" w="med" len="med"/>
+                    </a:lnL>
+                    <a:lnR w="6350" cap="flat" cmpd="sng" algn="ctr">
+                      <a:solidFill>
+                        <a:srgbClr val="000000"/>
+                      </a:solidFill>
+                      <a:prstDash val="solid"/>
+                      <a:round/>
+                      <a:headEnd type="none" w="med" len="med"/>
+                      <a:tailEnd type="none" w="med" len="med"/>
+                    </a:lnR>
+                    <a:lnT w="6350" cap="flat" cmpd="sng" algn="ctr">
+                      <a:solidFill>
+                        <a:srgbClr val="000000"/>
+                      </a:solidFill>
+                      <a:prstDash val="solid"/>
+                      <a:round/>
+                      <a:headEnd type="none" w="med" len="med"/>
+                      <a:tailEnd type="none" w="med" len="med"/>
+                    </a:lnT>
+                    <a:lnB w="6350" cap="flat" cmpd="sng" algn="ctr">
+                      <a:solidFill>
+                        <a:srgbClr val="000000"/>
+                      </a:solidFill>
+                      <a:prstDash val="solid"/>
+                      <a:round/>
+                      <a:headEnd type="none" w="med" len="med"/>
+                      <a:tailEnd type="none" w="med" len="med"/>
+                    </a:lnB>
+                    <a:solidFill>
+                      <a:srgbClr val="FFFFFF"/>
+                    </a:solidFill>
+                  </a:tcPr>
+                </a:tc>
+                <a:tc>
+                  <a:txBody>
+                    <a:bodyPr/>
+                    <a:lstStyle/>
+                    <a:p>
+                      <a:pPr algn="r" fontAlgn="ctr"/>
+                      <a:r>
+                        <a:rPr lang="en-US" altLang="ko-KR" sz="600" b="0" i="0" u="none" strike="noStrike">
+                          <a:solidFill>
+                            <a:srgbClr val="000000"/>
+                          </a:solidFill>
+                          <a:effectLst/>
+                          <a:latin typeface="맑은 고딕" panose="020B0503020000020004" pitchFamily="50" charset="-127"/>
+                          <a:ea typeface="맑은 고딕" panose="020B0503020000020004" pitchFamily="50" charset="-127"/>
+                        </a:rPr>
+                        <a:t>14</a:t>
+                      </a:r>
+                    </a:p>
+                  </a:txBody>
+                  <a:tcPr marL="4301" marR="4301" marT="4301" marB="0" anchor="ctr">
+                    <a:lnL w="6350" cap="flat" cmpd="sng" algn="ctr">
+                      <a:solidFill>
+                        <a:srgbClr val="000000"/>
+                      </a:solidFill>
+                      <a:prstDash val="solid"/>
+                      <a:round/>
+                      <a:headEnd type="none" w="med" len="med"/>
+                      <a:tailEnd type="none" w="med" len="med"/>
+                    </a:lnL>
+                    <a:lnR w="6350" cap="flat" cmpd="sng" algn="ctr">
+                      <a:solidFill>
+                        <a:srgbClr val="000000"/>
+                      </a:solidFill>
+                      <a:prstDash val="solid"/>
+                      <a:round/>
+                      <a:headEnd type="none" w="med" len="med"/>
+                      <a:tailEnd type="none" w="med" len="med"/>
+                    </a:lnR>
+                    <a:lnT w="6350" cap="flat" cmpd="sng" algn="ctr">
+                      <a:solidFill>
+                        <a:srgbClr val="000000"/>
+                      </a:solidFill>
+                      <a:prstDash val="solid"/>
+                      <a:round/>
+                      <a:headEnd type="none" w="med" len="med"/>
+                      <a:tailEnd type="none" w="med" len="med"/>
+                    </a:lnT>
+                    <a:lnB w="6350" cap="flat" cmpd="sng" algn="ctr">
+                      <a:solidFill>
+                        <a:srgbClr val="000000"/>
+                      </a:solidFill>
+                      <a:prstDash val="solid"/>
+                      <a:round/>
+                      <a:headEnd type="none" w="med" len="med"/>
+                      <a:tailEnd type="none" w="med" len="med"/>
+                    </a:lnB>
+                    <a:solidFill>
+                      <a:srgbClr val="FFFFFF"/>
+                    </a:solidFill>
+                  </a:tcPr>
+                </a:tc>
+                <a:tc>
+                  <a:txBody>
+                    <a:bodyPr/>
+                    <a:lstStyle/>
+                    <a:p>
+                      <a:pPr algn="r" fontAlgn="ctr"/>
+                      <a:r>
+                        <a:rPr lang="en-US" altLang="ko-KR" sz="600" b="0" i="0" u="none" strike="noStrike">
+                          <a:solidFill>
+                            <a:srgbClr val="000000"/>
+                          </a:solidFill>
+                          <a:effectLst/>
+                          <a:latin typeface="맑은 고딕" panose="020B0503020000020004" pitchFamily="50" charset="-127"/>
+                          <a:ea typeface="맑은 고딕" panose="020B0503020000020004" pitchFamily="50" charset="-127"/>
+                        </a:rPr>
+                        <a:t>6</a:t>
+                      </a:r>
+                    </a:p>
+                  </a:txBody>
+                  <a:tcPr marL="4301" marR="4301" marT="4301" marB="0" anchor="ctr">
+                    <a:lnL w="6350" cap="flat" cmpd="sng" algn="ctr">
+                      <a:solidFill>
+                        <a:srgbClr val="000000"/>
+                      </a:solidFill>
+                      <a:prstDash val="solid"/>
+                      <a:round/>
+                      <a:headEnd type="none" w="med" len="med"/>
+                      <a:tailEnd type="none" w="med" len="med"/>
+                    </a:lnL>
+                    <a:lnR w="6350" cap="flat" cmpd="sng" algn="ctr">
+                      <a:solidFill>
+                        <a:srgbClr val="000000"/>
+                      </a:solidFill>
+                      <a:prstDash val="solid"/>
+                      <a:round/>
+                      <a:headEnd type="none" w="med" len="med"/>
+                      <a:tailEnd type="none" w="med" len="med"/>
+                    </a:lnR>
+                    <a:lnT w="6350" cap="flat" cmpd="sng" algn="ctr">
+                      <a:solidFill>
+                        <a:srgbClr val="000000"/>
+                      </a:solidFill>
+                      <a:prstDash val="solid"/>
+                      <a:round/>
+                      <a:headEnd type="none" w="med" len="med"/>
+                      <a:tailEnd type="none" w="med" len="med"/>
+                    </a:lnT>
+                    <a:lnB w="6350" cap="flat" cmpd="sng" algn="ctr">
+                      <a:solidFill>
+                        <a:srgbClr val="000000"/>
+                      </a:solidFill>
+                      <a:prstDash val="solid"/>
+                      <a:round/>
+                      <a:headEnd type="none" w="med" len="med"/>
+                      <a:tailEnd type="none" w="med" len="med"/>
+                    </a:lnB>
+                    <a:solidFill>
+                      <a:srgbClr val="FFFFFF"/>
+                    </a:solidFill>
+                  </a:tcPr>
+                </a:tc>
+                <a:tc>
+                  <a:txBody>
+                    <a:bodyPr/>
+                    <a:lstStyle/>
+                    <a:p>
+                      <a:pPr algn="r" fontAlgn="ctr"/>
+                      <a:r>
+                        <a:rPr lang="en-US" altLang="ko-KR" sz="600" b="0" i="0" u="none" strike="noStrike">
+                          <a:solidFill>
+                            <a:srgbClr val="000000"/>
+                          </a:solidFill>
+                          <a:effectLst/>
+                          <a:latin typeface="맑은 고딕" panose="020B0503020000020004" pitchFamily="50" charset="-127"/>
+                          <a:ea typeface="맑은 고딕" panose="020B0503020000020004" pitchFamily="50" charset="-127"/>
+                        </a:rPr>
+                        <a:t>14</a:t>
+                      </a:r>
+                    </a:p>
+                  </a:txBody>
+                  <a:tcPr marL="4301" marR="4301" marT="4301" marB="0" anchor="ctr">
+                    <a:lnL w="6350" cap="flat" cmpd="sng" algn="ctr">
+                      <a:solidFill>
+                        <a:srgbClr val="000000"/>
+                      </a:solidFill>
+                      <a:prstDash val="solid"/>
+                      <a:round/>
+                      <a:headEnd type="none" w="med" len="med"/>
+                      <a:tailEnd type="none" w="med" len="med"/>
+                    </a:lnL>
+                    <a:lnR w="6350" cap="flat" cmpd="sng" algn="ctr">
+                      <a:solidFill>
+                        <a:srgbClr val="000000"/>
+                      </a:solidFill>
+                      <a:prstDash val="solid"/>
+                      <a:round/>
+                      <a:headEnd type="none" w="med" len="med"/>
+                      <a:tailEnd type="none" w="med" len="med"/>
+                    </a:lnR>
+                    <a:lnT w="6350" cap="flat" cmpd="sng" algn="ctr">
+                      <a:solidFill>
+                        <a:srgbClr val="000000"/>
+                      </a:solidFill>
+                      <a:prstDash val="solid"/>
+                      <a:round/>
+                      <a:headEnd type="none" w="med" len="med"/>
+                      <a:tailEnd type="none" w="med" len="med"/>
+                    </a:lnT>
+                    <a:lnB w="6350" cap="flat" cmpd="sng" algn="ctr">
+                      <a:solidFill>
+                        <a:srgbClr val="000000"/>
+                      </a:solidFill>
+                      <a:prstDash val="solid"/>
+                      <a:round/>
+                      <a:headEnd type="none" w="med" len="med"/>
+                      <a:tailEnd type="none" w="med" len="med"/>
+                    </a:lnB>
+                    <a:solidFill>
+                      <a:srgbClr val="FFFFFF"/>
+                    </a:solidFill>
+                  </a:tcPr>
+                </a:tc>
+                <a:tc>
+                  <a:txBody>
+                    <a:bodyPr/>
+                    <a:lstStyle/>
+                    <a:p>
+                      <a:pPr algn="r" fontAlgn="ctr"/>
+                      <a:r>
+                        <a:rPr lang="en-US" altLang="ko-KR" sz="600" b="0" i="0" u="none" strike="noStrike">
+                          <a:solidFill>
+                            <a:srgbClr val="000000"/>
+                          </a:solidFill>
+                          <a:effectLst/>
+                          <a:latin typeface="맑은 고딕" panose="020B0503020000020004" pitchFamily="50" charset="-127"/>
+                          <a:ea typeface="맑은 고딕" panose="020B0503020000020004" pitchFamily="50" charset="-127"/>
+                        </a:rPr>
+                        <a:t>14157</a:t>
+                      </a:r>
+                    </a:p>
+                  </a:txBody>
+                  <a:tcPr marL="4301" marR="4301" marT="4301" marB="0" anchor="ctr">
+                    <a:lnL w="6350" cap="flat" cmpd="sng" algn="ctr">
+                      <a:solidFill>
+                        <a:srgbClr val="000000"/>
+                      </a:solidFill>
+                      <a:prstDash val="solid"/>
+                      <a:round/>
+                      <a:headEnd type="none" w="med" len="med"/>
+                      <a:tailEnd type="none" w="med" len="med"/>
+                    </a:lnL>
+                    <a:lnR w="6350" cap="flat" cmpd="sng" algn="ctr">
+                      <a:solidFill>
+                        <a:srgbClr val="000000"/>
+                      </a:solidFill>
+                      <a:prstDash val="solid"/>
+                      <a:round/>
+                      <a:headEnd type="none" w="med" len="med"/>
+                      <a:tailEnd type="none" w="med" len="med"/>
+                    </a:lnR>
+                    <a:lnT w="6350" cap="flat" cmpd="sng" algn="ctr">
+                      <a:solidFill>
+                        <a:srgbClr val="000000"/>
+                      </a:solidFill>
+                      <a:prstDash val="solid"/>
+                      <a:round/>
+                      <a:headEnd type="none" w="med" len="med"/>
+                      <a:tailEnd type="none" w="med" len="med"/>
+                    </a:lnT>
+                    <a:lnB w="6350" cap="flat" cmpd="sng" algn="ctr">
+                      <a:solidFill>
+                        <a:srgbClr val="000000"/>
+                      </a:solidFill>
+                      <a:prstDash val="solid"/>
+                      <a:round/>
+                      <a:headEnd type="none" w="med" len="med"/>
+                      <a:tailEnd type="none" w="med" len="med"/>
+                    </a:lnB>
+                    <a:solidFill>
+                      <a:srgbClr val="FFFFFF"/>
+                    </a:solidFill>
+                  </a:tcPr>
+                </a:tc>
+                <a:extLst>
+                  <a:ext uri="{0D108BD9-81ED-4DB2-BD59-A6C34878D82A}">
+                    <a16:rowId xmlns:a16="http://schemas.microsoft.com/office/drawing/2014/main" val="4275836451"/>
+                  </a:ext>
+                </a:extLst>
+              </a:tr>
+              <a:tr h="124718">
+                <a:tc>
+                  <a:txBody>
+                    <a:bodyPr/>
+                    <a:lstStyle/>
+                    <a:p>
+                      <a:pPr algn="r" fontAlgn="ctr"/>
+                      <a:r>
+                        <a:rPr lang="en-US" altLang="ko-KR" sz="600" b="0" i="0" u="none" strike="noStrike">
+                          <a:solidFill>
+                            <a:srgbClr val="000000"/>
+                          </a:solidFill>
+                          <a:effectLst/>
+                          <a:latin typeface="맑은 고딕" panose="020B0503020000020004" pitchFamily="50" charset="-127"/>
+                          <a:ea typeface="맑은 고딕" panose="020B0503020000020004" pitchFamily="50" charset="-127"/>
+                        </a:rPr>
+                        <a:t>12.99</a:t>
+                      </a:r>
+                    </a:p>
+                  </a:txBody>
+                  <a:tcPr marL="4301" marR="4301" marT="4301" marB="0" anchor="ctr">
+                    <a:lnL w="6350" cap="flat" cmpd="sng" algn="ctr">
+                      <a:solidFill>
+                        <a:srgbClr val="000000"/>
+                      </a:solidFill>
+                      <a:prstDash val="solid"/>
+                      <a:round/>
+                      <a:headEnd type="none" w="med" len="med"/>
+                      <a:tailEnd type="none" w="med" len="med"/>
+                    </a:lnL>
+                    <a:lnR w="6350" cap="flat" cmpd="sng" algn="ctr">
+                      <a:solidFill>
+                        <a:srgbClr val="000000"/>
+                      </a:solidFill>
+                      <a:prstDash val="solid"/>
+                      <a:round/>
+                      <a:headEnd type="none" w="med" len="med"/>
+                      <a:tailEnd type="none" w="med" len="med"/>
+                    </a:lnR>
+                    <a:lnT w="6350" cap="flat" cmpd="sng" algn="ctr">
+                      <a:solidFill>
+                        <a:srgbClr val="000000"/>
+                      </a:solidFill>
+                      <a:prstDash val="solid"/>
+                      <a:round/>
+                      <a:headEnd type="none" w="med" len="med"/>
+                      <a:tailEnd type="none" w="med" len="med"/>
+                    </a:lnT>
+                    <a:lnB w="6350" cap="flat" cmpd="sng" algn="ctr">
+                      <a:solidFill>
+                        <a:srgbClr val="000000"/>
+                      </a:solidFill>
+                      <a:prstDash val="solid"/>
+                      <a:round/>
+                      <a:headEnd type="none" w="med" len="med"/>
+                      <a:tailEnd type="none" w="med" len="med"/>
+                    </a:lnB>
+                    <a:solidFill>
+                      <a:srgbClr val="FFFFFF"/>
+                    </a:solidFill>
+                  </a:tcPr>
+                </a:tc>
+                <a:tc>
+                  <a:txBody>
+                    <a:bodyPr/>
+                    <a:lstStyle/>
+                    <a:p>
+                      <a:pPr algn="r" fontAlgn="ctr"/>
+                      <a:r>
+                        <a:rPr lang="en-US" altLang="ko-KR" sz="600" b="0" i="0" u="none" strike="noStrike">
+                          <a:solidFill>
+                            <a:srgbClr val="000000"/>
+                          </a:solidFill>
+                          <a:effectLst/>
+                          <a:latin typeface="맑은 고딕" panose="020B0503020000020004" pitchFamily="50" charset="-127"/>
+                          <a:ea typeface="맑은 고딕" panose="020B0503020000020004" pitchFamily="50" charset="-127"/>
+                        </a:rPr>
+                        <a:t>12.79</a:t>
+                      </a:r>
+                    </a:p>
+                  </a:txBody>
+                  <a:tcPr marL="4301" marR="4301" marT="4301" marB="0" anchor="ctr">
+                    <a:lnL w="6350" cap="flat" cmpd="sng" algn="ctr">
+                      <a:solidFill>
+                        <a:srgbClr val="000000"/>
+                      </a:solidFill>
+                      <a:prstDash val="solid"/>
+                      <a:round/>
+                      <a:headEnd type="none" w="med" len="med"/>
+                      <a:tailEnd type="none" w="med" len="med"/>
+                    </a:lnL>
+                    <a:lnR w="6350" cap="flat" cmpd="sng" algn="ctr">
+                      <a:solidFill>
+                        <a:srgbClr val="000000"/>
+                      </a:solidFill>
+                      <a:prstDash val="solid"/>
+                      <a:round/>
+                      <a:headEnd type="none" w="med" len="med"/>
+                      <a:tailEnd type="none" w="med" len="med"/>
+                    </a:lnR>
+                    <a:lnT w="6350" cap="flat" cmpd="sng" algn="ctr">
+                      <a:solidFill>
+                        <a:srgbClr val="000000"/>
+                      </a:solidFill>
+                      <a:prstDash val="solid"/>
+                      <a:round/>
+                      <a:headEnd type="none" w="med" len="med"/>
+                      <a:tailEnd type="none" w="med" len="med"/>
+                    </a:lnT>
+                    <a:lnB w="6350" cap="flat" cmpd="sng" algn="ctr">
+                      <a:solidFill>
+                        <a:srgbClr val="000000"/>
+                      </a:solidFill>
+                      <a:prstDash val="solid"/>
+                      <a:round/>
+                      <a:headEnd type="none" w="med" len="med"/>
+                      <a:tailEnd type="none" w="med" len="med"/>
+                    </a:lnB>
+                    <a:solidFill>
+                      <a:srgbClr val="FFFFFF"/>
+                    </a:solidFill>
+                  </a:tcPr>
+                </a:tc>
+                <a:tc>
+                  <a:txBody>
+                    <a:bodyPr/>
+                    <a:lstStyle/>
+                    <a:p>
+                      <a:pPr algn="r" fontAlgn="ctr"/>
+                      <a:r>
+                        <a:rPr lang="en-US" altLang="ko-KR" sz="600" b="0" i="0" u="none" strike="noStrike">
+                          <a:solidFill>
+                            <a:srgbClr val="000000"/>
+                          </a:solidFill>
+                          <a:effectLst/>
+                          <a:latin typeface="맑은 고딕" panose="020B0503020000020004" pitchFamily="50" charset="-127"/>
+                          <a:ea typeface="맑은 고딕" panose="020B0503020000020004" pitchFamily="50" charset="-127"/>
+                        </a:rPr>
+                        <a:t>200</a:t>
+                      </a:r>
+                    </a:p>
+                  </a:txBody>
+                  <a:tcPr marL="4301" marR="4301" marT="4301" marB="0" anchor="ctr">
+                    <a:lnL w="6350" cap="flat" cmpd="sng" algn="ctr">
+                      <a:solidFill>
+                        <a:srgbClr val="000000"/>
+                      </a:solidFill>
+                      <a:prstDash val="solid"/>
+                      <a:round/>
+                      <a:headEnd type="none" w="med" len="med"/>
+                      <a:tailEnd type="none" w="med" len="med"/>
+                    </a:lnL>
+                    <a:lnR w="6350" cap="flat" cmpd="sng" algn="ctr">
+                      <a:solidFill>
+                        <a:srgbClr val="000000"/>
+                      </a:solidFill>
+                      <a:prstDash val="solid"/>
+                      <a:round/>
+                      <a:headEnd type="none" w="med" len="med"/>
+                      <a:tailEnd type="none" w="med" len="med"/>
+                    </a:lnR>
+                    <a:lnT w="6350" cap="flat" cmpd="sng" algn="ctr">
+                      <a:solidFill>
+                        <a:srgbClr val="000000"/>
+                      </a:solidFill>
+                      <a:prstDash val="solid"/>
+                      <a:round/>
+                      <a:headEnd type="none" w="med" len="med"/>
+                      <a:tailEnd type="none" w="med" len="med"/>
+                    </a:lnT>
+                    <a:lnB w="6350" cap="flat" cmpd="sng" algn="ctr">
+                      <a:solidFill>
+                        <a:srgbClr val="000000"/>
+                      </a:solidFill>
+                      <a:prstDash val="solid"/>
+                      <a:round/>
+                      <a:headEnd type="none" w="med" len="med"/>
+                      <a:tailEnd type="none" w="med" len="med"/>
+                    </a:lnB>
+                    <a:solidFill>
+                      <a:srgbClr val="FFFFFF"/>
+                    </a:solidFill>
+                  </a:tcPr>
+                </a:tc>
+                <a:tc>
+                  <a:txBody>
+                    <a:bodyPr/>
+                    <a:lstStyle/>
+                    <a:p>
+                      <a:pPr algn="l" fontAlgn="ctr"/>
+                      <a:r>
+                        <a:rPr lang="en-US" sz="600" b="0" i="0" u="none" strike="noStrike">
+                          <a:solidFill>
+                            <a:srgbClr val="000000"/>
+                          </a:solidFill>
+                          <a:effectLst/>
+                          <a:latin typeface="맑은 고딕" panose="020B0503020000020004" pitchFamily="50" charset="-127"/>
+                          <a:ea typeface="맑은 고딕" panose="020B0503020000020004" pitchFamily="50" charset="-127"/>
+                        </a:rPr>
+                        <a:t>perfumery</a:t>
+                      </a:r>
+                    </a:p>
+                  </a:txBody>
+                  <a:tcPr marL="4301" marR="4301" marT="4301" marB="0" anchor="ctr">
+                    <a:lnL w="6350" cap="flat" cmpd="sng" algn="ctr">
+                      <a:solidFill>
+                        <a:srgbClr val="000000"/>
+                      </a:solidFill>
+                      <a:prstDash val="solid"/>
+                      <a:round/>
+                      <a:headEnd type="none" w="med" len="med"/>
+                      <a:tailEnd type="none" w="med" len="med"/>
+                    </a:lnL>
+                    <a:lnR w="6350" cap="flat" cmpd="sng" algn="ctr">
+                      <a:solidFill>
+                        <a:srgbClr val="000000"/>
+                      </a:solidFill>
+                      <a:prstDash val="solid"/>
+                      <a:round/>
+                      <a:headEnd type="none" w="med" len="med"/>
+                      <a:tailEnd type="none" w="med" len="med"/>
+                    </a:lnR>
+                    <a:lnT w="6350" cap="flat" cmpd="sng" algn="ctr">
+                      <a:solidFill>
+                        <a:srgbClr val="000000"/>
+                      </a:solidFill>
+                      <a:prstDash val="solid"/>
+                      <a:round/>
+                      <a:headEnd type="none" w="med" len="med"/>
+                      <a:tailEnd type="none" w="med" len="med"/>
+                    </a:lnT>
+                    <a:lnB w="6350" cap="flat" cmpd="sng" algn="ctr">
+                      <a:solidFill>
+                        <a:srgbClr val="000000"/>
+                      </a:solidFill>
+                      <a:prstDash val="solid"/>
+                      <a:round/>
+                      <a:headEnd type="none" w="med" len="med"/>
+                      <a:tailEnd type="none" w="med" len="med"/>
+                    </a:lnB>
+                    <a:solidFill>
+                      <a:srgbClr val="FFFFFF"/>
+                    </a:solidFill>
+                  </a:tcPr>
+                </a:tc>
+                <a:tc>
+                  <a:txBody>
+                    <a:bodyPr/>
+                    <a:lstStyle/>
+                    <a:p>
+                      <a:pPr algn="r" fontAlgn="ctr"/>
+                      <a:r>
+                        <a:rPr lang="en-US" altLang="ko-KR" sz="600" b="0" i="0" u="none" strike="noStrike">
+                          <a:solidFill>
+                            <a:srgbClr val="000000"/>
+                          </a:solidFill>
+                          <a:effectLst/>
+                          <a:latin typeface="맑은 고딕" panose="020B0503020000020004" pitchFamily="50" charset="-127"/>
+                          <a:ea typeface="맑은 고딕" panose="020B0503020000020004" pitchFamily="50" charset="-127"/>
+                        </a:rPr>
+                        <a:t>6.147268519</a:t>
+                      </a:r>
+                    </a:p>
+                  </a:txBody>
+                  <a:tcPr marL="4301" marR="4301" marT="4301" marB="0" anchor="ctr">
+                    <a:lnL w="6350" cap="flat" cmpd="sng" algn="ctr">
+                      <a:solidFill>
+                        <a:srgbClr val="000000"/>
+                      </a:solidFill>
+                      <a:prstDash val="solid"/>
+                      <a:round/>
+                      <a:headEnd type="none" w="med" len="med"/>
+                      <a:tailEnd type="none" w="med" len="med"/>
+                    </a:lnL>
+                    <a:lnR w="6350" cap="flat" cmpd="sng" algn="ctr">
+                      <a:solidFill>
+                        <a:srgbClr val="000000"/>
+                      </a:solidFill>
+                      <a:prstDash val="solid"/>
+                      <a:round/>
+                      <a:headEnd type="none" w="med" len="med"/>
+                      <a:tailEnd type="none" w="med" len="med"/>
+                    </a:lnR>
+                    <a:lnT w="6350" cap="flat" cmpd="sng" algn="ctr">
+                      <a:solidFill>
+                        <a:srgbClr val="000000"/>
+                      </a:solidFill>
+                      <a:prstDash val="solid"/>
+                      <a:round/>
+                      <a:headEnd type="none" w="med" len="med"/>
+                      <a:tailEnd type="none" w="med" len="med"/>
+                    </a:lnT>
+                    <a:lnB w="6350" cap="flat" cmpd="sng" algn="ctr">
+                      <a:solidFill>
+                        <a:srgbClr val="000000"/>
+                      </a:solidFill>
+                      <a:prstDash val="solid"/>
+                      <a:round/>
+                      <a:headEnd type="none" w="med" len="med"/>
+                      <a:tailEnd type="none" w="med" len="med"/>
+                    </a:lnB>
+                    <a:solidFill>
+                      <a:srgbClr val="FFFFFF"/>
+                    </a:solidFill>
+                  </a:tcPr>
+                </a:tc>
+                <a:tc>
+                  <a:txBody>
+                    <a:bodyPr/>
+                    <a:lstStyle/>
+                    <a:p>
+                      <a:pPr algn="l" fontAlgn="ctr"/>
+                      <a:r>
+                        <a:rPr lang="en-US" sz="600" b="0" i="0" u="none" strike="noStrike">
+                          <a:solidFill>
+                            <a:srgbClr val="000000"/>
+                          </a:solidFill>
+                          <a:effectLst/>
+                          <a:latin typeface="맑은 고딕" panose="020B0503020000020004" pitchFamily="50" charset="-127"/>
+                          <a:ea typeface="맑은 고딕" panose="020B0503020000020004" pitchFamily="50" charset="-127"/>
+                        </a:rPr>
+                        <a:t>SP</a:t>
+                      </a:r>
+                    </a:p>
+                  </a:txBody>
+                  <a:tcPr marL="4301" marR="4301" marT="4301" marB="0" anchor="ctr">
+                    <a:lnL w="6350" cap="flat" cmpd="sng" algn="ctr">
+                      <a:solidFill>
+                        <a:srgbClr val="000000"/>
+                      </a:solidFill>
+                      <a:prstDash val="solid"/>
+                      <a:round/>
+                      <a:headEnd type="none" w="med" len="med"/>
+                      <a:tailEnd type="none" w="med" len="med"/>
+                    </a:lnL>
+                    <a:lnR w="6350" cap="flat" cmpd="sng" algn="ctr">
+                      <a:solidFill>
+                        <a:srgbClr val="000000"/>
+                      </a:solidFill>
+                      <a:prstDash val="solid"/>
+                      <a:round/>
+                      <a:headEnd type="none" w="med" len="med"/>
+                      <a:tailEnd type="none" w="med" len="med"/>
+                    </a:lnR>
+                    <a:lnT w="6350" cap="flat" cmpd="sng" algn="ctr">
+                      <a:solidFill>
+                        <a:srgbClr val="000000"/>
+                      </a:solidFill>
+                      <a:prstDash val="solid"/>
+                      <a:round/>
+                      <a:headEnd type="none" w="med" len="med"/>
+                      <a:tailEnd type="none" w="med" len="med"/>
+                    </a:lnT>
+                    <a:lnB w="6350" cap="flat" cmpd="sng" algn="ctr">
+                      <a:solidFill>
+                        <a:srgbClr val="000000"/>
+                      </a:solidFill>
+                      <a:prstDash val="solid"/>
+                      <a:round/>
+                      <a:headEnd type="none" w="med" len="med"/>
+                      <a:tailEnd type="none" w="med" len="med"/>
+                    </a:lnB>
+                    <a:solidFill>
+                      <a:srgbClr val="FFFFFF"/>
+                    </a:solidFill>
+                  </a:tcPr>
+                </a:tc>
+                <a:tc>
+                  <a:txBody>
+                    <a:bodyPr/>
+                    <a:lstStyle/>
+                    <a:p>
+                      <a:pPr algn="l" fontAlgn="ctr"/>
+                      <a:r>
+                        <a:rPr lang="en-US" sz="600" b="0" i="0" u="none" strike="noStrike">
+                          <a:solidFill>
+                            <a:srgbClr val="000000"/>
+                          </a:solidFill>
+                          <a:effectLst/>
+                          <a:latin typeface="맑은 고딕" panose="020B0503020000020004" pitchFamily="50" charset="-127"/>
+                          <a:ea typeface="맑은 고딕" panose="020B0503020000020004" pitchFamily="50" charset="-127"/>
+                        </a:rPr>
+                        <a:t>SP</a:t>
+                      </a:r>
+                    </a:p>
+                  </a:txBody>
+                  <a:tcPr marL="4301" marR="4301" marT="4301" marB="0" anchor="ctr">
+                    <a:lnL w="6350" cap="flat" cmpd="sng" algn="ctr">
+                      <a:solidFill>
+                        <a:srgbClr val="000000"/>
+                      </a:solidFill>
+                      <a:prstDash val="solid"/>
+                      <a:round/>
+                      <a:headEnd type="none" w="med" len="med"/>
+                      <a:tailEnd type="none" w="med" len="med"/>
+                    </a:lnL>
+                    <a:lnR w="6350" cap="flat" cmpd="sng" algn="ctr">
+                      <a:solidFill>
+                        <a:srgbClr val="000000"/>
+                      </a:solidFill>
+                      <a:prstDash val="solid"/>
+                      <a:round/>
+                      <a:headEnd type="none" w="med" len="med"/>
+                      <a:tailEnd type="none" w="med" len="med"/>
+                    </a:lnR>
+                    <a:lnT w="6350" cap="flat" cmpd="sng" algn="ctr">
+                      <a:solidFill>
+                        <a:srgbClr val="000000"/>
+                      </a:solidFill>
+                      <a:prstDash val="solid"/>
+                      <a:round/>
+                      <a:headEnd type="none" w="med" len="med"/>
+                      <a:tailEnd type="none" w="med" len="med"/>
+                    </a:lnT>
+                    <a:lnB w="6350" cap="flat" cmpd="sng" algn="ctr">
+                      <a:solidFill>
+                        <a:srgbClr val="000000"/>
+                      </a:solidFill>
+                      <a:prstDash val="solid"/>
+                      <a:round/>
+                      <a:headEnd type="none" w="med" len="med"/>
+                      <a:tailEnd type="none" w="med" len="med"/>
+                    </a:lnB>
+                    <a:solidFill>
+                      <a:srgbClr val="FFFFFF"/>
+                    </a:solidFill>
+                  </a:tcPr>
+                </a:tc>
+                <a:tc>
+                  <a:txBody>
+                    <a:bodyPr/>
+                    <a:lstStyle/>
+                    <a:p>
+                      <a:pPr algn="r" fontAlgn="ctr"/>
+                      <a:r>
+                        <a:rPr lang="en-US" altLang="ko-KR" sz="600" b="0" i="0" u="none" strike="noStrike">
+                          <a:solidFill>
+                            <a:srgbClr val="000000"/>
+                          </a:solidFill>
+                          <a:effectLst/>
+                          <a:latin typeface="맑은 고딕" panose="020B0503020000020004" pitchFamily="50" charset="-127"/>
+                          <a:ea typeface="맑은 고딕" panose="020B0503020000020004" pitchFamily="50" charset="-127"/>
+                        </a:rPr>
+                        <a:t>366</a:t>
+                      </a:r>
+                    </a:p>
+                  </a:txBody>
+                  <a:tcPr marL="4301" marR="4301" marT="4301" marB="0" anchor="ctr">
+                    <a:lnL w="6350" cap="flat" cmpd="sng" algn="ctr">
+                      <a:solidFill>
+                        <a:srgbClr val="000000"/>
+                      </a:solidFill>
+                      <a:prstDash val="solid"/>
+                      <a:round/>
+                      <a:headEnd type="none" w="med" len="med"/>
+                      <a:tailEnd type="none" w="med" len="med"/>
+                    </a:lnL>
+                    <a:lnR w="6350" cap="flat" cmpd="sng" algn="ctr">
+                      <a:solidFill>
+                        <a:srgbClr val="000000"/>
+                      </a:solidFill>
+                      <a:prstDash val="solid"/>
+                      <a:round/>
+                      <a:headEnd type="none" w="med" len="med"/>
+                      <a:tailEnd type="none" w="med" len="med"/>
+                    </a:lnR>
+                    <a:lnT w="6350" cap="flat" cmpd="sng" algn="ctr">
+                      <a:solidFill>
+                        <a:srgbClr val="000000"/>
+                      </a:solidFill>
+                      <a:prstDash val="solid"/>
+                      <a:round/>
+                      <a:headEnd type="none" w="med" len="med"/>
+                      <a:tailEnd type="none" w="med" len="med"/>
+                    </a:lnT>
+                    <a:lnB w="6350" cap="flat" cmpd="sng" algn="ctr">
+                      <a:solidFill>
+                        <a:srgbClr val="000000"/>
+                      </a:solidFill>
+                      <a:prstDash val="solid"/>
+                      <a:round/>
+                      <a:headEnd type="none" w="med" len="med"/>
+                      <a:tailEnd type="none" w="med" len="med"/>
+                    </a:lnB>
+                    <a:solidFill>
+                      <a:srgbClr val="FFFFFF"/>
+                    </a:solidFill>
+                  </a:tcPr>
+                </a:tc>
+                <a:tc>
+                  <a:txBody>
+                    <a:bodyPr/>
+                    <a:lstStyle/>
+                    <a:p>
+                      <a:pPr algn="r" fontAlgn="ctr"/>
+                      <a:r>
+                        <a:rPr lang="en-US" altLang="ko-KR" sz="600" b="0" i="0" u="none" strike="noStrike">
+                          <a:solidFill>
+                            <a:srgbClr val="000000"/>
+                          </a:solidFill>
+                          <a:effectLst/>
+                          <a:latin typeface="맑은 고딕" panose="020B0503020000020004" pitchFamily="50" charset="-127"/>
+                          <a:ea typeface="맑은 고딕" panose="020B0503020000020004" pitchFamily="50" charset="-127"/>
+                        </a:rPr>
+                        <a:t>2018</a:t>
+                      </a:r>
+                    </a:p>
+                  </a:txBody>
+                  <a:tcPr marL="4301" marR="4301" marT="4301" marB="0" anchor="ctr">
+                    <a:lnL w="6350" cap="flat" cmpd="sng" algn="ctr">
+                      <a:solidFill>
+                        <a:srgbClr val="000000"/>
+                      </a:solidFill>
+                      <a:prstDash val="solid"/>
+                      <a:round/>
+                      <a:headEnd type="none" w="med" len="med"/>
+                      <a:tailEnd type="none" w="med" len="med"/>
+                    </a:lnL>
+                    <a:lnR w="6350" cap="flat" cmpd="sng" algn="ctr">
+                      <a:solidFill>
+                        <a:srgbClr val="000000"/>
+                      </a:solidFill>
+                      <a:prstDash val="solid"/>
+                      <a:round/>
+                      <a:headEnd type="none" w="med" len="med"/>
+                      <a:tailEnd type="none" w="med" len="med"/>
+                    </a:lnR>
+                    <a:lnT w="6350" cap="flat" cmpd="sng" algn="ctr">
+                      <a:solidFill>
+                        <a:srgbClr val="000000"/>
+                      </a:solidFill>
+                      <a:prstDash val="solid"/>
+                      <a:round/>
+                      <a:headEnd type="none" w="med" len="med"/>
+                      <a:tailEnd type="none" w="med" len="med"/>
+                    </a:lnT>
+                    <a:lnB w="6350" cap="flat" cmpd="sng" algn="ctr">
+                      <a:solidFill>
+                        <a:srgbClr val="000000"/>
+                      </a:solidFill>
+                      <a:prstDash val="solid"/>
+                      <a:round/>
+                      <a:headEnd type="none" w="med" len="med"/>
+                      <a:tailEnd type="none" w="med" len="med"/>
+                    </a:lnB>
+                    <a:solidFill>
+                      <a:srgbClr val="FFFFFF"/>
+                    </a:solidFill>
+                  </a:tcPr>
+                </a:tc>
+                <a:tc>
+                  <a:txBody>
+                    <a:bodyPr/>
+                    <a:lstStyle/>
+                    <a:p>
+                      <a:pPr algn="r" fontAlgn="ctr"/>
+                      <a:r>
+                        <a:rPr lang="en-US" altLang="ko-KR" sz="600" b="0" i="0" u="none" strike="noStrike">
+                          <a:solidFill>
+                            <a:srgbClr val="000000"/>
+                          </a:solidFill>
+                          <a:effectLst/>
+                          <a:latin typeface="맑은 고딕" panose="020B0503020000020004" pitchFamily="50" charset="-127"/>
+                          <a:ea typeface="맑은 고딕" panose="020B0503020000020004" pitchFamily="50" charset="-127"/>
+                        </a:rPr>
+                        <a:t>8</a:t>
+                      </a:r>
+                    </a:p>
+                  </a:txBody>
+                  <a:tcPr marL="4301" marR="4301" marT="4301" marB="0" anchor="ctr">
+                    <a:lnL w="6350" cap="flat" cmpd="sng" algn="ctr">
+                      <a:solidFill>
+                        <a:srgbClr val="000000"/>
+                      </a:solidFill>
+                      <a:prstDash val="solid"/>
+                      <a:round/>
+                      <a:headEnd type="none" w="med" len="med"/>
+                      <a:tailEnd type="none" w="med" len="med"/>
+                    </a:lnL>
+                    <a:lnR w="6350" cap="flat" cmpd="sng" algn="ctr">
+                      <a:solidFill>
+                        <a:srgbClr val="000000"/>
+                      </a:solidFill>
+                      <a:prstDash val="solid"/>
+                      <a:round/>
+                      <a:headEnd type="none" w="med" len="med"/>
+                      <a:tailEnd type="none" w="med" len="med"/>
+                    </a:lnR>
+                    <a:lnT w="6350" cap="flat" cmpd="sng" algn="ctr">
+                      <a:solidFill>
+                        <a:srgbClr val="000000"/>
+                      </a:solidFill>
+                      <a:prstDash val="solid"/>
+                      <a:round/>
+                      <a:headEnd type="none" w="med" len="med"/>
+                      <a:tailEnd type="none" w="med" len="med"/>
+                    </a:lnT>
+                    <a:lnB w="6350" cap="flat" cmpd="sng" algn="ctr">
+                      <a:solidFill>
+                        <a:srgbClr val="000000"/>
+                      </a:solidFill>
+                      <a:prstDash val="solid"/>
+                      <a:round/>
+                      <a:headEnd type="none" w="med" len="med"/>
+                      <a:tailEnd type="none" w="med" len="med"/>
+                    </a:lnB>
+                    <a:solidFill>
+                      <a:srgbClr val="FFFFFF"/>
+                    </a:solidFill>
+                  </a:tcPr>
+                </a:tc>
+                <a:tc>
+                  <a:txBody>
+                    <a:bodyPr/>
+                    <a:lstStyle/>
+                    <a:p>
+                      <a:pPr algn="r" fontAlgn="ctr"/>
+                      <a:r>
+                        <a:rPr lang="en-US" altLang="ko-KR" sz="600" b="0" i="0" u="none" strike="noStrike">
+                          <a:solidFill>
+                            <a:srgbClr val="000000"/>
+                          </a:solidFill>
+                          <a:effectLst/>
+                          <a:latin typeface="맑은 고딕" panose="020B0503020000020004" pitchFamily="50" charset="-127"/>
+                          <a:ea typeface="맑은 고딕" panose="020B0503020000020004" pitchFamily="50" charset="-127"/>
+                        </a:rPr>
+                        <a:t>8</a:t>
+                      </a:r>
+                    </a:p>
+                  </a:txBody>
+                  <a:tcPr marL="4301" marR="4301" marT="4301" marB="0" anchor="ctr">
+                    <a:lnL w="6350" cap="flat" cmpd="sng" algn="ctr">
+                      <a:solidFill>
+                        <a:srgbClr val="000000"/>
+                      </a:solidFill>
+                      <a:prstDash val="solid"/>
+                      <a:round/>
+                      <a:headEnd type="none" w="med" len="med"/>
+                      <a:tailEnd type="none" w="med" len="med"/>
+                    </a:lnL>
+                    <a:lnR w="6350" cap="flat" cmpd="sng" algn="ctr">
+                      <a:solidFill>
+                        <a:srgbClr val="000000"/>
+                      </a:solidFill>
+                      <a:prstDash val="solid"/>
+                      <a:round/>
+                      <a:headEnd type="none" w="med" len="med"/>
+                      <a:tailEnd type="none" w="med" len="med"/>
+                    </a:lnR>
+                    <a:lnT w="6350" cap="flat" cmpd="sng" algn="ctr">
+                      <a:solidFill>
+                        <a:srgbClr val="000000"/>
+                      </a:solidFill>
+                      <a:prstDash val="solid"/>
+                      <a:round/>
+                      <a:headEnd type="none" w="med" len="med"/>
+                      <a:tailEnd type="none" w="med" len="med"/>
+                    </a:lnT>
+                    <a:lnB w="6350" cap="flat" cmpd="sng" algn="ctr">
+                      <a:solidFill>
+                        <a:srgbClr val="000000"/>
+                      </a:solidFill>
+                      <a:prstDash val="solid"/>
+                      <a:round/>
+                      <a:headEnd type="none" w="med" len="med"/>
+                      <a:tailEnd type="none" w="med" len="med"/>
+                    </a:lnB>
+                    <a:solidFill>
+                      <a:srgbClr val="FFFFFF"/>
+                    </a:solidFill>
+                  </a:tcPr>
+                </a:tc>
+                <a:tc>
+                  <a:txBody>
+                    <a:bodyPr/>
+                    <a:lstStyle/>
+                    <a:p>
+                      <a:pPr algn="r" fontAlgn="ctr"/>
+                      <a:r>
+                        <a:rPr lang="en-US" altLang="ko-KR" sz="600" b="0" i="0" u="none" strike="noStrike">
+                          <a:solidFill>
+                            <a:srgbClr val="000000"/>
+                          </a:solidFill>
+                          <a:effectLst/>
+                          <a:latin typeface="맑은 고딕" panose="020B0503020000020004" pitchFamily="50" charset="-127"/>
+                          <a:ea typeface="맑은 고딕" panose="020B0503020000020004" pitchFamily="50" charset="-127"/>
+                        </a:rPr>
+                        <a:t>2</a:t>
+                      </a:r>
+                    </a:p>
+                  </a:txBody>
+                  <a:tcPr marL="4301" marR="4301" marT="4301" marB="0" anchor="ctr">
+                    <a:lnL w="6350" cap="flat" cmpd="sng" algn="ctr">
+                      <a:solidFill>
+                        <a:srgbClr val="000000"/>
+                      </a:solidFill>
+                      <a:prstDash val="solid"/>
+                      <a:round/>
+                      <a:headEnd type="none" w="med" len="med"/>
+                      <a:tailEnd type="none" w="med" len="med"/>
+                    </a:lnL>
+                    <a:lnR w="6350" cap="flat" cmpd="sng" algn="ctr">
+                      <a:solidFill>
+                        <a:srgbClr val="000000"/>
+                      </a:solidFill>
+                      <a:prstDash val="solid"/>
+                      <a:round/>
+                      <a:headEnd type="none" w="med" len="med"/>
+                      <a:tailEnd type="none" w="med" len="med"/>
+                    </a:lnR>
+                    <a:lnT w="6350" cap="flat" cmpd="sng" algn="ctr">
+                      <a:solidFill>
+                        <a:srgbClr val="000000"/>
+                      </a:solidFill>
+                      <a:prstDash val="solid"/>
+                      <a:round/>
+                      <a:headEnd type="none" w="med" len="med"/>
+                      <a:tailEnd type="none" w="med" len="med"/>
+                    </a:lnT>
+                    <a:lnB w="6350" cap="flat" cmpd="sng" algn="ctr">
+                      <a:solidFill>
+                        <a:srgbClr val="000000"/>
+                      </a:solidFill>
+                      <a:prstDash val="solid"/>
+                      <a:round/>
+                      <a:headEnd type="none" w="med" len="med"/>
+                      <a:tailEnd type="none" w="med" len="med"/>
+                    </a:lnB>
+                    <a:solidFill>
+                      <a:srgbClr val="FFFFFF"/>
+                    </a:solidFill>
+                  </a:tcPr>
+                </a:tc>
+                <a:tc>
+                  <a:txBody>
+                    <a:bodyPr/>
+                    <a:lstStyle/>
+                    <a:p>
+                      <a:pPr algn="r" fontAlgn="ctr"/>
+                      <a:r>
+                        <a:rPr lang="en-US" altLang="ko-KR" sz="600" b="0" i="0" u="none" strike="noStrike">
+                          <a:solidFill>
+                            <a:srgbClr val="000000"/>
+                          </a:solidFill>
+                          <a:effectLst/>
+                          <a:latin typeface="맑은 고딕" panose="020B0503020000020004" pitchFamily="50" charset="-127"/>
+                          <a:ea typeface="맑은 고딕" panose="020B0503020000020004" pitchFamily="50" charset="-127"/>
+                        </a:rPr>
+                        <a:t>10</a:t>
+                      </a:r>
+                    </a:p>
+                  </a:txBody>
+                  <a:tcPr marL="4301" marR="4301" marT="4301" marB="0" anchor="ctr">
+                    <a:lnL w="6350" cap="flat" cmpd="sng" algn="ctr">
+                      <a:solidFill>
+                        <a:srgbClr val="000000"/>
+                      </a:solidFill>
+                      <a:prstDash val="solid"/>
+                      <a:round/>
+                      <a:headEnd type="none" w="med" len="med"/>
+                      <a:tailEnd type="none" w="med" len="med"/>
+                    </a:lnL>
+                    <a:lnR w="6350" cap="flat" cmpd="sng" algn="ctr">
+                      <a:solidFill>
+                        <a:srgbClr val="000000"/>
+                      </a:solidFill>
+                      <a:prstDash val="solid"/>
+                      <a:round/>
+                      <a:headEnd type="none" w="med" len="med"/>
+                      <a:tailEnd type="none" w="med" len="med"/>
+                    </a:lnR>
+                    <a:lnT w="6350" cap="flat" cmpd="sng" algn="ctr">
+                      <a:solidFill>
+                        <a:srgbClr val="000000"/>
+                      </a:solidFill>
+                      <a:prstDash val="solid"/>
+                      <a:round/>
+                      <a:headEnd type="none" w="med" len="med"/>
+                      <a:tailEnd type="none" w="med" len="med"/>
+                    </a:lnT>
+                    <a:lnB w="6350" cap="flat" cmpd="sng" algn="ctr">
+                      <a:solidFill>
+                        <a:srgbClr val="000000"/>
+                      </a:solidFill>
+                      <a:prstDash val="solid"/>
+                      <a:round/>
+                      <a:headEnd type="none" w="med" len="med"/>
+                      <a:tailEnd type="none" w="med" len="med"/>
+                    </a:lnB>
+                    <a:solidFill>
+                      <a:srgbClr val="FFFFFF"/>
+                    </a:solidFill>
+                  </a:tcPr>
+                </a:tc>
+                <a:tc>
+                  <a:txBody>
+                    <a:bodyPr/>
+                    <a:lstStyle/>
+                    <a:p>
+                      <a:pPr algn="r" fontAlgn="ctr"/>
+                      <a:r>
+                        <a:rPr lang="en-US" altLang="ko-KR" sz="600" b="0" i="0" u="none" strike="noStrike">
+                          <a:solidFill>
+                            <a:srgbClr val="000000"/>
+                          </a:solidFill>
+                          <a:effectLst/>
+                          <a:latin typeface="맑은 고딕" panose="020B0503020000020004" pitchFamily="50" charset="-127"/>
+                          <a:ea typeface="맑은 고딕" panose="020B0503020000020004" pitchFamily="50" charset="-127"/>
+                        </a:rPr>
+                        <a:t>2400</a:t>
+                      </a:r>
+                    </a:p>
+                  </a:txBody>
+                  <a:tcPr marL="4301" marR="4301" marT="4301" marB="0" anchor="ctr">
+                    <a:lnL w="6350" cap="flat" cmpd="sng" algn="ctr">
+                      <a:solidFill>
+                        <a:srgbClr val="000000"/>
+                      </a:solidFill>
+                      <a:prstDash val="solid"/>
+                      <a:round/>
+                      <a:headEnd type="none" w="med" len="med"/>
+                      <a:tailEnd type="none" w="med" len="med"/>
+                    </a:lnL>
+                    <a:lnR w="6350" cap="flat" cmpd="sng" algn="ctr">
+                      <a:solidFill>
+                        <a:srgbClr val="000000"/>
+                      </a:solidFill>
+                      <a:prstDash val="solid"/>
+                      <a:round/>
+                      <a:headEnd type="none" w="med" len="med"/>
+                      <a:tailEnd type="none" w="med" len="med"/>
+                    </a:lnR>
+                    <a:lnT w="6350" cap="flat" cmpd="sng" algn="ctr">
+                      <a:solidFill>
+                        <a:srgbClr val="000000"/>
+                      </a:solidFill>
+                      <a:prstDash val="solid"/>
+                      <a:round/>
+                      <a:headEnd type="none" w="med" len="med"/>
+                      <a:tailEnd type="none" w="med" len="med"/>
+                    </a:lnT>
+                    <a:lnB w="6350" cap="flat" cmpd="sng" algn="ctr">
+                      <a:solidFill>
+                        <a:srgbClr val="000000"/>
+                      </a:solidFill>
+                      <a:prstDash val="solid"/>
+                      <a:round/>
+                      <a:headEnd type="none" w="med" len="med"/>
+                      <a:tailEnd type="none" w="med" len="med"/>
+                    </a:lnB>
+                    <a:solidFill>
+                      <a:srgbClr val="FFFFFF"/>
+                    </a:solidFill>
+                  </a:tcPr>
+                </a:tc>
+                <a:extLst>
+                  <a:ext uri="{0D108BD9-81ED-4DB2-BD59-A6C34878D82A}">
+                    <a16:rowId xmlns:a16="http://schemas.microsoft.com/office/drawing/2014/main" val="1994353479"/>
+                  </a:ext>
+                </a:extLst>
+              </a:tr>
+              <a:tr h="124718">
+                <a:tc>
+                  <a:txBody>
+                    <a:bodyPr/>
+                    <a:lstStyle/>
+                    <a:p>
+                      <a:pPr algn="r" fontAlgn="ctr"/>
+                      <a:r>
+                        <a:rPr lang="en-US" altLang="ko-KR" sz="600" b="0" i="0" u="none" strike="noStrike">
+                          <a:solidFill>
+                            <a:srgbClr val="000000"/>
+                          </a:solidFill>
+                          <a:effectLst/>
+                          <a:latin typeface="맑은 고딕" panose="020B0503020000020004" pitchFamily="50" charset="-127"/>
+                          <a:ea typeface="맑은 고딕" panose="020B0503020000020004" pitchFamily="50" charset="-127"/>
+                        </a:rPr>
+                        <a:t>199.9</a:t>
+                      </a:r>
+                    </a:p>
+                  </a:txBody>
+                  <a:tcPr marL="4301" marR="4301" marT="4301" marB="0" anchor="ctr">
+                    <a:lnL w="6350" cap="flat" cmpd="sng" algn="ctr">
+                      <a:solidFill>
+                        <a:srgbClr val="000000"/>
+                      </a:solidFill>
+                      <a:prstDash val="solid"/>
+                      <a:round/>
+                      <a:headEnd type="none" w="med" len="med"/>
+                      <a:tailEnd type="none" w="med" len="med"/>
+                    </a:lnL>
+                    <a:lnR w="6350" cap="flat" cmpd="sng" algn="ctr">
+                      <a:solidFill>
+                        <a:srgbClr val="000000"/>
+                      </a:solidFill>
+                      <a:prstDash val="solid"/>
+                      <a:round/>
+                      <a:headEnd type="none" w="med" len="med"/>
+                      <a:tailEnd type="none" w="med" len="med"/>
+                    </a:lnR>
+                    <a:lnT w="6350" cap="flat" cmpd="sng" algn="ctr">
+                      <a:solidFill>
+                        <a:srgbClr val="000000"/>
+                      </a:solidFill>
+                      <a:prstDash val="solid"/>
+                      <a:round/>
+                      <a:headEnd type="none" w="med" len="med"/>
+                      <a:tailEnd type="none" w="med" len="med"/>
+                    </a:lnT>
+                    <a:lnB w="6350" cap="flat" cmpd="sng" algn="ctr">
+                      <a:solidFill>
+                        <a:srgbClr val="000000"/>
+                      </a:solidFill>
+                      <a:prstDash val="solid"/>
+                      <a:round/>
+                      <a:headEnd type="none" w="med" len="med"/>
+                      <a:tailEnd type="none" w="med" len="med"/>
+                    </a:lnB>
+                    <a:solidFill>
+                      <a:srgbClr val="FFFFFF"/>
+                    </a:solidFill>
+                  </a:tcPr>
+                </a:tc>
+                <a:tc>
+                  <a:txBody>
+                    <a:bodyPr/>
+                    <a:lstStyle/>
+                    <a:p>
+                      <a:pPr algn="r" fontAlgn="ctr"/>
+                      <a:r>
+                        <a:rPr lang="en-US" altLang="ko-KR" sz="600" b="0" i="0" u="none" strike="noStrike">
+                          <a:solidFill>
+                            <a:srgbClr val="000000"/>
+                          </a:solidFill>
+                          <a:effectLst/>
+                          <a:latin typeface="맑은 고딕" panose="020B0503020000020004" pitchFamily="50" charset="-127"/>
+                          <a:ea typeface="맑은 고딕" panose="020B0503020000020004" pitchFamily="50" charset="-127"/>
+                        </a:rPr>
+                        <a:t>18.14</a:t>
+                      </a:r>
+                    </a:p>
+                  </a:txBody>
+                  <a:tcPr marL="4301" marR="4301" marT="4301" marB="0" anchor="ctr">
+                    <a:lnL w="6350" cap="flat" cmpd="sng" algn="ctr">
+                      <a:solidFill>
+                        <a:srgbClr val="000000"/>
+                      </a:solidFill>
+                      <a:prstDash val="solid"/>
+                      <a:round/>
+                      <a:headEnd type="none" w="med" len="med"/>
+                      <a:tailEnd type="none" w="med" len="med"/>
+                    </a:lnL>
+                    <a:lnR w="6350" cap="flat" cmpd="sng" algn="ctr">
+                      <a:solidFill>
+                        <a:srgbClr val="000000"/>
+                      </a:solidFill>
+                      <a:prstDash val="solid"/>
+                      <a:round/>
+                      <a:headEnd type="none" w="med" len="med"/>
+                      <a:tailEnd type="none" w="med" len="med"/>
+                    </a:lnR>
+                    <a:lnT w="6350" cap="flat" cmpd="sng" algn="ctr">
+                      <a:solidFill>
+                        <a:srgbClr val="000000"/>
+                      </a:solidFill>
+                      <a:prstDash val="solid"/>
+                      <a:round/>
+                      <a:headEnd type="none" w="med" len="med"/>
+                      <a:tailEnd type="none" w="med" len="med"/>
+                    </a:lnT>
+                    <a:lnB w="6350" cap="flat" cmpd="sng" algn="ctr">
+                      <a:solidFill>
+                        <a:srgbClr val="000000"/>
+                      </a:solidFill>
+                      <a:prstDash val="solid"/>
+                      <a:round/>
+                      <a:headEnd type="none" w="med" len="med"/>
+                      <a:tailEnd type="none" w="med" len="med"/>
+                    </a:lnB>
+                    <a:solidFill>
+                      <a:srgbClr val="FFFFFF"/>
+                    </a:solidFill>
+                  </a:tcPr>
+                </a:tc>
+                <a:tc>
+                  <a:txBody>
+                    <a:bodyPr/>
+                    <a:lstStyle/>
+                    <a:p>
+                      <a:pPr algn="r" fontAlgn="ctr"/>
+                      <a:r>
+                        <a:rPr lang="en-US" altLang="ko-KR" sz="600" b="0" i="0" u="none" strike="noStrike">
+                          <a:solidFill>
+                            <a:srgbClr val="000000"/>
+                          </a:solidFill>
+                          <a:effectLst/>
+                          <a:latin typeface="맑은 고딕" panose="020B0503020000020004" pitchFamily="50" charset="-127"/>
+                          <a:ea typeface="맑은 고딕" panose="020B0503020000020004" pitchFamily="50" charset="-127"/>
+                        </a:rPr>
+                        <a:t>3750</a:t>
+                      </a:r>
+                    </a:p>
+                  </a:txBody>
+                  <a:tcPr marL="4301" marR="4301" marT="4301" marB="0" anchor="ctr">
+                    <a:lnL w="6350" cap="flat" cmpd="sng" algn="ctr">
+                      <a:solidFill>
+                        <a:srgbClr val="000000"/>
+                      </a:solidFill>
+                      <a:prstDash val="solid"/>
+                      <a:round/>
+                      <a:headEnd type="none" w="med" len="med"/>
+                      <a:tailEnd type="none" w="med" len="med"/>
+                    </a:lnL>
+                    <a:lnR w="6350" cap="flat" cmpd="sng" algn="ctr">
+                      <a:solidFill>
+                        <a:srgbClr val="000000"/>
+                      </a:solidFill>
+                      <a:prstDash val="solid"/>
+                      <a:round/>
+                      <a:headEnd type="none" w="med" len="med"/>
+                      <a:tailEnd type="none" w="med" len="med"/>
+                    </a:lnR>
+                    <a:lnT w="6350" cap="flat" cmpd="sng" algn="ctr">
+                      <a:solidFill>
+                        <a:srgbClr val="000000"/>
+                      </a:solidFill>
+                      <a:prstDash val="solid"/>
+                      <a:round/>
+                      <a:headEnd type="none" w="med" len="med"/>
+                      <a:tailEnd type="none" w="med" len="med"/>
+                    </a:lnT>
+                    <a:lnB w="6350" cap="flat" cmpd="sng" algn="ctr">
+                      <a:solidFill>
+                        <a:srgbClr val="000000"/>
+                      </a:solidFill>
+                      <a:prstDash val="solid"/>
+                      <a:round/>
+                      <a:headEnd type="none" w="med" len="med"/>
+                      <a:tailEnd type="none" w="med" len="med"/>
+                    </a:lnB>
+                    <a:solidFill>
+                      <a:srgbClr val="FFFFFF"/>
+                    </a:solidFill>
+                  </a:tcPr>
+                </a:tc>
+                <a:tc>
+                  <a:txBody>
+                    <a:bodyPr/>
+                    <a:lstStyle/>
+                    <a:p>
+                      <a:pPr algn="l" fontAlgn="ctr"/>
+                      <a:r>
+                        <a:rPr lang="en-US" sz="600" b="0" i="0" u="none" strike="noStrike">
+                          <a:solidFill>
+                            <a:srgbClr val="000000"/>
+                          </a:solidFill>
+                          <a:effectLst/>
+                          <a:latin typeface="맑은 고딕" panose="020B0503020000020004" pitchFamily="50" charset="-127"/>
+                          <a:ea typeface="맑은 고딕" panose="020B0503020000020004" pitchFamily="50" charset="-127"/>
+                        </a:rPr>
+                        <a:t>garden_tools</a:t>
+                      </a:r>
+                    </a:p>
+                  </a:txBody>
+                  <a:tcPr marL="4301" marR="4301" marT="4301" marB="0" anchor="ctr">
+                    <a:lnL w="6350" cap="flat" cmpd="sng" algn="ctr">
+                      <a:solidFill>
+                        <a:srgbClr val="000000"/>
+                      </a:solidFill>
+                      <a:prstDash val="solid"/>
+                      <a:round/>
+                      <a:headEnd type="none" w="med" len="med"/>
+                      <a:tailEnd type="none" w="med" len="med"/>
+                    </a:lnL>
+                    <a:lnR w="6350" cap="flat" cmpd="sng" algn="ctr">
+                      <a:solidFill>
+                        <a:srgbClr val="000000"/>
+                      </a:solidFill>
+                      <a:prstDash val="solid"/>
+                      <a:round/>
+                      <a:headEnd type="none" w="med" len="med"/>
+                      <a:tailEnd type="none" w="med" len="med"/>
+                    </a:lnR>
+                    <a:lnT w="6350" cap="flat" cmpd="sng" algn="ctr">
+                      <a:solidFill>
+                        <a:srgbClr val="000000"/>
+                      </a:solidFill>
+                      <a:prstDash val="solid"/>
+                      <a:round/>
+                      <a:headEnd type="none" w="med" len="med"/>
+                      <a:tailEnd type="none" w="med" len="med"/>
+                    </a:lnT>
+                    <a:lnB w="6350" cap="flat" cmpd="sng" algn="ctr">
+                      <a:solidFill>
+                        <a:srgbClr val="000000"/>
+                      </a:solidFill>
+                      <a:prstDash val="solid"/>
+                      <a:round/>
+                      <a:headEnd type="none" w="med" len="med"/>
+                      <a:tailEnd type="none" w="med" len="med"/>
+                    </a:lnB>
+                    <a:solidFill>
+                      <a:srgbClr val="FFFFFF"/>
+                    </a:solidFill>
+                  </a:tcPr>
+                </a:tc>
+                <a:tc>
+                  <a:txBody>
+                    <a:bodyPr/>
+                    <a:lstStyle/>
+                    <a:p>
+                      <a:pPr algn="r" fontAlgn="ctr"/>
+                      <a:r>
+                        <a:rPr lang="en-US" altLang="ko-KR" sz="600" b="0" i="0" u="none" strike="noStrike">
+                          <a:solidFill>
+                            <a:srgbClr val="000000"/>
+                          </a:solidFill>
+                          <a:effectLst/>
+                          <a:latin typeface="맑은 고딕" panose="020B0503020000020004" pitchFamily="50" charset="-127"/>
+                          <a:ea typeface="맑은 고딕" panose="020B0503020000020004" pitchFamily="50" charset="-127"/>
+                        </a:rPr>
+                        <a:t>25.11435185</a:t>
+                      </a:r>
+                    </a:p>
+                  </a:txBody>
+                  <a:tcPr marL="4301" marR="4301" marT="4301" marB="0" anchor="ctr">
+                    <a:lnL w="6350" cap="flat" cmpd="sng" algn="ctr">
+                      <a:solidFill>
+                        <a:srgbClr val="000000"/>
+                      </a:solidFill>
+                      <a:prstDash val="solid"/>
+                      <a:round/>
+                      <a:headEnd type="none" w="med" len="med"/>
+                      <a:tailEnd type="none" w="med" len="med"/>
+                    </a:lnL>
+                    <a:lnR w="6350" cap="flat" cmpd="sng" algn="ctr">
+                      <a:solidFill>
+                        <a:srgbClr val="000000"/>
+                      </a:solidFill>
+                      <a:prstDash val="solid"/>
+                      <a:round/>
+                      <a:headEnd type="none" w="med" len="med"/>
+                      <a:tailEnd type="none" w="med" len="med"/>
+                    </a:lnR>
+                    <a:lnT w="6350" cap="flat" cmpd="sng" algn="ctr">
+                      <a:solidFill>
+                        <a:srgbClr val="000000"/>
+                      </a:solidFill>
+                      <a:prstDash val="solid"/>
+                      <a:round/>
+                      <a:headEnd type="none" w="med" len="med"/>
+                      <a:tailEnd type="none" w="med" len="med"/>
+                    </a:lnT>
+                    <a:lnB w="6350" cap="flat" cmpd="sng" algn="ctr">
+                      <a:solidFill>
+                        <a:srgbClr val="000000"/>
+                      </a:solidFill>
+                      <a:prstDash val="solid"/>
+                      <a:round/>
+                      <a:headEnd type="none" w="med" len="med"/>
+                      <a:tailEnd type="none" w="med" len="med"/>
+                    </a:lnB>
+                    <a:solidFill>
+                      <a:srgbClr val="FFFFFF"/>
+                    </a:solidFill>
+                  </a:tcPr>
+                </a:tc>
+                <a:tc>
+                  <a:txBody>
+                    <a:bodyPr/>
+                    <a:lstStyle/>
+                    <a:p>
+                      <a:pPr algn="l" fontAlgn="ctr"/>
+                      <a:r>
+                        <a:rPr lang="en-US" sz="600" b="0" i="0" u="none" strike="noStrike">
+                          <a:solidFill>
+                            <a:srgbClr val="000000"/>
+                          </a:solidFill>
+                          <a:effectLst/>
+                          <a:latin typeface="맑은 고딕" panose="020B0503020000020004" pitchFamily="50" charset="-127"/>
+                          <a:ea typeface="맑은 고딕" panose="020B0503020000020004" pitchFamily="50" charset="-127"/>
+                        </a:rPr>
+                        <a:t>SP</a:t>
+                      </a:r>
+                    </a:p>
+                  </a:txBody>
+                  <a:tcPr marL="4301" marR="4301" marT="4301" marB="0" anchor="ctr">
+                    <a:lnL w="6350" cap="flat" cmpd="sng" algn="ctr">
+                      <a:solidFill>
+                        <a:srgbClr val="000000"/>
+                      </a:solidFill>
+                      <a:prstDash val="solid"/>
+                      <a:round/>
+                      <a:headEnd type="none" w="med" len="med"/>
+                      <a:tailEnd type="none" w="med" len="med"/>
+                    </a:lnL>
+                    <a:lnR w="6350" cap="flat" cmpd="sng" algn="ctr">
+                      <a:solidFill>
+                        <a:srgbClr val="000000"/>
+                      </a:solidFill>
+                      <a:prstDash val="solid"/>
+                      <a:round/>
+                      <a:headEnd type="none" w="med" len="med"/>
+                      <a:tailEnd type="none" w="med" len="med"/>
+                    </a:lnR>
+                    <a:lnT w="6350" cap="flat" cmpd="sng" algn="ctr">
+                      <a:solidFill>
+                        <a:srgbClr val="000000"/>
+                      </a:solidFill>
+                      <a:prstDash val="solid"/>
+                      <a:round/>
+                      <a:headEnd type="none" w="med" len="med"/>
+                      <a:tailEnd type="none" w="med" len="med"/>
+                    </a:lnT>
+                    <a:lnB w="6350" cap="flat" cmpd="sng" algn="ctr">
+                      <a:solidFill>
+                        <a:srgbClr val="000000"/>
+                      </a:solidFill>
+                      <a:prstDash val="solid"/>
+                      <a:round/>
+                      <a:headEnd type="none" w="med" len="med"/>
+                      <a:tailEnd type="none" w="med" len="med"/>
+                    </a:lnB>
+                    <a:solidFill>
+                      <a:srgbClr val="FFFFFF"/>
+                    </a:solidFill>
+                  </a:tcPr>
+                </a:tc>
+                <a:tc>
+                  <a:txBody>
+                    <a:bodyPr/>
+                    <a:lstStyle/>
+                    <a:p>
+                      <a:pPr algn="l" fontAlgn="ctr"/>
+                      <a:r>
+                        <a:rPr lang="en-US" sz="600" b="0" i="0" u="none" strike="noStrike">
+                          <a:solidFill>
+                            <a:srgbClr val="000000"/>
+                          </a:solidFill>
+                          <a:effectLst/>
+                          <a:latin typeface="맑은 고딕" panose="020B0503020000020004" pitchFamily="50" charset="-127"/>
+                          <a:ea typeface="맑은 고딕" panose="020B0503020000020004" pitchFamily="50" charset="-127"/>
+                        </a:rPr>
+                        <a:t>PR</a:t>
+                      </a:r>
+                    </a:p>
+                  </a:txBody>
+                  <a:tcPr marL="4301" marR="4301" marT="4301" marB="0" anchor="ctr">
+                    <a:lnL w="6350" cap="flat" cmpd="sng" algn="ctr">
+                      <a:solidFill>
+                        <a:srgbClr val="000000"/>
+                      </a:solidFill>
+                      <a:prstDash val="solid"/>
+                      <a:round/>
+                      <a:headEnd type="none" w="med" len="med"/>
+                      <a:tailEnd type="none" w="med" len="med"/>
+                    </a:lnL>
+                    <a:lnR w="6350" cap="flat" cmpd="sng" algn="ctr">
+                      <a:solidFill>
+                        <a:srgbClr val="000000"/>
+                      </a:solidFill>
+                      <a:prstDash val="solid"/>
+                      <a:round/>
+                      <a:headEnd type="none" w="med" len="med"/>
+                      <a:tailEnd type="none" w="med" len="med"/>
+                    </a:lnR>
+                    <a:lnT w="6350" cap="flat" cmpd="sng" algn="ctr">
+                      <a:solidFill>
+                        <a:srgbClr val="000000"/>
+                      </a:solidFill>
+                      <a:prstDash val="solid"/>
+                      <a:round/>
+                      <a:headEnd type="none" w="med" len="med"/>
+                      <a:tailEnd type="none" w="med" len="med"/>
+                    </a:lnT>
+                    <a:lnB w="6350" cap="flat" cmpd="sng" algn="ctr">
+                      <a:solidFill>
+                        <a:srgbClr val="000000"/>
+                      </a:solidFill>
+                      <a:prstDash val="solid"/>
+                      <a:round/>
+                      <a:headEnd type="none" w="med" len="med"/>
+                      <a:tailEnd type="none" w="med" len="med"/>
+                    </a:lnB>
+                    <a:solidFill>
+                      <a:srgbClr val="FFFFFF"/>
+                    </a:solidFill>
+                  </a:tcPr>
+                </a:tc>
+                <a:tc>
+                  <a:txBody>
+                    <a:bodyPr/>
+                    <a:lstStyle/>
+                    <a:p>
+                      <a:pPr algn="r" fontAlgn="ctr"/>
+                      <a:r>
+                        <a:rPr lang="en-US" altLang="ko-KR" sz="600" b="0" i="0" u="none" strike="noStrike">
+                          <a:solidFill>
+                            <a:srgbClr val="000000"/>
+                          </a:solidFill>
+                          <a:effectLst/>
+                          <a:latin typeface="맑은 고딕" panose="020B0503020000020004" pitchFamily="50" charset="-127"/>
+                          <a:ea typeface="맑은 고딕" panose="020B0503020000020004" pitchFamily="50" charset="-127"/>
+                        </a:rPr>
+                        <a:t>809</a:t>
+                      </a:r>
+                    </a:p>
+                  </a:txBody>
+                  <a:tcPr marL="4301" marR="4301" marT="4301" marB="0" anchor="ctr">
+                    <a:lnL w="6350" cap="flat" cmpd="sng" algn="ctr">
+                      <a:solidFill>
+                        <a:srgbClr val="000000"/>
+                      </a:solidFill>
+                      <a:prstDash val="solid"/>
+                      <a:round/>
+                      <a:headEnd type="none" w="med" len="med"/>
+                      <a:tailEnd type="none" w="med" len="med"/>
+                    </a:lnL>
+                    <a:lnR w="6350" cap="flat" cmpd="sng" algn="ctr">
+                      <a:solidFill>
+                        <a:srgbClr val="000000"/>
+                      </a:solidFill>
+                      <a:prstDash val="solid"/>
+                      <a:round/>
+                      <a:headEnd type="none" w="med" len="med"/>
+                      <a:tailEnd type="none" w="med" len="med"/>
+                    </a:lnR>
+                    <a:lnT w="6350" cap="flat" cmpd="sng" algn="ctr">
+                      <a:solidFill>
+                        <a:srgbClr val="000000"/>
+                      </a:solidFill>
+                      <a:prstDash val="solid"/>
+                      <a:round/>
+                      <a:headEnd type="none" w="med" len="med"/>
+                      <a:tailEnd type="none" w="med" len="med"/>
+                    </a:lnT>
+                    <a:lnB w="6350" cap="flat" cmpd="sng" algn="ctr">
+                      <a:solidFill>
+                        <a:srgbClr val="000000"/>
+                      </a:solidFill>
+                      <a:prstDash val="solid"/>
+                      <a:round/>
+                      <a:headEnd type="none" w="med" len="med"/>
+                      <a:tailEnd type="none" w="med" len="med"/>
+                    </a:lnB>
+                    <a:solidFill>
+                      <a:srgbClr val="FFFFFF"/>
+                    </a:solidFill>
+                  </a:tcPr>
+                </a:tc>
+                <a:tc>
+                  <a:txBody>
+                    <a:bodyPr/>
+                    <a:lstStyle/>
+                    <a:p>
+                      <a:pPr algn="r" fontAlgn="ctr"/>
+                      <a:r>
+                        <a:rPr lang="en-US" altLang="ko-KR" sz="600" b="0" i="0" u="none" strike="noStrike">
+                          <a:solidFill>
+                            <a:srgbClr val="000000"/>
+                          </a:solidFill>
+                          <a:effectLst/>
+                          <a:latin typeface="맑은 고딕" panose="020B0503020000020004" pitchFamily="50" charset="-127"/>
+                          <a:ea typeface="맑은 고딕" panose="020B0503020000020004" pitchFamily="50" charset="-127"/>
+                        </a:rPr>
+                        <a:t>2017</a:t>
+                      </a:r>
+                    </a:p>
+                  </a:txBody>
+                  <a:tcPr marL="4301" marR="4301" marT="4301" marB="0" anchor="ctr">
+                    <a:lnL w="6350" cap="flat" cmpd="sng" algn="ctr">
+                      <a:solidFill>
+                        <a:srgbClr val="000000"/>
+                      </a:solidFill>
+                      <a:prstDash val="solid"/>
+                      <a:round/>
+                      <a:headEnd type="none" w="med" len="med"/>
+                      <a:tailEnd type="none" w="med" len="med"/>
+                    </a:lnL>
+                    <a:lnR w="6350" cap="flat" cmpd="sng" algn="ctr">
+                      <a:solidFill>
+                        <a:srgbClr val="000000"/>
+                      </a:solidFill>
+                      <a:prstDash val="solid"/>
+                      <a:round/>
+                      <a:headEnd type="none" w="med" len="med"/>
+                      <a:tailEnd type="none" w="med" len="med"/>
+                    </a:lnR>
+                    <a:lnT w="6350" cap="flat" cmpd="sng" algn="ctr">
+                      <a:solidFill>
+                        <a:srgbClr val="000000"/>
+                      </a:solidFill>
+                      <a:prstDash val="solid"/>
+                      <a:round/>
+                      <a:headEnd type="none" w="med" len="med"/>
+                      <a:tailEnd type="none" w="med" len="med"/>
+                    </a:lnT>
+                    <a:lnB w="6350" cap="flat" cmpd="sng" algn="ctr">
+                      <a:solidFill>
+                        <a:srgbClr val="000000"/>
+                      </a:solidFill>
+                      <a:prstDash val="solid"/>
+                      <a:round/>
+                      <a:headEnd type="none" w="med" len="med"/>
+                      <a:tailEnd type="none" w="med" len="med"/>
+                    </a:lnB>
+                    <a:solidFill>
+                      <a:srgbClr val="FFFFFF"/>
+                    </a:solidFill>
+                  </a:tcPr>
+                </a:tc>
+                <a:tc>
+                  <a:txBody>
+                    <a:bodyPr/>
+                    <a:lstStyle/>
+                    <a:p>
+                      <a:pPr algn="r" fontAlgn="ctr"/>
+                      <a:r>
+                        <a:rPr lang="en-US" altLang="ko-KR" sz="600" b="0" i="0" u="none" strike="noStrike">
+                          <a:solidFill>
+                            <a:srgbClr val="000000"/>
+                          </a:solidFill>
+                          <a:effectLst/>
+                          <a:latin typeface="맑은 고딕" panose="020B0503020000020004" pitchFamily="50" charset="-127"/>
+                          <a:ea typeface="맑은 고딕" panose="020B0503020000020004" pitchFamily="50" charset="-127"/>
+                        </a:rPr>
+                        <a:t>2</a:t>
+                      </a:r>
+                    </a:p>
+                  </a:txBody>
+                  <a:tcPr marL="4301" marR="4301" marT="4301" marB="0" anchor="ctr">
+                    <a:lnL w="6350" cap="flat" cmpd="sng" algn="ctr">
+                      <a:solidFill>
+                        <a:srgbClr val="000000"/>
+                      </a:solidFill>
+                      <a:prstDash val="solid"/>
+                      <a:round/>
+                      <a:headEnd type="none" w="med" len="med"/>
+                      <a:tailEnd type="none" w="med" len="med"/>
+                    </a:lnL>
+                    <a:lnR w="6350" cap="flat" cmpd="sng" algn="ctr">
+                      <a:solidFill>
+                        <a:srgbClr val="000000"/>
+                      </a:solidFill>
+                      <a:prstDash val="solid"/>
+                      <a:round/>
+                      <a:headEnd type="none" w="med" len="med"/>
+                      <a:tailEnd type="none" w="med" len="med"/>
+                    </a:lnR>
+                    <a:lnT w="6350" cap="flat" cmpd="sng" algn="ctr">
+                      <a:solidFill>
+                        <a:srgbClr val="000000"/>
+                      </a:solidFill>
+                      <a:prstDash val="solid"/>
+                      <a:round/>
+                      <a:headEnd type="none" w="med" len="med"/>
+                      <a:tailEnd type="none" w="med" len="med"/>
+                    </a:lnT>
+                    <a:lnB w="6350" cap="flat" cmpd="sng" algn="ctr">
+                      <a:solidFill>
+                        <a:srgbClr val="000000"/>
+                      </a:solidFill>
+                      <a:prstDash val="solid"/>
+                      <a:round/>
+                      <a:headEnd type="none" w="med" len="med"/>
+                      <a:tailEnd type="none" w="med" len="med"/>
+                    </a:lnB>
+                    <a:solidFill>
+                      <a:srgbClr val="FFFFFF"/>
+                    </a:solidFill>
+                  </a:tcPr>
+                </a:tc>
+                <a:tc>
+                  <a:txBody>
+                    <a:bodyPr/>
+                    <a:lstStyle/>
+                    <a:p>
+                      <a:pPr algn="r" fontAlgn="ctr"/>
+                      <a:r>
+                        <a:rPr lang="en-US" altLang="ko-KR" sz="600" b="0" i="0" u="none" strike="noStrike">
+                          <a:solidFill>
+                            <a:srgbClr val="000000"/>
+                          </a:solidFill>
+                          <a:effectLst/>
+                          <a:latin typeface="맑은 고딕" panose="020B0503020000020004" pitchFamily="50" charset="-127"/>
+                          <a:ea typeface="맑은 고딕" panose="020B0503020000020004" pitchFamily="50" charset="-127"/>
+                        </a:rPr>
+                        <a:t>4</a:t>
+                      </a:r>
+                    </a:p>
+                  </a:txBody>
+                  <a:tcPr marL="4301" marR="4301" marT="4301" marB="0" anchor="ctr">
+                    <a:lnL w="6350" cap="flat" cmpd="sng" algn="ctr">
+                      <a:solidFill>
+                        <a:srgbClr val="000000"/>
+                      </a:solidFill>
+                      <a:prstDash val="solid"/>
+                      <a:round/>
+                      <a:headEnd type="none" w="med" len="med"/>
+                      <a:tailEnd type="none" w="med" len="med"/>
+                    </a:lnL>
+                    <a:lnR w="6350" cap="flat" cmpd="sng" algn="ctr">
+                      <a:solidFill>
+                        <a:srgbClr val="000000"/>
+                      </a:solidFill>
+                      <a:prstDash val="solid"/>
+                      <a:round/>
+                      <a:headEnd type="none" w="med" len="med"/>
+                      <a:tailEnd type="none" w="med" len="med"/>
+                    </a:lnR>
+                    <a:lnT w="6350" cap="flat" cmpd="sng" algn="ctr">
+                      <a:solidFill>
+                        <a:srgbClr val="000000"/>
+                      </a:solidFill>
+                      <a:prstDash val="solid"/>
+                      <a:round/>
+                      <a:headEnd type="none" w="med" len="med"/>
+                      <a:tailEnd type="none" w="med" len="med"/>
+                    </a:lnT>
+                    <a:lnB w="6350" cap="flat" cmpd="sng" algn="ctr">
+                      <a:solidFill>
+                        <a:srgbClr val="000000"/>
+                      </a:solidFill>
+                      <a:prstDash val="solid"/>
+                      <a:round/>
+                      <a:headEnd type="none" w="med" len="med"/>
+                      <a:tailEnd type="none" w="med" len="med"/>
+                    </a:lnB>
+                    <a:solidFill>
+                      <a:srgbClr val="FFFFFF"/>
+                    </a:solidFill>
+                  </a:tcPr>
+                </a:tc>
+                <a:tc>
+                  <a:txBody>
+                    <a:bodyPr/>
+                    <a:lstStyle/>
+                    <a:p>
+                      <a:pPr algn="r" fontAlgn="ctr"/>
+                      <a:r>
+                        <a:rPr lang="en-US" altLang="ko-KR" sz="600" b="0" i="0" u="none" strike="noStrike">
+                          <a:solidFill>
+                            <a:srgbClr val="000000"/>
+                          </a:solidFill>
+                          <a:effectLst/>
+                          <a:latin typeface="맑은 고딕" panose="020B0503020000020004" pitchFamily="50" charset="-127"/>
+                          <a:ea typeface="맑은 고딕" panose="020B0503020000020004" pitchFamily="50" charset="-127"/>
+                        </a:rPr>
+                        <a:t>5</a:t>
+                      </a:r>
+                    </a:p>
+                  </a:txBody>
+                  <a:tcPr marL="4301" marR="4301" marT="4301" marB="0" anchor="ctr">
+                    <a:lnL w="6350" cap="flat" cmpd="sng" algn="ctr">
+                      <a:solidFill>
+                        <a:srgbClr val="000000"/>
+                      </a:solidFill>
+                      <a:prstDash val="solid"/>
+                      <a:round/>
+                      <a:headEnd type="none" w="med" len="med"/>
+                      <a:tailEnd type="none" w="med" len="med"/>
+                    </a:lnL>
+                    <a:lnR w="6350" cap="flat" cmpd="sng" algn="ctr">
+                      <a:solidFill>
+                        <a:srgbClr val="000000"/>
+                      </a:solidFill>
+                      <a:prstDash val="solid"/>
+                      <a:round/>
+                      <a:headEnd type="none" w="med" len="med"/>
+                      <a:tailEnd type="none" w="med" len="med"/>
+                    </a:lnR>
+                    <a:lnT w="6350" cap="flat" cmpd="sng" algn="ctr">
+                      <a:solidFill>
+                        <a:srgbClr val="000000"/>
+                      </a:solidFill>
+                      <a:prstDash val="solid"/>
+                      <a:round/>
+                      <a:headEnd type="none" w="med" len="med"/>
+                      <a:tailEnd type="none" w="med" len="med"/>
+                    </a:lnT>
+                    <a:lnB w="6350" cap="flat" cmpd="sng" algn="ctr">
+                      <a:solidFill>
+                        <a:srgbClr val="000000"/>
+                      </a:solidFill>
+                      <a:prstDash val="solid"/>
+                      <a:round/>
+                      <a:headEnd type="none" w="med" len="med"/>
+                      <a:tailEnd type="none" w="med" len="med"/>
+                    </a:lnB>
+                    <a:solidFill>
+                      <a:srgbClr val="FFFFFF"/>
+                    </a:solidFill>
+                  </a:tcPr>
+                </a:tc>
+                <a:tc>
+                  <a:txBody>
+                    <a:bodyPr/>
+                    <a:lstStyle/>
+                    <a:p>
+                      <a:pPr algn="r" fontAlgn="ctr"/>
+                      <a:r>
+                        <a:rPr lang="en-US" altLang="ko-KR" sz="600" b="0" i="0" u="none" strike="noStrike">
+                          <a:solidFill>
+                            <a:srgbClr val="000000"/>
+                          </a:solidFill>
+                          <a:effectLst/>
+                          <a:latin typeface="맑은 고딕" panose="020B0503020000020004" pitchFamily="50" charset="-127"/>
+                          <a:ea typeface="맑은 고딕" panose="020B0503020000020004" pitchFamily="50" charset="-127"/>
+                        </a:rPr>
+                        <a:t>13</a:t>
+                      </a:r>
+                    </a:p>
+                  </a:txBody>
+                  <a:tcPr marL="4301" marR="4301" marT="4301" marB="0" anchor="ctr">
+                    <a:lnL w="6350" cap="flat" cmpd="sng" algn="ctr">
+                      <a:solidFill>
+                        <a:srgbClr val="000000"/>
+                      </a:solidFill>
+                      <a:prstDash val="solid"/>
+                      <a:round/>
+                      <a:headEnd type="none" w="med" len="med"/>
+                      <a:tailEnd type="none" w="med" len="med"/>
+                    </a:lnL>
+                    <a:lnR w="6350" cap="flat" cmpd="sng" algn="ctr">
+                      <a:solidFill>
+                        <a:srgbClr val="000000"/>
+                      </a:solidFill>
+                      <a:prstDash val="solid"/>
+                      <a:round/>
+                      <a:headEnd type="none" w="med" len="med"/>
+                      <a:tailEnd type="none" w="med" len="med"/>
+                    </a:lnR>
+                    <a:lnT w="6350" cap="flat" cmpd="sng" algn="ctr">
+                      <a:solidFill>
+                        <a:srgbClr val="000000"/>
+                      </a:solidFill>
+                      <a:prstDash val="solid"/>
+                      <a:round/>
+                      <a:headEnd type="none" w="med" len="med"/>
+                      <a:tailEnd type="none" w="med" len="med"/>
+                    </a:lnT>
+                    <a:lnB w="6350" cap="flat" cmpd="sng" algn="ctr">
+                      <a:solidFill>
+                        <a:srgbClr val="000000"/>
+                      </a:solidFill>
+                      <a:prstDash val="solid"/>
+                      <a:round/>
+                      <a:headEnd type="none" w="med" len="med"/>
+                      <a:tailEnd type="none" w="med" len="med"/>
+                    </a:lnB>
+                    <a:solidFill>
+                      <a:srgbClr val="FFFFFF"/>
+                    </a:solidFill>
+                  </a:tcPr>
+                </a:tc>
+                <a:tc>
+                  <a:txBody>
+                    <a:bodyPr/>
+                    <a:lstStyle/>
+                    <a:p>
+                      <a:pPr algn="r" fontAlgn="ctr"/>
+                      <a:r>
+                        <a:rPr lang="en-US" altLang="ko-KR" sz="600" b="0" i="0" u="none" strike="noStrike" dirty="0">
+                          <a:solidFill>
+                            <a:srgbClr val="000000"/>
+                          </a:solidFill>
+                          <a:effectLst/>
+                          <a:latin typeface="맑은 고딕" panose="020B0503020000020004" pitchFamily="50" charset="-127"/>
+                          <a:ea typeface="맑은 고딕" panose="020B0503020000020004" pitchFamily="50" charset="-127"/>
+                        </a:rPr>
+                        <a:t>42000</a:t>
+                      </a:r>
+                    </a:p>
+                  </a:txBody>
+                  <a:tcPr marL="4301" marR="4301" marT="4301" marB="0" anchor="ctr">
+                    <a:lnL w="6350" cap="flat" cmpd="sng" algn="ctr">
+                      <a:solidFill>
+                        <a:srgbClr val="000000"/>
+                      </a:solidFill>
+                      <a:prstDash val="solid"/>
+                      <a:round/>
+                      <a:headEnd type="none" w="med" len="med"/>
+                      <a:tailEnd type="none" w="med" len="med"/>
+                    </a:lnL>
+                    <a:lnR w="6350" cap="flat" cmpd="sng" algn="ctr">
+                      <a:solidFill>
+                        <a:srgbClr val="000000"/>
+                      </a:solidFill>
+                      <a:prstDash val="solid"/>
+                      <a:round/>
+                      <a:headEnd type="none" w="med" len="med"/>
+                      <a:tailEnd type="none" w="med" len="med"/>
+                    </a:lnR>
+                    <a:lnT w="6350" cap="flat" cmpd="sng" algn="ctr">
+                      <a:solidFill>
+                        <a:srgbClr val="000000"/>
+                      </a:solidFill>
+                      <a:prstDash val="solid"/>
+                      <a:round/>
+                      <a:headEnd type="none" w="med" len="med"/>
+                      <a:tailEnd type="none" w="med" len="med"/>
+                    </a:lnT>
+                    <a:lnB w="6350" cap="flat" cmpd="sng" algn="ctr">
+                      <a:solidFill>
+                        <a:srgbClr val="000000"/>
+                      </a:solidFill>
+                      <a:prstDash val="solid"/>
+                      <a:round/>
+                      <a:headEnd type="none" w="med" len="med"/>
+                      <a:tailEnd type="none" w="med" len="med"/>
+                    </a:lnB>
+                    <a:solidFill>
+                      <a:srgbClr val="FFFFFF"/>
+                    </a:solidFill>
+                  </a:tcPr>
+                </a:tc>
+                <a:extLst>
+                  <a:ext uri="{0D108BD9-81ED-4DB2-BD59-A6C34878D82A}">
+                    <a16:rowId xmlns:a16="http://schemas.microsoft.com/office/drawing/2014/main" val="3984121141"/>
+                  </a:ext>
+                </a:extLst>
+              </a:tr>
+            </a:tbl>
+          </a:graphicData>
+        </a:graphic>
+      </p:graphicFrame>
+      <p:graphicFrame>
+        <p:nvGraphicFramePr>
+          <p:cNvPr id="6" name="표 5">
+            <a:extLst>
+              <a:ext uri="{FF2B5EF4-FFF2-40B4-BE49-F238E27FC236}">
+                <a16:creationId xmlns:a16="http://schemas.microsoft.com/office/drawing/2014/main" id="{7488CA67-9D78-47E4-B04B-57006E33D546}"/>
+              </a:ext>
+            </a:extLst>
+          </p:cNvPr>
+          <p:cNvGraphicFramePr>
+            <a:graphicFrameLocks noGrp="1"/>
+          </p:cNvGraphicFramePr>
+          <p:nvPr/>
+        </p:nvGraphicFramePr>
+        <p:xfrm>
+          <a:off x="1752599" y="2400648"/>
+          <a:ext cx="3993777" cy="3354694"/>
+        </p:xfrm>
+        <a:graphic>
+          <a:graphicData uri="http://schemas.openxmlformats.org/drawingml/2006/table">
+            <a:tbl>
+              <a:tblPr/>
+              <a:tblGrid>
+                <a:gridCol w="1763918">
+                  <a:extLst>
+                    <a:ext uri="{9D8B030D-6E8A-4147-A177-3AD203B41FA5}">
+                      <a16:colId xmlns:a16="http://schemas.microsoft.com/office/drawing/2014/main" val="59406197"/>
+                    </a:ext>
+                  </a:extLst>
+                </a:gridCol>
+                <a:gridCol w="865318">
+                  <a:extLst>
+                    <a:ext uri="{9D8B030D-6E8A-4147-A177-3AD203B41FA5}">
+                      <a16:colId xmlns:a16="http://schemas.microsoft.com/office/drawing/2014/main" val="437839268"/>
+                    </a:ext>
+                  </a:extLst>
+                </a:gridCol>
+                <a:gridCol w="1364541">
+                  <a:extLst>
+                    <a:ext uri="{9D8B030D-6E8A-4147-A177-3AD203B41FA5}">
+                      <a16:colId xmlns:a16="http://schemas.microsoft.com/office/drawing/2014/main" val="3361682307"/>
+                    </a:ext>
+                  </a:extLst>
+                </a:gridCol>
+              </a:tblGrid>
+              <a:tr h="255793">
+                <a:tc>
+                  <a:txBody>
+                    <a:bodyPr/>
+                    <a:lstStyle/>
+                    <a:p>
+                      <a:pPr algn="ctr" fontAlgn="ctr"/>
+                      <a:r>
+                        <a:rPr lang="ko-KR" altLang="en-US" sz="1200" b="0" i="0" u="none" strike="noStrike" dirty="0">
+                          <a:solidFill>
+                            <a:srgbClr val="000000"/>
+                          </a:solidFill>
+                          <a:effectLst/>
+                          <a:latin typeface="맑은 고딕" panose="020B0503020000020004" pitchFamily="50" charset="-127"/>
+                          <a:ea typeface="맑은 고딕" panose="020B0503020000020004" pitchFamily="50" charset="-127"/>
+                        </a:rPr>
+                        <a:t>항목명</a:t>
+                      </a:r>
+                    </a:p>
+                  </a:txBody>
+                  <a:tcPr marL="7620" marR="7620" marT="7620" marB="0" anchor="ctr">
+                    <a:lnL w="6350" cap="flat" cmpd="sng" algn="ctr">
+                      <a:solidFill>
+                        <a:srgbClr val="000000"/>
+                      </a:solidFill>
+                      <a:prstDash val="solid"/>
+                      <a:round/>
+                      <a:headEnd type="none" w="med" len="med"/>
+                      <a:tailEnd type="none" w="med" len="med"/>
+                    </a:lnL>
+                    <a:lnR w="6350" cap="flat" cmpd="sng" algn="ctr">
+                      <a:solidFill>
+                        <a:srgbClr val="000000"/>
+                      </a:solidFill>
+                      <a:prstDash val="solid"/>
+                      <a:round/>
+                      <a:headEnd type="none" w="med" len="med"/>
+                      <a:tailEnd type="none" w="med" len="med"/>
+                    </a:lnR>
+                    <a:lnT w="6350" cap="flat" cmpd="sng" algn="ctr">
+                      <a:solidFill>
+                        <a:srgbClr val="000000"/>
+                      </a:solidFill>
+                      <a:prstDash val="solid"/>
+                      <a:round/>
+                      <a:headEnd type="none" w="med" len="med"/>
+                      <a:tailEnd type="none" w="med" len="med"/>
+                    </a:lnT>
+                    <a:lnB w="6350" cap="flat" cmpd="sng" algn="ctr">
+                      <a:solidFill>
+                        <a:srgbClr val="000000"/>
+                      </a:solidFill>
+                      <a:prstDash val="solid"/>
+                      <a:round/>
+                      <a:headEnd type="none" w="med" len="med"/>
+                      <a:tailEnd type="none" w="med" len="med"/>
+                    </a:lnB>
+                    <a:solidFill>
+                      <a:srgbClr val="C6E0B4"/>
+                    </a:solidFill>
+                  </a:tcPr>
+                </a:tc>
+                <a:tc>
+                  <a:txBody>
+                    <a:bodyPr/>
+                    <a:lstStyle/>
+                    <a:p>
+                      <a:pPr algn="ctr" fontAlgn="ctr"/>
+                      <a:r>
+                        <a:rPr lang="ko-KR" altLang="en-US" sz="1200" b="0" i="0" u="none" strike="noStrike" dirty="0">
+                          <a:solidFill>
+                            <a:srgbClr val="000000"/>
+                          </a:solidFill>
+                          <a:effectLst/>
+                          <a:latin typeface="맑은 고딕" panose="020B0503020000020004" pitchFamily="50" charset="-127"/>
+                          <a:ea typeface="맑은 고딕" panose="020B0503020000020004" pitchFamily="50" charset="-127"/>
+                        </a:rPr>
+                        <a:t>단계</a:t>
+                      </a:r>
+                    </a:p>
+                  </a:txBody>
+                  <a:tcPr marL="7620" marR="7620" marT="7620" marB="0" anchor="ctr">
+                    <a:lnL w="6350" cap="flat" cmpd="sng" algn="ctr">
+                      <a:solidFill>
+                        <a:srgbClr val="000000"/>
+                      </a:solidFill>
+                      <a:prstDash val="solid"/>
+                      <a:round/>
+                      <a:headEnd type="none" w="med" len="med"/>
+                      <a:tailEnd type="none" w="med" len="med"/>
+                    </a:lnL>
+                    <a:lnR w="6350" cap="flat" cmpd="sng" algn="ctr">
+                      <a:solidFill>
+                        <a:srgbClr val="000000"/>
+                      </a:solidFill>
+                      <a:prstDash val="solid"/>
+                      <a:round/>
+                      <a:headEnd type="none" w="med" len="med"/>
+                      <a:tailEnd type="none" w="med" len="med"/>
+                    </a:lnR>
+                    <a:lnT w="6350" cap="flat" cmpd="sng" algn="ctr">
+                      <a:solidFill>
+                        <a:srgbClr val="000000"/>
+                      </a:solidFill>
+                      <a:prstDash val="solid"/>
+                      <a:round/>
+                      <a:headEnd type="none" w="med" len="med"/>
+                      <a:tailEnd type="none" w="med" len="med"/>
+                    </a:lnT>
+                    <a:lnB w="6350" cap="flat" cmpd="sng" algn="ctr">
+                      <a:solidFill>
+                        <a:srgbClr val="000000"/>
+                      </a:solidFill>
+                      <a:prstDash val="solid"/>
+                      <a:round/>
+                      <a:headEnd type="none" w="med" len="med"/>
+                      <a:tailEnd type="none" w="med" len="med"/>
+                    </a:lnB>
+                    <a:solidFill>
+                      <a:srgbClr val="C6E0B4"/>
+                    </a:solidFill>
+                  </a:tcPr>
+                </a:tc>
+                <a:tc>
+                  <a:txBody>
+                    <a:bodyPr/>
+                    <a:lstStyle/>
+                    <a:p>
+                      <a:pPr algn="ctr" fontAlgn="ctr"/>
+                      <a:r>
+                        <a:rPr lang="ko-KR" altLang="en-US" sz="1200" b="0" i="0" u="none" strike="noStrike" dirty="0">
+                          <a:solidFill>
+                            <a:srgbClr val="000000"/>
+                          </a:solidFill>
+                          <a:effectLst/>
+                          <a:latin typeface="맑은 고딕" panose="020B0503020000020004" pitchFamily="50" charset="-127"/>
+                          <a:ea typeface="맑은 고딕" panose="020B0503020000020004" pitchFamily="50" charset="-127"/>
+                        </a:rPr>
+                        <a:t>사용</a:t>
+                      </a:r>
+                    </a:p>
+                  </a:txBody>
+                  <a:tcPr marL="7620" marR="7620" marT="7620" marB="0" anchor="ctr">
+                    <a:lnL w="6350" cap="flat" cmpd="sng" algn="ctr">
+                      <a:solidFill>
+                        <a:srgbClr val="000000"/>
+                      </a:solidFill>
+                      <a:prstDash val="solid"/>
+                      <a:round/>
+                      <a:headEnd type="none" w="med" len="med"/>
+                      <a:tailEnd type="none" w="med" len="med"/>
+                    </a:lnL>
+                    <a:lnR w="6350" cap="flat" cmpd="sng" algn="ctr">
+                      <a:solidFill>
+                        <a:srgbClr val="000000"/>
+                      </a:solidFill>
+                      <a:prstDash val="solid"/>
+                      <a:round/>
+                      <a:headEnd type="none" w="med" len="med"/>
+                      <a:tailEnd type="none" w="med" len="med"/>
+                    </a:lnR>
+                    <a:lnT w="6350" cap="flat" cmpd="sng" algn="ctr">
+                      <a:solidFill>
+                        <a:srgbClr val="000000"/>
+                      </a:solidFill>
+                      <a:prstDash val="solid"/>
+                      <a:round/>
+                      <a:headEnd type="none" w="med" len="med"/>
+                      <a:tailEnd type="none" w="med" len="med"/>
+                    </a:lnT>
+                    <a:lnB w="6350" cap="flat" cmpd="sng" algn="ctr">
+                      <a:solidFill>
+                        <a:srgbClr val="000000"/>
+                      </a:solidFill>
+                      <a:prstDash val="solid"/>
+                      <a:round/>
+                      <a:headEnd type="none" w="med" len="med"/>
+                      <a:tailEnd type="none" w="med" len="med"/>
+                    </a:lnB>
+                    <a:solidFill>
+                      <a:srgbClr val="C6E0B4"/>
+                    </a:solidFill>
+                  </a:tcPr>
+                </a:tc>
+                <a:extLst>
+                  <a:ext uri="{0D108BD9-81ED-4DB2-BD59-A6C34878D82A}">
+                    <a16:rowId xmlns:a16="http://schemas.microsoft.com/office/drawing/2014/main" val="1434284234"/>
+                  </a:ext>
+                </a:extLst>
+              </a:tr>
+              <a:tr h="238377">
+                <a:tc>
+                  <a:txBody>
+                    <a:bodyPr/>
+                    <a:lstStyle/>
+                    <a:p>
+                      <a:pPr algn="l" fontAlgn="ctr"/>
+                      <a:r>
+                        <a:rPr lang="en-US" sz="1200" b="0" i="0" u="none" strike="noStrike" dirty="0">
+                          <a:solidFill>
+                            <a:srgbClr val="000000"/>
+                          </a:solidFill>
+                          <a:effectLst/>
+                          <a:latin typeface="맑은 고딕" panose="020B0503020000020004" pitchFamily="50" charset="-127"/>
+                          <a:ea typeface="맑은 고딕" panose="020B0503020000020004" pitchFamily="50" charset="-127"/>
+                        </a:rPr>
+                        <a:t>price</a:t>
+                      </a:r>
+                    </a:p>
+                  </a:txBody>
+                  <a:tcPr marL="7620" marR="7620" marT="7620" marB="0" anchor="ctr">
+                    <a:lnL w="6350" cap="flat" cmpd="sng" algn="ctr">
+                      <a:solidFill>
+                        <a:srgbClr val="000000"/>
+                      </a:solidFill>
+                      <a:prstDash val="solid"/>
+                      <a:round/>
+                      <a:headEnd type="none" w="med" len="med"/>
+                      <a:tailEnd type="none" w="med" len="med"/>
+                    </a:lnL>
+                    <a:lnR w="6350" cap="flat" cmpd="sng" algn="ctr">
+                      <a:solidFill>
+                        <a:srgbClr val="000000"/>
+                      </a:solidFill>
+                      <a:prstDash val="solid"/>
+                      <a:round/>
+                      <a:headEnd type="none" w="med" len="med"/>
+                      <a:tailEnd type="none" w="med" len="med"/>
+                    </a:lnR>
+                    <a:lnT w="6350" cap="flat" cmpd="sng" algn="ctr">
+                      <a:solidFill>
+                        <a:srgbClr val="000000"/>
+                      </a:solidFill>
+                      <a:prstDash val="solid"/>
+                      <a:round/>
+                      <a:headEnd type="none" w="med" len="med"/>
+                      <a:tailEnd type="none" w="med" len="med"/>
+                    </a:lnT>
+                    <a:lnB w="6350" cap="flat" cmpd="sng" algn="ctr">
+                      <a:solidFill>
+                        <a:srgbClr val="000000"/>
+                      </a:solidFill>
+                      <a:prstDash val="solid"/>
+                      <a:round/>
+                      <a:headEnd type="none" w="med" len="med"/>
+                      <a:tailEnd type="none" w="med" len="med"/>
+                    </a:lnB>
+                    <a:solidFill>
+                      <a:srgbClr val="FFFFFF"/>
+                    </a:solidFill>
+                  </a:tcPr>
+                </a:tc>
+                <a:tc rowSpan="5">
+                  <a:txBody>
+                    <a:bodyPr/>
+                    <a:lstStyle/>
+                    <a:p>
+                      <a:pPr algn="l" fontAlgn="ctr"/>
+                      <a:r>
+                        <a:rPr lang="ko-KR" altLang="en-US" sz="1200" b="0" i="0" u="none" strike="noStrike" dirty="0">
+                          <a:solidFill>
+                            <a:srgbClr val="000000"/>
+                          </a:solidFill>
+                          <a:effectLst/>
+                          <a:latin typeface="맑은 고딕" panose="020B0503020000020004" pitchFamily="50" charset="-127"/>
+                          <a:ea typeface="맑은 고딕" panose="020B0503020000020004" pitchFamily="50" charset="-127"/>
+                        </a:rPr>
+                        <a:t>정규화</a:t>
+                      </a:r>
+                    </a:p>
+                  </a:txBody>
+                  <a:tcPr marL="7620" marR="7620" marT="7620" marB="0" anchor="ctr">
+                    <a:lnL w="6350" cap="flat" cmpd="sng" algn="ctr">
+                      <a:solidFill>
+                        <a:srgbClr val="000000"/>
+                      </a:solidFill>
+                      <a:prstDash val="solid"/>
+                      <a:round/>
+                      <a:headEnd type="none" w="med" len="med"/>
+                      <a:tailEnd type="none" w="med" len="med"/>
+                    </a:lnL>
+                    <a:lnR w="6350" cap="flat" cmpd="sng" algn="ctr">
+                      <a:solidFill>
+                        <a:srgbClr val="000000"/>
+                      </a:solidFill>
+                      <a:prstDash val="solid"/>
+                      <a:round/>
+                      <a:headEnd type="none" w="med" len="med"/>
+                      <a:tailEnd type="none" w="med" len="med"/>
+                    </a:lnR>
+                    <a:lnT w="6350" cap="flat" cmpd="sng" algn="ctr">
+                      <a:solidFill>
+                        <a:srgbClr val="000000"/>
+                      </a:solidFill>
+                      <a:prstDash val="solid"/>
+                      <a:round/>
+                      <a:headEnd type="none" w="med" len="med"/>
+                      <a:tailEnd type="none" w="med" len="med"/>
+                    </a:lnT>
+                    <a:lnB w="6350" cap="flat" cmpd="sng" algn="ctr">
+                      <a:solidFill>
+                        <a:srgbClr val="000000"/>
+                      </a:solidFill>
+                      <a:prstDash val="solid"/>
+                      <a:round/>
+                      <a:headEnd type="none" w="med" len="med"/>
+                      <a:tailEnd type="none" w="med" len="med"/>
+                    </a:lnB>
+                    <a:solidFill>
+                      <a:srgbClr val="FFFFFF"/>
+                    </a:solidFill>
+                  </a:tcPr>
+                </a:tc>
+                <a:tc rowSpan="5">
+                  <a:txBody>
+                    <a:bodyPr/>
+                    <a:lstStyle/>
+                    <a:p>
+                      <a:pPr algn="l" fontAlgn="ctr"/>
+                      <a:r>
+                        <a:rPr lang="en-US" sz="1200" b="0" i="0" u="none" strike="noStrike">
+                          <a:solidFill>
+                            <a:srgbClr val="000000"/>
+                          </a:solidFill>
+                          <a:effectLst/>
+                          <a:latin typeface="맑은 고딕" panose="020B0503020000020004" pitchFamily="50" charset="-127"/>
+                          <a:ea typeface="맑은 고딕" panose="020B0503020000020004" pitchFamily="50" charset="-127"/>
+                        </a:rPr>
+                        <a:t>StandardScaler</a:t>
+                      </a:r>
+                    </a:p>
+                  </a:txBody>
+                  <a:tcPr marL="7620" marR="7620" marT="7620" marB="0" anchor="ctr">
+                    <a:lnL w="6350" cap="flat" cmpd="sng" algn="ctr">
+                      <a:solidFill>
+                        <a:srgbClr val="000000"/>
+                      </a:solidFill>
+                      <a:prstDash val="solid"/>
+                      <a:round/>
+                      <a:headEnd type="none" w="med" len="med"/>
+                      <a:tailEnd type="none" w="med" len="med"/>
+                    </a:lnL>
+                    <a:lnR w="6350" cap="flat" cmpd="sng" algn="ctr">
+                      <a:solidFill>
+                        <a:srgbClr val="000000"/>
+                      </a:solidFill>
+                      <a:prstDash val="solid"/>
+                      <a:round/>
+                      <a:headEnd type="none" w="med" len="med"/>
+                      <a:tailEnd type="none" w="med" len="med"/>
+                    </a:lnR>
+                    <a:lnT w="6350" cap="flat" cmpd="sng" algn="ctr">
+                      <a:solidFill>
+                        <a:srgbClr val="000000"/>
+                      </a:solidFill>
+                      <a:prstDash val="solid"/>
+                      <a:round/>
+                      <a:headEnd type="none" w="med" len="med"/>
+                      <a:tailEnd type="none" w="med" len="med"/>
+                    </a:lnT>
+                    <a:lnB w="6350" cap="flat" cmpd="sng" algn="ctr">
+                      <a:solidFill>
+                        <a:srgbClr val="000000"/>
+                      </a:solidFill>
+                      <a:prstDash val="solid"/>
+                      <a:round/>
+                      <a:headEnd type="none" w="med" len="med"/>
+                      <a:tailEnd type="none" w="med" len="med"/>
+                    </a:lnB>
+                    <a:solidFill>
+                      <a:srgbClr val="FFFFFF"/>
+                    </a:solidFill>
+                  </a:tcPr>
+                </a:tc>
+                <a:extLst>
+                  <a:ext uri="{0D108BD9-81ED-4DB2-BD59-A6C34878D82A}">
+                    <a16:rowId xmlns:a16="http://schemas.microsoft.com/office/drawing/2014/main" val="3955559261"/>
+                  </a:ext>
+                </a:extLst>
+              </a:tr>
+              <a:tr h="238377">
+                <a:tc>
+                  <a:txBody>
+                    <a:bodyPr/>
+                    <a:lstStyle/>
+                    <a:p>
+                      <a:pPr algn="l" fontAlgn="ctr"/>
+                      <a:r>
+                        <a:rPr lang="en-US" sz="1200" b="0" i="0" u="none" strike="noStrike" dirty="0">
+                          <a:solidFill>
+                            <a:srgbClr val="000000"/>
+                          </a:solidFill>
+                          <a:effectLst/>
+                          <a:latin typeface="맑은 고딕" panose="020B0503020000020004" pitchFamily="50" charset="-127"/>
+                          <a:ea typeface="맑은 고딕" panose="020B0503020000020004" pitchFamily="50" charset="-127"/>
+                        </a:rPr>
+                        <a:t>freight</a:t>
+                      </a:r>
+                    </a:p>
+                  </a:txBody>
+                  <a:tcPr marL="7620" marR="7620" marT="7620" marB="0" anchor="ctr">
+                    <a:lnL w="6350" cap="flat" cmpd="sng" algn="ctr">
+                      <a:solidFill>
+                        <a:srgbClr val="000000"/>
+                      </a:solidFill>
+                      <a:prstDash val="solid"/>
+                      <a:round/>
+                      <a:headEnd type="none" w="med" len="med"/>
+                      <a:tailEnd type="none" w="med" len="med"/>
+                    </a:lnL>
+                    <a:lnR w="6350" cap="flat" cmpd="sng" algn="ctr">
+                      <a:solidFill>
+                        <a:srgbClr val="000000"/>
+                      </a:solidFill>
+                      <a:prstDash val="solid"/>
+                      <a:round/>
+                      <a:headEnd type="none" w="med" len="med"/>
+                      <a:tailEnd type="none" w="med" len="med"/>
+                    </a:lnR>
+                    <a:lnT w="6350" cap="flat" cmpd="sng" algn="ctr">
+                      <a:solidFill>
+                        <a:srgbClr val="000000"/>
+                      </a:solidFill>
+                      <a:prstDash val="solid"/>
+                      <a:round/>
+                      <a:headEnd type="none" w="med" len="med"/>
+                      <a:tailEnd type="none" w="med" len="med"/>
+                    </a:lnT>
+                    <a:lnB w="6350" cap="flat" cmpd="sng" algn="ctr">
+                      <a:solidFill>
+                        <a:srgbClr val="000000"/>
+                      </a:solidFill>
+                      <a:prstDash val="solid"/>
+                      <a:round/>
+                      <a:headEnd type="none" w="med" len="med"/>
+                      <a:tailEnd type="none" w="med" len="med"/>
+                    </a:lnB>
+                    <a:solidFill>
+                      <a:srgbClr val="FFFFFF"/>
+                    </a:solidFill>
+                  </a:tcPr>
+                </a:tc>
+                <a:tc vMerge="1">
+                  <a:txBody>
+                    <a:bodyPr/>
+                    <a:lstStyle/>
+                    <a:p>
+                      <a:pPr latinLnBrk="1"/>
+                      <a:endParaRPr lang="ko-KR" altLang="en-US"/>
+                    </a:p>
+                  </a:txBody>
+                  <a:tcPr/>
+                </a:tc>
+                <a:tc vMerge="1">
+                  <a:txBody>
+                    <a:bodyPr/>
+                    <a:lstStyle/>
+                    <a:p>
+                      <a:pPr latinLnBrk="1"/>
+                      <a:endParaRPr lang="ko-KR" altLang="en-US"/>
+                    </a:p>
+                  </a:txBody>
+                  <a:tcPr/>
+                </a:tc>
+                <a:extLst>
+                  <a:ext uri="{0D108BD9-81ED-4DB2-BD59-A6C34878D82A}">
+                    <a16:rowId xmlns:a16="http://schemas.microsoft.com/office/drawing/2014/main" val="1435662204"/>
+                  </a:ext>
+                </a:extLst>
+              </a:tr>
+              <a:tr h="238377">
+                <a:tc>
+                  <a:txBody>
+                    <a:bodyPr/>
+                    <a:lstStyle/>
+                    <a:p>
+                      <a:pPr algn="l" fontAlgn="ctr"/>
+                      <a:r>
+                        <a:rPr lang="en-US" sz="1200" b="0" i="0" u="none" strike="noStrike" dirty="0">
+                          <a:solidFill>
+                            <a:srgbClr val="000000"/>
+                          </a:solidFill>
+                          <a:effectLst/>
+                          <a:latin typeface="맑은 고딕" panose="020B0503020000020004" pitchFamily="50" charset="-127"/>
+                          <a:ea typeface="맑은 고딕" panose="020B0503020000020004" pitchFamily="50" charset="-127"/>
+                        </a:rPr>
+                        <a:t>weight</a:t>
+                      </a:r>
+                    </a:p>
+                  </a:txBody>
+                  <a:tcPr marL="7620" marR="7620" marT="7620" marB="0" anchor="ctr">
+                    <a:lnL w="6350" cap="flat" cmpd="sng" algn="ctr">
+                      <a:solidFill>
+                        <a:srgbClr val="000000"/>
+                      </a:solidFill>
+                      <a:prstDash val="solid"/>
+                      <a:round/>
+                      <a:headEnd type="none" w="med" len="med"/>
+                      <a:tailEnd type="none" w="med" len="med"/>
+                    </a:lnL>
+                    <a:lnR w="6350" cap="flat" cmpd="sng" algn="ctr">
+                      <a:solidFill>
+                        <a:srgbClr val="000000"/>
+                      </a:solidFill>
+                      <a:prstDash val="solid"/>
+                      <a:round/>
+                      <a:headEnd type="none" w="med" len="med"/>
+                      <a:tailEnd type="none" w="med" len="med"/>
+                    </a:lnR>
+                    <a:lnT w="6350" cap="flat" cmpd="sng" algn="ctr">
+                      <a:solidFill>
+                        <a:srgbClr val="000000"/>
+                      </a:solidFill>
+                      <a:prstDash val="solid"/>
+                      <a:round/>
+                      <a:headEnd type="none" w="med" len="med"/>
+                      <a:tailEnd type="none" w="med" len="med"/>
+                    </a:lnT>
+                    <a:lnB w="6350" cap="flat" cmpd="sng" algn="ctr">
+                      <a:solidFill>
+                        <a:srgbClr val="000000"/>
+                      </a:solidFill>
+                      <a:prstDash val="solid"/>
+                      <a:round/>
+                      <a:headEnd type="none" w="med" len="med"/>
+                      <a:tailEnd type="none" w="med" len="med"/>
+                    </a:lnB>
+                    <a:solidFill>
+                      <a:srgbClr val="FFFFFF"/>
+                    </a:solidFill>
+                  </a:tcPr>
+                </a:tc>
+                <a:tc vMerge="1">
+                  <a:txBody>
+                    <a:bodyPr/>
+                    <a:lstStyle/>
+                    <a:p>
+                      <a:pPr latinLnBrk="1"/>
+                      <a:endParaRPr lang="ko-KR" altLang="en-US"/>
+                    </a:p>
+                  </a:txBody>
+                  <a:tcPr/>
+                </a:tc>
+                <a:tc vMerge="1">
+                  <a:txBody>
+                    <a:bodyPr/>
+                    <a:lstStyle/>
+                    <a:p>
+                      <a:pPr latinLnBrk="1"/>
+                      <a:endParaRPr lang="ko-KR" altLang="en-US"/>
+                    </a:p>
+                  </a:txBody>
+                  <a:tcPr/>
+                </a:tc>
+                <a:extLst>
+                  <a:ext uri="{0D108BD9-81ED-4DB2-BD59-A6C34878D82A}">
+                    <a16:rowId xmlns:a16="http://schemas.microsoft.com/office/drawing/2014/main" val="1667941286"/>
+                  </a:ext>
+                </a:extLst>
+              </a:tr>
+              <a:tr h="238377">
+                <a:tc>
+                  <a:txBody>
+                    <a:bodyPr/>
+                    <a:lstStyle/>
+                    <a:p>
+                      <a:pPr algn="l" fontAlgn="ctr"/>
+                      <a:r>
+                        <a:rPr lang="en-US" sz="1200" b="0" i="0" u="none" strike="noStrike" dirty="0">
+                          <a:solidFill>
+                            <a:srgbClr val="000000"/>
+                          </a:solidFill>
+                          <a:effectLst/>
+                          <a:latin typeface="맑은 고딕" panose="020B0503020000020004" pitchFamily="50" charset="-127"/>
+                          <a:ea typeface="맑은 고딕" panose="020B0503020000020004" pitchFamily="50" charset="-127"/>
+                        </a:rPr>
+                        <a:t>distance</a:t>
+                      </a:r>
+                    </a:p>
+                  </a:txBody>
+                  <a:tcPr marL="7620" marR="7620" marT="7620" marB="0" anchor="ctr">
+                    <a:lnL w="6350" cap="flat" cmpd="sng" algn="ctr">
+                      <a:solidFill>
+                        <a:srgbClr val="000000"/>
+                      </a:solidFill>
+                      <a:prstDash val="solid"/>
+                      <a:round/>
+                      <a:headEnd type="none" w="med" len="med"/>
+                      <a:tailEnd type="none" w="med" len="med"/>
+                    </a:lnL>
+                    <a:lnR w="6350" cap="flat" cmpd="sng" algn="ctr">
+                      <a:solidFill>
+                        <a:srgbClr val="000000"/>
+                      </a:solidFill>
+                      <a:prstDash val="solid"/>
+                      <a:round/>
+                      <a:headEnd type="none" w="med" len="med"/>
+                      <a:tailEnd type="none" w="med" len="med"/>
+                    </a:lnR>
+                    <a:lnT w="6350" cap="flat" cmpd="sng" algn="ctr">
+                      <a:solidFill>
+                        <a:srgbClr val="000000"/>
+                      </a:solidFill>
+                      <a:prstDash val="solid"/>
+                      <a:round/>
+                      <a:headEnd type="none" w="med" len="med"/>
+                      <a:tailEnd type="none" w="med" len="med"/>
+                    </a:lnT>
+                    <a:lnB w="6350" cap="flat" cmpd="sng" algn="ctr">
+                      <a:solidFill>
+                        <a:srgbClr val="000000"/>
+                      </a:solidFill>
+                      <a:prstDash val="solid"/>
+                      <a:round/>
+                      <a:headEnd type="none" w="med" len="med"/>
+                      <a:tailEnd type="none" w="med" len="med"/>
+                    </a:lnB>
+                    <a:solidFill>
+                      <a:srgbClr val="FFFFFF"/>
+                    </a:solidFill>
+                  </a:tcPr>
+                </a:tc>
+                <a:tc vMerge="1">
+                  <a:txBody>
+                    <a:bodyPr/>
+                    <a:lstStyle/>
+                    <a:p>
+                      <a:pPr latinLnBrk="1"/>
+                      <a:endParaRPr lang="ko-KR" altLang="en-US"/>
+                    </a:p>
+                  </a:txBody>
+                  <a:tcPr/>
+                </a:tc>
+                <a:tc vMerge="1">
+                  <a:txBody>
+                    <a:bodyPr/>
+                    <a:lstStyle/>
+                    <a:p>
+                      <a:pPr latinLnBrk="1"/>
+                      <a:endParaRPr lang="ko-KR" altLang="en-US"/>
+                    </a:p>
+                  </a:txBody>
+                  <a:tcPr/>
+                </a:tc>
+                <a:extLst>
+                  <a:ext uri="{0D108BD9-81ED-4DB2-BD59-A6C34878D82A}">
+                    <a16:rowId xmlns:a16="http://schemas.microsoft.com/office/drawing/2014/main" val="990175530"/>
+                  </a:ext>
+                </a:extLst>
+              </a:tr>
+              <a:tr h="238377">
+                <a:tc>
+                  <a:txBody>
+                    <a:bodyPr/>
+                    <a:lstStyle/>
+                    <a:p>
+                      <a:pPr algn="l" fontAlgn="ctr"/>
+                      <a:r>
+                        <a:rPr lang="en-US" sz="1200" b="0" i="0" u="none" strike="noStrike" dirty="0">
+                          <a:solidFill>
+                            <a:srgbClr val="000000"/>
+                          </a:solidFill>
+                          <a:effectLst/>
+                          <a:latin typeface="맑은 고딕" panose="020B0503020000020004" pitchFamily="50" charset="-127"/>
+                          <a:ea typeface="맑은 고딕" panose="020B0503020000020004" pitchFamily="50" charset="-127"/>
+                        </a:rPr>
+                        <a:t>volume</a:t>
+                      </a:r>
+                    </a:p>
+                  </a:txBody>
+                  <a:tcPr marL="7620" marR="7620" marT="7620" marB="0" anchor="ctr">
+                    <a:lnL w="6350" cap="flat" cmpd="sng" algn="ctr">
+                      <a:solidFill>
+                        <a:srgbClr val="000000"/>
+                      </a:solidFill>
+                      <a:prstDash val="solid"/>
+                      <a:round/>
+                      <a:headEnd type="none" w="med" len="med"/>
+                      <a:tailEnd type="none" w="med" len="med"/>
+                    </a:lnL>
+                    <a:lnR w="6350" cap="flat" cmpd="sng" algn="ctr">
+                      <a:solidFill>
+                        <a:srgbClr val="000000"/>
+                      </a:solidFill>
+                      <a:prstDash val="solid"/>
+                      <a:round/>
+                      <a:headEnd type="none" w="med" len="med"/>
+                      <a:tailEnd type="none" w="med" len="med"/>
+                    </a:lnR>
+                    <a:lnT w="6350" cap="flat" cmpd="sng" algn="ctr">
+                      <a:solidFill>
+                        <a:srgbClr val="000000"/>
+                      </a:solidFill>
+                      <a:prstDash val="solid"/>
+                      <a:round/>
+                      <a:headEnd type="none" w="med" len="med"/>
+                      <a:tailEnd type="none" w="med" len="med"/>
+                    </a:lnT>
+                    <a:lnB w="6350" cap="flat" cmpd="sng" algn="ctr">
+                      <a:solidFill>
+                        <a:srgbClr val="000000"/>
+                      </a:solidFill>
+                      <a:prstDash val="solid"/>
+                      <a:round/>
+                      <a:headEnd type="none" w="med" len="med"/>
+                      <a:tailEnd type="none" w="med" len="med"/>
+                    </a:lnB>
+                    <a:solidFill>
+                      <a:srgbClr val="FFFFFF"/>
+                    </a:solidFill>
+                  </a:tcPr>
+                </a:tc>
+                <a:tc vMerge="1">
+                  <a:txBody>
+                    <a:bodyPr/>
+                    <a:lstStyle/>
+                    <a:p>
+                      <a:pPr latinLnBrk="1"/>
+                      <a:endParaRPr lang="ko-KR" altLang="en-US"/>
+                    </a:p>
+                  </a:txBody>
+                  <a:tcPr/>
+                </a:tc>
+                <a:tc vMerge="1">
+                  <a:txBody>
+                    <a:bodyPr/>
+                    <a:lstStyle/>
+                    <a:p>
+                      <a:pPr latinLnBrk="1"/>
+                      <a:endParaRPr lang="ko-KR" altLang="en-US"/>
+                    </a:p>
+                  </a:txBody>
+                  <a:tcPr/>
+                </a:tc>
+                <a:extLst>
+                  <a:ext uri="{0D108BD9-81ED-4DB2-BD59-A6C34878D82A}">
+                    <a16:rowId xmlns:a16="http://schemas.microsoft.com/office/drawing/2014/main" val="4181553716"/>
+                  </a:ext>
+                </a:extLst>
+              </a:tr>
+              <a:tr h="238377">
+                <a:tc>
+                  <a:txBody>
+                    <a:bodyPr/>
+                    <a:lstStyle/>
+                    <a:p>
+                      <a:pPr algn="l" fontAlgn="ctr"/>
+                      <a:r>
+                        <a:rPr lang="en-US" sz="1200" b="0" i="0" u="none" strike="noStrike">
+                          <a:solidFill>
+                            <a:srgbClr val="000000"/>
+                          </a:solidFill>
+                          <a:effectLst/>
+                          <a:latin typeface="맑은 고딕" panose="020B0503020000020004" pitchFamily="50" charset="-127"/>
+                          <a:ea typeface="맑은 고딕" panose="020B0503020000020004" pitchFamily="50" charset="-127"/>
+                        </a:rPr>
+                        <a:t>category</a:t>
+                      </a:r>
+                    </a:p>
+                  </a:txBody>
+                  <a:tcPr marL="7620" marR="7620" marT="7620" marB="0" anchor="ctr">
+                    <a:lnL w="6350" cap="flat" cmpd="sng" algn="ctr">
+                      <a:solidFill>
+                        <a:srgbClr val="000000"/>
+                      </a:solidFill>
+                      <a:prstDash val="solid"/>
+                      <a:round/>
+                      <a:headEnd type="none" w="med" len="med"/>
+                      <a:tailEnd type="none" w="med" len="med"/>
+                    </a:lnL>
+                    <a:lnR w="6350" cap="flat" cmpd="sng" algn="ctr">
+                      <a:solidFill>
+                        <a:srgbClr val="000000"/>
+                      </a:solidFill>
+                      <a:prstDash val="solid"/>
+                      <a:round/>
+                      <a:headEnd type="none" w="med" len="med"/>
+                      <a:tailEnd type="none" w="med" len="med"/>
+                    </a:lnR>
+                    <a:lnT w="6350" cap="flat" cmpd="sng" algn="ctr">
+                      <a:solidFill>
+                        <a:srgbClr val="000000"/>
+                      </a:solidFill>
+                      <a:prstDash val="solid"/>
+                      <a:round/>
+                      <a:headEnd type="none" w="med" len="med"/>
+                      <a:tailEnd type="none" w="med" len="med"/>
+                    </a:lnT>
+                    <a:lnB w="6350" cap="flat" cmpd="sng" algn="ctr">
+                      <a:solidFill>
+                        <a:srgbClr val="000000"/>
+                      </a:solidFill>
+                      <a:prstDash val="solid"/>
+                      <a:round/>
+                      <a:headEnd type="none" w="med" len="med"/>
+                      <a:tailEnd type="none" w="med" len="med"/>
+                    </a:lnB>
+                    <a:solidFill>
+                      <a:srgbClr val="FFFFFF"/>
+                    </a:solidFill>
+                  </a:tcPr>
+                </a:tc>
+                <a:tc rowSpan="3">
+                  <a:txBody>
+                    <a:bodyPr/>
+                    <a:lstStyle/>
+                    <a:p>
+                      <a:pPr algn="l" fontAlgn="ctr"/>
+                      <a:r>
+                        <a:rPr lang="ko-KR" altLang="en-US" sz="1200" b="0" i="0" u="none" strike="noStrike">
+                          <a:solidFill>
+                            <a:srgbClr val="000000"/>
+                          </a:solidFill>
+                          <a:effectLst/>
+                          <a:latin typeface="맑은 고딕" panose="020B0503020000020004" pitchFamily="50" charset="-127"/>
+                          <a:ea typeface="맑은 고딕" panose="020B0503020000020004" pitchFamily="50" charset="-127"/>
+                        </a:rPr>
+                        <a:t>인코딩</a:t>
+                      </a:r>
+                    </a:p>
+                  </a:txBody>
+                  <a:tcPr marL="7620" marR="7620" marT="7620" marB="0" anchor="ctr">
+                    <a:lnL w="6350" cap="flat" cmpd="sng" algn="ctr">
+                      <a:solidFill>
+                        <a:srgbClr val="000000"/>
+                      </a:solidFill>
+                      <a:prstDash val="solid"/>
+                      <a:round/>
+                      <a:headEnd type="none" w="med" len="med"/>
+                      <a:tailEnd type="none" w="med" len="med"/>
+                    </a:lnL>
+                    <a:lnR w="6350" cap="flat" cmpd="sng" algn="ctr">
+                      <a:solidFill>
+                        <a:srgbClr val="000000"/>
+                      </a:solidFill>
+                      <a:prstDash val="solid"/>
+                      <a:round/>
+                      <a:headEnd type="none" w="med" len="med"/>
+                      <a:tailEnd type="none" w="med" len="med"/>
+                    </a:lnR>
+                    <a:lnT w="6350" cap="flat" cmpd="sng" algn="ctr">
+                      <a:solidFill>
+                        <a:srgbClr val="000000"/>
+                      </a:solidFill>
+                      <a:prstDash val="solid"/>
+                      <a:round/>
+                      <a:headEnd type="none" w="med" len="med"/>
+                      <a:tailEnd type="none" w="med" len="med"/>
+                    </a:lnT>
+                    <a:lnB w="6350" cap="flat" cmpd="sng" algn="ctr">
+                      <a:solidFill>
+                        <a:srgbClr val="000000"/>
+                      </a:solidFill>
+                      <a:prstDash val="solid"/>
+                      <a:round/>
+                      <a:headEnd type="none" w="med" len="med"/>
+                      <a:tailEnd type="none" w="med" len="med"/>
+                    </a:lnB>
+                    <a:solidFill>
+                      <a:srgbClr val="FFFFFF"/>
+                    </a:solidFill>
+                  </a:tcPr>
+                </a:tc>
+                <a:tc rowSpan="3">
+                  <a:txBody>
+                    <a:bodyPr/>
+                    <a:lstStyle/>
+                    <a:p>
+                      <a:pPr algn="l" fontAlgn="ctr"/>
+                      <a:r>
+                        <a:rPr lang="ko-KR" altLang="en-US" sz="1200" b="0" i="0" u="none" strike="noStrike" dirty="0" err="1">
+                          <a:solidFill>
+                            <a:srgbClr val="000000"/>
+                          </a:solidFill>
+                          <a:effectLst/>
+                          <a:latin typeface="맑은 고딕" panose="020B0503020000020004" pitchFamily="50" charset="-127"/>
+                          <a:ea typeface="맑은 고딕" panose="020B0503020000020004" pitchFamily="50" charset="-127"/>
+                        </a:rPr>
+                        <a:t>원핫인코딩</a:t>
+                      </a:r>
+                      <a:endParaRPr lang="ko-KR" altLang="en-US" sz="1200" b="0" i="0" u="none" strike="noStrike" dirty="0">
+                        <a:solidFill>
+                          <a:srgbClr val="000000"/>
+                        </a:solidFill>
+                        <a:effectLst/>
+                        <a:latin typeface="맑은 고딕" panose="020B0503020000020004" pitchFamily="50" charset="-127"/>
+                        <a:ea typeface="맑은 고딕" panose="020B0503020000020004" pitchFamily="50" charset="-127"/>
+                      </a:endParaRPr>
+                    </a:p>
+                  </a:txBody>
+                  <a:tcPr marL="7620" marR="7620" marT="7620" marB="0" anchor="ctr">
+                    <a:lnL w="6350" cap="flat" cmpd="sng" algn="ctr">
+                      <a:solidFill>
+                        <a:srgbClr val="000000"/>
+                      </a:solidFill>
+                      <a:prstDash val="solid"/>
+                      <a:round/>
+                      <a:headEnd type="none" w="med" len="med"/>
+                      <a:tailEnd type="none" w="med" len="med"/>
+                    </a:lnL>
+                    <a:lnR w="6350" cap="flat" cmpd="sng" algn="ctr">
+                      <a:solidFill>
+                        <a:srgbClr val="000000"/>
+                      </a:solidFill>
+                      <a:prstDash val="solid"/>
+                      <a:round/>
+                      <a:headEnd type="none" w="med" len="med"/>
+                      <a:tailEnd type="none" w="med" len="med"/>
+                    </a:lnR>
+                    <a:lnT w="6350" cap="flat" cmpd="sng" algn="ctr">
+                      <a:solidFill>
+                        <a:srgbClr val="000000"/>
+                      </a:solidFill>
+                      <a:prstDash val="solid"/>
+                      <a:round/>
+                      <a:headEnd type="none" w="med" len="med"/>
+                      <a:tailEnd type="none" w="med" len="med"/>
+                    </a:lnT>
+                    <a:lnB w="6350" cap="flat" cmpd="sng" algn="ctr">
+                      <a:solidFill>
+                        <a:srgbClr val="000000"/>
+                      </a:solidFill>
+                      <a:prstDash val="solid"/>
+                      <a:round/>
+                      <a:headEnd type="none" w="med" len="med"/>
+                      <a:tailEnd type="none" w="med" len="med"/>
+                    </a:lnB>
+                    <a:solidFill>
+                      <a:srgbClr val="FFFFFF"/>
+                    </a:solidFill>
+                  </a:tcPr>
+                </a:tc>
+                <a:extLst>
+                  <a:ext uri="{0D108BD9-81ED-4DB2-BD59-A6C34878D82A}">
+                    <a16:rowId xmlns:a16="http://schemas.microsoft.com/office/drawing/2014/main" val="666890999"/>
+                  </a:ext>
+                </a:extLst>
+              </a:tr>
+              <a:tr h="238377">
+                <a:tc>
+                  <a:txBody>
+                    <a:bodyPr/>
+                    <a:lstStyle/>
+                    <a:p>
+                      <a:pPr algn="l" fontAlgn="ctr"/>
+                      <a:r>
+                        <a:rPr lang="en-US" sz="1200" b="0" i="0" u="none" strike="noStrike" dirty="0" err="1">
+                          <a:solidFill>
+                            <a:srgbClr val="000000"/>
+                          </a:solidFill>
+                          <a:effectLst/>
+                          <a:latin typeface="맑은 고딕" panose="020B0503020000020004" pitchFamily="50" charset="-127"/>
+                          <a:ea typeface="맑은 고딕" panose="020B0503020000020004" pitchFamily="50" charset="-127"/>
+                        </a:rPr>
+                        <a:t>c_state</a:t>
+                      </a:r>
+                      <a:endParaRPr lang="en-US" sz="1200" b="0" i="0" u="none" strike="noStrike" dirty="0">
+                        <a:solidFill>
+                          <a:srgbClr val="000000"/>
+                        </a:solidFill>
+                        <a:effectLst/>
+                        <a:latin typeface="맑은 고딕" panose="020B0503020000020004" pitchFamily="50" charset="-127"/>
+                        <a:ea typeface="맑은 고딕" panose="020B0503020000020004" pitchFamily="50" charset="-127"/>
+                      </a:endParaRPr>
+                    </a:p>
+                  </a:txBody>
+                  <a:tcPr marL="7620" marR="7620" marT="7620" marB="0" anchor="ctr">
+                    <a:lnL w="6350" cap="flat" cmpd="sng" algn="ctr">
+                      <a:solidFill>
+                        <a:srgbClr val="000000"/>
+                      </a:solidFill>
+                      <a:prstDash val="solid"/>
+                      <a:round/>
+                      <a:headEnd type="none" w="med" len="med"/>
+                      <a:tailEnd type="none" w="med" len="med"/>
+                    </a:lnL>
+                    <a:lnR w="6350" cap="flat" cmpd="sng" algn="ctr">
+                      <a:solidFill>
+                        <a:srgbClr val="000000"/>
+                      </a:solidFill>
+                      <a:prstDash val="solid"/>
+                      <a:round/>
+                      <a:headEnd type="none" w="med" len="med"/>
+                      <a:tailEnd type="none" w="med" len="med"/>
+                    </a:lnR>
+                    <a:lnT w="6350" cap="flat" cmpd="sng" algn="ctr">
+                      <a:solidFill>
+                        <a:srgbClr val="000000"/>
+                      </a:solidFill>
+                      <a:prstDash val="solid"/>
+                      <a:round/>
+                      <a:headEnd type="none" w="med" len="med"/>
+                      <a:tailEnd type="none" w="med" len="med"/>
+                    </a:lnT>
+                    <a:lnB w="6350" cap="flat" cmpd="sng" algn="ctr">
+                      <a:solidFill>
+                        <a:srgbClr val="000000"/>
+                      </a:solidFill>
+                      <a:prstDash val="solid"/>
+                      <a:round/>
+                      <a:headEnd type="none" w="med" len="med"/>
+                      <a:tailEnd type="none" w="med" len="med"/>
+                    </a:lnB>
+                    <a:solidFill>
+                      <a:srgbClr val="FFFFFF"/>
+                    </a:solidFill>
+                  </a:tcPr>
+                </a:tc>
+                <a:tc vMerge="1">
+                  <a:txBody>
+                    <a:bodyPr/>
+                    <a:lstStyle/>
+                    <a:p>
+                      <a:pPr latinLnBrk="1"/>
+                      <a:endParaRPr lang="ko-KR" altLang="en-US"/>
+                    </a:p>
+                  </a:txBody>
+                  <a:tcPr/>
+                </a:tc>
+                <a:tc vMerge="1">
+                  <a:txBody>
+                    <a:bodyPr/>
+                    <a:lstStyle/>
+                    <a:p>
+                      <a:pPr latinLnBrk="1"/>
+                      <a:endParaRPr lang="ko-KR" altLang="en-US"/>
+                    </a:p>
+                  </a:txBody>
+                  <a:tcPr/>
+                </a:tc>
+                <a:extLst>
+                  <a:ext uri="{0D108BD9-81ED-4DB2-BD59-A6C34878D82A}">
+                    <a16:rowId xmlns:a16="http://schemas.microsoft.com/office/drawing/2014/main" val="3458990724"/>
+                  </a:ext>
+                </a:extLst>
+              </a:tr>
+              <a:tr h="238377">
+                <a:tc>
+                  <a:txBody>
+                    <a:bodyPr/>
+                    <a:lstStyle/>
+                    <a:p>
+                      <a:pPr algn="l" fontAlgn="ctr"/>
+                      <a:r>
+                        <a:rPr lang="en-US" sz="1200" b="0" i="0" u="none" strike="noStrike" dirty="0" err="1">
+                          <a:solidFill>
+                            <a:srgbClr val="000000"/>
+                          </a:solidFill>
+                          <a:effectLst/>
+                          <a:latin typeface="맑은 고딕" panose="020B0503020000020004" pitchFamily="50" charset="-127"/>
+                          <a:ea typeface="맑은 고딕" panose="020B0503020000020004" pitchFamily="50" charset="-127"/>
+                        </a:rPr>
+                        <a:t>s_state</a:t>
+                      </a:r>
+                      <a:endParaRPr lang="en-US" sz="1200" b="0" i="0" u="none" strike="noStrike" dirty="0">
+                        <a:solidFill>
+                          <a:srgbClr val="000000"/>
+                        </a:solidFill>
+                        <a:effectLst/>
+                        <a:latin typeface="맑은 고딕" panose="020B0503020000020004" pitchFamily="50" charset="-127"/>
+                        <a:ea typeface="맑은 고딕" panose="020B0503020000020004" pitchFamily="50" charset="-127"/>
+                      </a:endParaRPr>
+                    </a:p>
+                  </a:txBody>
+                  <a:tcPr marL="7620" marR="7620" marT="7620" marB="0" anchor="ctr">
+                    <a:lnL w="6350" cap="flat" cmpd="sng" algn="ctr">
+                      <a:solidFill>
+                        <a:srgbClr val="000000"/>
+                      </a:solidFill>
+                      <a:prstDash val="solid"/>
+                      <a:round/>
+                      <a:headEnd type="none" w="med" len="med"/>
+                      <a:tailEnd type="none" w="med" len="med"/>
+                    </a:lnL>
+                    <a:lnR w="6350" cap="flat" cmpd="sng" algn="ctr">
+                      <a:solidFill>
+                        <a:srgbClr val="000000"/>
+                      </a:solidFill>
+                      <a:prstDash val="solid"/>
+                      <a:round/>
+                      <a:headEnd type="none" w="med" len="med"/>
+                      <a:tailEnd type="none" w="med" len="med"/>
+                    </a:lnR>
+                    <a:lnT w="6350" cap="flat" cmpd="sng" algn="ctr">
+                      <a:solidFill>
+                        <a:srgbClr val="000000"/>
+                      </a:solidFill>
+                      <a:prstDash val="solid"/>
+                      <a:round/>
+                      <a:headEnd type="none" w="med" len="med"/>
+                      <a:tailEnd type="none" w="med" len="med"/>
+                    </a:lnT>
+                    <a:lnB w="6350" cap="flat" cmpd="sng" algn="ctr">
+                      <a:solidFill>
+                        <a:srgbClr val="000000"/>
+                      </a:solidFill>
+                      <a:prstDash val="solid"/>
+                      <a:round/>
+                      <a:headEnd type="none" w="med" len="med"/>
+                      <a:tailEnd type="none" w="med" len="med"/>
+                    </a:lnB>
+                    <a:solidFill>
+                      <a:srgbClr val="FFFFFF"/>
+                    </a:solidFill>
+                  </a:tcPr>
+                </a:tc>
+                <a:tc vMerge="1">
+                  <a:txBody>
+                    <a:bodyPr/>
+                    <a:lstStyle/>
+                    <a:p>
+                      <a:pPr latinLnBrk="1"/>
+                      <a:endParaRPr lang="ko-KR" altLang="en-US"/>
+                    </a:p>
+                  </a:txBody>
+                  <a:tcPr/>
+                </a:tc>
+                <a:tc vMerge="1">
+                  <a:txBody>
+                    <a:bodyPr/>
+                    <a:lstStyle/>
+                    <a:p>
+                      <a:pPr latinLnBrk="1"/>
+                      <a:endParaRPr lang="ko-KR" altLang="en-US"/>
+                    </a:p>
+                  </a:txBody>
+                  <a:tcPr/>
+                </a:tc>
+                <a:extLst>
+                  <a:ext uri="{0D108BD9-81ED-4DB2-BD59-A6C34878D82A}">
+                    <a16:rowId xmlns:a16="http://schemas.microsoft.com/office/drawing/2014/main" val="2373612347"/>
+                  </a:ext>
+                </a:extLst>
+              </a:tr>
+              <a:tr h="238377">
+                <a:tc>
+                  <a:txBody>
+                    <a:bodyPr/>
+                    <a:lstStyle/>
+                    <a:p>
+                      <a:pPr algn="l" fontAlgn="ctr"/>
+                      <a:r>
+                        <a:rPr lang="en-US" sz="1200" b="0" i="0" u="none" strike="noStrike">
+                          <a:solidFill>
+                            <a:srgbClr val="000000"/>
+                          </a:solidFill>
+                          <a:effectLst/>
+                          <a:latin typeface="맑은 고딕" panose="020B0503020000020004" pitchFamily="50" charset="-127"/>
+                          <a:ea typeface="맑은 고딕" panose="020B0503020000020004" pitchFamily="50" charset="-127"/>
+                        </a:rPr>
+                        <a:t>now.month</a:t>
+                      </a:r>
+                    </a:p>
+                  </a:txBody>
+                  <a:tcPr marL="7620" marR="7620" marT="7620" marB="0" anchor="ctr">
+                    <a:lnL w="6350" cap="flat" cmpd="sng" algn="ctr">
+                      <a:solidFill>
+                        <a:srgbClr val="000000"/>
+                      </a:solidFill>
+                      <a:prstDash val="solid"/>
+                      <a:round/>
+                      <a:headEnd type="none" w="med" len="med"/>
+                      <a:tailEnd type="none" w="med" len="med"/>
+                    </a:lnL>
+                    <a:lnR w="6350" cap="flat" cmpd="sng" algn="ctr">
+                      <a:solidFill>
+                        <a:srgbClr val="000000"/>
+                      </a:solidFill>
+                      <a:prstDash val="solid"/>
+                      <a:round/>
+                      <a:headEnd type="none" w="med" len="med"/>
+                      <a:tailEnd type="none" w="med" len="med"/>
+                    </a:lnR>
+                    <a:lnT w="6350" cap="flat" cmpd="sng" algn="ctr">
+                      <a:solidFill>
+                        <a:srgbClr val="000000"/>
+                      </a:solidFill>
+                      <a:prstDash val="solid"/>
+                      <a:round/>
+                      <a:headEnd type="none" w="med" len="med"/>
+                      <a:tailEnd type="none" w="med" len="med"/>
+                    </a:lnT>
+                    <a:lnB w="6350" cap="flat" cmpd="sng" algn="ctr">
+                      <a:solidFill>
+                        <a:srgbClr val="000000"/>
+                      </a:solidFill>
+                      <a:prstDash val="solid"/>
+                      <a:round/>
+                      <a:headEnd type="none" w="med" len="med"/>
+                      <a:tailEnd type="none" w="med" len="med"/>
+                    </a:lnB>
+                    <a:solidFill>
+                      <a:srgbClr val="FFFFFF"/>
+                    </a:solidFill>
+                  </a:tcPr>
+                </a:tc>
+                <a:tc rowSpan="4">
+                  <a:txBody>
+                    <a:bodyPr/>
+                    <a:lstStyle/>
+                    <a:p>
+                      <a:pPr algn="l" fontAlgn="ctr"/>
+                      <a:r>
+                        <a:rPr lang="ko-KR" altLang="en-US" sz="1200" b="0" i="0" u="none" strike="noStrike" dirty="0">
+                          <a:solidFill>
+                            <a:srgbClr val="000000"/>
+                          </a:solidFill>
+                          <a:effectLst/>
+                          <a:latin typeface="맑은 고딕" panose="020B0503020000020004" pitchFamily="50" charset="-127"/>
+                          <a:ea typeface="맑은 고딕" panose="020B0503020000020004" pitchFamily="50" charset="-127"/>
+                        </a:rPr>
+                        <a:t>표준화</a:t>
+                      </a:r>
+                    </a:p>
+                  </a:txBody>
+                  <a:tcPr marL="7620" marR="7620" marT="7620" marB="0" anchor="ctr">
+                    <a:lnL w="6350" cap="flat" cmpd="sng" algn="ctr">
+                      <a:solidFill>
+                        <a:srgbClr val="000000"/>
+                      </a:solidFill>
+                      <a:prstDash val="solid"/>
+                      <a:round/>
+                      <a:headEnd type="none" w="med" len="med"/>
+                      <a:tailEnd type="none" w="med" len="med"/>
+                    </a:lnL>
+                    <a:lnR w="6350" cap="flat" cmpd="sng" algn="ctr">
+                      <a:solidFill>
+                        <a:srgbClr val="000000"/>
+                      </a:solidFill>
+                      <a:prstDash val="solid"/>
+                      <a:round/>
+                      <a:headEnd type="none" w="med" len="med"/>
+                      <a:tailEnd type="none" w="med" len="med"/>
+                    </a:lnR>
+                    <a:lnT w="6350" cap="flat" cmpd="sng" algn="ctr">
+                      <a:solidFill>
+                        <a:srgbClr val="000000"/>
+                      </a:solidFill>
+                      <a:prstDash val="solid"/>
+                      <a:round/>
+                      <a:headEnd type="none" w="med" len="med"/>
+                      <a:tailEnd type="none" w="med" len="med"/>
+                    </a:lnT>
+                    <a:lnB w="6350" cap="flat" cmpd="sng" algn="ctr">
+                      <a:solidFill>
+                        <a:srgbClr val="000000"/>
+                      </a:solidFill>
+                      <a:prstDash val="solid"/>
+                      <a:round/>
+                      <a:headEnd type="none" w="med" len="med"/>
+                      <a:tailEnd type="none" w="med" len="med"/>
+                    </a:lnB>
+                    <a:solidFill>
+                      <a:srgbClr val="FFFFFF"/>
+                    </a:solidFill>
+                  </a:tcPr>
+                </a:tc>
+                <a:tc rowSpan="4">
+                  <a:txBody>
+                    <a:bodyPr/>
+                    <a:lstStyle/>
+                    <a:p>
+                      <a:pPr algn="l" fontAlgn="ctr"/>
+                      <a:r>
+                        <a:rPr lang="en-US" sz="1200" b="0" i="0" u="none" strike="noStrike" dirty="0" err="1">
+                          <a:solidFill>
+                            <a:srgbClr val="000000"/>
+                          </a:solidFill>
+                          <a:effectLst/>
+                          <a:latin typeface="맑은 고딕" panose="020B0503020000020004" pitchFamily="50" charset="-127"/>
+                          <a:ea typeface="맑은 고딕" panose="020B0503020000020004" pitchFamily="50" charset="-127"/>
+                        </a:rPr>
+                        <a:t>sin,cos</a:t>
+                      </a:r>
+                      <a:r>
+                        <a:rPr lang="ko-KR" altLang="en-US" sz="1200" b="0" i="0" u="none" strike="noStrike" dirty="0">
+                          <a:solidFill>
+                            <a:srgbClr val="000000"/>
+                          </a:solidFill>
+                          <a:effectLst/>
+                          <a:latin typeface="맑은 고딕" panose="020B0503020000020004" pitchFamily="50" charset="-127"/>
+                          <a:ea typeface="맑은 고딕" panose="020B0503020000020004" pitchFamily="50" charset="-127"/>
+                        </a:rPr>
+                        <a:t>적용</a:t>
+                      </a:r>
+                    </a:p>
+                  </a:txBody>
+                  <a:tcPr marL="7620" marR="7620" marT="7620" marB="0" anchor="ctr">
+                    <a:lnL w="6350" cap="flat" cmpd="sng" algn="ctr">
+                      <a:solidFill>
+                        <a:srgbClr val="000000"/>
+                      </a:solidFill>
+                      <a:prstDash val="solid"/>
+                      <a:round/>
+                      <a:headEnd type="none" w="med" len="med"/>
+                      <a:tailEnd type="none" w="med" len="med"/>
+                    </a:lnL>
+                    <a:lnR w="6350" cap="flat" cmpd="sng" algn="ctr">
+                      <a:solidFill>
+                        <a:srgbClr val="000000"/>
+                      </a:solidFill>
+                      <a:prstDash val="solid"/>
+                      <a:round/>
+                      <a:headEnd type="none" w="med" len="med"/>
+                      <a:tailEnd type="none" w="med" len="med"/>
+                    </a:lnR>
+                    <a:lnT w="6350" cap="flat" cmpd="sng" algn="ctr">
+                      <a:solidFill>
+                        <a:srgbClr val="000000"/>
+                      </a:solidFill>
+                      <a:prstDash val="solid"/>
+                      <a:round/>
+                      <a:headEnd type="none" w="med" len="med"/>
+                      <a:tailEnd type="none" w="med" len="med"/>
+                    </a:lnT>
+                    <a:lnB w="6350" cap="flat" cmpd="sng" algn="ctr">
+                      <a:solidFill>
+                        <a:srgbClr val="000000"/>
+                      </a:solidFill>
+                      <a:prstDash val="solid"/>
+                      <a:round/>
+                      <a:headEnd type="none" w="med" len="med"/>
+                      <a:tailEnd type="none" w="med" len="med"/>
+                    </a:lnB>
+                    <a:solidFill>
+                      <a:srgbClr val="FFFFFF"/>
+                    </a:solidFill>
+                  </a:tcPr>
+                </a:tc>
+                <a:extLst>
+                  <a:ext uri="{0D108BD9-81ED-4DB2-BD59-A6C34878D82A}">
+                    <a16:rowId xmlns:a16="http://schemas.microsoft.com/office/drawing/2014/main" val="1338056709"/>
+                  </a:ext>
+                </a:extLst>
+              </a:tr>
+              <a:tr h="238377">
+                <a:tc>
+                  <a:txBody>
+                    <a:bodyPr/>
+                    <a:lstStyle/>
+                    <a:p>
+                      <a:pPr algn="l" fontAlgn="ctr"/>
+                      <a:r>
+                        <a:rPr lang="en-US" sz="1200" b="0" i="0" u="none" strike="noStrike">
+                          <a:solidFill>
+                            <a:srgbClr val="000000"/>
+                          </a:solidFill>
+                          <a:effectLst/>
+                          <a:latin typeface="맑은 고딕" panose="020B0503020000020004" pitchFamily="50" charset="-127"/>
+                          <a:ea typeface="맑은 고딕" panose="020B0503020000020004" pitchFamily="50" charset="-127"/>
+                        </a:rPr>
+                        <a:t>now.day</a:t>
+                      </a:r>
+                    </a:p>
+                  </a:txBody>
+                  <a:tcPr marL="7620" marR="7620" marT="7620" marB="0" anchor="ctr">
+                    <a:lnL w="6350" cap="flat" cmpd="sng" algn="ctr">
+                      <a:solidFill>
+                        <a:srgbClr val="000000"/>
+                      </a:solidFill>
+                      <a:prstDash val="solid"/>
+                      <a:round/>
+                      <a:headEnd type="none" w="med" len="med"/>
+                      <a:tailEnd type="none" w="med" len="med"/>
+                    </a:lnL>
+                    <a:lnR w="6350" cap="flat" cmpd="sng" algn="ctr">
+                      <a:solidFill>
+                        <a:srgbClr val="000000"/>
+                      </a:solidFill>
+                      <a:prstDash val="solid"/>
+                      <a:round/>
+                      <a:headEnd type="none" w="med" len="med"/>
+                      <a:tailEnd type="none" w="med" len="med"/>
+                    </a:lnR>
+                    <a:lnT w="6350" cap="flat" cmpd="sng" algn="ctr">
+                      <a:solidFill>
+                        <a:srgbClr val="000000"/>
+                      </a:solidFill>
+                      <a:prstDash val="solid"/>
+                      <a:round/>
+                      <a:headEnd type="none" w="med" len="med"/>
+                      <a:tailEnd type="none" w="med" len="med"/>
+                    </a:lnT>
+                    <a:lnB w="6350" cap="flat" cmpd="sng" algn="ctr">
+                      <a:solidFill>
+                        <a:srgbClr val="000000"/>
+                      </a:solidFill>
+                      <a:prstDash val="solid"/>
+                      <a:round/>
+                      <a:headEnd type="none" w="med" len="med"/>
+                      <a:tailEnd type="none" w="med" len="med"/>
+                    </a:lnB>
+                    <a:solidFill>
+                      <a:srgbClr val="FFFFFF"/>
+                    </a:solidFill>
+                  </a:tcPr>
+                </a:tc>
+                <a:tc vMerge="1">
+                  <a:txBody>
+                    <a:bodyPr/>
+                    <a:lstStyle/>
+                    <a:p>
+                      <a:pPr latinLnBrk="1"/>
+                      <a:endParaRPr lang="ko-KR" altLang="en-US"/>
+                    </a:p>
+                  </a:txBody>
+                  <a:tcPr/>
+                </a:tc>
+                <a:tc vMerge="1">
+                  <a:txBody>
+                    <a:bodyPr/>
+                    <a:lstStyle/>
+                    <a:p>
+                      <a:pPr latinLnBrk="1"/>
+                      <a:endParaRPr lang="ko-KR" altLang="en-US"/>
+                    </a:p>
+                  </a:txBody>
+                  <a:tcPr/>
+                </a:tc>
+                <a:extLst>
+                  <a:ext uri="{0D108BD9-81ED-4DB2-BD59-A6C34878D82A}">
+                    <a16:rowId xmlns:a16="http://schemas.microsoft.com/office/drawing/2014/main" val="4171991660"/>
+                  </a:ext>
+                </a:extLst>
+              </a:tr>
+              <a:tr h="238377">
+                <a:tc>
+                  <a:txBody>
+                    <a:bodyPr/>
+                    <a:lstStyle/>
+                    <a:p>
+                      <a:pPr algn="l" fontAlgn="ctr"/>
+                      <a:r>
+                        <a:rPr lang="en-US" sz="1200" b="0" i="0" u="none" strike="noStrike" dirty="0" err="1">
+                          <a:solidFill>
+                            <a:srgbClr val="000000"/>
+                          </a:solidFill>
+                          <a:effectLst/>
+                          <a:latin typeface="맑은 고딕" panose="020B0503020000020004" pitchFamily="50" charset="-127"/>
+                          <a:ea typeface="맑은 고딕" panose="020B0503020000020004" pitchFamily="50" charset="-127"/>
+                        </a:rPr>
+                        <a:t>now.weekday</a:t>
+                      </a:r>
+                      <a:r>
+                        <a:rPr lang="en-US" sz="1200" b="0" i="0" u="none" strike="noStrike" dirty="0">
+                          <a:solidFill>
+                            <a:srgbClr val="000000"/>
+                          </a:solidFill>
+                          <a:effectLst/>
+                          <a:latin typeface="맑은 고딕" panose="020B0503020000020004" pitchFamily="50" charset="-127"/>
+                          <a:ea typeface="맑은 고딕" panose="020B0503020000020004" pitchFamily="50" charset="-127"/>
+                        </a:rPr>
+                        <a:t>()</a:t>
+                      </a:r>
+                    </a:p>
+                  </a:txBody>
+                  <a:tcPr marL="7620" marR="7620" marT="7620" marB="0" anchor="ctr">
+                    <a:lnL w="6350" cap="flat" cmpd="sng" algn="ctr">
+                      <a:solidFill>
+                        <a:srgbClr val="000000"/>
+                      </a:solidFill>
+                      <a:prstDash val="solid"/>
+                      <a:round/>
+                      <a:headEnd type="none" w="med" len="med"/>
+                      <a:tailEnd type="none" w="med" len="med"/>
+                    </a:lnL>
+                    <a:lnR w="6350" cap="flat" cmpd="sng" algn="ctr">
+                      <a:solidFill>
+                        <a:srgbClr val="000000"/>
+                      </a:solidFill>
+                      <a:prstDash val="solid"/>
+                      <a:round/>
+                      <a:headEnd type="none" w="med" len="med"/>
+                      <a:tailEnd type="none" w="med" len="med"/>
+                    </a:lnR>
+                    <a:lnT w="6350" cap="flat" cmpd="sng" algn="ctr">
+                      <a:solidFill>
+                        <a:srgbClr val="000000"/>
+                      </a:solidFill>
+                      <a:prstDash val="solid"/>
+                      <a:round/>
+                      <a:headEnd type="none" w="med" len="med"/>
+                      <a:tailEnd type="none" w="med" len="med"/>
+                    </a:lnT>
+                    <a:lnB w="6350" cap="flat" cmpd="sng" algn="ctr">
+                      <a:solidFill>
+                        <a:srgbClr val="000000"/>
+                      </a:solidFill>
+                      <a:prstDash val="solid"/>
+                      <a:round/>
+                      <a:headEnd type="none" w="med" len="med"/>
+                      <a:tailEnd type="none" w="med" len="med"/>
+                    </a:lnB>
+                    <a:solidFill>
+                      <a:srgbClr val="FFFFFF"/>
+                    </a:solidFill>
+                  </a:tcPr>
+                </a:tc>
+                <a:tc vMerge="1">
+                  <a:txBody>
+                    <a:bodyPr/>
+                    <a:lstStyle/>
+                    <a:p>
+                      <a:pPr latinLnBrk="1"/>
+                      <a:endParaRPr lang="ko-KR" altLang="en-US"/>
+                    </a:p>
+                  </a:txBody>
+                  <a:tcPr/>
+                </a:tc>
+                <a:tc vMerge="1">
+                  <a:txBody>
+                    <a:bodyPr/>
+                    <a:lstStyle/>
+                    <a:p>
+                      <a:pPr latinLnBrk="1"/>
+                      <a:endParaRPr lang="ko-KR" altLang="en-US"/>
+                    </a:p>
+                  </a:txBody>
+                  <a:tcPr/>
+                </a:tc>
+                <a:extLst>
+                  <a:ext uri="{0D108BD9-81ED-4DB2-BD59-A6C34878D82A}">
+                    <a16:rowId xmlns:a16="http://schemas.microsoft.com/office/drawing/2014/main" val="2458435952"/>
+                  </a:ext>
+                </a:extLst>
+              </a:tr>
+              <a:tr h="238377">
+                <a:tc>
+                  <a:txBody>
+                    <a:bodyPr/>
+                    <a:lstStyle/>
+                    <a:p>
+                      <a:pPr algn="l" fontAlgn="ctr"/>
+                      <a:r>
+                        <a:rPr lang="en-US" sz="1200" b="0" i="0" u="none" strike="noStrike" dirty="0" err="1">
+                          <a:solidFill>
+                            <a:srgbClr val="000000"/>
+                          </a:solidFill>
+                          <a:effectLst/>
+                          <a:latin typeface="맑은 고딕" panose="020B0503020000020004" pitchFamily="50" charset="-127"/>
+                          <a:ea typeface="맑은 고딕" panose="020B0503020000020004" pitchFamily="50" charset="-127"/>
+                        </a:rPr>
+                        <a:t>now.hour</a:t>
+                      </a:r>
+                      <a:endParaRPr lang="en-US" sz="1200" b="0" i="0" u="none" strike="noStrike" dirty="0">
+                        <a:solidFill>
+                          <a:srgbClr val="000000"/>
+                        </a:solidFill>
+                        <a:effectLst/>
+                        <a:latin typeface="맑은 고딕" panose="020B0503020000020004" pitchFamily="50" charset="-127"/>
+                        <a:ea typeface="맑은 고딕" panose="020B0503020000020004" pitchFamily="50" charset="-127"/>
+                      </a:endParaRPr>
+                    </a:p>
+                  </a:txBody>
+                  <a:tcPr marL="7620" marR="7620" marT="7620" marB="0" anchor="ctr">
+                    <a:lnL w="6350" cap="flat" cmpd="sng" algn="ctr">
+                      <a:solidFill>
+                        <a:srgbClr val="000000"/>
+                      </a:solidFill>
+                      <a:prstDash val="solid"/>
+                      <a:round/>
+                      <a:headEnd type="none" w="med" len="med"/>
+                      <a:tailEnd type="none" w="med" len="med"/>
+                    </a:lnL>
+                    <a:lnR w="6350" cap="flat" cmpd="sng" algn="ctr">
+                      <a:solidFill>
+                        <a:srgbClr val="000000"/>
+                      </a:solidFill>
+                      <a:prstDash val="solid"/>
+                      <a:round/>
+                      <a:headEnd type="none" w="med" len="med"/>
+                      <a:tailEnd type="none" w="med" len="med"/>
+                    </a:lnR>
+                    <a:lnT w="6350" cap="flat" cmpd="sng" algn="ctr">
+                      <a:solidFill>
+                        <a:srgbClr val="000000"/>
+                      </a:solidFill>
+                      <a:prstDash val="solid"/>
+                      <a:round/>
+                      <a:headEnd type="none" w="med" len="med"/>
+                      <a:tailEnd type="none" w="med" len="med"/>
+                    </a:lnT>
+                    <a:lnB w="6350" cap="flat" cmpd="sng" algn="ctr">
+                      <a:solidFill>
+                        <a:srgbClr val="000000"/>
+                      </a:solidFill>
+                      <a:prstDash val="solid"/>
+                      <a:round/>
+                      <a:headEnd type="none" w="med" len="med"/>
+                      <a:tailEnd type="none" w="med" len="med"/>
+                    </a:lnB>
+                    <a:solidFill>
+                      <a:srgbClr val="FFFFFF"/>
+                    </a:solidFill>
+                  </a:tcPr>
+                </a:tc>
+                <a:tc vMerge="1">
+                  <a:txBody>
+                    <a:bodyPr/>
+                    <a:lstStyle/>
+                    <a:p>
+                      <a:pPr latinLnBrk="1"/>
+                      <a:endParaRPr lang="ko-KR" altLang="en-US"/>
+                    </a:p>
+                  </a:txBody>
+                  <a:tcPr/>
+                </a:tc>
+                <a:tc vMerge="1">
+                  <a:txBody>
+                    <a:bodyPr/>
+                    <a:lstStyle/>
+                    <a:p>
+                      <a:pPr latinLnBrk="1"/>
+                      <a:endParaRPr lang="ko-KR" altLang="en-US"/>
+                    </a:p>
+                  </a:txBody>
+                  <a:tcPr/>
+                </a:tc>
+                <a:extLst>
+                  <a:ext uri="{0D108BD9-81ED-4DB2-BD59-A6C34878D82A}">
+                    <a16:rowId xmlns:a16="http://schemas.microsoft.com/office/drawing/2014/main" val="3906332489"/>
+                  </a:ext>
+                </a:extLst>
+              </a:tr>
+              <a:tr h="238377">
+                <a:tc>
+                  <a:txBody>
+                    <a:bodyPr/>
+                    <a:lstStyle/>
+                    <a:p>
+                      <a:pPr algn="l" fontAlgn="ctr"/>
+                      <a:r>
+                        <a:rPr lang="en-US" sz="1200" b="0" i="0" u="none" strike="noStrike">
+                          <a:solidFill>
+                            <a:srgbClr val="000000"/>
+                          </a:solidFill>
+                          <a:effectLst/>
+                          <a:latin typeface="맑은 고딕" panose="020B0503020000020004" pitchFamily="50" charset="-127"/>
+                          <a:ea typeface="맑은 고딕" panose="020B0503020000020004" pitchFamily="50" charset="-127"/>
+                        </a:rPr>
+                        <a:t>delivered_time</a:t>
+                      </a:r>
+                    </a:p>
+                  </a:txBody>
+                  <a:tcPr marL="7620" marR="7620" marT="7620" marB="0" anchor="ctr">
+                    <a:lnL w="6350" cap="flat" cmpd="sng" algn="ctr">
+                      <a:solidFill>
+                        <a:srgbClr val="000000"/>
+                      </a:solidFill>
+                      <a:prstDash val="solid"/>
+                      <a:round/>
+                      <a:headEnd type="none" w="med" len="med"/>
+                      <a:tailEnd type="none" w="med" len="med"/>
+                    </a:lnL>
+                    <a:lnR w="6350" cap="flat" cmpd="sng" algn="ctr">
+                      <a:solidFill>
+                        <a:srgbClr val="000000"/>
+                      </a:solidFill>
+                      <a:prstDash val="solid"/>
+                      <a:round/>
+                      <a:headEnd type="none" w="med" len="med"/>
+                      <a:tailEnd type="none" w="med" len="med"/>
+                    </a:lnR>
+                    <a:lnT w="6350" cap="flat" cmpd="sng" algn="ctr">
+                      <a:solidFill>
+                        <a:srgbClr val="000000"/>
+                      </a:solidFill>
+                      <a:prstDash val="solid"/>
+                      <a:round/>
+                      <a:headEnd type="none" w="med" len="med"/>
+                      <a:tailEnd type="none" w="med" len="med"/>
+                    </a:lnT>
+                    <a:lnB w="6350" cap="flat" cmpd="sng" algn="ctr">
+                      <a:solidFill>
+                        <a:srgbClr val="000000"/>
+                      </a:solidFill>
+                      <a:prstDash val="solid"/>
+                      <a:round/>
+                      <a:headEnd type="none" w="med" len="med"/>
+                      <a:tailEnd type="none" w="med" len="med"/>
+                    </a:lnB>
+                    <a:solidFill>
+                      <a:srgbClr val="FFFFFF"/>
+                    </a:solidFill>
+                  </a:tcPr>
+                </a:tc>
+                <a:tc gridSpan="2">
+                  <a:txBody>
+                    <a:bodyPr/>
+                    <a:lstStyle/>
+                    <a:p>
+                      <a:pPr algn="ctr" fontAlgn="ctr"/>
+                      <a:r>
+                        <a:rPr lang="ko-KR" altLang="en-US" sz="1200" b="0" i="0" u="none" strike="noStrike" dirty="0">
+                          <a:solidFill>
+                            <a:srgbClr val="000000"/>
+                          </a:solidFill>
+                          <a:effectLst/>
+                          <a:latin typeface="맑은 고딕" panose="020B0503020000020004" pitchFamily="50" charset="-127"/>
+                          <a:ea typeface="맑은 고딕" panose="020B0503020000020004" pitchFamily="50" charset="-127"/>
+                        </a:rPr>
+                        <a:t>목표변수</a:t>
+                      </a:r>
+                    </a:p>
+                  </a:txBody>
+                  <a:tcPr marL="7620" marR="7620" marT="7620" marB="0" anchor="ctr">
+                    <a:lnL w="6350" cap="flat" cmpd="sng" algn="ctr">
+                      <a:solidFill>
+                        <a:srgbClr val="000000"/>
+                      </a:solidFill>
+                      <a:prstDash val="solid"/>
+                      <a:round/>
+                      <a:headEnd type="none" w="med" len="med"/>
+                      <a:tailEnd type="none" w="med" len="med"/>
+                    </a:lnL>
+                    <a:lnR w="6350" cap="flat" cmpd="sng" algn="ctr">
+                      <a:solidFill>
+                        <a:srgbClr val="000000"/>
+                      </a:solidFill>
+                      <a:prstDash val="solid"/>
+                      <a:round/>
+                      <a:headEnd type="none" w="med" len="med"/>
+                      <a:tailEnd type="none" w="med" len="med"/>
+                    </a:lnR>
+                    <a:lnT w="6350" cap="flat" cmpd="sng" algn="ctr">
+                      <a:solidFill>
+                        <a:srgbClr val="000000"/>
+                      </a:solidFill>
+                      <a:prstDash val="solid"/>
+                      <a:round/>
+                      <a:headEnd type="none" w="med" len="med"/>
+                      <a:tailEnd type="none" w="med" len="med"/>
+                    </a:lnT>
+                    <a:lnB w="6350" cap="flat" cmpd="sng" algn="ctr">
+                      <a:solidFill>
+                        <a:srgbClr val="000000"/>
+                      </a:solidFill>
+                      <a:prstDash val="solid"/>
+                      <a:round/>
+                      <a:headEnd type="none" w="med" len="med"/>
+                      <a:tailEnd type="none" w="med" len="med"/>
+                    </a:lnB>
+                    <a:solidFill>
+                      <a:srgbClr val="FFFFFF"/>
+                    </a:solidFill>
+                  </a:tcPr>
+                </a:tc>
+                <a:tc hMerge="1">
+                  <a:txBody>
+                    <a:bodyPr/>
+                    <a:lstStyle/>
+                    <a:p>
+                      <a:pPr latinLnBrk="1"/>
+                      <a:endParaRPr lang="ko-KR" altLang="en-US"/>
+                    </a:p>
+                  </a:txBody>
+                  <a:tcPr/>
+                </a:tc>
+                <a:extLst>
+                  <a:ext uri="{0D108BD9-81ED-4DB2-BD59-A6C34878D82A}">
+                    <a16:rowId xmlns:a16="http://schemas.microsoft.com/office/drawing/2014/main" val="2772756350"/>
+                  </a:ext>
+                </a:extLst>
+              </a:tr>
+            </a:tbl>
+          </a:graphicData>
+        </a:graphic>
+      </p:graphicFrame>
+      <p:sp>
+        <p:nvSpPr>
+          <p:cNvPr id="17" name="직사각형 16">
+            <a:extLst>
+              <a:ext uri="{FF2B5EF4-FFF2-40B4-BE49-F238E27FC236}">
+                <a16:creationId xmlns:a16="http://schemas.microsoft.com/office/drawing/2014/main" id="{7F2FB2F3-D278-489E-A6B6-0E0B8C4921B2}"/>
+              </a:ext>
+            </a:extLst>
+          </p:cNvPr>
+          <p:cNvSpPr/>
+          <p:nvPr/>
+        </p:nvSpPr>
+        <p:spPr>
+          <a:xfrm>
+            <a:off x="5865558" y="2622611"/>
+            <a:ext cx="2287843" cy="1612778"/>
+          </a:xfrm>
+          <a:prstGeom prst="rect">
+            <a:avLst/>
+          </a:prstGeom>
+          <a:noFill/>
+          <a:ln w="19050">
+            <a:noFill/>
+          </a:ln>
+        </p:spPr>
+        <p:style>
+          <a:lnRef idx="2">
+            <a:schemeClr val="accent1">
+              <a:shade val="50000"/>
+            </a:schemeClr>
+          </a:lnRef>
+          <a:fillRef idx="1">
+            <a:schemeClr val="accent1"/>
+          </a:fillRef>
+          <a:effectRef idx="0">
+            <a:schemeClr val="accent1"/>
+          </a:effectRef>
+          <a:fontRef idx="minor">
+            <a:schemeClr val="lt1"/>
+          </a:fontRef>
+        </p:style>
+        <p:txBody>
+          <a:bodyPr rtlCol="0" anchor="ctr"/>
+          <a:lstStyle/>
+          <a:p>
+            <a:pPr algn="l" fontAlgn="ctr"/>
+            <a:r>
+              <a:rPr lang="ko-KR" altLang="en-US" dirty="0">
+                <a:solidFill>
+                  <a:schemeClr val="bg1"/>
+                </a:solidFill>
+                <a:latin typeface="맑은 고딕" panose="020B0503020000020004" pitchFamily="50" charset="-127"/>
+                <a:ea typeface="맑은 고딕" panose="020B0503020000020004" pitchFamily="50" charset="-127"/>
+              </a:rPr>
+              <a:t>각 변수에 알맞은</a:t>
+            </a:r>
+            <a:endParaRPr lang="en-US" altLang="ko-KR" dirty="0">
+              <a:solidFill>
+                <a:schemeClr val="bg1"/>
+              </a:solidFill>
+              <a:latin typeface="맑은 고딕" panose="020B0503020000020004" pitchFamily="50" charset="-127"/>
+              <a:ea typeface="맑은 고딕" panose="020B0503020000020004" pitchFamily="50" charset="-127"/>
+            </a:endParaRPr>
+          </a:p>
+          <a:p>
+            <a:pPr algn="l" fontAlgn="ctr"/>
+            <a:r>
+              <a:rPr lang="ko-KR" altLang="en-US" dirty="0">
+                <a:solidFill>
+                  <a:schemeClr val="bg1"/>
+                </a:solidFill>
+                <a:latin typeface="맑은 고딕" panose="020B0503020000020004" pitchFamily="50" charset="-127"/>
+                <a:ea typeface="맑은 고딕" panose="020B0503020000020004" pitchFamily="50" charset="-127"/>
+              </a:rPr>
+              <a:t>데이터 처리를 진행</a:t>
+            </a:r>
+            <a:endParaRPr lang="en-US" altLang="ko-KR" sz="1800" b="0" i="0" u="none" strike="noStrike" dirty="0">
+              <a:solidFill>
+                <a:schemeClr val="bg1"/>
+              </a:solidFill>
+              <a:effectLst/>
+              <a:latin typeface="맑은 고딕" panose="020B0503020000020004" pitchFamily="50" charset="-127"/>
+              <a:ea typeface="맑은 고딕" panose="020B0503020000020004" pitchFamily="50" charset="-127"/>
+            </a:endParaRPr>
+          </a:p>
+          <a:p>
+            <a:endParaRPr lang="en-US" altLang="ko-KR" dirty="0">
+              <a:solidFill>
+                <a:srgbClr val="FFFFFF"/>
+              </a:solidFill>
+            </a:endParaRPr>
+          </a:p>
+        </p:txBody>
+      </p:sp>
+    </p:spTree>
+    <p:extLst>
+      <p:ext uri="{BB962C8B-B14F-4D97-AF65-F5344CB8AC3E}">
+        <p14:creationId xmlns:p14="http://schemas.microsoft.com/office/powerpoint/2010/main" val="379659381"/>
+      </p:ext>
+    </p:extLst>
+  </p:cSld>
+  <p:clrMapOvr>
+    <a:masterClrMapping/>
+  </p:clrMapOvr>
+</p:sld>
+</file>
+
+<file path=ppt/slides/slide3.xml><?xml version="1.0" encoding="utf-8"?>
+<p:sld xmlns:a="http://schemas.openxmlformats.org/drawingml/2006/main" xmlns:r="http://schemas.openxmlformats.org/officeDocument/2006/relationships" xmlns:p="http://schemas.openxmlformats.org/presentationml/2006/main">
+  <p:cSld>
+    <p:spTree>
+      <p:nvGrpSpPr>
+        <p:cNvPr id="1" name=""/>
+        <p:cNvGrpSpPr/>
+        <p:nvPr/>
+      </p:nvGrpSpPr>
+      <p:grpSpPr>
+        <a:xfrm>
+          <a:off x="0" y="0"/>
+          <a:ext cx="0" cy="0"/>
+          <a:chOff x="0" y="0"/>
+          <a:chExt cx="0" cy="0"/>
+        </a:xfrm>
+      </p:grpSpPr>
       <p:pic>
         <p:nvPicPr>
           <p:cNvPr id="2" name="그림 1"/>

--- a/회의록/olist프로젝트 .pptx
+++ b/회의록/olist프로젝트 .pptx
@@ -5,12 +5,13 @@
     <p:sldMasterId id="2147483660" r:id="rId1"/>
   </p:sldMasterIdLst>
   <p:notesMasterIdLst>
-    <p:notesMasterId r:id="rId5"/>
+    <p:notesMasterId r:id="rId6"/>
   </p:notesMasterIdLst>
   <p:sldIdLst>
     <p:sldId id="332" r:id="rId2"/>
     <p:sldId id="333" r:id="rId3"/>
-    <p:sldId id="321" r:id="rId4"/>
+    <p:sldId id="309" r:id="rId4"/>
+    <p:sldId id="321" r:id="rId5"/>
   </p:sldIdLst>
   <p:sldSz cx="9906000" cy="6858000" type="A4"/>
   <p:notesSz cx="6858000" cy="9144000"/>
@@ -116,6 +117,7 @@
           <p14:sldIdLst>
             <p14:sldId id="332"/>
             <p14:sldId id="333"/>
+            <p14:sldId id="309"/>
             <p14:sldId id="321"/>
           </p14:sldIdLst>
         </p14:section>
@@ -23717,6 +23719,3090 @@
           <a:chExt cx="0" cy="0"/>
         </a:xfrm>
       </p:grpSpPr>
+      <p:sp>
+        <p:nvSpPr>
+          <p:cNvPr id="10" name="직사각형 9"/>
+          <p:cNvSpPr/>
+          <p:nvPr/>
+        </p:nvSpPr>
+        <p:spPr>
+          <a:xfrm>
+            <a:off x="0" y="-4763"/>
+            <a:ext cx="9906000" cy="1331119"/>
+          </a:xfrm>
+          <a:prstGeom prst="rect">
+            <a:avLst/>
+          </a:prstGeom>
+          <a:solidFill>
+            <a:schemeClr val="bg2"/>
+          </a:solidFill>
+          <a:ln>
+            <a:noFill/>
+          </a:ln>
+        </p:spPr>
+        <p:style>
+          <a:lnRef idx="2">
+            <a:schemeClr val="accent1">
+              <a:shade val="50000"/>
+            </a:schemeClr>
+          </a:lnRef>
+          <a:fillRef idx="1">
+            <a:schemeClr val="accent1"/>
+          </a:fillRef>
+          <a:effectRef idx="0">
+            <a:schemeClr val="accent1"/>
+          </a:effectRef>
+          <a:fontRef idx="minor">
+            <a:schemeClr val="lt1"/>
+          </a:fontRef>
+        </p:style>
+        <p:txBody>
+          <a:bodyPr rtlCol="0" anchor="ctr"/>
+          <a:lstStyle/>
+          <a:p>
+            <a:pPr algn="ctr"/>
+            <a:endParaRPr lang="ko-KR" altLang="en-US" sz="1463"/>
+          </a:p>
+        </p:txBody>
+      </p:sp>
+      <p:cxnSp>
+        <p:nvCxnSpPr>
+          <p:cNvPr id="11" name="직선 연결선 10"/>
+          <p:cNvCxnSpPr/>
+          <p:nvPr/>
+        </p:nvCxnSpPr>
+        <p:spPr>
+          <a:xfrm>
+            <a:off x="-13494" y="330916"/>
+            <a:ext cx="1620044" cy="0"/>
+          </a:xfrm>
+          <a:prstGeom prst="line">
+            <a:avLst/>
+          </a:prstGeom>
+          <a:ln>
+            <a:solidFill>
+              <a:schemeClr val="accent4"/>
+            </a:solidFill>
+          </a:ln>
+        </p:spPr>
+        <p:style>
+          <a:lnRef idx="1">
+            <a:schemeClr val="accent1"/>
+          </a:lnRef>
+          <a:fillRef idx="0">
+            <a:schemeClr val="accent1"/>
+          </a:fillRef>
+          <a:effectRef idx="0">
+            <a:schemeClr val="accent1"/>
+          </a:effectRef>
+          <a:fontRef idx="minor">
+            <a:schemeClr val="tx1"/>
+          </a:fontRef>
+        </p:style>
+      </p:cxnSp>
+      <p:sp>
+        <p:nvSpPr>
+          <p:cNvPr id="12" name="TextBox 11"/>
+          <p:cNvSpPr txBox="1"/>
+          <p:nvPr/>
+        </p:nvSpPr>
+        <p:spPr>
+          <a:xfrm>
+            <a:off x="6350" y="47509"/>
+            <a:ext cx="1048429" cy="276999"/>
+          </a:xfrm>
+          <a:prstGeom prst="rect">
+            <a:avLst/>
+          </a:prstGeom>
+          <a:noFill/>
+        </p:spPr>
+        <p:txBody>
+          <a:bodyPr wrap="none" rtlCol="0">
+            <a:spAutoFit/>
+          </a:bodyPr>
+          <a:lstStyle/>
+          <a:p>
+            <a:r>
+              <a:rPr lang="en-US" altLang="ko-KR" sz="1200" spc="-122" dirty="0">
+                <a:solidFill>
+                  <a:schemeClr val="accent4"/>
+                </a:solidFill>
+              </a:rPr>
+              <a:t>Machine Learning</a:t>
+            </a:r>
+            <a:endParaRPr lang="ko-KR" altLang="en-US" sz="1200" spc="-122" dirty="0">
+              <a:solidFill>
+                <a:schemeClr val="accent4"/>
+              </a:solidFill>
+            </a:endParaRPr>
+          </a:p>
+        </p:txBody>
+      </p:sp>
+      <p:sp>
+        <p:nvSpPr>
+          <p:cNvPr id="13" name="TextBox 12"/>
+          <p:cNvSpPr txBox="1"/>
+          <p:nvPr/>
+        </p:nvSpPr>
+        <p:spPr>
+          <a:xfrm>
+            <a:off x="748174" y="525309"/>
+            <a:ext cx="611066" cy="492443"/>
+          </a:xfrm>
+          <a:prstGeom prst="rect">
+            <a:avLst/>
+          </a:prstGeom>
+          <a:noFill/>
+        </p:spPr>
+        <p:txBody>
+          <a:bodyPr wrap="none" rtlCol="0">
+            <a:spAutoFit/>
+          </a:bodyPr>
+          <a:lstStyle/>
+          <a:p>
+            <a:pPr algn="r"/>
+            <a:r>
+              <a:rPr lang="en-US" altLang="ko-KR" sz="2600" b="1" dirty="0">
+                <a:solidFill>
+                  <a:schemeClr val="accent4"/>
+                </a:solidFill>
+              </a:rPr>
+              <a:t>4.1</a:t>
+            </a:r>
+            <a:endParaRPr lang="ko-KR" altLang="en-US" sz="2600" b="1" dirty="0">
+              <a:solidFill>
+                <a:schemeClr val="accent4"/>
+              </a:solidFill>
+            </a:endParaRPr>
+          </a:p>
+        </p:txBody>
+      </p:sp>
+      <p:sp>
+        <p:nvSpPr>
+          <p:cNvPr id="14" name="TextBox 13"/>
+          <p:cNvSpPr txBox="1"/>
+          <p:nvPr/>
+        </p:nvSpPr>
+        <p:spPr>
+          <a:xfrm>
+            <a:off x="1369480" y="519358"/>
+            <a:ext cx="2061270" cy="467500"/>
+          </a:xfrm>
+          <a:prstGeom prst="rect">
+            <a:avLst/>
+          </a:prstGeom>
+          <a:noFill/>
+        </p:spPr>
+        <p:txBody>
+          <a:bodyPr wrap="none" rtlCol="0">
+            <a:spAutoFit/>
+          </a:bodyPr>
+          <a:lstStyle/>
+          <a:p>
+            <a:r>
+              <a:rPr lang="ko-KR" altLang="en-US" sz="2438" spc="-122" dirty="0">
+                <a:solidFill>
+                  <a:schemeClr val="accent4"/>
+                </a:solidFill>
+                <a:latin typeface="+mj-ea"/>
+                <a:ea typeface="+mj-ea"/>
+              </a:rPr>
+              <a:t>프로젝트 시현</a:t>
+            </a:r>
+          </a:p>
+        </p:txBody>
+      </p:sp>
+      <p:sp>
+        <p:nvSpPr>
+          <p:cNvPr id="15" name="TextBox 14"/>
+          <p:cNvSpPr txBox="1"/>
+          <p:nvPr/>
+        </p:nvSpPr>
+        <p:spPr>
+          <a:xfrm>
+            <a:off x="1377417" y="954793"/>
+            <a:ext cx="1600951" cy="276999"/>
+          </a:xfrm>
+          <a:prstGeom prst="rect">
+            <a:avLst/>
+          </a:prstGeom>
+          <a:noFill/>
+        </p:spPr>
+        <p:txBody>
+          <a:bodyPr wrap="none" rtlCol="0">
+            <a:spAutoFit/>
+          </a:bodyPr>
+          <a:lstStyle/>
+          <a:p>
+            <a:r>
+              <a:rPr lang="en-US" altLang="ko-KR" sz="1200" dirty="0">
+                <a:solidFill>
+                  <a:schemeClr val="accent4"/>
+                </a:solidFill>
+              </a:rPr>
+              <a:t>Project Demonstration</a:t>
+            </a:r>
+          </a:p>
+        </p:txBody>
+      </p:sp>
+      <p:sp>
+        <p:nvSpPr>
+          <p:cNvPr id="9" name="직사각형 8"/>
+          <p:cNvSpPr/>
+          <p:nvPr/>
+        </p:nvSpPr>
+        <p:spPr>
+          <a:xfrm>
+            <a:off x="1354968" y="1993900"/>
+            <a:ext cx="7200000" cy="4329912"/>
+          </a:xfrm>
+          <a:prstGeom prst="rect">
+            <a:avLst/>
+          </a:prstGeom>
+          <a:solidFill>
+            <a:srgbClr val="44546A"/>
+          </a:solidFill>
+          <a:ln>
+            <a:noFill/>
+          </a:ln>
+        </p:spPr>
+        <p:style>
+          <a:lnRef idx="2">
+            <a:schemeClr val="accent1">
+              <a:shade val="50000"/>
+            </a:schemeClr>
+          </a:lnRef>
+          <a:fillRef idx="1">
+            <a:schemeClr val="accent1"/>
+          </a:fillRef>
+          <a:effectRef idx="0">
+            <a:schemeClr val="accent1"/>
+          </a:effectRef>
+          <a:fontRef idx="minor">
+            <a:schemeClr val="lt1"/>
+          </a:fontRef>
+        </p:style>
+        <p:txBody>
+          <a:bodyPr rtlCol="0" anchor="ctr"/>
+          <a:lstStyle/>
+          <a:p>
+            <a:endParaRPr lang="ko-KR" altLang="en-US" dirty="0"/>
+          </a:p>
+        </p:txBody>
+      </p:sp>
+      <p:graphicFrame>
+        <p:nvGraphicFramePr>
+          <p:cNvPr id="5" name="표 4">
+            <a:extLst>
+              <a:ext uri="{FF2B5EF4-FFF2-40B4-BE49-F238E27FC236}">
+                <a16:creationId xmlns:a16="http://schemas.microsoft.com/office/drawing/2014/main" id="{74308808-350E-496F-97B3-6BC3BE0724F8}"/>
+              </a:ext>
+            </a:extLst>
+          </p:cNvPr>
+          <p:cNvGraphicFramePr>
+            <a:graphicFrameLocks noGrp="1"/>
+          </p:cNvGraphicFramePr>
+          <p:nvPr/>
+        </p:nvGraphicFramePr>
+        <p:xfrm>
+          <a:off x="2082800" y="3274936"/>
+          <a:ext cx="2870200" cy="1767840"/>
+        </p:xfrm>
+        <a:graphic>
+          <a:graphicData uri="http://schemas.openxmlformats.org/drawingml/2006/table">
+            <a:tbl>
+              <a:tblPr/>
+              <a:tblGrid>
+                <a:gridCol w="1524000">
+                  <a:extLst>
+                    <a:ext uri="{9D8B030D-6E8A-4147-A177-3AD203B41FA5}">
+                      <a16:colId xmlns:a16="http://schemas.microsoft.com/office/drawing/2014/main" val="3659616609"/>
+                    </a:ext>
+                  </a:extLst>
+                </a:gridCol>
+                <a:gridCol w="673100">
+                  <a:extLst>
+                    <a:ext uri="{9D8B030D-6E8A-4147-A177-3AD203B41FA5}">
+                      <a16:colId xmlns:a16="http://schemas.microsoft.com/office/drawing/2014/main" val="2317651649"/>
+                    </a:ext>
+                  </a:extLst>
+                </a:gridCol>
+                <a:gridCol w="673100">
+                  <a:extLst>
+                    <a:ext uri="{9D8B030D-6E8A-4147-A177-3AD203B41FA5}">
+                      <a16:colId xmlns:a16="http://schemas.microsoft.com/office/drawing/2014/main" val="1278353335"/>
+                    </a:ext>
+                  </a:extLst>
+                </a:gridCol>
+              </a:tblGrid>
+              <a:tr h="220980">
+                <a:tc>
+                  <a:txBody>
+                    <a:bodyPr/>
+                    <a:lstStyle/>
+                    <a:p>
+                      <a:pPr algn="l" fontAlgn="ctr"/>
+                      <a:r>
+                        <a:rPr lang="ko-KR" altLang="en-US" sz="1100" b="0" i="0" u="none" strike="noStrike">
+                          <a:solidFill>
+                            <a:srgbClr val="000000"/>
+                          </a:solidFill>
+                          <a:effectLst/>
+                          <a:latin typeface="맑은 고딕" panose="020B0503020000020004" pitchFamily="50" charset="-127"/>
+                          <a:ea typeface="맑은 고딕" panose="020B0503020000020004" pitchFamily="50" charset="-127"/>
+                        </a:rPr>
+                        <a:t>이름</a:t>
+                      </a:r>
+                    </a:p>
+                  </a:txBody>
+                  <a:tcPr marL="7620" marR="7620" marT="7620" marB="0" anchor="ctr">
+                    <a:lnL w="6350" cap="flat" cmpd="sng" algn="ctr">
+                      <a:solidFill>
+                        <a:srgbClr val="000000"/>
+                      </a:solidFill>
+                      <a:prstDash val="solid"/>
+                      <a:round/>
+                      <a:headEnd type="none" w="med" len="med"/>
+                      <a:tailEnd type="none" w="med" len="med"/>
+                    </a:lnL>
+                    <a:lnR w="6350" cap="flat" cmpd="sng" algn="ctr">
+                      <a:solidFill>
+                        <a:srgbClr val="000000"/>
+                      </a:solidFill>
+                      <a:prstDash val="solid"/>
+                      <a:round/>
+                      <a:headEnd type="none" w="med" len="med"/>
+                      <a:tailEnd type="none" w="med" len="med"/>
+                    </a:lnR>
+                    <a:lnT w="6350" cap="flat" cmpd="sng" algn="ctr">
+                      <a:solidFill>
+                        <a:srgbClr val="000000"/>
+                      </a:solidFill>
+                      <a:prstDash val="solid"/>
+                      <a:round/>
+                      <a:headEnd type="none" w="med" len="med"/>
+                      <a:tailEnd type="none" w="med" len="med"/>
+                    </a:lnT>
+                    <a:lnB w="6350" cap="flat" cmpd="sng" algn="ctr">
+                      <a:solidFill>
+                        <a:srgbClr val="000000"/>
+                      </a:solidFill>
+                      <a:prstDash val="solid"/>
+                      <a:round/>
+                      <a:headEnd type="none" w="med" len="med"/>
+                      <a:tailEnd type="none" w="med" len="med"/>
+                    </a:lnB>
+                    <a:solidFill>
+                      <a:srgbClr val="C6E0B4"/>
+                    </a:solidFill>
+                  </a:tcPr>
+                </a:tc>
+                <a:tc>
+                  <a:txBody>
+                    <a:bodyPr/>
+                    <a:lstStyle/>
+                    <a:p>
+                      <a:pPr algn="l" fontAlgn="ctr"/>
+                      <a:r>
+                        <a:rPr lang="ko-KR" altLang="en-US" sz="1100" b="0" i="0" u="none" strike="noStrike">
+                          <a:solidFill>
+                            <a:srgbClr val="000000"/>
+                          </a:solidFill>
+                          <a:effectLst/>
+                          <a:latin typeface="맑은 고딕" panose="020B0503020000020004" pitchFamily="50" charset="-127"/>
+                          <a:ea typeface="맑은 고딕" panose="020B0503020000020004" pitchFamily="50" charset="-127"/>
+                        </a:rPr>
+                        <a:t>타입</a:t>
+                      </a:r>
+                    </a:p>
+                  </a:txBody>
+                  <a:tcPr marL="7620" marR="7620" marT="7620" marB="0" anchor="ctr">
+                    <a:lnL w="6350" cap="flat" cmpd="sng" algn="ctr">
+                      <a:solidFill>
+                        <a:srgbClr val="000000"/>
+                      </a:solidFill>
+                      <a:prstDash val="solid"/>
+                      <a:round/>
+                      <a:headEnd type="none" w="med" len="med"/>
+                      <a:tailEnd type="none" w="med" len="med"/>
+                    </a:lnL>
+                    <a:lnR w="6350" cap="flat" cmpd="sng" algn="ctr">
+                      <a:solidFill>
+                        <a:srgbClr val="000000"/>
+                      </a:solidFill>
+                      <a:prstDash val="solid"/>
+                      <a:round/>
+                      <a:headEnd type="none" w="med" len="med"/>
+                      <a:tailEnd type="none" w="med" len="med"/>
+                    </a:lnR>
+                    <a:lnT w="6350" cap="flat" cmpd="sng" algn="ctr">
+                      <a:solidFill>
+                        <a:srgbClr val="000000"/>
+                      </a:solidFill>
+                      <a:prstDash val="solid"/>
+                      <a:round/>
+                      <a:headEnd type="none" w="med" len="med"/>
+                      <a:tailEnd type="none" w="med" len="med"/>
+                    </a:lnT>
+                    <a:lnB w="6350" cap="flat" cmpd="sng" algn="ctr">
+                      <a:solidFill>
+                        <a:srgbClr val="000000"/>
+                      </a:solidFill>
+                      <a:prstDash val="solid"/>
+                      <a:round/>
+                      <a:headEnd type="none" w="med" len="med"/>
+                      <a:tailEnd type="none" w="med" len="med"/>
+                    </a:lnB>
+                    <a:solidFill>
+                      <a:srgbClr val="C6E0B4"/>
+                    </a:solidFill>
+                  </a:tcPr>
+                </a:tc>
+                <a:tc>
+                  <a:txBody>
+                    <a:bodyPr/>
+                    <a:lstStyle/>
+                    <a:p>
+                      <a:pPr algn="l" fontAlgn="ctr"/>
+                      <a:r>
+                        <a:rPr lang="ko-KR" altLang="en-US" sz="1100" b="0" i="0" u="none" strike="noStrike">
+                          <a:solidFill>
+                            <a:srgbClr val="000000"/>
+                          </a:solidFill>
+                          <a:effectLst/>
+                          <a:latin typeface="맑은 고딕" panose="020B0503020000020004" pitchFamily="50" charset="-127"/>
+                          <a:ea typeface="맑은 고딕" panose="020B0503020000020004" pitchFamily="50" charset="-127"/>
+                        </a:rPr>
+                        <a:t>한글명</a:t>
+                      </a:r>
+                    </a:p>
+                  </a:txBody>
+                  <a:tcPr marL="7620" marR="7620" marT="7620" marB="0" anchor="ctr">
+                    <a:lnL w="6350" cap="flat" cmpd="sng" algn="ctr">
+                      <a:solidFill>
+                        <a:srgbClr val="000000"/>
+                      </a:solidFill>
+                      <a:prstDash val="solid"/>
+                      <a:round/>
+                      <a:headEnd type="none" w="med" len="med"/>
+                      <a:tailEnd type="none" w="med" len="med"/>
+                    </a:lnL>
+                    <a:lnR w="6350" cap="flat" cmpd="sng" algn="ctr">
+                      <a:solidFill>
+                        <a:srgbClr val="000000"/>
+                      </a:solidFill>
+                      <a:prstDash val="solid"/>
+                      <a:round/>
+                      <a:headEnd type="none" w="med" len="med"/>
+                      <a:tailEnd type="none" w="med" len="med"/>
+                    </a:lnR>
+                    <a:lnT w="6350" cap="flat" cmpd="sng" algn="ctr">
+                      <a:solidFill>
+                        <a:srgbClr val="000000"/>
+                      </a:solidFill>
+                      <a:prstDash val="solid"/>
+                      <a:round/>
+                      <a:headEnd type="none" w="med" len="med"/>
+                      <a:tailEnd type="none" w="med" len="med"/>
+                    </a:lnT>
+                    <a:lnB w="6350" cap="flat" cmpd="sng" algn="ctr">
+                      <a:solidFill>
+                        <a:srgbClr val="000000"/>
+                      </a:solidFill>
+                      <a:prstDash val="solid"/>
+                      <a:round/>
+                      <a:headEnd type="none" w="med" len="med"/>
+                      <a:tailEnd type="none" w="med" len="med"/>
+                    </a:lnB>
+                    <a:solidFill>
+                      <a:srgbClr val="C6E0B4"/>
+                    </a:solidFill>
+                  </a:tcPr>
+                </a:tc>
+                <a:extLst>
+                  <a:ext uri="{0D108BD9-81ED-4DB2-BD59-A6C34878D82A}">
+                    <a16:rowId xmlns:a16="http://schemas.microsoft.com/office/drawing/2014/main" val="4132610168"/>
+                  </a:ext>
+                </a:extLst>
+              </a:tr>
+              <a:tr h="220980">
+                <a:tc>
+                  <a:txBody>
+                    <a:bodyPr/>
+                    <a:lstStyle/>
+                    <a:p>
+                      <a:pPr algn="l" fontAlgn="ctr"/>
+                      <a:r>
+                        <a:rPr lang="en-US" sz="1100" b="0" i="0" u="none" strike="noStrike">
+                          <a:solidFill>
+                            <a:srgbClr val="000000"/>
+                          </a:solidFill>
+                          <a:effectLst/>
+                          <a:latin typeface="맑은 고딕" panose="020B0503020000020004" pitchFamily="50" charset="-127"/>
+                          <a:ea typeface="맑은 고딕" panose="020B0503020000020004" pitchFamily="50" charset="-127"/>
+                        </a:rPr>
+                        <a:t>PRODUCT_ID</a:t>
+                      </a:r>
+                    </a:p>
+                  </a:txBody>
+                  <a:tcPr marL="7620" marR="7620" marT="7620" marB="0" anchor="ctr">
+                    <a:lnL w="6350" cap="flat" cmpd="sng" algn="ctr">
+                      <a:solidFill>
+                        <a:srgbClr val="000000"/>
+                      </a:solidFill>
+                      <a:prstDash val="solid"/>
+                      <a:round/>
+                      <a:headEnd type="none" w="med" len="med"/>
+                      <a:tailEnd type="none" w="med" len="med"/>
+                    </a:lnL>
+                    <a:lnR w="6350" cap="flat" cmpd="sng" algn="ctr">
+                      <a:solidFill>
+                        <a:srgbClr val="000000"/>
+                      </a:solidFill>
+                      <a:prstDash val="solid"/>
+                      <a:round/>
+                      <a:headEnd type="none" w="med" len="med"/>
+                      <a:tailEnd type="none" w="med" len="med"/>
+                    </a:lnR>
+                    <a:lnT w="6350" cap="flat" cmpd="sng" algn="ctr">
+                      <a:solidFill>
+                        <a:srgbClr val="000000"/>
+                      </a:solidFill>
+                      <a:prstDash val="solid"/>
+                      <a:round/>
+                      <a:headEnd type="none" w="med" len="med"/>
+                      <a:tailEnd type="none" w="med" len="med"/>
+                    </a:lnT>
+                    <a:lnB w="6350" cap="flat" cmpd="sng" algn="ctr">
+                      <a:solidFill>
+                        <a:srgbClr val="000000"/>
+                      </a:solidFill>
+                      <a:prstDash val="solid"/>
+                      <a:round/>
+                      <a:headEnd type="none" w="med" len="med"/>
+                      <a:tailEnd type="none" w="med" len="med"/>
+                    </a:lnB>
+                    <a:solidFill>
+                      <a:srgbClr val="FFFFFF"/>
+                    </a:solidFill>
+                  </a:tcPr>
+                </a:tc>
+                <a:tc>
+                  <a:txBody>
+                    <a:bodyPr/>
+                    <a:lstStyle/>
+                    <a:p>
+                      <a:pPr algn="l" fontAlgn="ctr"/>
+                      <a:r>
+                        <a:rPr lang="en-US" sz="1100" b="0" i="0" u="none" strike="noStrike">
+                          <a:solidFill>
+                            <a:srgbClr val="000000"/>
+                          </a:solidFill>
+                          <a:effectLst/>
+                          <a:latin typeface="맑은 고딕" panose="020B0503020000020004" pitchFamily="50" charset="-127"/>
+                          <a:ea typeface="맑은 고딕" panose="020B0503020000020004" pitchFamily="50" charset="-127"/>
+                        </a:rPr>
+                        <a:t>TEXT</a:t>
+                      </a:r>
+                    </a:p>
+                  </a:txBody>
+                  <a:tcPr marL="7620" marR="7620" marT="7620" marB="0" anchor="ctr">
+                    <a:lnL w="6350" cap="flat" cmpd="sng" algn="ctr">
+                      <a:solidFill>
+                        <a:srgbClr val="000000"/>
+                      </a:solidFill>
+                      <a:prstDash val="solid"/>
+                      <a:round/>
+                      <a:headEnd type="none" w="med" len="med"/>
+                      <a:tailEnd type="none" w="med" len="med"/>
+                    </a:lnL>
+                    <a:lnR w="6350" cap="flat" cmpd="sng" algn="ctr">
+                      <a:solidFill>
+                        <a:srgbClr val="000000"/>
+                      </a:solidFill>
+                      <a:prstDash val="solid"/>
+                      <a:round/>
+                      <a:headEnd type="none" w="med" len="med"/>
+                      <a:tailEnd type="none" w="med" len="med"/>
+                    </a:lnR>
+                    <a:lnT w="6350" cap="flat" cmpd="sng" algn="ctr">
+                      <a:solidFill>
+                        <a:srgbClr val="000000"/>
+                      </a:solidFill>
+                      <a:prstDash val="solid"/>
+                      <a:round/>
+                      <a:headEnd type="none" w="med" len="med"/>
+                      <a:tailEnd type="none" w="med" len="med"/>
+                    </a:lnT>
+                    <a:lnB w="6350" cap="flat" cmpd="sng" algn="ctr">
+                      <a:solidFill>
+                        <a:srgbClr val="000000"/>
+                      </a:solidFill>
+                      <a:prstDash val="solid"/>
+                      <a:round/>
+                      <a:headEnd type="none" w="med" len="med"/>
+                      <a:tailEnd type="none" w="med" len="med"/>
+                    </a:lnB>
+                    <a:solidFill>
+                      <a:srgbClr val="FFFFFF"/>
+                    </a:solidFill>
+                  </a:tcPr>
+                </a:tc>
+                <a:tc>
+                  <a:txBody>
+                    <a:bodyPr/>
+                    <a:lstStyle/>
+                    <a:p>
+                      <a:pPr algn="l" fontAlgn="ctr"/>
+                      <a:r>
+                        <a:rPr lang="ko-KR" altLang="en-US" sz="1100" b="0" i="0" u="none" strike="noStrike">
+                          <a:solidFill>
+                            <a:srgbClr val="000000"/>
+                          </a:solidFill>
+                          <a:effectLst/>
+                          <a:latin typeface="맑은 고딕" panose="020B0503020000020004" pitchFamily="50" charset="-127"/>
+                          <a:ea typeface="맑은 고딕" panose="020B0503020000020004" pitchFamily="50" charset="-127"/>
+                        </a:rPr>
+                        <a:t>상품</a:t>
+                      </a:r>
+                      <a:r>
+                        <a:rPr lang="en-US" sz="1100" b="0" i="0" u="none" strike="noStrike">
+                          <a:solidFill>
+                            <a:srgbClr val="000000"/>
+                          </a:solidFill>
+                          <a:effectLst/>
+                          <a:latin typeface="맑은 고딕" panose="020B0503020000020004" pitchFamily="50" charset="-127"/>
+                          <a:ea typeface="맑은 고딕" panose="020B0503020000020004" pitchFamily="50" charset="-127"/>
+                        </a:rPr>
+                        <a:t>ID</a:t>
+                      </a:r>
+                    </a:p>
+                  </a:txBody>
+                  <a:tcPr marL="7620" marR="7620" marT="7620" marB="0" anchor="ctr">
+                    <a:lnL w="6350" cap="flat" cmpd="sng" algn="ctr">
+                      <a:solidFill>
+                        <a:srgbClr val="000000"/>
+                      </a:solidFill>
+                      <a:prstDash val="solid"/>
+                      <a:round/>
+                      <a:headEnd type="none" w="med" len="med"/>
+                      <a:tailEnd type="none" w="med" len="med"/>
+                    </a:lnL>
+                    <a:lnR w="6350" cap="flat" cmpd="sng" algn="ctr">
+                      <a:solidFill>
+                        <a:srgbClr val="000000"/>
+                      </a:solidFill>
+                      <a:prstDash val="solid"/>
+                      <a:round/>
+                      <a:headEnd type="none" w="med" len="med"/>
+                      <a:tailEnd type="none" w="med" len="med"/>
+                    </a:lnR>
+                    <a:lnT w="6350" cap="flat" cmpd="sng" algn="ctr">
+                      <a:solidFill>
+                        <a:srgbClr val="000000"/>
+                      </a:solidFill>
+                      <a:prstDash val="solid"/>
+                      <a:round/>
+                      <a:headEnd type="none" w="med" len="med"/>
+                      <a:tailEnd type="none" w="med" len="med"/>
+                    </a:lnT>
+                    <a:lnB w="6350" cap="flat" cmpd="sng" algn="ctr">
+                      <a:solidFill>
+                        <a:srgbClr val="000000"/>
+                      </a:solidFill>
+                      <a:prstDash val="solid"/>
+                      <a:round/>
+                      <a:headEnd type="none" w="med" len="med"/>
+                      <a:tailEnd type="none" w="med" len="med"/>
+                    </a:lnB>
+                    <a:solidFill>
+                      <a:srgbClr val="FFFFFF"/>
+                    </a:solidFill>
+                  </a:tcPr>
+                </a:tc>
+                <a:extLst>
+                  <a:ext uri="{0D108BD9-81ED-4DB2-BD59-A6C34878D82A}">
+                    <a16:rowId xmlns:a16="http://schemas.microsoft.com/office/drawing/2014/main" val="2512559608"/>
+                  </a:ext>
+                </a:extLst>
+              </a:tr>
+              <a:tr h="220980">
+                <a:tc>
+                  <a:txBody>
+                    <a:bodyPr/>
+                    <a:lstStyle/>
+                    <a:p>
+                      <a:pPr algn="l" fontAlgn="ctr"/>
+                      <a:r>
+                        <a:rPr lang="en-US" sz="1100" b="0" i="0" u="none" strike="noStrike">
+                          <a:solidFill>
+                            <a:srgbClr val="000000"/>
+                          </a:solidFill>
+                          <a:effectLst/>
+                          <a:latin typeface="맑은 고딕" panose="020B0503020000020004" pitchFamily="50" charset="-127"/>
+                          <a:ea typeface="맑은 고딕" panose="020B0503020000020004" pitchFamily="50" charset="-127"/>
+                        </a:rPr>
+                        <a:t>SELLER_ID</a:t>
+                      </a:r>
+                    </a:p>
+                  </a:txBody>
+                  <a:tcPr marL="7620" marR="7620" marT="7620" marB="0" anchor="ctr">
+                    <a:lnL w="6350" cap="flat" cmpd="sng" algn="ctr">
+                      <a:solidFill>
+                        <a:srgbClr val="000000"/>
+                      </a:solidFill>
+                      <a:prstDash val="solid"/>
+                      <a:round/>
+                      <a:headEnd type="none" w="med" len="med"/>
+                      <a:tailEnd type="none" w="med" len="med"/>
+                    </a:lnL>
+                    <a:lnR w="6350" cap="flat" cmpd="sng" algn="ctr">
+                      <a:solidFill>
+                        <a:srgbClr val="000000"/>
+                      </a:solidFill>
+                      <a:prstDash val="solid"/>
+                      <a:round/>
+                      <a:headEnd type="none" w="med" len="med"/>
+                      <a:tailEnd type="none" w="med" len="med"/>
+                    </a:lnR>
+                    <a:lnT w="6350" cap="flat" cmpd="sng" algn="ctr">
+                      <a:solidFill>
+                        <a:srgbClr val="000000"/>
+                      </a:solidFill>
+                      <a:prstDash val="solid"/>
+                      <a:round/>
+                      <a:headEnd type="none" w="med" len="med"/>
+                      <a:tailEnd type="none" w="med" len="med"/>
+                    </a:lnT>
+                    <a:lnB w="6350" cap="flat" cmpd="sng" algn="ctr">
+                      <a:solidFill>
+                        <a:srgbClr val="000000"/>
+                      </a:solidFill>
+                      <a:prstDash val="solid"/>
+                      <a:round/>
+                      <a:headEnd type="none" w="med" len="med"/>
+                      <a:tailEnd type="none" w="med" len="med"/>
+                    </a:lnB>
+                    <a:solidFill>
+                      <a:srgbClr val="FFFFFF"/>
+                    </a:solidFill>
+                  </a:tcPr>
+                </a:tc>
+                <a:tc>
+                  <a:txBody>
+                    <a:bodyPr/>
+                    <a:lstStyle/>
+                    <a:p>
+                      <a:pPr algn="l" fontAlgn="ctr"/>
+                      <a:r>
+                        <a:rPr lang="en-US" sz="1100" b="0" i="0" u="none" strike="noStrike">
+                          <a:solidFill>
+                            <a:srgbClr val="000000"/>
+                          </a:solidFill>
+                          <a:effectLst/>
+                          <a:latin typeface="맑은 고딕" panose="020B0503020000020004" pitchFamily="50" charset="-127"/>
+                          <a:ea typeface="맑은 고딕" panose="020B0503020000020004" pitchFamily="50" charset="-127"/>
+                        </a:rPr>
+                        <a:t>TEXT</a:t>
+                      </a:r>
+                    </a:p>
+                  </a:txBody>
+                  <a:tcPr marL="7620" marR="7620" marT="7620" marB="0" anchor="ctr">
+                    <a:lnL w="6350" cap="flat" cmpd="sng" algn="ctr">
+                      <a:solidFill>
+                        <a:srgbClr val="000000"/>
+                      </a:solidFill>
+                      <a:prstDash val="solid"/>
+                      <a:round/>
+                      <a:headEnd type="none" w="med" len="med"/>
+                      <a:tailEnd type="none" w="med" len="med"/>
+                    </a:lnL>
+                    <a:lnR w="6350" cap="flat" cmpd="sng" algn="ctr">
+                      <a:solidFill>
+                        <a:srgbClr val="000000"/>
+                      </a:solidFill>
+                      <a:prstDash val="solid"/>
+                      <a:round/>
+                      <a:headEnd type="none" w="med" len="med"/>
+                      <a:tailEnd type="none" w="med" len="med"/>
+                    </a:lnR>
+                    <a:lnT w="6350" cap="flat" cmpd="sng" algn="ctr">
+                      <a:solidFill>
+                        <a:srgbClr val="000000"/>
+                      </a:solidFill>
+                      <a:prstDash val="solid"/>
+                      <a:round/>
+                      <a:headEnd type="none" w="med" len="med"/>
+                      <a:tailEnd type="none" w="med" len="med"/>
+                    </a:lnT>
+                    <a:lnB w="6350" cap="flat" cmpd="sng" algn="ctr">
+                      <a:solidFill>
+                        <a:srgbClr val="000000"/>
+                      </a:solidFill>
+                      <a:prstDash val="solid"/>
+                      <a:round/>
+                      <a:headEnd type="none" w="med" len="med"/>
+                      <a:tailEnd type="none" w="med" len="med"/>
+                    </a:lnB>
+                    <a:solidFill>
+                      <a:srgbClr val="FFFFFF"/>
+                    </a:solidFill>
+                  </a:tcPr>
+                </a:tc>
+                <a:tc>
+                  <a:txBody>
+                    <a:bodyPr/>
+                    <a:lstStyle/>
+                    <a:p>
+                      <a:pPr algn="l" fontAlgn="ctr"/>
+                      <a:r>
+                        <a:rPr lang="ko-KR" altLang="en-US" sz="1100" b="0" i="0" u="none" strike="noStrike">
+                          <a:solidFill>
+                            <a:srgbClr val="000000"/>
+                          </a:solidFill>
+                          <a:effectLst/>
+                          <a:latin typeface="맑은 고딕" panose="020B0503020000020004" pitchFamily="50" charset="-127"/>
+                          <a:ea typeface="맑은 고딕" panose="020B0503020000020004" pitchFamily="50" charset="-127"/>
+                        </a:rPr>
+                        <a:t>판매자</a:t>
+                      </a:r>
+                      <a:r>
+                        <a:rPr lang="en-US" sz="1100" b="0" i="0" u="none" strike="noStrike">
+                          <a:solidFill>
+                            <a:srgbClr val="000000"/>
+                          </a:solidFill>
+                          <a:effectLst/>
+                          <a:latin typeface="맑은 고딕" panose="020B0503020000020004" pitchFamily="50" charset="-127"/>
+                          <a:ea typeface="맑은 고딕" panose="020B0503020000020004" pitchFamily="50" charset="-127"/>
+                        </a:rPr>
+                        <a:t>ID</a:t>
+                      </a:r>
+                    </a:p>
+                  </a:txBody>
+                  <a:tcPr marL="7620" marR="7620" marT="7620" marB="0" anchor="ctr">
+                    <a:lnL w="6350" cap="flat" cmpd="sng" algn="ctr">
+                      <a:solidFill>
+                        <a:srgbClr val="000000"/>
+                      </a:solidFill>
+                      <a:prstDash val="solid"/>
+                      <a:round/>
+                      <a:headEnd type="none" w="med" len="med"/>
+                      <a:tailEnd type="none" w="med" len="med"/>
+                    </a:lnL>
+                    <a:lnR w="6350" cap="flat" cmpd="sng" algn="ctr">
+                      <a:solidFill>
+                        <a:srgbClr val="000000"/>
+                      </a:solidFill>
+                      <a:prstDash val="solid"/>
+                      <a:round/>
+                      <a:headEnd type="none" w="med" len="med"/>
+                      <a:tailEnd type="none" w="med" len="med"/>
+                    </a:lnR>
+                    <a:lnT w="6350" cap="flat" cmpd="sng" algn="ctr">
+                      <a:solidFill>
+                        <a:srgbClr val="000000"/>
+                      </a:solidFill>
+                      <a:prstDash val="solid"/>
+                      <a:round/>
+                      <a:headEnd type="none" w="med" len="med"/>
+                      <a:tailEnd type="none" w="med" len="med"/>
+                    </a:lnT>
+                    <a:lnB w="6350" cap="flat" cmpd="sng" algn="ctr">
+                      <a:solidFill>
+                        <a:srgbClr val="000000"/>
+                      </a:solidFill>
+                      <a:prstDash val="solid"/>
+                      <a:round/>
+                      <a:headEnd type="none" w="med" len="med"/>
+                      <a:tailEnd type="none" w="med" len="med"/>
+                    </a:lnB>
+                    <a:solidFill>
+                      <a:srgbClr val="FFFFFF"/>
+                    </a:solidFill>
+                  </a:tcPr>
+                </a:tc>
+                <a:extLst>
+                  <a:ext uri="{0D108BD9-81ED-4DB2-BD59-A6C34878D82A}">
+                    <a16:rowId xmlns:a16="http://schemas.microsoft.com/office/drawing/2014/main" val="3581135019"/>
+                  </a:ext>
+                </a:extLst>
+              </a:tr>
+              <a:tr h="220980">
+                <a:tc>
+                  <a:txBody>
+                    <a:bodyPr/>
+                    <a:lstStyle/>
+                    <a:p>
+                      <a:pPr algn="l" fontAlgn="ctr"/>
+                      <a:r>
+                        <a:rPr lang="en-US" sz="1100" b="0" i="0" u="none" strike="noStrike">
+                          <a:solidFill>
+                            <a:srgbClr val="000000"/>
+                          </a:solidFill>
+                          <a:effectLst/>
+                          <a:latin typeface="맑은 고딕" panose="020B0503020000020004" pitchFamily="50" charset="-127"/>
+                          <a:ea typeface="맑은 고딕" panose="020B0503020000020004" pitchFamily="50" charset="-127"/>
+                        </a:rPr>
+                        <a:t>PRODUCT_WEIGHT_G</a:t>
+                      </a:r>
+                    </a:p>
+                  </a:txBody>
+                  <a:tcPr marL="7620" marR="7620" marT="7620" marB="0" anchor="ctr">
+                    <a:lnL w="6350" cap="flat" cmpd="sng" algn="ctr">
+                      <a:solidFill>
+                        <a:srgbClr val="000000"/>
+                      </a:solidFill>
+                      <a:prstDash val="solid"/>
+                      <a:round/>
+                      <a:headEnd type="none" w="med" len="med"/>
+                      <a:tailEnd type="none" w="med" len="med"/>
+                    </a:lnL>
+                    <a:lnR w="6350" cap="flat" cmpd="sng" algn="ctr">
+                      <a:solidFill>
+                        <a:srgbClr val="000000"/>
+                      </a:solidFill>
+                      <a:prstDash val="solid"/>
+                      <a:round/>
+                      <a:headEnd type="none" w="med" len="med"/>
+                      <a:tailEnd type="none" w="med" len="med"/>
+                    </a:lnR>
+                    <a:lnT w="6350" cap="flat" cmpd="sng" algn="ctr">
+                      <a:solidFill>
+                        <a:srgbClr val="000000"/>
+                      </a:solidFill>
+                      <a:prstDash val="solid"/>
+                      <a:round/>
+                      <a:headEnd type="none" w="med" len="med"/>
+                      <a:tailEnd type="none" w="med" len="med"/>
+                    </a:lnT>
+                    <a:lnB w="6350" cap="flat" cmpd="sng" algn="ctr">
+                      <a:solidFill>
+                        <a:srgbClr val="000000"/>
+                      </a:solidFill>
+                      <a:prstDash val="solid"/>
+                      <a:round/>
+                      <a:headEnd type="none" w="med" len="med"/>
+                      <a:tailEnd type="none" w="med" len="med"/>
+                    </a:lnB>
+                    <a:solidFill>
+                      <a:srgbClr val="FFFFFF"/>
+                    </a:solidFill>
+                  </a:tcPr>
+                </a:tc>
+                <a:tc>
+                  <a:txBody>
+                    <a:bodyPr/>
+                    <a:lstStyle/>
+                    <a:p>
+                      <a:pPr algn="l" fontAlgn="ctr"/>
+                      <a:r>
+                        <a:rPr lang="en-US" sz="1100" b="0" i="0" u="none" strike="noStrike">
+                          <a:solidFill>
+                            <a:srgbClr val="000000"/>
+                          </a:solidFill>
+                          <a:effectLst/>
+                          <a:latin typeface="맑은 고딕" panose="020B0503020000020004" pitchFamily="50" charset="-127"/>
+                          <a:ea typeface="맑은 고딕" panose="020B0503020000020004" pitchFamily="50" charset="-127"/>
+                        </a:rPr>
+                        <a:t>NUMERIC</a:t>
+                      </a:r>
+                    </a:p>
+                  </a:txBody>
+                  <a:tcPr marL="7620" marR="7620" marT="7620" marB="0" anchor="ctr">
+                    <a:lnL w="6350" cap="flat" cmpd="sng" algn="ctr">
+                      <a:solidFill>
+                        <a:srgbClr val="000000"/>
+                      </a:solidFill>
+                      <a:prstDash val="solid"/>
+                      <a:round/>
+                      <a:headEnd type="none" w="med" len="med"/>
+                      <a:tailEnd type="none" w="med" len="med"/>
+                    </a:lnL>
+                    <a:lnR w="6350" cap="flat" cmpd="sng" algn="ctr">
+                      <a:solidFill>
+                        <a:srgbClr val="000000"/>
+                      </a:solidFill>
+                      <a:prstDash val="solid"/>
+                      <a:round/>
+                      <a:headEnd type="none" w="med" len="med"/>
+                      <a:tailEnd type="none" w="med" len="med"/>
+                    </a:lnR>
+                    <a:lnT w="6350" cap="flat" cmpd="sng" algn="ctr">
+                      <a:solidFill>
+                        <a:srgbClr val="000000"/>
+                      </a:solidFill>
+                      <a:prstDash val="solid"/>
+                      <a:round/>
+                      <a:headEnd type="none" w="med" len="med"/>
+                      <a:tailEnd type="none" w="med" len="med"/>
+                    </a:lnT>
+                    <a:lnB w="6350" cap="flat" cmpd="sng" algn="ctr">
+                      <a:solidFill>
+                        <a:srgbClr val="000000"/>
+                      </a:solidFill>
+                      <a:prstDash val="solid"/>
+                      <a:round/>
+                      <a:headEnd type="none" w="med" len="med"/>
+                      <a:tailEnd type="none" w="med" len="med"/>
+                    </a:lnB>
+                    <a:solidFill>
+                      <a:srgbClr val="FFFFFF"/>
+                    </a:solidFill>
+                  </a:tcPr>
+                </a:tc>
+                <a:tc>
+                  <a:txBody>
+                    <a:bodyPr/>
+                    <a:lstStyle/>
+                    <a:p>
+                      <a:pPr algn="l" fontAlgn="ctr"/>
+                      <a:r>
+                        <a:rPr lang="ko-KR" altLang="en-US" sz="1100" b="0" i="0" u="none" strike="noStrike">
+                          <a:solidFill>
+                            <a:srgbClr val="000000"/>
+                          </a:solidFill>
+                          <a:effectLst/>
+                          <a:latin typeface="맑은 고딕" panose="020B0503020000020004" pitchFamily="50" charset="-127"/>
+                          <a:ea typeface="맑은 고딕" panose="020B0503020000020004" pitchFamily="50" charset="-127"/>
+                        </a:rPr>
+                        <a:t>상품무게</a:t>
+                      </a:r>
+                    </a:p>
+                  </a:txBody>
+                  <a:tcPr marL="7620" marR="7620" marT="7620" marB="0" anchor="ctr">
+                    <a:lnL w="6350" cap="flat" cmpd="sng" algn="ctr">
+                      <a:solidFill>
+                        <a:srgbClr val="000000"/>
+                      </a:solidFill>
+                      <a:prstDash val="solid"/>
+                      <a:round/>
+                      <a:headEnd type="none" w="med" len="med"/>
+                      <a:tailEnd type="none" w="med" len="med"/>
+                    </a:lnL>
+                    <a:lnR w="6350" cap="flat" cmpd="sng" algn="ctr">
+                      <a:solidFill>
+                        <a:srgbClr val="000000"/>
+                      </a:solidFill>
+                      <a:prstDash val="solid"/>
+                      <a:round/>
+                      <a:headEnd type="none" w="med" len="med"/>
+                      <a:tailEnd type="none" w="med" len="med"/>
+                    </a:lnR>
+                    <a:lnT w="6350" cap="flat" cmpd="sng" algn="ctr">
+                      <a:solidFill>
+                        <a:srgbClr val="000000"/>
+                      </a:solidFill>
+                      <a:prstDash val="solid"/>
+                      <a:round/>
+                      <a:headEnd type="none" w="med" len="med"/>
+                      <a:tailEnd type="none" w="med" len="med"/>
+                    </a:lnT>
+                    <a:lnB w="6350" cap="flat" cmpd="sng" algn="ctr">
+                      <a:solidFill>
+                        <a:srgbClr val="000000"/>
+                      </a:solidFill>
+                      <a:prstDash val="solid"/>
+                      <a:round/>
+                      <a:headEnd type="none" w="med" len="med"/>
+                      <a:tailEnd type="none" w="med" len="med"/>
+                    </a:lnB>
+                    <a:solidFill>
+                      <a:srgbClr val="FFFFFF"/>
+                    </a:solidFill>
+                  </a:tcPr>
+                </a:tc>
+                <a:extLst>
+                  <a:ext uri="{0D108BD9-81ED-4DB2-BD59-A6C34878D82A}">
+                    <a16:rowId xmlns:a16="http://schemas.microsoft.com/office/drawing/2014/main" val="1655188892"/>
+                  </a:ext>
+                </a:extLst>
+              </a:tr>
+              <a:tr h="220980">
+                <a:tc>
+                  <a:txBody>
+                    <a:bodyPr/>
+                    <a:lstStyle/>
+                    <a:p>
+                      <a:pPr algn="l" fontAlgn="ctr"/>
+                      <a:r>
+                        <a:rPr lang="en-US" sz="1100" b="0" i="0" u="none" strike="noStrike">
+                          <a:solidFill>
+                            <a:srgbClr val="000000"/>
+                          </a:solidFill>
+                          <a:effectLst/>
+                          <a:latin typeface="맑은 고딕" panose="020B0503020000020004" pitchFamily="50" charset="-127"/>
+                          <a:ea typeface="맑은 고딕" panose="020B0503020000020004" pitchFamily="50" charset="-127"/>
+                        </a:rPr>
+                        <a:t>PRODUCT_VOLUME</a:t>
+                      </a:r>
+                    </a:p>
+                  </a:txBody>
+                  <a:tcPr marL="7620" marR="7620" marT="7620" marB="0" anchor="ctr">
+                    <a:lnL w="6350" cap="flat" cmpd="sng" algn="ctr">
+                      <a:solidFill>
+                        <a:srgbClr val="000000"/>
+                      </a:solidFill>
+                      <a:prstDash val="solid"/>
+                      <a:round/>
+                      <a:headEnd type="none" w="med" len="med"/>
+                      <a:tailEnd type="none" w="med" len="med"/>
+                    </a:lnL>
+                    <a:lnR w="6350" cap="flat" cmpd="sng" algn="ctr">
+                      <a:solidFill>
+                        <a:srgbClr val="000000"/>
+                      </a:solidFill>
+                      <a:prstDash val="solid"/>
+                      <a:round/>
+                      <a:headEnd type="none" w="med" len="med"/>
+                      <a:tailEnd type="none" w="med" len="med"/>
+                    </a:lnR>
+                    <a:lnT w="6350" cap="flat" cmpd="sng" algn="ctr">
+                      <a:solidFill>
+                        <a:srgbClr val="000000"/>
+                      </a:solidFill>
+                      <a:prstDash val="solid"/>
+                      <a:round/>
+                      <a:headEnd type="none" w="med" len="med"/>
+                      <a:tailEnd type="none" w="med" len="med"/>
+                    </a:lnT>
+                    <a:lnB w="6350" cap="flat" cmpd="sng" algn="ctr">
+                      <a:solidFill>
+                        <a:srgbClr val="000000"/>
+                      </a:solidFill>
+                      <a:prstDash val="solid"/>
+                      <a:round/>
+                      <a:headEnd type="none" w="med" len="med"/>
+                      <a:tailEnd type="none" w="med" len="med"/>
+                    </a:lnB>
+                    <a:solidFill>
+                      <a:srgbClr val="FFFFFF"/>
+                    </a:solidFill>
+                  </a:tcPr>
+                </a:tc>
+                <a:tc>
+                  <a:txBody>
+                    <a:bodyPr/>
+                    <a:lstStyle/>
+                    <a:p>
+                      <a:pPr algn="l" fontAlgn="ctr"/>
+                      <a:r>
+                        <a:rPr lang="en-US" sz="1100" b="0" i="0" u="none" strike="noStrike">
+                          <a:solidFill>
+                            <a:srgbClr val="000000"/>
+                          </a:solidFill>
+                          <a:effectLst/>
+                          <a:latin typeface="맑은 고딕" panose="020B0503020000020004" pitchFamily="50" charset="-127"/>
+                          <a:ea typeface="맑은 고딕" panose="020B0503020000020004" pitchFamily="50" charset="-127"/>
+                        </a:rPr>
+                        <a:t>NUMERIC</a:t>
+                      </a:r>
+                    </a:p>
+                  </a:txBody>
+                  <a:tcPr marL="7620" marR="7620" marT="7620" marB="0" anchor="ctr">
+                    <a:lnL w="6350" cap="flat" cmpd="sng" algn="ctr">
+                      <a:solidFill>
+                        <a:srgbClr val="000000"/>
+                      </a:solidFill>
+                      <a:prstDash val="solid"/>
+                      <a:round/>
+                      <a:headEnd type="none" w="med" len="med"/>
+                      <a:tailEnd type="none" w="med" len="med"/>
+                    </a:lnL>
+                    <a:lnR w="6350" cap="flat" cmpd="sng" algn="ctr">
+                      <a:solidFill>
+                        <a:srgbClr val="000000"/>
+                      </a:solidFill>
+                      <a:prstDash val="solid"/>
+                      <a:round/>
+                      <a:headEnd type="none" w="med" len="med"/>
+                      <a:tailEnd type="none" w="med" len="med"/>
+                    </a:lnR>
+                    <a:lnT w="6350" cap="flat" cmpd="sng" algn="ctr">
+                      <a:solidFill>
+                        <a:srgbClr val="000000"/>
+                      </a:solidFill>
+                      <a:prstDash val="solid"/>
+                      <a:round/>
+                      <a:headEnd type="none" w="med" len="med"/>
+                      <a:tailEnd type="none" w="med" len="med"/>
+                    </a:lnT>
+                    <a:lnB w="6350" cap="flat" cmpd="sng" algn="ctr">
+                      <a:solidFill>
+                        <a:srgbClr val="000000"/>
+                      </a:solidFill>
+                      <a:prstDash val="solid"/>
+                      <a:round/>
+                      <a:headEnd type="none" w="med" len="med"/>
+                      <a:tailEnd type="none" w="med" len="med"/>
+                    </a:lnB>
+                    <a:solidFill>
+                      <a:srgbClr val="FFFFFF"/>
+                    </a:solidFill>
+                  </a:tcPr>
+                </a:tc>
+                <a:tc>
+                  <a:txBody>
+                    <a:bodyPr/>
+                    <a:lstStyle/>
+                    <a:p>
+                      <a:pPr algn="l" fontAlgn="ctr"/>
+                      <a:r>
+                        <a:rPr lang="ko-KR" altLang="en-US" sz="1100" b="0" i="0" u="none" strike="noStrike">
+                          <a:solidFill>
+                            <a:srgbClr val="000000"/>
+                          </a:solidFill>
+                          <a:effectLst/>
+                          <a:latin typeface="맑은 고딕" panose="020B0503020000020004" pitchFamily="50" charset="-127"/>
+                          <a:ea typeface="맑은 고딕" panose="020B0503020000020004" pitchFamily="50" charset="-127"/>
+                        </a:rPr>
+                        <a:t>상품부피</a:t>
+                      </a:r>
+                    </a:p>
+                  </a:txBody>
+                  <a:tcPr marL="7620" marR="7620" marT="7620" marB="0" anchor="ctr">
+                    <a:lnL w="6350" cap="flat" cmpd="sng" algn="ctr">
+                      <a:solidFill>
+                        <a:srgbClr val="000000"/>
+                      </a:solidFill>
+                      <a:prstDash val="solid"/>
+                      <a:round/>
+                      <a:headEnd type="none" w="med" len="med"/>
+                      <a:tailEnd type="none" w="med" len="med"/>
+                    </a:lnL>
+                    <a:lnR w="6350" cap="flat" cmpd="sng" algn="ctr">
+                      <a:solidFill>
+                        <a:srgbClr val="000000"/>
+                      </a:solidFill>
+                      <a:prstDash val="solid"/>
+                      <a:round/>
+                      <a:headEnd type="none" w="med" len="med"/>
+                      <a:tailEnd type="none" w="med" len="med"/>
+                    </a:lnR>
+                    <a:lnT w="6350" cap="flat" cmpd="sng" algn="ctr">
+                      <a:solidFill>
+                        <a:srgbClr val="000000"/>
+                      </a:solidFill>
+                      <a:prstDash val="solid"/>
+                      <a:round/>
+                      <a:headEnd type="none" w="med" len="med"/>
+                      <a:tailEnd type="none" w="med" len="med"/>
+                    </a:lnT>
+                    <a:lnB w="6350" cap="flat" cmpd="sng" algn="ctr">
+                      <a:solidFill>
+                        <a:srgbClr val="000000"/>
+                      </a:solidFill>
+                      <a:prstDash val="solid"/>
+                      <a:round/>
+                      <a:headEnd type="none" w="med" len="med"/>
+                      <a:tailEnd type="none" w="med" len="med"/>
+                    </a:lnB>
+                    <a:solidFill>
+                      <a:srgbClr val="FFFFFF"/>
+                    </a:solidFill>
+                  </a:tcPr>
+                </a:tc>
+                <a:extLst>
+                  <a:ext uri="{0D108BD9-81ED-4DB2-BD59-A6C34878D82A}">
+                    <a16:rowId xmlns:a16="http://schemas.microsoft.com/office/drawing/2014/main" val="1250468755"/>
+                  </a:ext>
+                </a:extLst>
+              </a:tr>
+              <a:tr h="220980">
+                <a:tc>
+                  <a:txBody>
+                    <a:bodyPr/>
+                    <a:lstStyle/>
+                    <a:p>
+                      <a:pPr algn="l" fontAlgn="ctr"/>
+                      <a:r>
+                        <a:rPr lang="en-US" sz="1100" b="0" i="0" u="none" strike="noStrike">
+                          <a:solidFill>
+                            <a:srgbClr val="000000"/>
+                          </a:solidFill>
+                          <a:effectLst/>
+                          <a:latin typeface="맑은 고딕" panose="020B0503020000020004" pitchFamily="50" charset="-127"/>
+                          <a:ea typeface="맑은 고딕" panose="020B0503020000020004" pitchFamily="50" charset="-127"/>
+                        </a:rPr>
+                        <a:t>CATEGORY</a:t>
+                      </a:r>
+                    </a:p>
+                  </a:txBody>
+                  <a:tcPr marL="7620" marR="7620" marT="7620" marB="0" anchor="ctr">
+                    <a:lnL w="6350" cap="flat" cmpd="sng" algn="ctr">
+                      <a:solidFill>
+                        <a:srgbClr val="000000"/>
+                      </a:solidFill>
+                      <a:prstDash val="solid"/>
+                      <a:round/>
+                      <a:headEnd type="none" w="med" len="med"/>
+                      <a:tailEnd type="none" w="med" len="med"/>
+                    </a:lnL>
+                    <a:lnR w="6350" cap="flat" cmpd="sng" algn="ctr">
+                      <a:solidFill>
+                        <a:srgbClr val="000000"/>
+                      </a:solidFill>
+                      <a:prstDash val="solid"/>
+                      <a:round/>
+                      <a:headEnd type="none" w="med" len="med"/>
+                      <a:tailEnd type="none" w="med" len="med"/>
+                    </a:lnR>
+                    <a:lnT w="6350" cap="flat" cmpd="sng" algn="ctr">
+                      <a:solidFill>
+                        <a:srgbClr val="000000"/>
+                      </a:solidFill>
+                      <a:prstDash val="solid"/>
+                      <a:round/>
+                      <a:headEnd type="none" w="med" len="med"/>
+                      <a:tailEnd type="none" w="med" len="med"/>
+                    </a:lnT>
+                    <a:lnB w="6350" cap="flat" cmpd="sng" algn="ctr">
+                      <a:solidFill>
+                        <a:srgbClr val="000000"/>
+                      </a:solidFill>
+                      <a:prstDash val="solid"/>
+                      <a:round/>
+                      <a:headEnd type="none" w="med" len="med"/>
+                      <a:tailEnd type="none" w="med" len="med"/>
+                    </a:lnB>
+                    <a:solidFill>
+                      <a:srgbClr val="FFFFFF"/>
+                    </a:solidFill>
+                  </a:tcPr>
+                </a:tc>
+                <a:tc>
+                  <a:txBody>
+                    <a:bodyPr/>
+                    <a:lstStyle/>
+                    <a:p>
+                      <a:pPr algn="l" fontAlgn="ctr"/>
+                      <a:r>
+                        <a:rPr lang="en-US" sz="1100" b="0" i="0" u="none" strike="noStrike">
+                          <a:solidFill>
+                            <a:srgbClr val="000000"/>
+                          </a:solidFill>
+                          <a:effectLst/>
+                          <a:latin typeface="맑은 고딕" panose="020B0503020000020004" pitchFamily="50" charset="-127"/>
+                          <a:ea typeface="맑은 고딕" panose="020B0503020000020004" pitchFamily="50" charset="-127"/>
+                        </a:rPr>
+                        <a:t>TEXT</a:t>
+                      </a:r>
+                    </a:p>
+                  </a:txBody>
+                  <a:tcPr marL="7620" marR="7620" marT="7620" marB="0" anchor="ctr">
+                    <a:lnL w="6350" cap="flat" cmpd="sng" algn="ctr">
+                      <a:solidFill>
+                        <a:srgbClr val="000000"/>
+                      </a:solidFill>
+                      <a:prstDash val="solid"/>
+                      <a:round/>
+                      <a:headEnd type="none" w="med" len="med"/>
+                      <a:tailEnd type="none" w="med" len="med"/>
+                    </a:lnL>
+                    <a:lnR w="6350" cap="flat" cmpd="sng" algn="ctr">
+                      <a:solidFill>
+                        <a:srgbClr val="000000"/>
+                      </a:solidFill>
+                      <a:prstDash val="solid"/>
+                      <a:round/>
+                      <a:headEnd type="none" w="med" len="med"/>
+                      <a:tailEnd type="none" w="med" len="med"/>
+                    </a:lnR>
+                    <a:lnT w="6350" cap="flat" cmpd="sng" algn="ctr">
+                      <a:solidFill>
+                        <a:srgbClr val="000000"/>
+                      </a:solidFill>
+                      <a:prstDash val="solid"/>
+                      <a:round/>
+                      <a:headEnd type="none" w="med" len="med"/>
+                      <a:tailEnd type="none" w="med" len="med"/>
+                    </a:lnT>
+                    <a:lnB w="6350" cap="flat" cmpd="sng" algn="ctr">
+                      <a:solidFill>
+                        <a:srgbClr val="000000"/>
+                      </a:solidFill>
+                      <a:prstDash val="solid"/>
+                      <a:round/>
+                      <a:headEnd type="none" w="med" len="med"/>
+                      <a:tailEnd type="none" w="med" len="med"/>
+                    </a:lnB>
+                    <a:solidFill>
+                      <a:srgbClr val="FFFFFF"/>
+                    </a:solidFill>
+                  </a:tcPr>
+                </a:tc>
+                <a:tc>
+                  <a:txBody>
+                    <a:bodyPr/>
+                    <a:lstStyle/>
+                    <a:p>
+                      <a:pPr algn="l" fontAlgn="ctr"/>
+                      <a:r>
+                        <a:rPr lang="ko-KR" altLang="en-US" sz="1100" b="0" i="0" u="none" strike="noStrike">
+                          <a:solidFill>
+                            <a:srgbClr val="000000"/>
+                          </a:solidFill>
+                          <a:effectLst/>
+                          <a:latin typeface="맑은 고딕" panose="020B0503020000020004" pitchFamily="50" charset="-127"/>
+                          <a:ea typeface="맑은 고딕" panose="020B0503020000020004" pitchFamily="50" charset="-127"/>
+                        </a:rPr>
+                        <a:t>카테고리</a:t>
+                      </a:r>
+                    </a:p>
+                  </a:txBody>
+                  <a:tcPr marL="7620" marR="7620" marT="7620" marB="0" anchor="ctr">
+                    <a:lnL w="6350" cap="flat" cmpd="sng" algn="ctr">
+                      <a:solidFill>
+                        <a:srgbClr val="000000"/>
+                      </a:solidFill>
+                      <a:prstDash val="solid"/>
+                      <a:round/>
+                      <a:headEnd type="none" w="med" len="med"/>
+                      <a:tailEnd type="none" w="med" len="med"/>
+                    </a:lnL>
+                    <a:lnR w="6350" cap="flat" cmpd="sng" algn="ctr">
+                      <a:solidFill>
+                        <a:srgbClr val="000000"/>
+                      </a:solidFill>
+                      <a:prstDash val="solid"/>
+                      <a:round/>
+                      <a:headEnd type="none" w="med" len="med"/>
+                      <a:tailEnd type="none" w="med" len="med"/>
+                    </a:lnR>
+                    <a:lnT w="6350" cap="flat" cmpd="sng" algn="ctr">
+                      <a:solidFill>
+                        <a:srgbClr val="000000"/>
+                      </a:solidFill>
+                      <a:prstDash val="solid"/>
+                      <a:round/>
+                      <a:headEnd type="none" w="med" len="med"/>
+                      <a:tailEnd type="none" w="med" len="med"/>
+                    </a:lnT>
+                    <a:lnB w="6350" cap="flat" cmpd="sng" algn="ctr">
+                      <a:solidFill>
+                        <a:srgbClr val="000000"/>
+                      </a:solidFill>
+                      <a:prstDash val="solid"/>
+                      <a:round/>
+                      <a:headEnd type="none" w="med" len="med"/>
+                      <a:tailEnd type="none" w="med" len="med"/>
+                    </a:lnB>
+                    <a:solidFill>
+                      <a:srgbClr val="FFFFFF"/>
+                    </a:solidFill>
+                  </a:tcPr>
+                </a:tc>
+                <a:extLst>
+                  <a:ext uri="{0D108BD9-81ED-4DB2-BD59-A6C34878D82A}">
+                    <a16:rowId xmlns:a16="http://schemas.microsoft.com/office/drawing/2014/main" val="393840108"/>
+                  </a:ext>
+                </a:extLst>
+              </a:tr>
+              <a:tr h="220980">
+                <a:tc>
+                  <a:txBody>
+                    <a:bodyPr/>
+                    <a:lstStyle/>
+                    <a:p>
+                      <a:pPr algn="l" fontAlgn="ctr"/>
+                      <a:r>
+                        <a:rPr lang="en-US" sz="1100" b="0" i="0" u="none" strike="noStrike">
+                          <a:solidFill>
+                            <a:srgbClr val="000000"/>
+                          </a:solidFill>
+                          <a:effectLst/>
+                          <a:latin typeface="맑은 고딕" panose="020B0503020000020004" pitchFamily="50" charset="-127"/>
+                          <a:ea typeface="맑은 고딕" panose="020B0503020000020004" pitchFamily="50" charset="-127"/>
+                        </a:rPr>
+                        <a:t>PRICE</a:t>
+                      </a:r>
+                    </a:p>
+                  </a:txBody>
+                  <a:tcPr marL="7620" marR="7620" marT="7620" marB="0" anchor="ctr">
+                    <a:lnL w="6350" cap="flat" cmpd="sng" algn="ctr">
+                      <a:solidFill>
+                        <a:srgbClr val="000000"/>
+                      </a:solidFill>
+                      <a:prstDash val="solid"/>
+                      <a:round/>
+                      <a:headEnd type="none" w="med" len="med"/>
+                      <a:tailEnd type="none" w="med" len="med"/>
+                    </a:lnL>
+                    <a:lnR w="6350" cap="flat" cmpd="sng" algn="ctr">
+                      <a:solidFill>
+                        <a:srgbClr val="000000"/>
+                      </a:solidFill>
+                      <a:prstDash val="solid"/>
+                      <a:round/>
+                      <a:headEnd type="none" w="med" len="med"/>
+                      <a:tailEnd type="none" w="med" len="med"/>
+                    </a:lnR>
+                    <a:lnT w="6350" cap="flat" cmpd="sng" algn="ctr">
+                      <a:solidFill>
+                        <a:srgbClr val="000000"/>
+                      </a:solidFill>
+                      <a:prstDash val="solid"/>
+                      <a:round/>
+                      <a:headEnd type="none" w="med" len="med"/>
+                      <a:tailEnd type="none" w="med" len="med"/>
+                    </a:lnT>
+                    <a:lnB w="6350" cap="flat" cmpd="sng" algn="ctr">
+                      <a:solidFill>
+                        <a:srgbClr val="000000"/>
+                      </a:solidFill>
+                      <a:prstDash val="solid"/>
+                      <a:round/>
+                      <a:headEnd type="none" w="med" len="med"/>
+                      <a:tailEnd type="none" w="med" len="med"/>
+                    </a:lnB>
+                    <a:solidFill>
+                      <a:srgbClr val="FFFFFF"/>
+                    </a:solidFill>
+                  </a:tcPr>
+                </a:tc>
+                <a:tc>
+                  <a:txBody>
+                    <a:bodyPr/>
+                    <a:lstStyle/>
+                    <a:p>
+                      <a:pPr algn="l" fontAlgn="ctr"/>
+                      <a:r>
+                        <a:rPr lang="en-US" sz="1100" b="0" i="0" u="none" strike="noStrike">
+                          <a:solidFill>
+                            <a:srgbClr val="000000"/>
+                          </a:solidFill>
+                          <a:effectLst/>
+                          <a:latin typeface="맑은 고딕" panose="020B0503020000020004" pitchFamily="50" charset="-127"/>
+                          <a:ea typeface="맑은 고딕" panose="020B0503020000020004" pitchFamily="50" charset="-127"/>
+                        </a:rPr>
+                        <a:t>TEXT</a:t>
+                      </a:r>
+                    </a:p>
+                  </a:txBody>
+                  <a:tcPr marL="7620" marR="7620" marT="7620" marB="0" anchor="ctr">
+                    <a:lnL w="6350" cap="flat" cmpd="sng" algn="ctr">
+                      <a:solidFill>
+                        <a:srgbClr val="000000"/>
+                      </a:solidFill>
+                      <a:prstDash val="solid"/>
+                      <a:round/>
+                      <a:headEnd type="none" w="med" len="med"/>
+                      <a:tailEnd type="none" w="med" len="med"/>
+                    </a:lnL>
+                    <a:lnR w="6350" cap="flat" cmpd="sng" algn="ctr">
+                      <a:solidFill>
+                        <a:srgbClr val="000000"/>
+                      </a:solidFill>
+                      <a:prstDash val="solid"/>
+                      <a:round/>
+                      <a:headEnd type="none" w="med" len="med"/>
+                      <a:tailEnd type="none" w="med" len="med"/>
+                    </a:lnR>
+                    <a:lnT w="6350" cap="flat" cmpd="sng" algn="ctr">
+                      <a:solidFill>
+                        <a:srgbClr val="000000"/>
+                      </a:solidFill>
+                      <a:prstDash val="solid"/>
+                      <a:round/>
+                      <a:headEnd type="none" w="med" len="med"/>
+                      <a:tailEnd type="none" w="med" len="med"/>
+                    </a:lnT>
+                    <a:lnB w="6350" cap="flat" cmpd="sng" algn="ctr">
+                      <a:solidFill>
+                        <a:srgbClr val="000000"/>
+                      </a:solidFill>
+                      <a:prstDash val="solid"/>
+                      <a:round/>
+                      <a:headEnd type="none" w="med" len="med"/>
+                      <a:tailEnd type="none" w="med" len="med"/>
+                    </a:lnB>
+                    <a:solidFill>
+                      <a:srgbClr val="FFFFFF"/>
+                    </a:solidFill>
+                  </a:tcPr>
+                </a:tc>
+                <a:tc>
+                  <a:txBody>
+                    <a:bodyPr/>
+                    <a:lstStyle/>
+                    <a:p>
+                      <a:pPr algn="l" fontAlgn="ctr"/>
+                      <a:r>
+                        <a:rPr lang="ko-KR" altLang="en-US" sz="1100" b="0" i="0" u="none" strike="noStrike">
+                          <a:solidFill>
+                            <a:srgbClr val="000000"/>
+                          </a:solidFill>
+                          <a:effectLst/>
+                          <a:latin typeface="맑은 고딕" panose="020B0503020000020004" pitchFamily="50" charset="-127"/>
+                          <a:ea typeface="맑은 고딕" panose="020B0503020000020004" pitchFamily="50" charset="-127"/>
+                        </a:rPr>
+                        <a:t>가격</a:t>
+                      </a:r>
+                    </a:p>
+                  </a:txBody>
+                  <a:tcPr marL="7620" marR="7620" marT="7620" marB="0" anchor="ctr">
+                    <a:lnL w="6350" cap="flat" cmpd="sng" algn="ctr">
+                      <a:solidFill>
+                        <a:srgbClr val="000000"/>
+                      </a:solidFill>
+                      <a:prstDash val="solid"/>
+                      <a:round/>
+                      <a:headEnd type="none" w="med" len="med"/>
+                      <a:tailEnd type="none" w="med" len="med"/>
+                    </a:lnL>
+                    <a:lnR w="6350" cap="flat" cmpd="sng" algn="ctr">
+                      <a:solidFill>
+                        <a:srgbClr val="000000"/>
+                      </a:solidFill>
+                      <a:prstDash val="solid"/>
+                      <a:round/>
+                      <a:headEnd type="none" w="med" len="med"/>
+                      <a:tailEnd type="none" w="med" len="med"/>
+                    </a:lnR>
+                    <a:lnT w="6350" cap="flat" cmpd="sng" algn="ctr">
+                      <a:solidFill>
+                        <a:srgbClr val="000000"/>
+                      </a:solidFill>
+                      <a:prstDash val="solid"/>
+                      <a:round/>
+                      <a:headEnd type="none" w="med" len="med"/>
+                      <a:tailEnd type="none" w="med" len="med"/>
+                    </a:lnT>
+                    <a:lnB w="6350" cap="flat" cmpd="sng" algn="ctr">
+                      <a:solidFill>
+                        <a:srgbClr val="000000"/>
+                      </a:solidFill>
+                      <a:prstDash val="solid"/>
+                      <a:round/>
+                      <a:headEnd type="none" w="med" len="med"/>
+                      <a:tailEnd type="none" w="med" len="med"/>
+                    </a:lnB>
+                    <a:solidFill>
+                      <a:srgbClr val="FFFFFF"/>
+                    </a:solidFill>
+                  </a:tcPr>
+                </a:tc>
+                <a:extLst>
+                  <a:ext uri="{0D108BD9-81ED-4DB2-BD59-A6C34878D82A}">
+                    <a16:rowId xmlns:a16="http://schemas.microsoft.com/office/drawing/2014/main" val="4044393574"/>
+                  </a:ext>
+                </a:extLst>
+              </a:tr>
+              <a:tr h="220980">
+                <a:tc>
+                  <a:txBody>
+                    <a:bodyPr/>
+                    <a:lstStyle/>
+                    <a:p>
+                      <a:pPr algn="l" fontAlgn="ctr"/>
+                      <a:r>
+                        <a:rPr lang="en-US" sz="1100" b="0" i="0" u="none" strike="noStrike">
+                          <a:solidFill>
+                            <a:srgbClr val="000000"/>
+                          </a:solidFill>
+                          <a:effectLst/>
+                          <a:latin typeface="맑은 고딕" panose="020B0503020000020004" pitchFamily="50" charset="-127"/>
+                          <a:ea typeface="맑은 고딕" panose="020B0503020000020004" pitchFamily="50" charset="-127"/>
+                        </a:rPr>
+                        <a:t>FREIGHT_VALUE</a:t>
+                      </a:r>
+                    </a:p>
+                  </a:txBody>
+                  <a:tcPr marL="7620" marR="7620" marT="7620" marB="0" anchor="ctr">
+                    <a:lnL w="6350" cap="flat" cmpd="sng" algn="ctr">
+                      <a:solidFill>
+                        <a:srgbClr val="000000"/>
+                      </a:solidFill>
+                      <a:prstDash val="solid"/>
+                      <a:round/>
+                      <a:headEnd type="none" w="med" len="med"/>
+                      <a:tailEnd type="none" w="med" len="med"/>
+                    </a:lnL>
+                    <a:lnR w="6350" cap="flat" cmpd="sng" algn="ctr">
+                      <a:solidFill>
+                        <a:srgbClr val="000000"/>
+                      </a:solidFill>
+                      <a:prstDash val="solid"/>
+                      <a:round/>
+                      <a:headEnd type="none" w="med" len="med"/>
+                      <a:tailEnd type="none" w="med" len="med"/>
+                    </a:lnR>
+                    <a:lnT w="6350" cap="flat" cmpd="sng" algn="ctr">
+                      <a:solidFill>
+                        <a:srgbClr val="000000"/>
+                      </a:solidFill>
+                      <a:prstDash val="solid"/>
+                      <a:round/>
+                      <a:headEnd type="none" w="med" len="med"/>
+                      <a:tailEnd type="none" w="med" len="med"/>
+                    </a:lnT>
+                    <a:lnB w="6350" cap="flat" cmpd="sng" algn="ctr">
+                      <a:solidFill>
+                        <a:srgbClr val="000000"/>
+                      </a:solidFill>
+                      <a:prstDash val="solid"/>
+                      <a:round/>
+                      <a:headEnd type="none" w="med" len="med"/>
+                      <a:tailEnd type="none" w="med" len="med"/>
+                    </a:lnB>
+                    <a:solidFill>
+                      <a:srgbClr val="FFFFFF"/>
+                    </a:solidFill>
+                  </a:tcPr>
+                </a:tc>
+                <a:tc>
+                  <a:txBody>
+                    <a:bodyPr/>
+                    <a:lstStyle/>
+                    <a:p>
+                      <a:pPr algn="l" fontAlgn="ctr"/>
+                      <a:r>
+                        <a:rPr lang="en-US" sz="1100" b="0" i="0" u="none" strike="noStrike">
+                          <a:solidFill>
+                            <a:srgbClr val="000000"/>
+                          </a:solidFill>
+                          <a:effectLst/>
+                          <a:latin typeface="맑은 고딕" panose="020B0503020000020004" pitchFamily="50" charset="-127"/>
+                          <a:ea typeface="맑은 고딕" panose="020B0503020000020004" pitchFamily="50" charset="-127"/>
+                        </a:rPr>
+                        <a:t>TEXT</a:t>
+                      </a:r>
+                    </a:p>
+                  </a:txBody>
+                  <a:tcPr marL="7620" marR="7620" marT="7620" marB="0" anchor="ctr">
+                    <a:lnL w="6350" cap="flat" cmpd="sng" algn="ctr">
+                      <a:solidFill>
+                        <a:srgbClr val="000000"/>
+                      </a:solidFill>
+                      <a:prstDash val="solid"/>
+                      <a:round/>
+                      <a:headEnd type="none" w="med" len="med"/>
+                      <a:tailEnd type="none" w="med" len="med"/>
+                    </a:lnL>
+                    <a:lnR w="6350" cap="flat" cmpd="sng" algn="ctr">
+                      <a:solidFill>
+                        <a:srgbClr val="000000"/>
+                      </a:solidFill>
+                      <a:prstDash val="solid"/>
+                      <a:round/>
+                      <a:headEnd type="none" w="med" len="med"/>
+                      <a:tailEnd type="none" w="med" len="med"/>
+                    </a:lnR>
+                    <a:lnT w="6350" cap="flat" cmpd="sng" algn="ctr">
+                      <a:solidFill>
+                        <a:srgbClr val="000000"/>
+                      </a:solidFill>
+                      <a:prstDash val="solid"/>
+                      <a:round/>
+                      <a:headEnd type="none" w="med" len="med"/>
+                      <a:tailEnd type="none" w="med" len="med"/>
+                    </a:lnT>
+                    <a:lnB w="6350" cap="flat" cmpd="sng" algn="ctr">
+                      <a:solidFill>
+                        <a:srgbClr val="000000"/>
+                      </a:solidFill>
+                      <a:prstDash val="solid"/>
+                      <a:round/>
+                      <a:headEnd type="none" w="med" len="med"/>
+                      <a:tailEnd type="none" w="med" len="med"/>
+                    </a:lnB>
+                    <a:solidFill>
+                      <a:srgbClr val="FFFFFF"/>
+                    </a:solidFill>
+                  </a:tcPr>
+                </a:tc>
+                <a:tc>
+                  <a:txBody>
+                    <a:bodyPr/>
+                    <a:lstStyle/>
+                    <a:p>
+                      <a:pPr algn="l" fontAlgn="ctr"/>
+                      <a:r>
+                        <a:rPr lang="ko-KR" altLang="en-US" sz="1100" b="0" i="0" u="none" strike="noStrike" dirty="0" err="1">
+                          <a:solidFill>
+                            <a:srgbClr val="000000"/>
+                          </a:solidFill>
+                          <a:effectLst/>
+                          <a:latin typeface="맑은 고딕" panose="020B0503020000020004" pitchFamily="50" charset="-127"/>
+                          <a:ea typeface="맑은 고딕" panose="020B0503020000020004" pitchFamily="50" charset="-127"/>
+                        </a:rPr>
+                        <a:t>배송료</a:t>
+                      </a:r>
+                      <a:endParaRPr lang="ko-KR" altLang="en-US" sz="1100" b="0" i="0" u="none" strike="noStrike" dirty="0">
+                        <a:solidFill>
+                          <a:srgbClr val="000000"/>
+                        </a:solidFill>
+                        <a:effectLst/>
+                        <a:latin typeface="맑은 고딕" panose="020B0503020000020004" pitchFamily="50" charset="-127"/>
+                        <a:ea typeface="맑은 고딕" panose="020B0503020000020004" pitchFamily="50" charset="-127"/>
+                      </a:endParaRPr>
+                    </a:p>
+                  </a:txBody>
+                  <a:tcPr marL="7620" marR="7620" marT="7620" marB="0" anchor="ctr">
+                    <a:lnL w="6350" cap="flat" cmpd="sng" algn="ctr">
+                      <a:solidFill>
+                        <a:srgbClr val="000000"/>
+                      </a:solidFill>
+                      <a:prstDash val="solid"/>
+                      <a:round/>
+                      <a:headEnd type="none" w="med" len="med"/>
+                      <a:tailEnd type="none" w="med" len="med"/>
+                    </a:lnL>
+                    <a:lnR w="6350" cap="flat" cmpd="sng" algn="ctr">
+                      <a:solidFill>
+                        <a:srgbClr val="000000"/>
+                      </a:solidFill>
+                      <a:prstDash val="solid"/>
+                      <a:round/>
+                      <a:headEnd type="none" w="med" len="med"/>
+                      <a:tailEnd type="none" w="med" len="med"/>
+                    </a:lnR>
+                    <a:lnT w="6350" cap="flat" cmpd="sng" algn="ctr">
+                      <a:solidFill>
+                        <a:srgbClr val="000000"/>
+                      </a:solidFill>
+                      <a:prstDash val="solid"/>
+                      <a:round/>
+                      <a:headEnd type="none" w="med" len="med"/>
+                      <a:tailEnd type="none" w="med" len="med"/>
+                    </a:lnT>
+                    <a:lnB w="6350" cap="flat" cmpd="sng" algn="ctr">
+                      <a:solidFill>
+                        <a:srgbClr val="000000"/>
+                      </a:solidFill>
+                      <a:prstDash val="solid"/>
+                      <a:round/>
+                      <a:headEnd type="none" w="med" len="med"/>
+                      <a:tailEnd type="none" w="med" len="med"/>
+                    </a:lnB>
+                    <a:solidFill>
+                      <a:srgbClr val="FFFFFF"/>
+                    </a:solidFill>
+                  </a:tcPr>
+                </a:tc>
+                <a:extLst>
+                  <a:ext uri="{0D108BD9-81ED-4DB2-BD59-A6C34878D82A}">
+                    <a16:rowId xmlns:a16="http://schemas.microsoft.com/office/drawing/2014/main" val="3033347884"/>
+                  </a:ext>
+                </a:extLst>
+              </a:tr>
+            </a:tbl>
+          </a:graphicData>
+        </a:graphic>
+      </p:graphicFrame>
+      <p:graphicFrame>
+        <p:nvGraphicFramePr>
+          <p:cNvPr id="7" name="표 6">
+            <a:extLst>
+              <a:ext uri="{FF2B5EF4-FFF2-40B4-BE49-F238E27FC236}">
+                <a16:creationId xmlns:a16="http://schemas.microsoft.com/office/drawing/2014/main" id="{F9BB06A2-3046-4555-B059-81696291C76A}"/>
+              </a:ext>
+            </a:extLst>
+          </p:cNvPr>
+          <p:cNvGraphicFramePr>
+            <a:graphicFrameLocks noGrp="1"/>
+          </p:cNvGraphicFramePr>
+          <p:nvPr/>
+        </p:nvGraphicFramePr>
+        <p:xfrm>
+          <a:off x="5451859" y="3274936"/>
+          <a:ext cx="2019300" cy="1104900"/>
+        </p:xfrm>
+        <a:graphic>
+          <a:graphicData uri="http://schemas.openxmlformats.org/drawingml/2006/table">
+            <a:tbl>
+              <a:tblPr/>
+              <a:tblGrid>
+                <a:gridCol w="673100">
+                  <a:extLst>
+                    <a:ext uri="{9D8B030D-6E8A-4147-A177-3AD203B41FA5}">
+                      <a16:colId xmlns:a16="http://schemas.microsoft.com/office/drawing/2014/main" val="4157367556"/>
+                    </a:ext>
+                  </a:extLst>
+                </a:gridCol>
+                <a:gridCol w="673100">
+                  <a:extLst>
+                    <a:ext uri="{9D8B030D-6E8A-4147-A177-3AD203B41FA5}">
+                      <a16:colId xmlns:a16="http://schemas.microsoft.com/office/drawing/2014/main" val="233904045"/>
+                    </a:ext>
+                  </a:extLst>
+                </a:gridCol>
+                <a:gridCol w="673100">
+                  <a:extLst>
+                    <a:ext uri="{9D8B030D-6E8A-4147-A177-3AD203B41FA5}">
+                      <a16:colId xmlns:a16="http://schemas.microsoft.com/office/drawing/2014/main" val="1168374746"/>
+                    </a:ext>
+                  </a:extLst>
+                </a:gridCol>
+              </a:tblGrid>
+              <a:tr h="220980">
+                <a:tc>
+                  <a:txBody>
+                    <a:bodyPr/>
+                    <a:lstStyle/>
+                    <a:p>
+                      <a:pPr algn="l" fontAlgn="ctr"/>
+                      <a:r>
+                        <a:rPr lang="ko-KR" altLang="en-US" sz="1100" b="0" i="0" u="none" strike="noStrike">
+                          <a:solidFill>
+                            <a:srgbClr val="000000"/>
+                          </a:solidFill>
+                          <a:effectLst/>
+                          <a:latin typeface="맑은 고딕" panose="020B0503020000020004" pitchFamily="50" charset="-127"/>
+                          <a:ea typeface="맑은 고딕" panose="020B0503020000020004" pitchFamily="50" charset="-127"/>
+                        </a:rPr>
+                        <a:t>이름</a:t>
+                      </a:r>
+                    </a:p>
+                  </a:txBody>
+                  <a:tcPr marL="7620" marR="7620" marT="7620" marB="0" anchor="ctr">
+                    <a:lnL w="6350" cap="flat" cmpd="sng" algn="ctr">
+                      <a:solidFill>
+                        <a:srgbClr val="000000"/>
+                      </a:solidFill>
+                      <a:prstDash val="solid"/>
+                      <a:round/>
+                      <a:headEnd type="none" w="med" len="med"/>
+                      <a:tailEnd type="none" w="med" len="med"/>
+                    </a:lnL>
+                    <a:lnR w="6350" cap="flat" cmpd="sng" algn="ctr">
+                      <a:solidFill>
+                        <a:srgbClr val="000000"/>
+                      </a:solidFill>
+                      <a:prstDash val="solid"/>
+                      <a:round/>
+                      <a:headEnd type="none" w="med" len="med"/>
+                      <a:tailEnd type="none" w="med" len="med"/>
+                    </a:lnR>
+                    <a:lnT w="6350" cap="flat" cmpd="sng" algn="ctr">
+                      <a:solidFill>
+                        <a:srgbClr val="000000"/>
+                      </a:solidFill>
+                      <a:prstDash val="solid"/>
+                      <a:round/>
+                      <a:headEnd type="none" w="med" len="med"/>
+                      <a:tailEnd type="none" w="med" len="med"/>
+                    </a:lnT>
+                    <a:lnB w="6350" cap="flat" cmpd="sng" algn="ctr">
+                      <a:solidFill>
+                        <a:srgbClr val="000000"/>
+                      </a:solidFill>
+                      <a:prstDash val="solid"/>
+                      <a:round/>
+                      <a:headEnd type="none" w="med" len="med"/>
+                      <a:tailEnd type="none" w="med" len="med"/>
+                    </a:lnB>
+                    <a:solidFill>
+                      <a:srgbClr val="C6E0B4"/>
+                    </a:solidFill>
+                  </a:tcPr>
+                </a:tc>
+                <a:tc>
+                  <a:txBody>
+                    <a:bodyPr/>
+                    <a:lstStyle/>
+                    <a:p>
+                      <a:pPr algn="l" fontAlgn="ctr"/>
+                      <a:r>
+                        <a:rPr lang="ko-KR" altLang="en-US" sz="1100" b="0" i="0" u="none" strike="noStrike">
+                          <a:solidFill>
+                            <a:srgbClr val="000000"/>
+                          </a:solidFill>
+                          <a:effectLst/>
+                          <a:latin typeface="맑은 고딕" panose="020B0503020000020004" pitchFamily="50" charset="-127"/>
+                          <a:ea typeface="맑은 고딕" panose="020B0503020000020004" pitchFamily="50" charset="-127"/>
+                        </a:rPr>
+                        <a:t>타입</a:t>
+                      </a:r>
+                    </a:p>
+                  </a:txBody>
+                  <a:tcPr marL="7620" marR="7620" marT="7620" marB="0" anchor="ctr">
+                    <a:lnL w="6350" cap="flat" cmpd="sng" algn="ctr">
+                      <a:solidFill>
+                        <a:srgbClr val="000000"/>
+                      </a:solidFill>
+                      <a:prstDash val="solid"/>
+                      <a:round/>
+                      <a:headEnd type="none" w="med" len="med"/>
+                      <a:tailEnd type="none" w="med" len="med"/>
+                    </a:lnL>
+                    <a:lnR w="6350" cap="flat" cmpd="sng" algn="ctr">
+                      <a:solidFill>
+                        <a:srgbClr val="000000"/>
+                      </a:solidFill>
+                      <a:prstDash val="solid"/>
+                      <a:round/>
+                      <a:headEnd type="none" w="med" len="med"/>
+                      <a:tailEnd type="none" w="med" len="med"/>
+                    </a:lnR>
+                    <a:lnT w="6350" cap="flat" cmpd="sng" algn="ctr">
+                      <a:solidFill>
+                        <a:srgbClr val="000000"/>
+                      </a:solidFill>
+                      <a:prstDash val="solid"/>
+                      <a:round/>
+                      <a:headEnd type="none" w="med" len="med"/>
+                      <a:tailEnd type="none" w="med" len="med"/>
+                    </a:lnT>
+                    <a:lnB w="6350" cap="flat" cmpd="sng" algn="ctr">
+                      <a:solidFill>
+                        <a:srgbClr val="000000"/>
+                      </a:solidFill>
+                      <a:prstDash val="solid"/>
+                      <a:round/>
+                      <a:headEnd type="none" w="med" len="med"/>
+                      <a:tailEnd type="none" w="med" len="med"/>
+                    </a:lnB>
+                    <a:solidFill>
+                      <a:srgbClr val="C6E0B4"/>
+                    </a:solidFill>
+                  </a:tcPr>
+                </a:tc>
+                <a:tc>
+                  <a:txBody>
+                    <a:bodyPr/>
+                    <a:lstStyle/>
+                    <a:p>
+                      <a:pPr algn="l" fontAlgn="ctr"/>
+                      <a:r>
+                        <a:rPr lang="ko-KR" altLang="en-US" sz="1100" b="0" i="0" u="none" strike="noStrike">
+                          <a:solidFill>
+                            <a:srgbClr val="000000"/>
+                          </a:solidFill>
+                          <a:effectLst/>
+                          <a:latin typeface="맑은 고딕" panose="020B0503020000020004" pitchFamily="50" charset="-127"/>
+                          <a:ea typeface="맑은 고딕" panose="020B0503020000020004" pitchFamily="50" charset="-127"/>
+                        </a:rPr>
+                        <a:t>한글명</a:t>
+                      </a:r>
+                    </a:p>
+                  </a:txBody>
+                  <a:tcPr marL="7620" marR="7620" marT="7620" marB="0" anchor="ctr">
+                    <a:lnL w="6350" cap="flat" cmpd="sng" algn="ctr">
+                      <a:solidFill>
+                        <a:srgbClr val="000000"/>
+                      </a:solidFill>
+                      <a:prstDash val="solid"/>
+                      <a:round/>
+                      <a:headEnd type="none" w="med" len="med"/>
+                      <a:tailEnd type="none" w="med" len="med"/>
+                    </a:lnL>
+                    <a:lnR w="6350" cap="flat" cmpd="sng" algn="ctr">
+                      <a:solidFill>
+                        <a:srgbClr val="000000"/>
+                      </a:solidFill>
+                      <a:prstDash val="solid"/>
+                      <a:round/>
+                      <a:headEnd type="none" w="med" len="med"/>
+                      <a:tailEnd type="none" w="med" len="med"/>
+                    </a:lnR>
+                    <a:lnT w="6350" cap="flat" cmpd="sng" algn="ctr">
+                      <a:solidFill>
+                        <a:srgbClr val="000000"/>
+                      </a:solidFill>
+                      <a:prstDash val="solid"/>
+                      <a:round/>
+                      <a:headEnd type="none" w="med" len="med"/>
+                      <a:tailEnd type="none" w="med" len="med"/>
+                    </a:lnT>
+                    <a:lnB w="6350" cap="flat" cmpd="sng" algn="ctr">
+                      <a:solidFill>
+                        <a:srgbClr val="000000"/>
+                      </a:solidFill>
+                      <a:prstDash val="solid"/>
+                      <a:round/>
+                      <a:headEnd type="none" w="med" len="med"/>
+                      <a:tailEnd type="none" w="med" len="med"/>
+                    </a:lnB>
+                    <a:solidFill>
+                      <a:srgbClr val="C6E0B4"/>
+                    </a:solidFill>
+                  </a:tcPr>
+                </a:tc>
+                <a:extLst>
+                  <a:ext uri="{0D108BD9-81ED-4DB2-BD59-A6C34878D82A}">
+                    <a16:rowId xmlns:a16="http://schemas.microsoft.com/office/drawing/2014/main" val="3833274428"/>
+                  </a:ext>
+                </a:extLst>
+              </a:tr>
+              <a:tr h="220980">
+                <a:tc>
+                  <a:txBody>
+                    <a:bodyPr/>
+                    <a:lstStyle/>
+                    <a:p>
+                      <a:pPr algn="l" fontAlgn="ctr"/>
+                      <a:r>
+                        <a:rPr lang="en-US" sz="1100" b="0" i="0" u="none" strike="noStrike">
+                          <a:solidFill>
+                            <a:srgbClr val="000000"/>
+                          </a:solidFill>
+                          <a:effectLst/>
+                          <a:latin typeface="맑은 고딕" panose="020B0503020000020004" pitchFamily="50" charset="-127"/>
+                          <a:ea typeface="맑은 고딕" panose="020B0503020000020004" pitchFamily="50" charset="-127"/>
+                        </a:rPr>
+                        <a:t>SELLER_ID</a:t>
+                      </a:r>
+                    </a:p>
+                  </a:txBody>
+                  <a:tcPr marL="7620" marR="7620" marT="7620" marB="0" anchor="ctr">
+                    <a:lnL w="6350" cap="flat" cmpd="sng" algn="ctr">
+                      <a:solidFill>
+                        <a:srgbClr val="000000"/>
+                      </a:solidFill>
+                      <a:prstDash val="solid"/>
+                      <a:round/>
+                      <a:headEnd type="none" w="med" len="med"/>
+                      <a:tailEnd type="none" w="med" len="med"/>
+                    </a:lnL>
+                    <a:lnR w="6350" cap="flat" cmpd="sng" algn="ctr">
+                      <a:solidFill>
+                        <a:srgbClr val="000000"/>
+                      </a:solidFill>
+                      <a:prstDash val="solid"/>
+                      <a:round/>
+                      <a:headEnd type="none" w="med" len="med"/>
+                      <a:tailEnd type="none" w="med" len="med"/>
+                    </a:lnR>
+                    <a:lnT w="6350" cap="flat" cmpd="sng" algn="ctr">
+                      <a:solidFill>
+                        <a:srgbClr val="000000"/>
+                      </a:solidFill>
+                      <a:prstDash val="solid"/>
+                      <a:round/>
+                      <a:headEnd type="none" w="med" len="med"/>
+                      <a:tailEnd type="none" w="med" len="med"/>
+                    </a:lnT>
+                    <a:lnB w="6350" cap="flat" cmpd="sng" algn="ctr">
+                      <a:solidFill>
+                        <a:srgbClr val="000000"/>
+                      </a:solidFill>
+                      <a:prstDash val="solid"/>
+                      <a:round/>
+                      <a:headEnd type="none" w="med" len="med"/>
+                      <a:tailEnd type="none" w="med" len="med"/>
+                    </a:lnB>
+                    <a:solidFill>
+                      <a:srgbClr val="FFFFFF"/>
+                    </a:solidFill>
+                  </a:tcPr>
+                </a:tc>
+                <a:tc>
+                  <a:txBody>
+                    <a:bodyPr/>
+                    <a:lstStyle/>
+                    <a:p>
+                      <a:pPr algn="l" fontAlgn="ctr"/>
+                      <a:r>
+                        <a:rPr lang="en-US" sz="1100" b="0" i="0" u="none" strike="noStrike">
+                          <a:solidFill>
+                            <a:srgbClr val="000000"/>
+                          </a:solidFill>
+                          <a:effectLst/>
+                          <a:latin typeface="맑은 고딕" panose="020B0503020000020004" pitchFamily="50" charset="-127"/>
+                          <a:ea typeface="맑은 고딕" panose="020B0503020000020004" pitchFamily="50" charset="-127"/>
+                        </a:rPr>
+                        <a:t>TEXT</a:t>
+                      </a:r>
+                    </a:p>
+                  </a:txBody>
+                  <a:tcPr marL="7620" marR="7620" marT="7620" marB="0" anchor="ctr">
+                    <a:lnL w="6350" cap="flat" cmpd="sng" algn="ctr">
+                      <a:solidFill>
+                        <a:srgbClr val="000000"/>
+                      </a:solidFill>
+                      <a:prstDash val="solid"/>
+                      <a:round/>
+                      <a:headEnd type="none" w="med" len="med"/>
+                      <a:tailEnd type="none" w="med" len="med"/>
+                    </a:lnL>
+                    <a:lnR w="6350" cap="flat" cmpd="sng" algn="ctr">
+                      <a:solidFill>
+                        <a:srgbClr val="000000"/>
+                      </a:solidFill>
+                      <a:prstDash val="solid"/>
+                      <a:round/>
+                      <a:headEnd type="none" w="med" len="med"/>
+                      <a:tailEnd type="none" w="med" len="med"/>
+                    </a:lnR>
+                    <a:lnT w="6350" cap="flat" cmpd="sng" algn="ctr">
+                      <a:solidFill>
+                        <a:srgbClr val="000000"/>
+                      </a:solidFill>
+                      <a:prstDash val="solid"/>
+                      <a:round/>
+                      <a:headEnd type="none" w="med" len="med"/>
+                      <a:tailEnd type="none" w="med" len="med"/>
+                    </a:lnT>
+                    <a:lnB w="6350" cap="flat" cmpd="sng" algn="ctr">
+                      <a:solidFill>
+                        <a:srgbClr val="000000"/>
+                      </a:solidFill>
+                      <a:prstDash val="solid"/>
+                      <a:round/>
+                      <a:headEnd type="none" w="med" len="med"/>
+                      <a:tailEnd type="none" w="med" len="med"/>
+                    </a:lnB>
+                    <a:solidFill>
+                      <a:srgbClr val="FFFFFF"/>
+                    </a:solidFill>
+                  </a:tcPr>
+                </a:tc>
+                <a:tc>
+                  <a:txBody>
+                    <a:bodyPr/>
+                    <a:lstStyle/>
+                    <a:p>
+                      <a:pPr algn="l" fontAlgn="ctr"/>
+                      <a:r>
+                        <a:rPr lang="ko-KR" altLang="en-US" sz="1100" b="0" i="0" u="none" strike="noStrike" dirty="0">
+                          <a:solidFill>
+                            <a:srgbClr val="000000"/>
+                          </a:solidFill>
+                          <a:effectLst/>
+                          <a:latin typeface="맑은 고딕" panose="020B0503020000020004" pitchFamily="50" charset="-127"/>
+                          <a:ea typeface="맑은 고딕" panose="020B0503020000020004" pitchFamily="50" charset="-127"/>
+                        </a:rPr>
+                        <a:t>판매자</a:t>
+                      </a:r>
+                      <a:r>
+                        <a:rPr lang="en-US" sz="1100" b="0" i="0" u="none" strike="noStrike" dirty="0">
+                          <a:solidFill>
+                            <a:srgbClr val="000000"/>
+                          </a:solidFill>
+                          <a:effectLst/>
+                          <a:latin typeface="맑은 고딕" panose="020B0503020000020004" pitchFamily="50" charset="-127"/>
+                          <a:ea typeface="맑은 고딕" panose="020B0503020000020004" pitchFamily="50" charset="-127"/>
+                        </a:rPr>
+                        <a:t>ID</a:t>
+                      </a:r>
+                    </a:p>
+                  </a:txBody>
+                  <a:tcPr marL="7620" marR="7620" marT="7620" marB="0" anchor="ctr">
+                    <a:lnL w="6350" cap="flat" cmpd="sng" algn="ctr">
+                      <a:solidFill>
+                        <a:srgbClr val="000000"/>
+                      </a:solidFill>
+                      <a:prstDash val="solid"/>
+                      <a:round/>
+                      <a:headEnd type="none" w="med" len="med"/>
+                      <a:tailEnd type="none" w="med" len="med"/>
+                    </a:lnL>
+                    <a:lnR w="6350" cap="flat" cmpd="sng" algn="ctr">
+                      <a:solidFill>
+                        <a:srgbClr val="000000"/>
+                      </a:solidFill>
+                      <a:prstDash val="solid"/>
+                      <a:round/>
+                      <a:headEnd type="none" w="med" len="med"/>
+                      <a:tailEnd type="none" w="med" len="med"/>
+                    </a:lnR>
+                    <a:lnT w="6350" cap="flat" cmpd="sng" algn="ctr">
+                      <a:solidFill>
+                        <a:srgbClr val="000000"/>
+                      </a:solidFill>
+                      <a:prstDash val="solid"/>
+                      <a:round/>
+                      <a:headEnd type="none" w="med" len="med"/>
+                      <a:tailEnd type="none" w="med" len="med"/>
+                    </a:lnT>
+                    <a:lnB w="6350" cap="flat" cmpd="sng" algn="ctr">
+                      <a:solidFill>
+                        <a:srgbClr val="000000"/>
+                      </a:solidFill>
+                      <a:prstDash val="solid"/>
+                      <a:round/>
+                      <a:headEnd type="none" w="med" len="med"/>
+                      <a:tailEnd type="none" w="med" len="med"/>
+                    </a:lnB>
+                    <a:solidFill>
+                      <a:srgbClr val="FFFFFF"/>
+                    </a:solidFill>
+                  </a:tcPr>
+                </a:tc>
+                <a:extLst>
+                  <a:ext uri="{0D108BD9-81ED-4DB2-BD59-A6C34878D82A}">
+                    <a16:rowId xmlns:a16="http://schemas.microsoft.com/office/drawing/2014/main" val="1577636830"/>
+                  </a:ext>
+                </a:extLst>
+              </a:tr>
+              <a:tr h="220980">
+                <a:tc>
+                  <a:txBody>
+                    <a:bodyPr/>
+                    <a:lstStyle/>
+                    <a:p>
+                      <a:pPr algn="l" fontAlgn="ctr"/>
+                      <a:r>
+                        <a:rPr lang="en-US" sz="1100" b="0" i="0" u="none" strike="noStrike">
+                          <a:solidFill>
+                            <a:srgbClr val="000000"/>
+                          </a:solidFill>
+                          <a:effectLst/>
+                          <a:latin typeface="맑은 고딕" panose="020B0503020000020004" pitchFamily="50" charset="-127"/>
+                          <a:ea typeface="맑은 고딕" panose="020B0503020000020004" pitchFamily="50" charset="-127"/>
+                        </a:rPr>
+                        <a:t>STATE</a:t>
+                      </a:r>
+                    </a:p>
+                  </a:txBody>
+                  <a:tcPr marL="7620" marR="7620" marT="7620" marB="0" anchor="ctr">
+                    <a:lnL w="6350" cap="flat" cmpd="sng" algn="ctr">
+                      <a:solidFill>
+                        <a:srgbClr val="000000"/>
+                      </a:solidFill>
+                      <a:prstDash val="solid"/>
+                      <a:round/>
+                      <a:headEnd type="none" w="med" len="med"/>
+                      <a:tailEnd type="none" w="med" len="med"/>
+                    </a:lnL>
+                    <a:lnR w="6350" cap="flat" cmpd="sng" algn="ctr">
+                      <a:solidFill>
+                        <a:srgbClr val="000000"/>
+                      </a:solidFill>
+                      <a:prstDash val="solid"/>
+                      <a:round/>
+                      <a:headEnd type="none" w="med" len="med"/>
+                      <a:tailEnd type="none" w="med" len="med"/>
+                    </a:lnR>
+                    <a:lnT w="6350" cap="flat" cmpd="sng" algn="ctr">
+                      <a:solidFill>
+                        <a:srgbClr val="000000"/>
+                      </a:solidFill>
+                      <a:prstDash val="solid"/>
+                      <a:round/>
+                      <a:headEnd type="none" w="med" len="med"/>
+                      <a:tailEnd type="none" w="med" len="med"/>
+                    </a:lnT>
+                    <a:lnB w="6350" cap="flat" cmpd="sng" algn="ctr">
+                      <a:solidFill>
+                        <a:srgbClr val="000000"/>
+                      </a:solidFill>
+                      <a:prstDash val="solid"/>
+                      <a:round/>
+                      <a:headEnd type="none" w="med" len="med"/>
+                      <a:tailEnd type="none" w="med" len="med"/>
+                    </a:lnB>
+                    <a:solidFill>
+                      <a:srgbClr val="FFFFFF"/>
+                    </a:solidFill>
+                  </a:tcPr>
+                </a:tc>
+                <a:tc>
+                  <a:txBody>
+                    <a:bodyPr/>
+                    <a:lstStyle/>
+                    <a:p>
+                      <a:pPr algn="l" fontAlgn="ctr"/>
+                      <a:r>
+                        <a:rPr lang="en-US" sz="1100" b="0" i="0" u="none" strike="noStrike">
+                          <a:solidFill>
+                            <a:srgbClr val="000000"/>
+                          </a:solidFill>
+                          <a:effectLst/>
+                          <a:latin typeface="맑은 고딕" panose="020B0503020000020004" pitchFamily="50" charset="-127"/>
+                          <a:ea typeface="맑은 고딕" panose="020B0503020000020004" pitchFamily="50" charset="-127"/>
+                        </a:rPr>
+                        <a:t>TEXT</a:t>
+                      </a:r>
+                    </a:p>
+                  </a:txBody>
+                  <a:tcPr marL="7620" marR="7620" marT="7620" marB="0" anchor="ctr">
+                    <a:lnL w="6350" cap="flat" cmpd="sng" algn="ctr">
+                      <a:solidFill>
+                        <a:srgbClr val="000000"/>
+                      </a:solidFill>
+                      <a:prstDash val="solid"/>
+                      <a:round/>
+                      <a:headEnd type="none" w="med" len="med"/>
+                      <a:tailEnd type="none" w="med" len="med"/>
+                    </a:lnL>
+                    <a:lnR w="6350" cap="flat" cmpd="sng" algn="ctr">
+                      <a:solidFill>
+                        <a:srgbClr val="000000"/>
+                      </a:solidFill>
+                      <a:prstDash val="solid"/>
+                      <a:round/>
+                      <a:headEnd type="none" w="med" len="med"/>
+                      <a:tailEnd type="none" w="med" len="med"/>
+                    </a:lnR>
+                    <a:lnT w="6350" cap="flat" cmpd="sng" algn="ctr">
+                      <a:solidFill>
+                        <a:srgbClr val="000000"/>
+                      </a:solidFill>
+                      <a:prstDash val="solid"/>
+                      <a:round/>
+                      <a:headEnd type="none" w="med" len="med"/>
+                      <a:tailEnd type="none" w="med" len="med"/>
+                    </a:lnT>
+                    <a:lnB w="6350" cap="flat" cmpd="sng" algn="ctr">
+                      <a:solidFill>
+                        <a:srgbClr val="000000"/>
+                      </a:solidFill>
+                      <a:prstDash val="solid"/>
+                      <a:round/>
+                      <a:headEnd type="none" w="med" len="med"/>
+                      <a:tailEnd type="none" w="med" len="med"/>
+                    </a:lnB>
+                    <a:solidFill>
+                      <a:srgbClr val="FFFFFF"/>
+                    </a:solidFill>
+                  </a:tcPr>
+                </a:tc>
+                <a:tc>
+                  <a:txBody>
+                    <a:bodyPr/>
+                    <a:lstStyle/>
+                    <a:p>
+                      <a:pPr algn="l" fontAlgn="ctr"/>
+                      <a:r>
+                        <a:rPr lang="ko-KR" altLang="en-US" sz="1100" b="0" i="0" u="none" strike="noStrike">
+                          <a:solidFill>
+                            <a:srgbClr val="000000"/>
+                          </a:solidFill>
+                          <a:effectLst/>
+                          <a:latin typeface="맑은 고딕" panose="020B0503020000020004" pitchFamily="50" charset="-127"/>
+                          <a:ea typeface="맑은 고딕" panose="020B0503020000020004" pitchFamily="50" charset="-127"/>
+                        </a:rPr>
+                        <a:t>도시</a:t>
+                      </a:r>
+                    </a:p>
+                  </a:txBody>
+                  <a:tcPr marL="7620" marR="7620" marT="7620" marB="0" anchor="ctr">
+                    <a:lnL w="6350" cap="flat" cmpd="sng" algn="ctr">
+                      <a:solidFill>
+                        <a:srgbClr val="000000"/>
+                      </a:solidFill>
+                      <a:prstDash val="solid"/>
+                      <a:round/>
+                      <a:headEnd type="none" w="med" len="med"/>
+                      <a:tailEnd type="none" w="med" len="med"/>
+                    </a:lnL>
+                    <a:lnR w="6350" cap="flat" cmpd="sng" algn="ctr">
+                      <a:solidFill>
+                        <a:srgbClr val="000000"/>
+                      </a:solidFill>
+                      <a:prstDash val="solid"/>
+                      <a:round/>
+                      <a:headEnd type="none" w="med" len="med"/>
+                      <a:tailEnd type="none" w="med" len="med"/>
+                    </a:lnR>
+                    <a:lnT w="6350" cap="flat" cmpd="sng" algn="ctr">
+                      <a:solidFill>
+                        <a:srgbClr val="000000"/>
+                      </a:solidFill>
+                      <a:prstDash val="solid"/>
+                      <a:round/>
+                      <a:headEnd type="none" w="med" len="med"/>
+                      <a:tailEnd type="none" w="med" len="med"/>
+                    </a:lnT>
+                    <a:lnB w="6350" cap="flat" cmpd="sng" algn="ctr">
+                      <a:solidFill>
+                        <a:srgbClr val="000000"/>
+                      </a:solidFill>
+                      <a:prstDash val="solid"/>
+                      <a:round/>
+                      <a:headEnd type="none" w="med" len="med"/>
+                      <a:tailEnd type="none" w="med" len="med"/>
+                    </a:lnB>
+                    <a:solidFill>
+                      <a:srgbClr val="FFFFFF"/>
+                    </a:solidFill>
+                  </a:tcPr>
+                </a:tc>
+                <a:extLst>
+                  <a:ext uri="{0D108BD9-81ED-4DB2-BD59-A6C34878D82A}">
+                    <a16:rowId xmlns:a16="http://schemas.microsoft.com/office/drawing/2014/main" val="1487712330"/>
+                  </a:ext>
+                </a:extLst>
+              </a:tr>
+              <a:tr h="220980">
+                <a:tc>
+                  <a:txBody>
+                    <a:bodyPr/>
+                    <a:lstStyle/>
+                    <a:p>
+                      <a:pPr algn="l" fontAlgn="ctr"/>
+                      <a:r>
+                        <a:rPr lang="en-US" sz="1100" b="0" i="0" u="none" strike="noStrike">
+                          <a:solidFill>
+                            <a:srgbClr val="000000"/>
+                          </a:solidFill>
+                          <a:effectLst/>
+                          <a:latin typeface="맑은 고딕" panose="020B0503020000020004" pitchFamily="50" charset="-127"/>
+                          <a:ea typeface="맑은 고딕" panose="020B0503020000020004" pitchFamily="50" charset="-127"/>
+                        </a:rPr>
+                        <a:t>LAT</a:t>
+                      </a:r>
+                    </a:p>
+                  </a:txBody>
+                  <a:tcPr marL="7620" marR="7620" marT="7620" marB="0" anchor="ctr">
+                    <a:lnL w="6350" cap="flat" cmpd="sng" algn="ctr">
+                      <a:solidFill>
+                        <a:srgbClr val="000000"/>
+                      </a:solidFill>
+                      <a:prstDash val="solid"/>
+                      <a:round/>
+                      <a:headEnd type="none" w="med" len="med"/>
+                      <a:tailEnd type="none" w="med" len="med"/>
+                    </a:lnL>
+                    <a:lnR w="6350" cap="flat" cmpd="sng" algn="ctr">
+                      <a:solidFill>
+                        <a:srgbClr val="000000"/>
+                      </a:solidFill>
+                      <a:prstDash val="solid"/>
+                      <a:round/>
+                      <a:headEnd type="none" w="med" len="med"/>
+                      <a:tailEnd type="none" w="med" len="med"/>
+                    </a:lnR>
+                    <a:lnT w="6350" cap="flat" cmpd="sng" algn="ctr">
+                      <a:solidFill>
+                        <a:srgbClr val="000000"/>
+                      </a:solidFill>
+                      <a:prstDash val="solid"/>
+                      <a:round/>
+                      <a:headEnd type="none" w="med" len="med"/>
+                      <a:tailEnd type="none" w="med" len="med"/>
+                    </a:lnT>
+                    <a:lnB w="6350" cap="flat" cmpd="sng" algn="ctr">
+                      <a:solidFill>
+                        <a:srgbClr val="000000"/>
+                      </a:solidFill>
+                      <a:prstDash val="solid"/>
+                      <a:round/>
+                      <a:headEnd type="none" w="med" len="med"/>
+                      <a:tailEnd type="none" w="med" len="med"/>
+                    </a:lnB>
+                    <a:solidFill>
+                      <a:srgbClr val="FFFFFF"/>
+                    </a:solidFill>
+                  </a:tcPr>
+                </a:tc>
+                <a:tc>
+                  <a:txBody>
+                    <a:bodyPr/>
+                    <a:lstStyle/>
+                    <a:p>
+                      <a:pPr algn="l" fontAlgn="ctr"/>
+                      <a:r>
+                        <a:rPr lang="en-US" sz="1100" b="0" i="0" u="none" strike="noStrike">
+                          <a:solidFill>
+                            <a:srgbClr val="000000"/>
+                          </a:solidFill>
+                          <a:effectLst/>
+                          <a:latin typeface="맑은 고딕" panose="020B0503020000020004" pitchFamily="50" charset="-127"/>
+                          <a:ea typeface="맑은 고딕" panose="020B0503020000020004" pitchFamily="50" charset="-127"/>
+                        </a:rPr>
+                        <a:t>TEXT</a:t>
+                      </a:r>
+                    </a:p>
+                  </a:txBody>
+                  <a:tcPr marL="7620" marR="7620" marT="7620" marB="0" anchor="ctr">
+                    <a:lnL w="6350" cap="flat" cmpd="sng" algn="ctr">
+                      <a:solidFill>
+                        <a:srgbClr val="000000"/>
+                      </a:solidFill>
+                      <a:prstDash val="solid"/>
+                      <a:round/>
+                      <a:headEnd type="none" w="med" len="med"/>
+                      <a:tailEnd type="none" w="med" len="med"/>
+                    </a:lnL>
+                    <a:lnR w="6350" cap="flat" cmpd="sng" algn="ctr">
+                      <a:solidFill>
+                        <a:srgbClr val="000000"/>
+                      </a:solidFill>
+                      <a:prstDash val="solid"/>
+                      <a:round/>
+                      <a:headEnd type="none" w="med" len="med"/>
+                      <a:tailEnd type="none" w="med" len="med"/>
+                    </a:lnR>
+                    <a:lnT w="6350" cap="flat" cmpd="sng" algn="ctr">
+                      <a:solidFill>
+                        <a:srgbClr val="000000"/>
+                      </a:solidFill>
+                      <a:prstDash val="solid"/>
+                      <a:round/>
+                      <a:headEnd type="none" w="med" len="med"/>
+                      <a:tailEnd type="none" w="med" len="med"/>
+                    </a:lnT>
+                    <a:lnB w="6350" cap="flat" cmpd="sng" algn="ctr">
+                      <a:solidFill>
+                        <a:srgbClr val="000000"/>
+                      </a:solidFill>
+                      <a:prstDash val="solid"/>
+                      <a:round/>
+                      <a:headEnd type="none" w="med" len="med"/>
+                      <a:tailEnd type="none" w="med" len="med"/>
+                    </a:lnB>
+                    <a:solidFill>
+                      <a:srgbClr val="FFFFFF"/>
+                    </a:solidFill>
+                  </a:tcPr>
+                </a:tc>
+                <a:tc>
+                  <a:txBody>
+                    <a:bodyPr/>
+                    <a:lstStyle/>
+                    <a:p>
+                      <a:pPr algn="l" fontAlgn="ctr"/>
+                      <a:r>
+                        <a:rPr lang="ko-KR" altLang="en-US" sz="1100" b="0" i="0" u="none" strike="noStrike">
+                          <a:solidFill>
+                            <a:srgbClr val="000000"/>
+                          </a:solidFill>
+                          <a:effectLst/>
+                          <a:latin typeface="맑은 고딕" panose="020B0503020000020004" pitchFamily="50" charset="-127"/>
+                          <a:ea typeface="맑은 고딕" panose="020B0503020000020004" pitchFamily="50" charset="-127"/>
+                        </a:rPr>
+                        <a:t>경도</a:t>
+                      </a:r>
+                    </a:p>
+                  </a:txBody>
+                  <a:tcPr marL="7620" marR="7620" marT="7620" marB="0" anchor="ctr">
+                    <a:lnL w="6350" cap="flat" cmpd="sng" algn="ctr">
+                      <a:solidFill>
+                        <a:srgbClr val="000000"/>
+                      </a:solidFill>
+                      <a:prstDash val="solid"/>
+                      <a:round/>
+                      <a:headEnd type="none" w="med" len="med"/>
+                      <a:tailEnd type="none" w="med" len="med"/>
+                    </a:lnL>
+                    <a:lnR w="6350" cap="flat" cmpd="sng" algn="ctr">
+                      <a:solidFill>
+                        <a:srgbClr val="000000"/>
+                      </a:solidFill>
+                      <a:prstDash val="solid"/>
+                      <a:round/>
+                      <a:headEnd type="none" w="med" len="med"/>
+                      <a:tailEnd type="none" w="med" len="med"/>
+                    </a:lnR>
+                    <a:lnT w="6350" cap="flat" cmpd="sng" algn="ctr">
+                      <a:solidFill>
+                        <a:srgbClr val="000000"/>
+                      </a:solidFill>
+                      <a:prstDash val="solid"/>
+                      <a:round/>
+                      <a:headEnd type="none" w="med" len="med"/>
+                      <a:tailEnd type="none" w="med" len="med"/>
+                    </a:lnT>
+                    <a:lnB w="6350" cap="flat" cmpd="sng" algn="ctr">
+                      <a:solidFill>
+                        <a:srgbClr val="000000"/>
+                      </a:solidFill>
+                      <a:prstDash val="solid"/>
+                      <a:round/>
+                      <a:headEnd type="none" w="med" len="med"/>
+                      <a:tailEnd type="none" w="med" len="med"/>
+                    </a:lnB>
+                    <a:solidFill>
+                      <a:srgbClr val="FFFFFF"/>
+                    </a:solidFill>
+                  </a:tcPr>
+                </a:tc>
+                <a:extLst>
+                  <a:ext uri="{0D108BD9-81ED-4DB2-BD59-A6C34878D82A}">
+                    <a16:rowId xmlns:a16="http://schemas.microsoft.com/office/drawing/2014/main" val="3506310587"/>
+                  </a:ext>
+                </a:extLst>
+              </a:tr>
+              <a:tr h="220980">
+                <a:tc>
+                  <a:txBody>
+                    <a:bodyPr/>
+                    <a:lstStyle/>
+                    <a:p>
+                      <a:pPr algn="l" fontAlgn="ctr"/>
+                      <a:r>
+                        <a:rPr lang="en-US" sz="1100" b="0" i="0" u="none" strike="noStrike">
+                          <a:solidFill>
+                            <a:srgbClr val="000000"/>
+                          </a:solidFill>
+                          <a:effectLst/>
+                          <a:latin typeface="맑은 고딕" panose="020B0503020000020004" pitchFamily="50" charset="-127"/>
+                          <a:ea typeface="맑은 고딕" panose="020B0503020000020004" pitchFamily="50" charset="-127"/>
+                        </a:rPr>
+                        <a:t>LNG</a:t>
+                      </a:r>
+                    </a:p>
+                  </a:txBody>
+                  <a:tcPr marL="7620" marR="7620" marT="7620" marB="0" anchor="ctr">
+                    <a:lnL w="6350" cap="flat" cmpd="sng" algn="ctr">
+                      <a:solidFill>
+                        <a:srgbClr val="000000"/>
+                      </a:solidFill>
+                      <a:prstDash val="solid"/>
+                      <a:round/>
+                      <a:headEnd type="none" w="med" len="med"/>
+                      <a:tailEnd type="none" w="med" len="med"/>
+                    </a:lnL>
+                    <a:lnR w="6350" cap="flat" cmpd="sng" algn="ctr">
+                      <a:solidFill>
+                        <a:srgbClr val="000000"/>
+                      </a:solidFill>
+                      <a:prstDash val="solid"/>
+                      <a:round/>
+                      <a:headEnd type="none" w="med" len="med"/>
+                      <a:tailEnd type="none" w="med" len="med"/>
+                    </a:lnR>
+                    <a:lnT w="6350" cap="flat" cmpd="sng" algn="ctr">
+                      <a:solidFill>
+                        <a:srgbClr val="000000"/>
+                      </a:solidFill>
+                      <a:prstDash val="solid"/>
+                      <a:round/>
+                      <a:headEnd type="none" w="med" len="med"/>
+                      <a:tailEnd type="none" w="med" len="med"/>
+                    </a:lnT>
+                    <a:lnB w="6350" cap="flat" cmpd="sng" algn="ctr">
+                      <a:solidFill>
+                        <a:srgbClr val="000000"/>
+                      </a:solidFill>
+                      <a:prstDash val="solid"/>
+                      <a:round/>
+                      <a:headEnd type="none" w="med" len="med"/>
+                      <a:tailEnd type="none" w="med" len="med"/>
+                    </a:lnB>
+                    <a:solidFill>
+                      <a:srgbClr val="FFFFFF"/>
+                    </a:solidFill>
+                  </a:tcPr>
+                </a:tc>
+                <a:tc>
+                  <a:txBody>
+                    <a:bodyPr/>
+                    <a:lstStyle/>
+                    <a:p>
+                      <a:pPr algn="l" fontAlgn="ctr"/>
+                      <a:r>
+                        <a:rPr lang="en-US" sz="1100" b="0" i="0" u="none" strike="noStrike">
+                          <a:solidFill>
+                            <a:srgbClr val="000000"/>
+                          </a:solidFill>
+                          <a:effectLst/>
+                          <a:latin typeface="맑은 고딕" panose="020B0503020000020004" pitchFamily="50" charset="-127"/>
+                          <a:ea typeface="맑은 고딕" panose="020B0503020000020004" pitchFamily="50" charset="-127"/>
+                        </a:rPr>
+                        <a:t>TEXT</a:t>
+                      </a:r>
+                    </a:p>
+                  </a:txBody>
+                  <a:tcPr marL="7620" marR="7620" marT="7620" marB="0" anchor="ctr">
+                    <a:lnL w="6350" cap="flat" cmpd="sng" algn="ctr">
+                      <a:solidFill>
+                        <a:srgbClr val="000000"/>
+                      </a:solidFill>
+                      <a:prstDash val="solid"/>
+                      <a:round/>
+                      <a:headEnd type="none" w="med" len="med"/>
+                      <a:tailEnd type="none" w="med" len="med"/>
+                    </a:lnL>
+                    <a:lnR w="6350" cap="flat" cmpd="sng" algn="ctr">
+                      <a:solidFill>
+                        <a:srgbClr val="000000"/>
+                      </a:solidFill>
+                      <a:prstDash val="solid"/>
+                      <a:round/>
+                      <a:headEnd type="none" w="med" len="med"/>
+                      <a:tailEnd type="none" w="med" len="med"/>
+                    </a:lnR>
+                    <a:lnT w="6350" cap="flat" cmpd="sng" algn="ctr">
+                      <a:solidFill>
+                        <a:srgbClr val="000000"/>
+                      </a:solidFill>
+                      <a:prstDash val="solid"/>
+                      <a:round/>
+                      <a:headEnd type="none" w="med" len="med"/>
+                      <a:tailEnd type="none" w="med" len="med"/>
+                    </a:lnT>
+                    <a:lnB w="6350" cap="flat" cmpd="sng" algn="ctr">
+                      <a:solidFill>
+                        <a:srgbClr val="000000"/>
+                      </a:solidFill>
+                      <a:prstDash val="solid"/>
+                      <a:round/>
+                      <a:headEnd type="none" w="med" len="med"/>
+                      <a:tailEnd type="none" w="med" len="med"/>
+                    </a:lnB>
+                    <a:solidFill>
+                      <a:srgbClr val="FFFFFF"/>
+                    </a:solidFill>
+                  </a:tcPr>
+                </a:tc>
+                <a:tc>
+                  <a:txBody>
+                    <a:bodyPr/>
+                    <a:lstStyle/>
+                    <a:p>
+                      <a:pPr algn="l" fontAlgn="ctr"/>
+                      <a:r>
+                        <a:rPr lang="ko-KR" altLang="en-US" sz="1100" b="0" i="0" u="none" strike="noStrike" dirty="0">
+                          <a:solidFill>
+                            <a:srgbClr val="000000"/>
+                          </a:solidFill>
+                          <a:effectLst/>
+                          <a:latin typeface="맑은 고딕" panose="020B0503020000020004" pitchFamily="50" charset="-127"/>
+                          <a:ea typeface="맑은 고딕" panose="020B0503020000020004" pitchFamily="50" charset="-127"/>
+                        </a:rPr>
+                        <a:t>위도</a:t>
+                      </a:r>
+                    </a:p>
+                  </a:txBody>
+                  <a:tcPr marL="7620" marR="7620" marT="7620" marB="0" anchor="ctr">
+                    <a:lnL w="6350" cap="flat" cmpd="sng" algn="ctr">
+                      <a:solidFill>
+                        <a:srgbClr val="000000"/>
+                      </a:solidFill>
+                      <a:prstDash val="solid"/>
+                      <a:round/>
+                      <a:headEnd type="none" w="med" len="med"/>
+                      <a:tailEnd type="none" w="med" len="med"/>
+                    </a:lnL>
+                    <a:lnR w="6350" cap="flat" cmpd="sng" algn="ctr">
+                      <a:solidFill>
+                        <a:srgbClr val="000000"/>
+                      </a:solidFill>
+                      <a:prstDash val="solid"/>
+                      <a:round/>
+                      <a:headEnd type="none" w="med" len="med"/>
+                      <a:tailEnd type="none" w="med" len="med"/>
+                    </a:lnR>
+                    <a:lnT w="6350" cap="flat" cmpd="sng" algn="ctr">
+                      <a:solidFill>
+                        <a:srgbClr val="000000"/>
+                      </a:solidFill>
+                      <a:prstDash val="solid"/>
+                      <a:round/>
+                      <a:headEnd type="none" w="med" len="med"/>
+                      <a:tailEnd type="none" w="med" len="med"/>
+                    </a:lnT>
+                    <a:lnB w="6350" cap="flat" cmpd="sng" algn="ctr">
+                      <a:solidFill>
+                        <a:srgbClr val="000000"/>
+                      </a:solidFill>
+                      <a:prstDash val="solid"/>
+                      <a:round/>
+                      <a:headEnd type="none" w="med" len="med"/>
+                      <a:tailEnd type="none" w="med" len="med"/>
+                    </a:lnB>
+                    <a:solidFill>
+                      <a:srgbClr val="FFFFFF"/>
+                    </a:solidFill>
+                  </a:tcPr>
+                </a:tc>
+                <a:extLst>
+                  <a:ext uri="{0D108BD9-81ED-4DB2-BD59-A6C34878D82A}">
+                    <a16:rowId xmlns:a16="http://schemas.microsoft.com/office/drawing/2014/main" val="692002198"/>
+                  </a:ext>
+                </a:extLst>
+              </a:tr>
+            </a:tbl>
+          </a:graphicData>
+        </a:graphic>
+      </p:graphicFrame>
+      <p:sp>
+        <p:nvSpPr>
+          <p:cNvPr id="16" name="TextBox 15">
+            <a:extLst>
+              <a:ext uri="{FF2B5EF4-FFF2-40B4-BE49-F238E27FC236}">
+                <a16:creationId xmlns:a16="http://schemas.microsoft.com/office/drawing/2014/main" id="{ED480D25-9F5D-4738-BD13-D8FCBCECF2D3}"/>
+              </a:ext>
+            </a:extLst>
+          </p:cNvPr>
+          <p:cNvSpPr txBox="1"/>
+          <p:nvPr/>
+        </p:nvSpPr>
+        <p:spPr>
+          <a:xfrm>
+            <a:off x="2086538" y="2905604"/>
+            <a:ext cx="2745442" cy="369332"/>
+          </a:xfrm>
+          <a:prstGeom prst="rect">
+            <a:avLst/>
+          </a:prstGeom>
+          <a:noFill/>
+        </p:spPr>
+        <p:txBody>
+          <a:bodyPr wrap="square">
+            <a:spAutoFit/>
+          </a:bodyPr>
+          <a:lstStyle/>
+          <a:p>
+            <a:r>
+              <a:rPr lang="ko-KR" altLang="en-US" dirty="0">
+                <a:solidFill>
+                  <a:schemeClr val="bg1"/>
+                </a:solidFill>
+              </a:rPr>
+              <a:t>OLIST_PRODUCTS</a:t>
+            </a:r>
+          </a:p>
+        </p:txBody>
+      </p:sp>
+      <p:sp>
+        <p:nvSpPr>
+          <p:cNvPr id="17" name="TextBox 16">
+            <a:extLst>
+              <a:ext uri="{FF2B5EF4-FFF2-40B4-BE49-F238E27FC236}">
+                <a16:creationId xmlns:a16="http://schemas.microsoft.com/office/drawing/2014/main" id="{8A319EA2-8D19-4313-9B19-9D3F91B3920A}"/>
+              </a:ext>
+            </a:extLst>
+          </p:cNvPr>
+          <p:cNvSpPr txBox="1"/>
+          <p:nvPr/>
+        </p:nvSpPr>
+        <p:spPr>
+          <a:xfrm>
+            <a:off x="5441773" y="2905604"/>
+            <a:ext cx="2745442" cy="369332"/>
+          </a:xfrm>
+          <a:prstGeom prst="rect">
+            <a:avLst/>
+          </a:prstGeom>
+          <a:noFill/>
+        </p:spPr>
+        <p:txBody>
+          <a:bodyPr wrap="square">
+            <a:spAutoFit/>
+          </a:bodyPr>
+          <a:lstStyle/>
+          <a:p>
+            <a:r>
+              <a:rPr lang="en-US" altLang="ko-KR" dirty="0">
+                <a:solidFill>
+                  <a:schemeClr val="bg1"/>
+                </a:solidFill>
+              </a:rPr>
+              <a:t>OLIST_SELLERS</a:t>
+            </a:r>
+            <a:endParaRPr lang="ko-KR" altLang="en-US" dirty="0">
+              <a:solidFill>
+                <a:schemeClr val="bg1"/>
+              </a:solidFill>
+            </a:endParaRPr>
+          </a:p>
+        </p:txBody>
+      </p:sp>
+      <p:sp>
+        <p:nvSpPr>
+          <p:cNvPr id="18" name="TextBox 17">
+            <a:extLst>
+              <a:ext uri="{FF2B5EF4-FFF2-40B4-BE49-F238E27FC236}">
+                <a16:creationId xmlns:a16="http://schemas.microsoft.com/office/drawing/2014/main" id="{7E595AD4-E49D-4408-90F2-46FA14718FAF}"/>
+              </a:ext>
+            </a:extLst>
+          </p:cNvPr>
+          <p:cNvSpPr txBox="1"/>
+          <p:nvPr/>
+        </p:nvSpPr>
+        <p:spPr>
+          <a:xfrm>
+            <a:off x="1503832" y="2095796"/>
+            <a:ext cx="2960396" cy="523220"/>
+          </a:xfrm>
+          <a:prstGeom prst="rect">
+            <a:avLst/>
+          </a:prstGeom>
+          <a:noFill/>
+        </p:spPr>
+        <p:txBody>
+          <a:bodyPr wrap="square">
+            <a:spAutoFit/>
+          </a:bodyPr>
+          <a:lstStyle/>
+          <a:p>
+            <a:r>
+              <a:rPr lang="ko-KR" altLang="en-US" sz="2800" dirty="0">
+                <a:solidFill>
+                  <a:schemeClr val="bg1"/>
+                </a:solidFill>
+              </a:rPr>
+              <a:t>테이블정의</a:t>
+            </a:r>
+          </a:p>
+        </p:txBody>
+      </p:sp>
+      <p:sp>
+        <p:nvSpPr>
+          <p:cNvPr id="19" name="TextBox 18">
+            <a:extLst>
+              <a:ext uri="{FF2B5EF4-FFF2-40B4-BE49-F238E27FC236}">
+                <a16:creationId xmlns:a16="http://schemas.microsoft.com/office/drawing/2014/main" id="{84C1FED5-4389-4F48-B1EB-834C1A82AE07}"/>
+              </a:ext>
+            </a:extLst>
+          </p:cNvPr>
+          <p:cNvSpPr txBox="1"/>
+          <p:nvPr/>
+        </p:nvSpPr>
+        <p:spPr>
+          <a:xfrm>
+            <a:off x="5231497" y="4933834"/>
+            <a:ext cx="3002980" cy="646331"/>
+          </a:xfrm>
+          <a:prstGeom prst="rect">
+            <a:avLst/>
+          </a:prstGeom>
+          <a:noFill/>
+        </p:spPr>
+        <p:txBody>
+          <a:bodyPr wrap="square">
+            <a:spAutoFit/>
+          </a:bodyPr>
+          <a:lstStyle/>
+          <a:p>
+            <a:r>
+              <a:rPr lang="ko-KR" altLang="en-US" dirty="0">
+                <a:solidFill>
+                  <a:schemeClr val="bg1"/>
+                </a:solidFill>
+              </a:rPr>
+              <a:t>선택한 상품의 정보와 판매자 정보를 저장하기 위한 </a:t>
+            </a:r>
+            <a:r>
+              <a:rPr lang="en-US" altLang="ko-KR" dirty="0">
+                <a:solidFill>
+                  <a:schemeClr val="bg1"/>
+                </a:solidFill>
+              </a:rPr>
+              <a:t>DB</a:t>
+            </a:r>
+            <a:endParaRPr lang="ko-KR" altLang="en-US" dirty="0">
+              <a:solidFill>
+                <a:schemeClr val="bg1"/>
+              </a:solidFill>
+            </a:endParaRPr>
+          </a:p>
+        </p:txBody>
+      </p:sp>
+    </p:spTree>
+    <p:extLst>
+      <p:ext uri="{BB962C8B-B14F-4D97-AF65-F5344CB8AC3E}">
+        <p14:creationId xmlns:p14="http://schemas.microsoft.com/office/powerpoint/2010/main" val="1426773984"/>
+      </p:ext>
+    </p:extLst>
+  </p:cSld>
+  <p:clrMapOvr>
+    <a:masterClrMapping/>
+  </p:clrMapOvr>
+</p:sld>
+</file>
+
+<file path=ppt/slides/slide4.xml><?xml version="1.0" encoding="utf-8"?>
+<p:sld xmlns:a="http://schemas.openxmlformats.org/drawingml/2006/main" xmlns:r="http://schemas.openxmlformats.org/officeDocument/2006/relationships" xmlns:p="http://schemas.openxmlformats.org/presentationml/2006/main">
+  <p:cSld>
+    <p:spTree>
+      <p:nvGrpSpPr>
+        <p:cNvPr id="1" name=""/>
+        <p:cNvGrpSpPr/>
+        <p:nvPr/>
+      </p:nvGrpSpPr>
+      <p:grpSpPr>
+        <a:xfrm>
+          <a:off x="0" y="0"/>
+          <a:ext cx="0" cy="0"/>
+          <a:chOff x="0" y="0"/>
+          <a:chExt cx="0" cy="0"/>
+        </a:xfrm>
+      </p:grpSpPr>
       <p:pic>
         <p:nvPicPr>
           <p:cNvPr id="2" name="그림 1"/>
